--- a/기획/방랑엽사전/맵 기획서 (토벌단 본부).pptx
+++ b/기획/방랑엽사전/맵 기획서 (토벌단 본부).pptx
@@ -5,12 +5,13 @@
     <p:sldMasterId id="2147483715" r:id="rId1"/>
   </p:sldMasterIdLst>
   <p:notesMasterIdLst>
-    <p:notesMasterId r:id="rId5"/>
+    <p:notesMasterId r:id="rId6"/>
   </p:notesMasterIdLst>
   <p:sldIdLst>
     <p:sldId id="258" r:id="rId2"/>
     <p:sldId id="266" r:id="rId3"/>
-    <p:sldId id="265" r:id="rId4"/>
+    <p:sldId id="267" r:id="rId4"/>
+    <p:sldId id="268" r:id="rId5"/>
   </p:sldIdLst>
   <p:sldSz cx="12192000" cy="6858000"/>
   <p:notesSz cx="6858000" cy="9144000"/>
@@ -5803,14 +5804,14 @@
           <p:nvPr>
             <p:extLst>
               <p:ext uri="{D42A27DB-BD31-4B8C-83A1-F6EECF244321}">
-                <p14:modId xmlns:p14="http://schemas.microsoft.com/office/powerpoint/2010/main" val="4054815870"/>
+                <p14:modId xmlns:p14="http://schemas.microsoft.com/office/powerpoint/2010/main" val="2899348086"/>
               </p:ext>
             </p:extLst>
           </p:nvPr>
         </p:nvGraphicFramePr>
         <p:xfrm>
-          <a:off x="1412875" y="1884932"/>
-          <a:ext cx="9366250" cy="3088136"/>
+          <a:off x="1412875" y="1158875"/>
+          <a:ext cx="9366250" cy="4071750"/>
         </p:xfrm>
         <a:graphic>
           <a:graphicData uri="http://schemas.openxmlformats.org/drawingml/2006/table">
@@ -5826,14 +5827,14 @@
                     </a:ext>
                   </a:extLst>
                 </a:gridCol>
-                <a:gridCol w="6873186">
+                <a:gridCol w="7206111">
                   <a:extLst>
                     <a:ext uri="{9D8B030D-6E8A-4147-A177-3AD203B41FA5}">
                       <a16:colId xmlns:a16="http://schemas.microsoft.com/office/drawing/2014/main" val="2578034056"/>
                     </a:ext>
                   </a:extLst>
                 </a:gridCol>
-                <a:gridCol w="1273458">
+                <a:gridCol w="940533">
                   <a:extLst>
                     <a:ext uri="{9D8B030D-6E8A-4147-A177-3AD203B41FA5}">
                       <a16:colId xmlns:a16="http://schemas.microsoft.com/office/drawing/2014/main" val="1066362188"/>
@@ -6175,6 +6176,47 @@
                         </a:rPr>
                         <a:t>.</a:t>
                       </a:r>
+                    </a:p>
+                    <a:p>
+                      <a:pPr algn="just">
+                        <a:lnSpc>
+                          <a:spcPct val="160000"/>
+                        </a:lnSpc>
+                        <a:spcBef>
+                          <a:spcPts val="0"/>
+                        </a:spcBef>
+                        <a:spcAft>
+                          <a:spcPts val="0"/>
+                        </a:spcAft>
+                      </a:pPr>
+                      <a:r>
+                        <a:rPr lang="ko-KR" altLang="en-US" sz="1200" b="0" dirty="0">
+                          <a:effectLst/>
+                          <a:latin typeface="+mn-lt"/>
+                        </a:rPr>
+                        <a:t>대부분의 퀘스트와 스토리의 중심이 되는 장소로 </a:t>
+                      </a:r>
+                      <a:r>
+                        <a:rPr lang="en-US" altLang="ko-KR" sz="1200" b="0" dirty="0">
+                          <a:effectLst/>
+                          <a:latin typeface="+mn-lt"/>
+                        </a:rPr>
+                        <a:t>PC</a:t>
+                      </a:r>
+                      <a:r>
+                        <a:rPr lang="ko-KR" altLang="en-US" sz="1200" b="0" dirty="0">
+                          <a:effectLst/>
+                          <a:latin typeface="+mn-lt"/>
+                        </a:rPr>
+                        <a:t>는 주로 이 장소를 중심으로 활동하게 될 것이다</a:t>
+                      </a:r>
+                      <a:r>
+                        <a:rPr lang="en-US" altLang="ko-KR" sz="1200" b="0" dirty="0">
+                          <a:effectLst/>
+                          <a:latin typeface="+mn-lt"/>
+                        </a:rPr>
+                        <a:t>.</a:t>
+                      </a:r>
                       <a:endParaRPr lang="ko-KR" altLang="en-US" sz="1200" b="0" dirty="0">
                         <a:effectLst/>
                         <a:latin typeface="+mn-lt"/>
@@ -6409,7 +6451,7 @@
                           <a:effectLst/>
                           <a:latin typeface="+mn-lt"/>
                         </a:rPr>
-                        <a:t> 퀘스트 </a:t>
+                        <a:t>퀘스트 </a:t>
                       </a:r>
                       <a:r>
                         <a:rPr lang="en-US" altLang="ko-KR" sz="1200" b="0" dirty="0">
@@ -6459,8 +6501,21 @@
                           <a:effectLst/>
                           <a:latin typeface="+mn-lt"/>
                         </a:rPr>
-                        <a:t>), </a:t>
+                        <a:t>)</a:t>
                       </a:r>
+                    </a:p>
+                    <a:p>
+                      <a:pPr algn="just">
+                        <a:lnSpc>
+                          <a:spcPct val="160000"/>
+                        </a:lnSpc>
+                        <a:spcBef>
+                          <a:spcPts val="0"/>
+                        </a:spcBef>
+                        <a:spcAft>
+                          <a:spcPts val="0"/>
+                        </a:spcAft>
+                      </a:pPr>
                       <a:r>
                         <a:rPr lang="ko-KR" altLang="en-US" sz="1200" b="0" dirty="0">
                           <a:solidFill>
@@ -6471,16 +6526,26 @@
                         </a:rPr>
                         <a:t>퀘스트와 몬스터에 대한 정보 수집</a:t>
                       </a:r>
-                      <a:r>
-                        <a:rPr lang="en-US" altLang="ko-KR" sz="1200" b="0" dirty="0">
-                          <a:solidFill>
-                            <a:srgbClr val="000000"/>
-                          </a:solidFill>
-                          <a:effectLst/>
-                          <a:latin typeface="+mn-lt"/>
-                        </a:rPr>
-                        <a:t>, </a:t>
-                      </a:r>
+                      <a:endParaRPr lang="en-US" altLang="ko-KR" sz="1200" b="0" dirty="0">
+                        <a:solidFill>
+                          <a:srgbClr val="000000"/>
+                        </a:solidFill>
+                        <a:effectLst/>
+                        <a:latin typeface="+mn-lt"/>
+                      </a:endParaRPr>
+                    </a:p>
+                    <a:p>
+                      <a:pPr algn="just">
+                        <a:lnSpc>
+                          <a:spcPct val="160000"/>
+                        </a:lnSpc>
+                        <a:spcBef>
+                          <a:spcPts val="0"/>
+                        </a:spcBef>
+                        <a:spcAft>
+                          <a:spcPts val="0"/>
+                        </a:spcAft>
+                      </a:pPr>
                       <a:r>
                         <a:rPr lang="ko-KR" altLang="en-US" sz="1200" b="0" dirty="0">
                           <a:solidFill>
@@ -6491,10 +6556,47 @@
                         </a:rPr>
                         <a:t>휴식 및 회복</a:t>
                       </a:r>
-                      <a:endParaRPr lang="ko-KR" altLang="en-US" sz="1200" b="0" dirty="0">
+                      <a:endParaRPr lang="en-US" altLang="ko-KR" sz="1200" b="0" dirty="0">
+                        <a:solidFill>
+                          <a:srgbClr val="000000"/>
+                        </a:solidFill>
                         <a:effectLst/>
                         <a:latin typeface="+mn-lt"/>
                       </a:endParaRPr>
+                    </a:p>
+                    <a:p>
+                      <a:pPr algn="just">
+                        <a:lnSpc>
+                          <a:spcPct val="160000"/>
+                        </a:lnSpc>
+                        <a:spcBef>
+                          <a:spcPts val="0"/>
+                        </a:spcBef>
+                        <a:spcAft>
+                          <a:spcPts val="0"/>
+                        </a:spcAft>
+                      </a:pPr>
+                      <a:r>
+                        <a:rPr lang="ko-KR" altLang="en-US" sz="1200" b="0" dirty="0">
+                          <a:effectLst/>
+                          <a:latin typeface="+mn-lt"/>
+                        </a:rPr>
+                        <a:t>결투장 등에 </a:t>
+                      </a:r>
+                      <a:r>
+                        <a:rPr lang="ko-KR" altLang="en-US" sz="1200" b="0" dirty="0" err="1">
+                          <a:effectLst/>
+                          <a:latin typeface="+mn-lt"/>
+                        </a:rPr>
+                        <a:t>맵으로</a:t>
+                      </a:r>
+                      <a:r>
+                        <a:rPr lang="ko-KR" altLang="en-US" sz="1200" b="0" dirty="0">
+                          <a:effectLst/>
+                          <a:latin typeface="+mn-lt"/>
+                        </a:rPr>
+                        <a:t> 갈 수 있는 중간 다리</a:t>
+                      </a:r>
                     </a:p>
                   </a:txBody>
                   <a:tcPr marL="66675" marR="66675" marT="66675" marB="66675" anchor="ctr">
@@ -6961,18 +7063,28 @@
                           <a:effectLst/>
                           <a:latin typeface="+mn-lt"/>
                         </a:rPr>
-                        <a:t> 거점</a:t>
+                        <a:t>거점</a:t>
                       </a:r>
-                      <a:r>
-                        <a:rPr lang="en-US" altLang="ko-KR" sz="1200" b="0" dirty="0">
-                          <a:solidFill>
-                            <a:srgbClr val="000000"/>
-                          </a:solidFill>
-                          <a:effectLst/>
-                          <a:latin typeface="+mn-lt"/>
-                        </a:rPr>
-                        <a:t>, </a:t>
-                      </a:r>
+                      <a:endParaRPr lang="en-US" altLang="ko-KR" sz="1200" b="0" dirty="0">
+                        <a:solidFill>
+                          <a:srgbClr val="000000"/>
+                        </a:solidFill>
+                        <a:effectLst/>
+                        <a:latin typeface="+mn-lt"/>
+                      </a:endParaRPr>
+                    </a:p>
+                    <a:p>
+                      <a:pPr algn="just">
+                        <a:lnSpc>
+                          <a:spcPct val="160000"/>
+                        </a:lnSpc>
+                        <a:spcBef>
+                          <a:spcPts val="0"/>
+                        </a:spcBef>
+                        <a:spcAft>
+                          <a:spcPts val="0"/>
+                        </a:spcAft>
+                      </a:pPr>
                       <a:r>
                         <a:rPr lang="ko-KR" altLang="en-US" sz="1200" b="0" dirty="0">
                           <a:solidFill>
@@ -7051,7 +7163,7 @@
                           <a:effectLst/>
                           <a:latin typeface="+mn-lt"/>
                         </a:rPr>
-                        <a:t>), </a:t>
+                        <a:t>, </a:t>
                       </a:r>
                       <a:r>
                         <a:rPr lang="ko-KR" altLang="en-US" sz="1200" b="0" dirty="0">
@@ -7061,7 +7173,7 @@
                           <a:effectLst/>
                           <a:latin typeface="+mn-lt"/>
                         </a:rPr>
-                        <a:t>창고</a:t>
+                        <a:t>보관</a:t>
                       </a:r>
                       <a:r>
                         <a:rPr lang="en-US" altLang="ko-KR" sz="1200" b="0" dirty="0">
@@ -7071,17 +7183,50 @@
                           <a:effectLst/>
                           <a:latin typeface="+mn-lt"/>
                         </a:rPr>
-                        <a:t>, </a:t>
+                        <a:t>)</a:t>
                       </a:r>
+                    </a:p>
+                    <a:p>
+                      <a:pPr algn="just">
+                        <a:lnSpc>
+                          <a:spcPct val="160000"/>
+                        </a:lnSpc>
+                        <a:spcBef>
+                          <a:spcPts val="0"/>
+                        </a:spcBef>
+                        <a:spcAft>
+                          <a:spcPts val="0"/>
+                        </a:spcAft>
+                      </a:pPr>
                       <a:r>
-                        <a:rPr lang="ko-KR" altLang="en-US" sz="1200" b="0" dirty="0" err="1">
+                        <a:rPr lang="ko-KR" altLang="en-US" sz="1200" b="0" dirty="0">
                           <a:solidFill>
                             <a:srgbClr val="000000"/>
                           </a:solidFill>
                           <a:effectLst/>
                           <a:latin typeface="+mn-lt"/>
                         </a:rPr>
-                        <a:t>회복소</a:t>
+                        <a:t>편지</a:t>
+                      </a:r>
+                      <a:r>
+                        <a:rPr lang="en-US" altLang="ko-KR" sz="1200" b="0" dirty="0">
+                          <a:solidFill>
+                            <a:srgbClr val="000000"/>
+                          </a:solidFill>
+                          <a:effectLst/>
+                          <a:latin typeface="+mn-lt"/>
+                        </a:rPr>
+                        <a:t>(</a:t>
+                      </a:r>
+                      <a:r>
+                        <a:rPr lang="ko-KR" altLang="en-US" sz="1200" b="0" dirty="0">
+                          <a:solidFill>
+                            <a:srgbClr val="000000"/>
+                          </a:solidFill>
+                          <a:effectLst/>
+                          <a:latin typeface="+mn-lt"/>
+                        </a:rPr>
+                        <a:t>송수신</a:t>
                       </a:r>
                       <a:r>
                         <a:rPr lang="en-US" altLang="ko-KR" sz="1200" b="0" dirty="0">
@@ -7101,7 +7246,17 @@
                           <a:effectLst/>
                           <a:latin typeface="+mn-lt"/>
                         </a:rPr>
-                        <a:t>공용 스킬 습득</a:t>
+                        <a:t>보관</a:t>
+                      </a:r>
+                      <a:r>
+                        <a:rPr lang="en-US" altLang="ko-KR" sz="1200" b="0" dirty="0">
+                          <a:solidFill>
+                            <a:srgbClr val="000000"/>
+                          </a:solidFill>
+                          <a:effectLst/>
+                          <a:latin typeface="+mn-lt"/>
+                        </a:rPr>
+                        <a:t>)</a:t>
                       </a:r>
                       <a:endParaRPr lang="ko-KR" altLang="en-US" sz="1200" b="0" dirty="0">
                         <a:effectLst/>
@@ -7294,9 +7449,7 @@
                       <a:tailEnd type="none" w="med" len="med"/>
                     </a:lnT>
                     <a:lnB w="12700" cap="flat" cmpd="sng" algn="ctr">
-                      <a:solidFill>
-                        <a:schemeClr val="tx1"/>
-                      </a:solidFill>
+                      <a:noFill/>
                       <a:prstDash val="solid"/>
                       <a:round/>
                       <a:headEnd type="none" w="med" len="med"/>
@@ -7337,7 +7490,117 @@
                           <a:effectLst/>
                           <a:latin typeface="+mn-lt"/>
                         </a:rPr>
-                        <a:t> 존 로딩 방식</a:t>
+                        <a:t> </a:t>
+                      </a:r>
+                      <a:r>
+                        <a:rPr lang="ko-KR" altLang="en-US" sz="1200" b="0" dirty="0" err="1">
+                          <a:solidFill>
+                            <a:srgbClr val="000000"/>
+                          </a:solidFill>
+                          <a:effectLst/>
+                          <a:latin typeface="+mn-lt"/>
+                        </a:rPr>
+                        <a:t>심리스</a:t>
+                      </a:r>
+                      <a:r>
+                        <a:rPr lang="ko-KR" altLang="en-US" sz="1200" b="0" dirty="0">
+                          <a:solidFill>
+                            <a:srgbClr val="000000"/>
+                          </a:solidFill>
+                          <a:effectLst/>
+                          <a:latin typeface="+mn-lt"/>
+                        </a:rPr>
+                        <a:t> 방식</a:t>
+                      </a:r>
+                      <a:r>
+                        <a:rPr lang="en-US" altLang="ko-KR" sz="1200" b="0" dirty="0">
+                          <a:solidFill>
+                            <a:srgbClr val="000000"/>
+                          </a:solidFill>
+                          <a:effectLst/>
+                          <a:latin typeface="+mn-lt"/>
+                        </a:rPr>
+                        <a:t>(</a:t>
+                      </a:r>
+                      <a:r>
+                        <a:rPr lang="ko-KR" altLang="en-US" sz="1200" b="0" dirty="0" err="1">
+                          <a:solidFill>
+                            <a:srgbClr val="000000"/>
+                          </a:solidFill>
+                          <a:effectLst/>
+                          <a:latin typeface="+mn-lt"/>
+                        </a:rPr>
+                        <a:t>토벌단</a:t>
+                      </a:r>
+                      <a:r>
+                        <a:rPr lang="ko-KR" altLang="en-US" sz="1200" b="0" dirty="0">
+                          <a:solidFill>
+                            <a:srgbClr val="000000"/>
+                          </a:solidFill>
+                          <a:effectLst/>
+                          <a:latin typeface="+mn-lt"/>
+                        </a:rPr>
+                        <a:t> 본부</a:t>
+                      </a:r>
+                      <a:r>
+                        <a:rPr lang="en-US" altLang="ko-KR" sz="1200" b="0" dirty="0">
+                          <a:solidFill>
+                            <a:srgbClr val="000000"/>
+                          </a:solidFill>
+                          <a:effectLst/>
+                          <a:latin typeface="+mn-lt"/>
+                        </a:rPr>
+                        <a:t>), </a:t>
+                      </a:r>
+                      <a:r>
+                        <a:rPr lang="ko-KR" altLang="en-US" sz="1200" b="0" dirty="0">
+                          <a:solidFill>
+                            <a:srgbClr val="000000"/>
+                          </a:solidFill>
+                          <a:effectLst/>
+                          <a:latin typeface="+mn-lt"/>
+                        </a:rPr>
+                        <a:t>존 로딩 방식</a:t>
+                      </a:r>
+                      <a:r>
+                        <a:rPr lang="en-US" altLang="ko-KR" sz="1200" b="0" dirty="0">
+                          <a:solidFill>
+                            <a:srgbClr val="000000"/>
+                          </a:solidFill>
+                          <a:effectLst/>
+                          <a:latin typeface="+mn-lt"/>
+                        </a:rPr>
+                        <a:t>(</a:t>
+                      </a:r>
+                      <a:r>
+                        <a:rPr lang="ko-KR" altLang="en-US" sz="1200" b="0" dirty="0" err="1">
+                          <a:solidFill>
+                            <a:srgbClr val="000000"/>
+                          </a:solidFill>
+                          <a:effectLst/>
+                          <a:latin typeface="+mn-lt"/>
+                        </a:rPr>
+                        <a:t>토벌단</a:t>
+                      </a:r>
+                      <a:r>
+                        <a:rPr lang="ko-KR" altLang="en-US" sz="1200" b="0" dirty="0">
+                          <a:solidFill>
+                            <a:srgbClr val="000000"/>
+                          </a:solidFill>
+                          <a:effectLst/>
+                          <a:latin typeface="+mn-lt"/>
+                        </a:rPr>
+                        <a:t> 본부 건물 안</a:t>
+                      </a:r>
+                      <a:r>
+                        <a:rPr lang="en-US" altLang="ko-KR" sz="1200" b="0" dirty="0">
+                          <a:solidFill>
+                            <a:srgbClr val="000000"/>
+                          </a:solidFill>
+                          <a:effectLst/>
+                          <a:latin typeface="+mn-lt"/>
+                        </a:rPr>
+                        <a:t>)</a:t>
                       </a:r>
                       <a:endParaRPr lang="ko-KR" altLang="en-US" sz="1200" b="0" dirty="0">
                         <a:effectLst/>
@@ -7374,9 +7637,7 @@
                       <a:tailEnd type="none" w="med" len="med"/>
                     </a:lnT>
                     <a:lnB w="12700" cap="flat" cmpd="sng" algn="ctr">
-                      <a:solidFill>
-                        <a:schemeClr val="tx1"/>
-                      </a:solidFill>
+                      <a:noFill/>
                       <a:prstDash val="solid"/>
                       <a:round/>
                       <a:headEnd type="none" w="med" len="med"/>
@@ -7449,9 +7710,7 @@
                       <a:tailEnd type="none" w="med" len="med"/>
                     </a:lnT>
                     <a:lnB w="12700" cap="flat" cmpd="sng" algn="ctr">
-                      <a:solidFill>
-                        <a:schemeClr val="tx1"/>
-                      </a:solidFill>
+                      <a:noFill/>
                       <a:prstDash val="solid"/>
                       <a:round/>
                       <a:headEnd type="none" w="med" len="med"/>
@@ -7474,460 +7733,6 @@
                   </a:ext>
                 </a:extLst>
               </a:tr>
-              <a:tr h="274224">
-                <a:tc>
-                  <a:txBody>
-                    <a:bodyPr/>
-                    <a:lstStyle/>
-                    <a:p>
-                      <a:pPr algn="ctr">
-                        <a:lnSpc>
-                          <a:spcPct val="160000"/>
-                        </a:lnSpc>
-                        <a:spcBef>
-                          <a:spcPts val="0"/>
-                        </a:spcBef>
-                        <a:spcAft>
-                          <a:spcPts val="0"/>
-                        </a:spcAft>
-                      </a:pPr>
-                      <a:r>
-                        <a:rPr lang="ko-KR" altLang="en-US" sz="1200" b="0" strike="sngStrike" dirty="0">
-                          <a:solidFill>
-                            <a:srgbClr val="000000"/>
-                          </a:solidFill>
-                          <a:effectLst/>
-                          <a:latin typeface="+mn-lt"/>
-                        </a:rPr>
-                        <a:t>최대 입장</a:t>
-                      </a:r>
-                      <a:endParaRPr lang="ko-KR" altLang="en-US" sz="1200" b="0" dirty="0">
-                        <a:effectLst/>
-                        <a:latin typeface="+mn-lt"/>
-                      </a:endParaRPr>
-                    </a:p>
-                  </a:txBody>
-                  <a:tcPr marL="66675" marR="66675" marT="66675" marB="66675" anchor="ctr">
-                    <a:lnL w="12700" cmpd="sng">
-                      <a:noFill/>
-                    </a:lnL>
-                    <a:lnR w="12700" cap="flat" cmpd="sng" algn="ctr">
-                      <a:solidFill>
-                        <a:schemeClr val="tx1"/>
-                      </a:solidFill>
-                      <a:prstDash val="solid"/>
-                      <a:round/>
-                      <a:headEnd type="none" w="med" len="med"/>
-                      <a:tailEnd type="none" w="med" len="med"/>
-                    </a:lnR>
-                    <a:lnT w="12700" cap="flat" cmpd="sng" algn="ctr">
-                      <a:solidFill>
-                        <a:schemeClr val="tx1"/>
-                      </a:solidFill>
-                      <a:prstDash val="solid"/>
-                      <a:round/>
-                      <a:headEnd type="none" w="med" len="med"/>
-                      <a:tailEnd type="none" w="med" len="med"/>
-                    </a:lnT>
-                    <a:lnB w="12700" cap="flat" cmpd="sng" algn="ctr">
-                      <a:solidFill>
-                        <a:schemeClr val="tx1"/>
-                      </a:solidFill>
-                      <a:prstDash val="solid"/>
-                      <a:round/>
-                      <a:headEnd type="none" w="med" len="med"/>
-                      <a:tailEnd type="none" w="med" len="med"/>
-                    </a:lnB>
-                    <a:lnTlToBr w="12700" cmpd="sng">
-                      <a:noFill/>
-                      <a:prstDash val="solid"/>
-                    </a:lnTlToBr>
-                    <a:lnBlToTr w="12700" cmpd="sng">
-                      <a:noFill/>
-                      <a:prstDash val="solid"/>
-                    </a:lnBlToTr>
-                    <a:noFill/>
-                  </a:tcPr>
-                </a:tc>
-                <a:tc>
-                  <a:txBody>
-                    <a:bodyPr/>
-                    <a:lstStyle/>
-                    <a:p>
-                      <a:pPr algn="just">
-                        <a:lnSpc>
-                          <a:spcPct val="160000"/>
-                        </a:lnSpc>
-                        <a:spcBef>
-                          <a:spcPts val="0"/>
-                        </a:spcBef>
-                        <a:spcAft>
-                          <a:spcPts val="0"/>
-                        </a:spcAft>
-                      </a:pPr>
-                      <a:r>
-                        <a:rPr lang="ko-KR" altLang="en-US" sz="1200" b="0" dirty="0">
-                          <a:solidFill>
-                            <a:srgbClr val="000000"/>
-                          </a:solidFill>
-                          <a:effectLst/>
-                          <a:latin typeface="+mn-lt"/>
-                        </a:rPr>
-                        <a:t> </a:t>
-                      </a:r>
-                      <a:endParaRPr lang="ko-KR" altLang="en-US" sz="1200" b="0" dirty="0">
-                        <a:effectLst/>
-                        <a:latin typeface="+mn-lt"/>
-                      </a:endParaRPr>
-                    </a:p>
-                  </a:txBody>
-                  <a:tcPr marL="66675" marR="66675" marT="66675" marB="66675" anchor="ctr">
-                    <a:lnL w="12700" cap="flat" cmpd="sng" algn="ctr">
-                      <a:solidFill>
-                        <a:schemeClr val="tx1"/>
-                      </a:solidFill>
-                      <a:prstDash val="solid"/>
-                      <a:round/>
-                      <a:headEnd type="none" w="med" len="med"/>
-                      <a:tailEnd type="none" w="med" len="med"/>
-                    </a:lnL>
-                    <a:lnR w="12700" cap="flat" cmpd="sng" algn="ctr">
-                      <a:solidFill>
-                        <a:schemeClr val="tx1"/>
-                      </a:solidFill>
-                      <a:prstDash val="solid"/>
-                      <a:round/>
-                      <a:headEnd type="none" w="med" len="med"/>
-                      <a:tailEnd type="none" w="med" len="med"/>
-                    </a:lnR>
-                    <a:lnT w="12700" cap="flat" cmpd="sng" algn="ctr">
-                      <a:solidFill>
-                        <a:schemeClr val="tx1"/>
-                      </a:solidFill>
-                      <a:prstDash val="solid"/>
-                      <a:round/>
-                      <a:headEnd type="none" w="med" len="med"/>
-                      <a:tailEnd type="none" w="med" len="med"/>
-                    </a:lnT>
-                    <a:lnB w="12700" cap="flat" cmpd="sng" algn="ctr">
-                      <a:solidFill>
-                        <a:schemeClr val="tx1"/>
-                      </a:solidFill>
-                      <a:prstDash val="solid"/>
-                      <a:round/>
-                      <a:headEnd type="none" w="med" len="med"/>
-                      <a:tailEnd type="none" w="med" len="med"/>
-                    </a:lnB>
-                    <a:lnTlToBr w="12700" cmpd="sng">
-                      <a:noFill/>
-                      <a:prstDash val="solid"/>
-                    </a:lnTlToBr>
-                    <a:lnBlToTr w="12700" cmpd="sng">
-                      <a:noFill/>
-                      <a:prstDash val="solid"/>
-                    </a:lnBlToTr>
-                    <a:noFill/>
-                  </a:tcPr>
-                </a:tc>
-                <a:tc>
-                  <a:txBody>
-                    <a:bodyPr/>
-                    <a:lstStyle/>
-                    <a:p>
-                      <a:pPr algn="just">
-                        <a:lnSpc>
-                          <a:spcPct val="160000"/>
-                        </a:lnSpc>
-                        <a:spcBef>
-                          <a:spcPts val="0"/>
-                        </a:spcBef>
-                        <a:spcAft>
-                          <a:spcPts val="0"/>
-                        </a:spcAft>
-                      </a:pPr>
-                      <a:r>
-                        <a:rPr lang="ko-KR" altLang="en-US" sz="1200" b="0" dirty="0">
-                          <a:solidFill>
-                            <a:srgbClr val="000000"/>
-                          </a:solidFill>
-                          <a:effectLst/>
-                          <a:latin typeface="+mn-lt"/>
-                          <a:ea typeface="맑은 고딕" panose="020B0503020000020004" pitchFamily="50" charset="-127"/>
-                        </a:rPr>
-                        <a:t> </a:t>
-                      </a:r>
-                      <a:endParaRPr lang="ko-KR" altLang="en-US" sz="1200" b="0" dirty="0">
-                        <a:effectLst/>
-                        <a:latin typeface="+mn-lt"/>
-                      </a:endParaRPr>
-                    </a:p>
-                  </a:txBody>
-                  <a:tcPr marL="66675" marR="66675" marT="66675" marB="66675" anchor="ctr">
-                    <a:lnL w="12700" cap="flat" cmpd="sng" algn="ctr">
-                      <a:solidFill>
-                        <a:schemeClr val="tx1"/>
-                      </a:solidFill>
-                      <a:prstDash val="solid"/>
-                      <a:round/>
-                      <a:headEnd type="none" w="med" len="med"/>
-                      <a:tailEnd type="none" w="med" len="med"/>
-                    </a:lnL>
-                    <a:lnR w="12700" cmpd="sng">
-                      <a:noFill/>
-                    </a:lnR>
-                    <a:lnT w="12700" cap="flat" cmpd="sng" algn="ctr">
-                      <a:solidFill>
-                        <a:schemeClr val="tx1"/>
-                      </a:solidFill>
-                      <a:prstDash val="solid"/>
-                      <a:round/>
-                      <a:headEnd type="none" w="med" len="med"/>
-                      <a:tailEnd type="none" w="med" len="med"/>
-                    </a:lnT>
-                    <a:lnB w="12700" cap="flat" cmpd="sng" algn="ctr">
-                      <a:solidFill>
-                        <a:schemeClr val="tx1"/>
-                      </a:solidFill>
-                      <a:prstDash val="solid"/>
-                      <a:round/>
-                      <a:headEnd type="none" w="med" len="med"/>
-                      <a:tailEnd type="none" w="med" len="med"/>
-                    </a:lnB>
-                    <a:lnTlToBr w="12700" cmpd="sng">
-                      <a:noFill/>
-                      <a:prstDash val="solid"/>
-                    </a:lnTlToBr>
-                    <a:lnBlToTr w="12700" cmpd="sng">
-                      <a:noFill/>
-                      <a:prstDash val="solid"/>
-                    </a:lnBlToTr>
-                    <a:noFill/>
-                  </a:tcPr>
-                </a:tc>
-                <a:extLst>
-                  <a:ext uri="{0D108BD9-81ED-4DB2-BD59-A6C34878D82A}">
-                    <a16:rowId xmlns:a16="http://schemas.microsoft.com/office/drawing/2014/main" val="1021071414"/>
-                  </a:ext>
-                </a:extLst>
-              </a:tr>
-              <a:tr h="274224">
-                <a:tc>
-                  <a:txBody>
-                    <a:bodyPr/>
-                    <a:lstStyle/>
-                    <a:p>
-                      <a:pPr algn="ctr">
-                        <a:lnSpc>
-                          <a:spcPct val="160000"/>
-                        </a:lnSpc>
-                        <a:spcBef>
-                          <a:spcPts val="0"/>
-                        </a:spcBef>
-                        <a:spcAft>
-                          <a:spcPts val="0"/>
-                        </a:spcAft>
-                      </a:pPr>
-                      <a:r>
-                        <a:rPr lang="ko-KR" altLang="en-US" sz="1200" b="0" dirty="0">
-                          <a:solidFill>
-                            <a:srgbClr val="000000"/>
-                          </a:solidFill>
-                          <a:effectLst/>
-                          <a:latin typeface="+mn-lt"/>
-                        </a:rPr>
-                        <a:t>그 외</a:t>
-                      </a:r>
-                      <a:endParaRPr lang="ko-KR" altLang="en-US" sz="1200" b="0" dirty="0">
-                        <a:effectLst/>
-                        <a:latin typeface="+mn-lt"/>
-                      </a:endParaRPr>
-                    </a:p>
-                  </a:txBody>
-                  <a:tcPr marL="66675" marR="66675" marT="66675" marB="66675" anchor="ctr">
-                    <a:lnL w="12700" cmpd="sng">
-                      <a:noFill/>
-                    </a:lnL>
-                    <a:lnR w="12700" cap="flat" cmpd="sng" algn="ctr">
-                      <a:solidFill>
-                        <a:schemeClr val="tx1"/>
-                      </a:solidFill>
-                      <a:prstDash val="solid"/>
-                      <a:round/>
-                      <a:headEnd type="none" w="med" len="med"/>
-                      <a:tailEnd type="none" w="med" len="med"/>
-                    </a:lnR>
-                    <a:lnT w="12700" cap="flat" cmpd="sng" algn="ctr">
-                      <a:solidFill>
-                        <a:schemeClr val="tx1"/>
-                      </a:solidFill>
-                      <a:prstDash val="solid"/>
-                      <a:round/>
-                      <a:headEnd type="none" w="med" len="med"/>
-                      <a:tailEnd type="none" w="med" len="med"/>
-                    </a:lnT>
-                    <a:lnB w="12700" cmpd="sng">
-                      <a:noFill/>
-                    </a:lnB>
-                    <a:lnTlToBr w="12700" cmpd="sng">
-                      <a:noFill/>
-                      <a:prstDash val="solid"/>
-                    </a:lnTlToBr>
-                    <a:lnBlToTr w="12700" cmpd="sng">
-                      <a:noFill/>
-                      <a:prstDash val="solid"/>
-                    </a:lnBlToTr>
-                    <a:noFill/>
-                  </a:tcPr>
-                </a:tc>
-                <a:tc>
-                  <a:txBody>
-                    <a:bodyPr/>
-                    <a:lstStyle/>
-                    <a:p>
-                      <a:pPr algn="just">
-                        <a:lnSpc>
-                          <a:spcPct val="160000"/>
-                        </a:lnSpc>
-                        <a:spcBef>
-                          <a:spcPts val="0"/>
-                        </a:spcBef>
-                        <a:spcAft>
-                          <a:spcPts val="0"/>
-                        </a:spcAft>
-                      </a:pPr>
-                      <a:r>
-                        <a:rPr lang="ko-KR" altLang="en-US" sz="1200" b="0" dirty="0">
-                          <a:solidFill>
-                            <a:srgbClr val="000000"/>
-                          </a:solidFill>
-                          <a:effectLst/>
-                          <a:latin typeface="+mn-lt"/>
-                        </a:rPr>
-                        <a:t> </a:t>
-                      </a:r>
-                      <a:endParaRPr lang="ko-KR" altLang="en-US" sz="1200" b="0" dirty="0">
-                        <a:effectLst/>
-                        <a:latin typeface="+mn-lt"/>
-                      </a:endParaRPr>
-                    </a:p>
-                  </a:txBody>
-                  <a:tcPr marL="66675" marR="66675" marT="66675" marB="66675" anchor="ctr">
-                    <a:lnL w="12700" cap="flat" cmpd="sng" algn="ctr">
-                      <a:solidFill>
-                        <a:schemeClr val="tx1"/>
-                      </a:solidFill>
-                      <a:prstDash val="solid"/>
-                      <a:round/>
-                      <a:headEnd type="none" w="med" len="med"/>
-                      <a:tailEnd type="none" w="med" len="med"/>
-                    </a:lnL>
-                    <a:lnR w="12700" cap="flat" cmpd="sng" algn="ctr">
-                      <a:solidFill>
-                        <a:schemeClr val="tx1"/>
-                      </a:solidFill>
-                      <a:prstDash val="solid"/>
-                      <a:round/>
-                      <a:headEnd type="none" w="med" len="med"/>
-                      <a:tailEnd type="none" w="med" len="med"/>
-                    </a:lnR>
-                    <a:lnT w="12700" cap="flat" cmpd="sng" algn="ctr">
-                      <a:solidFill>
-                        <a:schemeClr val="tx1"/>
-                      </a:solidFill>
-                      <a:prstDash val="solid"/>
-                      <a:round/>
-                      <a:headEnd type="none" w="med" len="med"/>
-                      <a:tailEnd type="none" w="med" len="med"/>
-                    </a:lnT>
-                    <a:lnB w="12700" cmpd="sng">
-                      <a:noFill/>
-                    </a:lnB>
-                    <a:lnTlToBr w="12700" cmpd="sng">
-                      <a:noFill/>
-                      <a:prstDash val="solid"/>
-                    </a:lnTlToBr>
-                    <a:lnBlToTr w="12700" cmpd="sng">
-                      <a:noFill/>
-                      <a:prstDash val="solid"/>
-                    </a:lnBlToTr>
-                    <a:noFill/>
-                  </a:tcPr>
-                </a:tc>
-                <a:tc>
-                  <a:txBody>
-                    <a:bodyPr/>
-                    <a:lstStyle/>
-                    <a:p>
-                      <a:pPr algn="just">
-                        <a:lnSpc>
-                          <a:spcPct val="160000"/>
-                        </a:lnSpc>
-                        <a:spcBef>
-                          <a:spcPts val="0"/>
-                        </a:spcBef>
-                        <a:spcAft>
-                          <a:spcPts val="0"/>
-                        </a:spcAft>
-                      </a:pPr>
-                      <a:r>
-                        <a:rPr lang="ko-KR" altLang="en-US" sz="1200" b="0" dirty="0">
-                          <a:solidFill>
-                            <a:srgbClr val="000000"/>
-                          </a:solidFill>
-                          <a:effectLst/>
-                          <a:latin typeface="+mn-lt"/>
-                          <a:ea typeface="맑은 고딕" panose="020B0503020000020004" pitchFamily="50" charset="-127"/>
-                        </a:rPr>
-                        <a:t> </a:t>
-                      </a:r>
-                      <a:endParaRPr lang="ko-KR" altLang="en-US" sz="1200" b="0" dirty="0">
-                        <a:effectLst/>
-                        <a:latin typeface="+mn-lt"/>
-                      </a:endParaRPr>
-                    </a:p>
-                  </a:txBody>
-                  <a:tcPr marL="66675" marR="66675" marT="66675" marB="66675" anchor="ctr">
-                    <a:lnL w="12700" cap="flat" cmpd="sng" algn="ctr">
-                      <a:solidFill>
-                        <a:schemeClr val="tx1"/>
-                      </a:solidFill>
-                      <a:prstDash val="solid"/>
-                      <a:round/>
-                      <a:headEnd type="none" w="med" len="med"/>
-                      <a:tailEnd type="none" w="med" len="med"/>
-                    </a:lnL>
-                    <a:lnR w="12700" cmpd="sng">
-                      <a:noFill/>
-                    </a:lnR>
-                    <a:lnT w="12700" cap="flat" cmpd="sng" algn="ctr">
-                      <a:solidFill>
-                        <a:schemeClr val="tx1"/>
-                      </a:solidFill>
-                      <a:prstDash val="solid"/>
-                      <a:round/>
-                      <a:headEnd type="none" w="med" len="med"/>
-                      <a:tailEnd type="none" w="med" len="med"/>
-                    </a:lnT>
-                    <a:lnB w="12700" cmpd="sng">
-                      <a:noFill/>
-                    </a:lnB>
-                    <a:lnTlToBr w="12700" cmpd="sng">
-                      <a:noFill/>
-                      <a:prstDash val="solid"/>
-                    </a:lnTlToBr>
-                    <a:lnBlToTr w="12700" cmpd="sng">
-                      <a:noFill/>
-                      <a:prstDash val="solid"/>
-                    </a:lnBlToTr>
-                    <a:noFill/>
-                  </a:tcPr>
-                </a:tc>
-                <a:extLst>
-                  <a:ext uri="{0D108BD9-81ED-4DB2-BD59-A6C34878D82A}">
-                    <a16:rowId xmlns:a16="http://schemas.microsoft.com/office/drawing/2014/main" val="1479034167"/>
-                  </a:ext>
-                </a:extLst>
-              </a:tr>
             </a:tbl>
           </a:graphicData>
         </a:graphic>
@@ -7935,7 +7740,95 @@
     </p:spTree>
     <p:extLst>
       <p:ext uri="{BB962C8B-B14F-4D97-AF65-F5344CB8AC3E}">
-        <p14:creationId xmlns:p14="http://schemas.microsoft.com/office/powerpoint/2010/main" val="304730735"/>
+        <p14:creationId xmlns:p14="http://schemas.microsoft.com/office/powerpoint/2010/main" val="3595391974"/>
+      </p:ext>
+    </p:extLst>
+  </p:cSld>
+  <p:clrMapOvr>
+    <a:masterClrMapping/>
+  </p:clrMapOvr>
+</p:sld>
+</file>
+
+<file path=ppt/slides/slide4.xml><?xml version="1.0" encoding="utf-8"?>
+<p:sld xmlns:a="http://schemas.openxmlformats.org/drawingml/2006/main" xmlns:r="http://schemas.openxmlformats.org/officeDocument/2006/relationships" xmlns:p="http://schemas.openxmlformats.org/presentationml/2006/main">
+  <p:cSld>
+    <p:spTree>
+      <p:nvGrpSpPr>
+        <p:cNvPr id="1" name=""/>
+        <p:cNvGrpSpPr/>
+        <p:nvPr/>
+      </p:nvGrpSpPr>
+      <p:grpSpPr>
+        <a:xfrm>
+          <a:off x="0" y="0"/>
+          <a:ext cx="0" cy="0"/>
+          <a:chOff x="0" y="0"/>
+          <a:chExt cx="0" cy="0"/>
+        </a:xfrm>
+      </p:grpSpPr>
+      <p:sp>
+        <p:nvSpPr>
+          <p:cNvPr id="7" name="제목 1">
+            <a:extLst>
+              <a:ext uri="{FF2B5EF4-FFF2-40B4-BE49-F238E27FC236}">
+                <a16:creationId xmlns:a16="http://schemas.microsoft.com/office/drawing/2014/main" id="{77FA9A8E-E94C-4F99-8997-7C96A1AAEAC7}"/>
+              </a:ext>
+            </a:extLst>
+          </p:cNvPr>
+          <p:cNvSpPr txBox="1">
+            <a:spLocks/>
+          </p:cNvSpPr>
+          <p:nvPr/>
+        </p:nvSpPr>
+        <p:spPr>
+          <a:xfrm>
+            <a:off x="695325" y="292100"/>
+            <a:ext cx="10801350" cy="861695"/>
+          </a:xfrm>
+          <a:prstGeom prst="rect">
+            <a:avLst/>
+          </a:prstGeom>
+        </p:spPr>
+        <p:txBody>
+          <a:bodyPr vert="horz" lIns="91440" tIns="45720" rIns="91440" bIns="45720" rtlCol="0" anchor="ctr">
+            <a:normAutofit/>
+          </a:bodyPr>
+          <a:lstStyle>
+            <a:lvl1pPr algn="l" defTabSz="914400" rtl="0" eaLnBrk="1" latinLnBrk="1" hangingPunct="1">
+              <a:lnSpc>
+                <a:spcPct val="90000"/>
+              </a:lnSpc>
+              <a:spcBef>
+                <a:spcPct val="0"/>
+              </a:spcBef>
+              <a:buNone/>
+              <a:defRPr sz="4400" kern="1200">
+                <a:solidFill>
+                  <a:schemeClr val="tx1"/>
+                </a:solidFill>
+                <a:latin typeface="+mj-lt"/>
+                <a:ea typeface="+mj-ea"/>
+                <a:cs typeface="+mj-cs"/>
+              </a:defRPr>
+            </a:lvl1pPr>
+          </a:lstStyle>
+          <a:p>
+            <a:r>
+              <a:rPr lang="ko-KR" altLang="en-US" dirty="0" err="1"/>
+              <a:t>토벌단</a:t>
+            </a:r>
+            <a:r>
+              <a:rPr lang="ko-KR" altLang="en-US" dirty="0"/>
+              <a:t> 본부</a:t>
+            </a:r>
+          </a:p>
+        </p:txBody>
+      </p:sp>
+    </p:spTree>
+    <p:extLst>
+      <p:ext uri="{BB962C8B-B14F-4D97-AF65-F5344CB8AC3E}">
+        <p14:creationId xmlns:p14="http://schemas.microsoft.com/office/powerpoint/2010/main" val="306764460"/>
       </p:ext>
     </p:extLst>
   </p:cSld>

--- a/기획/방랑엽사전/맵 기획서 (토벌단 본부).pptx
+++ b/기획/방랑엽사전/맵 기획서 (토벌단 본부).pptx
@@ -5,13 +5,14 @@
     <p:sldMasterId id="2147483715" r:id="rId1"/>
   </p:sldMasterIdLst>
   <p:notesMasterIdLst>
-    <p:notesMasterId r:id="rId6"/>
+    <p:notesMasterId r:id="rId7"/>
   </p:notesMasterIdLst>
   <p:sldIdLst>
     <p:sldId id="258" r:id="rId2"/>
     <p:sldId id="266" r:id="rId3"/>
     <p:sldId id="267" r:id="rId4"/>
     <p:sldId id="268" r:id="rId5"/>
+    <p:sldId id="269" r:id="rId6"/>
   </p:sldIdLst>
   <p:sldSz cx="12192000" cy="6858000"/>
   <p:notesSz cx="6858000" cy="9144000"/>
@@ -236,7 +237,7 @@
           <a:p>
             <a:fld id="{C8649E71-8129-4905-BAC0-51D65A0C1379}" type="datetimeFigureOut">
               <a:rPr lang="ko-KR" altLang="en-US" smtClean="0"/>
-              <a:t>2024-03-14</a:t>
+              <a:t>2024-03-15</a:t>
             </a:fld>
             <a:endParaRPr lang="ko-KR" altLang="en-US"/>
           </a:p>
@@ -734,7 +735,7 @@
           <a:p>
             <a:fld id="{523D6941-6B33-4834-BC65-A333846D27E6}" type="datetimeFigureOut">
               <a:rPr lang="ko-KR" altLang="en-US" smtClean="0"/>
-              <a:t>2024-03-14</a:t>
+              <a:t>2024-03-15</a:t>
             </a:fld>
             <a:endParaRPr lang="ko-KR" altLang="en-US"/>
           </a:p>
@@ -932,7 +933,7 @@
           <a:p>
             <a:fld id="{523D6941-6B33-4834-BC65-A333846D27E6}" type="datetimeFigureOut">
               <a:rPr lang="ko-KR" altLang="en-US" smtClean="0"/>
-              <a:t>2024-03-14</a:t>
+              <a:t>2024-03-15</a:t>
             </a:fld>
             <a:endParaRPr lang="ko-KR" altLang="en-US"/>
           </a:p>
@@ -1140,7 +1141,7 @@
           <a:p>
             <a:fld id="{523D6941-6B33-4834-BC65-A333846D27E6}" type="datetimeFigureOut">
               <a:rPr lang="ko-KR" altLang="en-US" smtClean="0"/>
-              <a:t>2024-03-14</a:t>
+              <a:t>2024-03-15</a:t>
             </a:fld>
             <a:endParaRPr lang="ko-KR" altLang="en-US"/>
           </a:p>
@@ -1353,7 +1354,7 @@
           <a:p>
             <a:fld id="{523D6941-6B33-4834-BC65-A333846D27E6}" type="datetimeFigureOut">
               <a:rPr lang="ko-KR" altLang="en-US" smtClean="0"/>
-              <a:t>2024-03-14</a:t>
+              <a:t>2024-03-15</a:t>
             </a:fld>
             <a:endParaRPr lang="ko-KR" altLang="en-US"/>
           </a:p>
@@ -1638,7 +1639,7 @@
           <a:p>
             <a:fld id="{523D6941-6B33-4834-BC65-A333846D27E6}" type="datetimeFigureOut">
               <a:rPr lang="ko-KR" altLang="en-US" smtClean="0"/>
-              <a:t>2024-03-14</a:t>
+              <a:t>2024-03-15</a:t>
             </a:fld>
             <a:endParaRPr lang="ko-KR" altLang="en-US"/>
           </a:p>
@@ -1903,7 +1904,7 @@
           <a:p>
             <a:fld id="{523D6941-6B33-4834-BC65-A333846D27E6}" type="datetimeFigureOut">
               <a:rPr lang="ko-KR" altLang="en-US" smtClean="0"/>
-              <a:t>2024-03-14</a:t>
+              <a:t>2024-03-15</a:t>
             </a:fld>
             <a:endParaRPr lang="ko-KR" altLang="en-US"/>
           </a:p>
@@ -2315,7 +2316,7 @@
           <a:p>
             <a:fld id="{523D6941-6B33-4834-BC65-A333846D27E6}" type="datetimeFigureOut">
               <a:rPr lang="ko-KR" altLang="en-US" smtClean="0"/>
-              <a:t>2024-03-14</a:t>
+              <a:t>2024-03-15</a:t>
             </a:fld>
             <a:endParaRPr lang="ko-KR" altLang="en-US"/>
           </a:p>
@@ -2456,7 +2457,7 @@
           <a:p>
             <a:fld id="{523D6941-6B33-4834-BC65-A333846D27E6}" type="datetimeFigureOut">
               <a:rPr lang="ko-KR" altLang="en-US" smtClean="0"/>
-              <a:t>2024-03-14</a:t>
+              <a:t>2024-03-15</a:t>
             </a:fld>
             <a:endParaRPr lang="ko-KR" altLang="en-US"/>
           </a:p>
@@ -2569,7 +2570,7 @@
           <a:p>
             <a:fld id="{523D6941-6B33-4834-BC65-A333846D27E6}" type="datetimeFigureOut">
               <a:rPr lang="ko-KR" altLang="en-US" smtClean="0"/>
-              <a:t>2024-03-14</a:t>
+              <a:t>2024-03-15</a:t>
             </a:fld>
             <a:endParaRPr lang="ko-KR" altLang="en-US"/>
           </a:p>
@@ -2880,7 +2881,7 @@
           <a:p>
             <a:fld id="{523D6941-6B33-4834-BC65-A333846D27E6}" type="datetimeFigureOut">
               <a:rPr lang="ko-KR" altLang="en-US" smtClean="0"/>
-              <a:t>2024-03-14</a:t>
+              <a:t>2024-03-15</a:t>
             </a:fld>
             <a:endParaRPr lang="ko-KR" altLang="en-US"/>
           </a:p>
@@ -3168,7 +3169,7 @@
           <a:p>
             <a:fld id="{523D6941-6B33-4834-BC65-A333846D27E6}" type="datetimeFigureOut">
               <a:rPr lang="ko-KR" altLang="en-US" smtClean="0"/>
-              <a:t>2024-03-14</a:t>
+              <a:t>2024-03-15</a:t>
             </a:fld>
             <a:endParaRPr lang="ko-KR" altLang="en-US"/>
           </a:p>
@@ -3409,7 +3410,7 @@
           <a:p>
             <a:fld id="{523D6941-6B33-4834-BC65-A333846D27E6}" type="datetimeFigureOut">
               <a:rPr lang="ko-KR" altLang="en-US" smtClean="0"/>
-              <a:t>2024-03-14</a:t>
+              <a:t>2024-03-15</a:t>
             </a:fld>
             <a:endParaRPr lang="ko-KR" altLang="en-US"/>
           </a:p>
@@ -7825,10 +7826,1815 @@
           </a:p>
         </p:txBody>
       </p:sp>
+      <p:grpSp>
+        <p:nvGrpSpPr>
+          <p:cNvPr id="17" name="그룹 16">
+            <a:extLst>
+              <a:ext uri="{FF2B5EF4-FFF2-40B4-BE49-F238E27FC236}">
+                <a16:creationId xmlns:a16="http://schemas.microsoft.com/office/drawing/2014/main" id="{469BED93-ED6C-9FEE-AE70-2FCEF9508F60}"/>
+              </a:ext>
+            </a:extLst>
+          </p:cNvPr>
+          <p:cNvGrpSpPr/>
+          <p:nvPr/>
+        </p:nvGrpSpPr>
+        <p:grpSpPr>
+          <a:xfrm>
+            <a:off x="1551632" y="1298650"/>
+            <a:ext cx="4179070" cy="4441768"/>
+            <a:chOff x="695325" y="1158875"/>
+            <a:chExt cx="4179070" cy="4441768"/>
+          </a:xfrm>
+        </p:grpSpPr>
+        <p:pic>
+          <p:nvPicPr>
+            <p:cNvPr id="3" name="그림 2" descr="지도, 스크린샷, 그래픽 소프트웨어, 멀티미디어 소프트웨어이(가) 표시된 사진&#10;&#10;자동 생성된 설명">
+              <a:extLst>
+                <a:ext uri="{FF2B5EF4-FFF2-40B4-BE49-F238E27FC236}">
+                  <a16:creationId xmlns:a16="http://schemas.microsoft.com/office/drawing/2014/main" id="{EABABEC2-3EBE-212A-439D-9A6C4209E961}"/>
+                </a:ext>
+              </a:extLst>
+            </p:cNvPr>
+            <p:cNvPicPr>
+              <a:picLocks noChangeAspect="1"/>
+            </p:cNvPicPr>
+            <p:nvPr/>
+          </p:nvPicPr>
+          <p:blipFill rotWithShape="1">
+            <a:blip r:embed="rId2">
+              <a:extLst>
+                <a:ext uri="{28A0092B-C50C-407E-A947-70E740481C1C}">
+                  <a14:useLocalDpi xmlns:a14="http://schemas.microsoft.com/office/drawing/2010/main" val="0"/>
+                </a:ext>
+              </a:extLst>
+            </a:blip>
+            <a:srcRect l="15743" t="15548" r="50000" b="17201"/>
+            <a:stretch/>
+          </p:blipFill>
+          <p:spPr>
+            <a:xfrm>
+              <a:off x="695325" y="1158875"/>
+              <a:ext cx="4176666" cy="4441247"/>
+            </a:xfrm>
+            <a:prstGeom prst="rect">
+              <a:avLst/>
+            </a:prstGeom>
+          </p:spPr>
+        </p:pic>
+        <p:sp>
+          <p:nvSpPr>
+            <p:cNvPr id="9" name="직사각형 8">
+              <a:extLst>
+                <a:ext uri="{FF2B5EF4-FFF2-40B4-BE49-F238E27FC236}">
+                  <a16:creationId xmlns:a16="http://schemas.microsoft.com/office/drawing/2014/main" id="{D6EAB0D9-58F8-AF72-E9AD-7DB008487DA0}"/>
+                </a:ext>
+              </a:extLst>
+            </p:cNvPr>
+            <p:cNvSpPr/>
+            <p:nvPr/>
+          </p:nvSpPr>
+          <p:spPr>
+            <a:xfrm>
+              <a:off x="3162679" y="5251010"/>
+              <a:ext cx="657884" cy="349633"/>
+            </a:xfrm>
+            <a:prstGeom prst="rect">
+              <a:avLst/>
+            </a:prstGeom>
+            <a:noFill/>
+            <a:ln w="19050">
+              <a:solidFill>
+                <a:srgbClr val="C00000"/>
+              </a:solidFill>
+            </a:ln>
+          </p:spPr>
+          <p:style>
+            <a:lnRef idx="2">
+              <a:schemeClr val="accent1">
+                <a:shade val="15000"/>
+              </a:schemeClr>
+            </a:lnRef>
+            <a:fillRef idx="1">
+              <a:schemeClr val="accent1"/>
+            </a:fillRef>
+            <a:effectRef idx="0">
+              <a:schemeClr val="accent1"/>
+            </a:effectRef>
+            <a:fontRef idx="minor">
+              <a:schemeClr val="lt1"/>
+            </a:fontRef>
+          </p:style>
+          <p:txBody>
+            <a:bodyPr rtlCol="0" anchor="ctr"/>
+            <a:lstStyle/>
+            <a:p>
+              <a:pPr algn="ctr"/>
+              <a:endParaRPr lang="ko-KR" altLang="en-US"/>
+            </a:p>
+          </p:txBody>
+        </p:sp>
+        <p:sp>
+          <p:nvSpPr>
+            <p:cNvPr id="12" name="직사각형 11">
+              <a:extLst>
+                <a:ext uri="{FF2B5EF4-FFF2-40B4-BE49-F238E27FC236}">
+                  <a16:creationId xmlns:a16="http://schemas.microsoft.com/office/drawing/2014/main" id="{ECD4D99A-6F1B-0379-D032-0D733ACFA35E}"/>
+                </a:ext>
+              </a:extLst>
+            </p:cNvPr>
+            <p:cNvSpPr/>
+            <p:nvPr/>
+          </p:nvSpPr>
+          <p:spPr>
+            <a:xfrm>
+              <a:off x="4216511" y="1773958"/>
+              <a:ext cx="657884" cy="861695"/>
+            </a:xfrm>
+            <a:prstGeom prst="rect">
+              <a:avLst/>
+            </a:prstGeom>
+            <a:noFill/>
+            <a:ln w="19050">
+              <a:solidFill>
+                <a:srgbClr val="C00000"/>
+              </a:solidFill>
+            </a:ln>
+          </p:spPr>
+          <p:style>
+            <a:lnRef idx="2">
+              <a:schemeClr val="accent1">
+                <a:shade val="15000"/>
+              </a:schemeClr>
+            </a:lnRef>
+            <a:fillRef idx="1">
+              <a:schemeClr val="accent1"/>
+            </a:fillRef>
+            <a:effectRef idx="0">
+              <a:schemeClr val="accent1"/>
+            </a:effectRef>
+            <a:fontRef idx="minor">
+              <a:schemeClr val="lt1"/>
+            </a:fontRef>
+          </p:style>
+          <p:txBody>
+            <a:bodyPr rtlCol="0" anchor="ctr"/>
+            <a:lstStyle/>
+            <a:p>
+              <a:pPr algn="ctr"/>
+              <a:endParaRPr lang="ko-KR" altLang="en-US"/>
+            </a:p>
+          </p:txBody>
+        </p:sp>
+        <p:sp>
+          <p:nvSpPr>
+            <p:cNvPr id="13" name="타원 12">
+              <a:extLst>
+                <a:ext uri="{FF2B5EF4-FFF2-40B4-BE49-F238E27FC236}">
+                  <a16:creationId xmlns:a16="http://schemas.microsoft.com/office/drawing/2014/main" id="{4F4434BA-ADFA-99D4-D940-B820F7552E5D}"/>
+                </a:ext>
+              </a:extLst>
+            </p:cNvPr>
+            <p:cNvSpPr>
+              <a:spLocks noChangeAspect="1"/>
+            </p:cNvSpPr>
+            <p:nvPr/>
+          </p:nvSpPr>
+          <p:spPr>
+            <a:xfrm>
+              <a:off x="4076182" y="1633629"/>
+              <a:ext cx="280657" cy="280657"/>
+            </a:xfrm>
+            <a:prstGeom prst="ellipse">
+              <a:avLst/>
+            </a:prstGeom>
+            <a:solidFill>
+              <a:schemeClr val="bg1">
+                <a:lumMod val="95000"/>
+              </a:schemeClr>
+            </a:solidFill>
+            <a:ln>
+              <a:solidFill>
+                <a:schemeClr val="tx1"/>
+              </a:solidFill>
+            </a:ln>
+          </p:spPr>
+          <p:style>
+            <a:lnRef idx="2">
+              <a:schemeClr val="accent1">
+                <a:shade val="15000"/>
+              </a:schemeClr>
+            </a:lnRef>
+            <a:fillRef idx="1">
+              <a:schemeClr val="accent1"/>
+            </a:fillRef>
+            <a:effectRef idx="0">
+              <a:schemeClr val="accent1"/>
+            </a:effectRef>
+            <a:fontRef idx="minor">
+              <a:schemeClr val="lt1"/>
+            </a:fontRef>
+          </p:style>
+          <p:txBody>
+            <a:bodyPr rtlCol="0" anchor="ctr"/>
+            <a:lstStyle/>
+            <a:p>
+              <a:pPr algn="ctr"/>
+              <a:r>
+                <a:rPr lang="en-US" altLang="ko-KR" dirty="0">
+                  <a:solidFill>
+                    <a:schemeClr val="tx1"/>
+                  </a:solidFill>
+                </a:rPr>
+                <a:t>1</a:t>
+              </a:r>
+              <a:endParaRPr lang="ko-KR" altLang="en-US" dirty="0">
+                <a:solidFill>
+                  <a:schemeClr val="tx1"/>
+                </a:solidFill>
+              </a:endParaRPr>
+            </a:p>
+          </p:txBody>
+        </p:sp>
+        <p:sp>
+          <p:nvSpPr>
+            <p:cNvPr id="14" name="타원 13">
+              <a:extLst>
+                <a:ext uri="{FF2B5EF4-FFF2-40B4-BE49-F238E27FC236}">
+                  <a16:creationId xmlns:a16="http://schemas.microsoft.com/office/drawing/2014/main" id="{5AE2EF0A-1F33-39C7-D824-04B35113E7EA}"/>
+                </a:ext>
+              </a:extLst>
+            </p:cNvPr>
+            <p:cNvSpPr>
+              <a:spLocks noChangeAspect="1"/>
+            </p:cNvSpPr>
+            <p:nvPr/>
+          </p:nvSpPr>
+          <p:spPr>
+            <a:xfrm>
+              <a:off x="3019946" y="5105601"/>
+              <a:ext cx="280657" cy="280657"/>
+            </a:xfrm>
+            <a:prstGeom prst="ellipse">
+              <a:avLst/>
+            </a:prstGeom>
+            <a:solidFill>
+              <a:schemeClr val="bg1">
+                <a:lumMod val="95000"/>
+              </a:schemeClr>
+            </a:solidFill>
+            <a:ln>
+              <a:solidFill>
+                <a:schemeClr val="tx1"/>
+              </a:solidFill>
+            </a:ln>
+          </p:spPr>
+          <p:style>
+            <a:lnRef idx="2">
+              <a:schemeClr val="accent1">
+                <a:shade val="15000"/>
+              </a:schemeClr>
+            </a:lnRef>
+            <a:fillRef idx="1">
+              <a:schemeClr val="accent1"/>
+            </a:fillRef>
+            <a:effectRef idx="0">
+              <a:schemeClr val="accent1"/>
+            </a:effectRef>
+            <a:fontRef idx="minor">
+              <a:schemeClr val="lt1"/>
+            </a:fontRef>
+          </p:style>
+          <p:txBody>
+            <a:bodyPr rtlCol="0" anchor="ctr"/>
+            <a:lstStyle/>
+            <a:p>
+              <a:pPr algn="ctr"/>
+              <a:r>
+                <a:rPr lang="en-US" altLang="ko-KR" dirty="0">
+                  <a:solidFill>
+                    <a:schemeClr val="tx1"/>
+                  </a:solidFill>
+                </a:rPr>
+                <a:t>2</a:t>
+              </a:r>
+              <a:endParaRPr lang="ko-KR" altLang="en-US" dirty="0">
+                <a:solidFill>
+                  <a:schemeClr val="tx1"/>
+                </a:solidFill>
+              </a:endParaRPr>
+            </a:p>
+          </p:txBody>
+        </p:sp>
+      </p:grpSp>
+      <p:grpSp>
+        <p:nvGrpSpPr>
+          <p:cNvPr id="18" name="그룹 17">
+            <a:extLst>
+              <a:ext uri="{FF2B5EF4-FFF2-40B4-BE49-F238E27FC236}">
+                <a16:creationId xmlns:a16="http://schemas.microsoft.com/office/drawing/2014/main" id="{3EE042C7-D5BF-6AC6-9983-DB76277C0903}"/>
+              </a:ext>
+            </a:extLst>
+          </p:cNvPr>
+          <p:cNvGrpSpPr/>
+          <p:nvPr/>
+        </p:nvGrpSpPr>
+        <p:grpSpPr>
+          <a:xfrm>
+            <a:off x="5801715" y="1298650"/>
+            <a:ext cx="5466787" cy="3720943"/>
+            <a:chOff x="6025081" y="1153795"/>
+            <a:chExt cx="5466787" cy="3720943"/>
+          </a:xfrm>
+        </p:grpSpPr>
+        <p:pic>
+          <p:nvPicPr>
+            <p:cNvPr id="5" name="그림 4" descr="지도, 스크린샷, 텍스트, 멀티미디어 소프트웨어이(가) 표시된 사진&#10;&#10;자동 생성된 설명">
+              <a:extLst>
+                <a:ext uri="{FF2B5EF4-FFF2-40B4-BE49-F238E27FC236}">
+                  <a16:creationId xmlns:a16="http://schemas.microsoft.com/office/drawing/2014/main" id="{A83D8CD1-65AD-F4D8-E807-24465ACF63F2}"/>
+                </a:ext>
+              </a:extLst>
+            </p:cNvPr>
+            <p:cNvPicPr>
+              <a:picLocks noChangeAspect="1"/>
+            </p:cNvPicPr>
+            <p:nvPr/>
+          </p:nvPicPr>
+          <p:blipFill rotWithShape="1">
+            <a:blip r:embed="rId3">
+              <a:extLst>
+                <a:ext uri="{28A0092B-C50C-407E-A947-70E740481C1C}">
+                  <a14:useLocalDpi xmlns:a14="http://schemas.microsoft.com/office/drawing/2010/main" val="0"/>
+                </a:ext>
+              </a:extLst>
+            </a:blip>
+            <a:srcRect l="4529" t="12358" r="37030" b="13242"/>
+            <a:stretch/>
+          </p:blipFill>
+          <p:spPr>
+            <a:xfrm>
+              <a:off x="6096000" y="1153795"/>
+              <a:ext cx="5395868" cy="3720943"/>
+            </a:xfrm>
+            <a:prstGeom prst="rect">
+              <a:avLst/>
+            </a:prstGeom>
+          </p:spPr>
+        </p:pic>
+        <p:sp>
+          <p:nvSpPr>
+            <p:cNvPr id="6" name="직사각형 5">
+              <a:extLst>
+                <a:ext uri="{FF2B5EF4-FFF2-40B4-BE49-F238E27FC236}">
+                  <a16:creationId xmlns:a16="http://schemas.microsoft.com/office/drawing/2014/main" id="{4A2E381C-21CA-8A9D-B776-35D38E415F3D}"/>
+                </a:ext>
+              </a:extLst>
+            </p:cNvPr>
+            <p:cNvSpPr/>
+            <p:nvPr/>
+          </p:nvSpPr>
+          <p:spPr>
+            <a:xfrm>
+              <a:off x="6165410" y="2386142"/>
+              <a:ext cx="2073243" cy="2086270"/>
+            </a:xfrm>
+            <a:prstGeom prst="rect">
+              <a:avLst/>
+            </a:prstGeom>
+            <a:noFill/>
+            <a:ln w="19050">
+              <a:solidFill>
+                <a:srgbClr val="C00000"/>
+              </a:solidFill>
+            </a:ln>
+          </p:spPr>
+          <p:style>
+            <a:lnRef idx="2">
+              <a:schemeClr val="accent1">
+                <a:shade val="15000"/>
+              </a:schemeClr>
+            </a:lnRef>
+            <a:fillRef idx="1">
+              <a:schemeClr val="accent1"/>
+            </a:fillRef>
+            <a:effectRef idx="0">
+              <a:schemeClr val="accent1"/>
+            </a:effectRef>
+            <a:fontRef idx="minor">
+              <a:schemeClr val="lt1"/>
+            </a:fontRef>
+          </p:style>
+          <p:txBody>
+            <a:bodyPr rtlCol="0" anchor="ctr"/>
+            <a:lstStyle/>
+            <a:p>
+              <a:pPr algn="ctr"/>
+              <a:endParaRPr lang="ko-KR" altLang="en-US"/>
+            </a:p>
+          </p:txBody>
+        </p:sp>
+        <p:sp>
+          <p:nvSpPr>
+            <p:cNvPr id="8" name="직사각형 7">
+              <a:extLst>
+                <a:ext uri="{FF2B5EF4-FFF2-40B4-BE49-F238E27FC236}">
+                  <a16:creationId xmlns:a16="http://schemas.microsoft.com/office/drawing/2014/main" id="{6F87CB7C-6508-16C1-FEEC-42264033218F}"/>
+                </a:ext>
+              </a:extLst>
+            </p:cNvPr>
+            <p:cNvSpPr/>
+            <p:nvPr/>
+          </p:nvSpPr>
+          <p:spPr>
+            <a:xfrm>
+              <a:off x="9343176" y="1861041"/>
+              <a:ext cx="398353" cy="525101"/>
+            </a:xfrm>
+            <a:prstGeom prst="rect">
+              <a:avLst/>
+            </a:prstGeom>
+            <a:noFill/>
+            <a:ln w="19050">
+              <a:solidFill>
+                <a:srgbClr val="C00000"/>
+              </a:solidFill>
+            </a:ln>
+          </p:spPr>
+          <p:style>
+            <a:lnRef idx="2">
+              <a:schemeClr val="accent1">
+                <a:shade val="15000"/>
+              </a:schemeClr>
+            </a:lnRef>
+            <a:fillRef idx="1">
+              <a:schemeClr val="accent1"/>
+            </a:fillRef>
+            <a:effectRef idx="0">
+              <a:schemeClr val="accent1"/>
+            </a:effectRef>
+            <a:fontRef idx="minor">
+              <a:schemeClr val="lt1"/>
+            </a:fontRef>
+          </p:style>
+          <p:txBody>
+            <a:bodyPr rtlCol="0" anchor="ctr"/>
+            <a:lstStyle/>
+            <a:p>
+              <a:pPr algn="ctr"/>
+              <a:endParaRPr lang="ko-KR" altLang="en-US"/>
+            </a:p>
+          </p:txBody>
+        </p:sp>
+        <p:sp>
+          <p:nvSpPr>
+            <p:cNvPr id="15" name="타원 14">
+              <a:extLst>
+                <a:ext uri="{FF2B5EF4-FFF2-40B4-BE49-F238E27FC236}">
+                  <a16:creationId xmlns:a16="http://schemas.microsoft.com/office/drawing/2014/main" id="{938A573A-DD73-1969-1ED0-4F746A6D6207}"/>
+                </a:ext>
+              </a:extLst>
+            </p:cNvPr>
+            <p:cNvSpPr>
+              <a:spLocks noChangeAspect="1"/>
+            </p:cNvSpPr>
+            <p:nvPr/>
+          </p:nvSpPr>
+          <p:spPr>
+            <a:xfrm>
+              <a:off x="6025081" y="2245813"/>
+              <a:ext cx="280657" cy="280657"/>
+            </a:xfrm>
+            <a:prstGeom prst="ellipse">
+              <a:avLst/>
+            </a:prstGeom>
+            <a:solidFill>
+              <a:schemeClr val="bg1">
+                <a:lumMod val="95000"/>
+              </a:schemeClr>
+            </a:solidFill>
+            <a:ln>
+              <a:solidFill>
+                <a:schemeClr val="tx1"/>
+              </a:solidFill>
+            </a:ln>
+          </p:spPr>
+          <p:style>
+            <a:lnRef idx="2">
+              <a:schemeClr val="accent1">
+                <a:shade val="15000"/>
+              </a:schemeClr>
+            </a:lnRef>
+            <a:fillRef idx="1">
+              <a:schemeClr val="accent1"/>
+            </a:fillRef>
+            <a:effectRef idx="0">
+              <a:schemeClr val="accent1"/>
+            </a:effectRef>
+            <a:fontRef idx="minor">
+              <a:schemeClr val="lt1"/>
+            </a:fontRef>
+          </p:style>
+          <p:txBody>
+            <a:bodyPr rtlCol="0" anchor="ctr"/>
+            <a:lstStyle/>
+            <a:p>
+              <a:pPr algn="ctr"/>
+              <a:r>
+                <a:rPr lang="en-US" altLang="ko-KR" dirty="0">
+                  <a:solidFill>
+                    <a:schemeClr val="tx1"/>
+                  </a:solidFill>
+                </a:rPr>
+                <a:t>3</a:t>
+              </a:r>
+              <a:endParaRPr lang="ko-KR" altLang="en-US" dirty="0">
+                <a:solidFill>
+                  <a:schemeClr val="tx1"/>
+                </a:solidFill>
+              </a:endParaRPr>
+            </a:p>
+          </p:txBody>
+        </p:sp>
+        <p:sp>
+          <p:nvSpPr>
+            <p:cNvPr id="16" name="타원 15">
+              <a:extLst>
+                <a:ext uri="{FF2B5EF4-FFF2-40B4-BE49-F238E27FC236}">
+                  <a16:creationId xmlns:a16="http://schemas.microsoft.com/office/drawing/2014/main" id="{4A80DB17-2F34-B79D-7DF5-4E32EBD481E7}"/>
+                </a:ext>
+              </a:extLst>
+            </p:cNvPr>
+            <p:cNvSpPr>
+              <a:spLocks noChangeAspect="1"/>
+            </p:cNvSpPr>
+            <p:nvPr/>
+          </p:nvSpPr>
+          <p:spPr>
+            <a:xfrm>
+              <a:off x="9160738" y="1714572"/>
+              <a:ext cx="280657" cy="280657"/>
+            </a:xfrm>
+            <a:prstGeom prst="ellipse">
+              <a:avLst/>
+            </a:prstGeom>
+            <a:solidFill>
+              <a:schemeClr val="bg1">
+                <a:lumMod val="95000"/>
+              </a:schemeClr>
+            </a:solidFill>
+            <a:ln>
+              <a:solidFill>
+                <a:schemeClr val="tx1"/>
+              </a:solidFill>
+            </a:ln>
+          </p:spPr>
+          <p:style>
+            <a:lnRef idx="2">
+              <a:schemeClr val="accent1">
+                <a:shade val="15000"/>
+              </a:schemeClr>
+            </a:lnRef>
+            <a:fillRef idx="1">
+              <a:schemeClr val="accent1"/>
+            </a:fillRef>
+            <a:effectRef idx="0">
+              <a:schemeClr val="accent1"/>
+            </a:effectRef>
+            <a:fontRef idx="minor">
+              <a:schemeClr val="lt1"/>
+            </a:fontRef>
+          </p:style>
+          <p:txBody>
+            <a:bodyPr rtlCol="0" anchor="ctr"/>
+            <a:lstStyle/>
+            <a:p>
+              <a:pPr algn="ctr"/>
+              <a:r>
+                <a:rPr lang="en-US" altLang="ko-KR" dirty="0">
+                  <a:solidFill>
+                    <a:schemeClr val="tx1"/>
+                  </a:solidFill>
+                </a:rPr>
+                <a:t>4</a:t>
+              </a:r>
+              <a:endParaRPr lang="ko-KR" altLang="en-US" dirty="0">
+                <a:solidFill>
+                  <a:schemeClr val="tx1"/>
+                </a:solidFill>
+              </a:endParaRPr>
+            </a:p>
+          </p:txBody>
+        </p:sp>
+      </p:grpSp>
+      <p:graphicFrame>
+        <p:nvGraphicFramePr>
+          <p:cNvPr id="19" name="표 4">
+            <a:extLst>
+              <a:ext uri="{FF2B5EF4-FFF2-40B4-BE49-F238E27FC236}">
+                <a16:creationId xmlns:a16="http://schemas.microsoft.com/office/drawing/2014/main" id="{A2C9DF5F-7BD7-D363-93C0-C60D80DE793F}"/>
+              </a:ext>
+            </a:extLst>
+          </p:cNvPr>
+          <p:cNvGraphicFramePr>
+            <a:graphicFrameLocks noGrp="1"/>
+          </p:cNvGraphicFramePr>
+          <p:nvPr>
+            <p:extLst>
+              <p:ext uri="{D42A27DB-BD31-4B8C-83A1-F6EECF244321}">
+                <p14:modId xmlns:p14="http://schemas.microsoft.com/office/powerpoint/2010/main" val="3252976111"/>
+              </p:ext>
+            </p:extLst>
+          </p:nvPr>
+        </p:nvGraphicFramePr>
+        <p:xfrm>
+          <a:off x="8126044" y="5245376"/>
+          <a:ext cx="2643823" cy="1463040"/>
+        </p:xfrm>
+        <a:graphic>
+          <a:graphicData uri="http://schemas.openxmlformats.org/drawingml/2006/table">
+            <a:tbl>
+              <a:tblPr firstRow="1" bandRow="1">
+                <a:tableStyleId>{5C22544A-7EE6-4342-B048-85BDC9FD1C3A}</a:tableStyleId>
+              </a:tblPr>
+              <a:tblGrid>
+                <a:gridCol w="389255">
+                  <a:extLst>
+                    <a:ext uri="{9D8B030D-6E8A-4147-A177-3AD203B41FA5}">
+                      <a16:colId xmlns:a16="http://schemas.microsoft.com/office/drawing/2014/main" val="2204258722"/>
+                    </a:ext>
+                  </a:extLst>
+                </a:gridCol>
+                <a:gridCol w="2254568">
+                  <a:extLst>
+                    <a:ext uri="{9D8B030D-6E8A-4147-A177-3AD203B41FA5}">
+                      <a16:colId xmlns:a16="http://schemas.microsoft.com/office/drawing/2014/main" val="3606984394"/>
+                    </a:ext>
+                  </a:extLst>
+                </a:gridCol>
+              </a:tblGrid>
+              <a:tr h="0">
+                <a:tc>
+                  <a:txBody>
+                    <a:bodyPr/>
+                    <a:lstStyle/>
+                    <a:p>
+                      <a:pPr algn="ctr" latinLnBrk="1"/>
+                      <a:r>
+                        <a:rPr lang="en-US" altLang="ko-KR" b="0" dirty="0">
+                          <a:solidFill>
+                            <a:schemeClr val="tx1"/>
+                          </a:solidFill>
+                        </a:rPr>
+                        <a:t>1</a:t>
+                      </a:r>
+                      <a:endParaRPr lang="ko-KR" altLang="en-US" b="0" dirty="0">
+                        <a:solidFill>
+                          <a:schemeClr val="tx1"/>
+                        </a:solidFill>
+                      </a:endParaRPr>
+                    </a:p>
+                  </a:txBody>
+                  <a:tcPr>
+                    <a:lnL w="12700" cap="flat" cmpd="sng" algn="ctr">
+                      <a:noFill/>
+                      <a:prstDash val="solid"/>
+                      <a:round/>
+                      <a:headEnd type="none" w="med" len="med"/>
+                      <a:tailEnd type="none" w="med" len="med"/>
+                    </a:lnL>
+                    <a:lnR w="12700" cap="flat" cmpd="sng" algn="ctr">
+                      <a:solidFill>
+                        <a:schemeClr val="tx1"/>
+                      </a:solidFill>
+                      <a:prstDash val="solid"/>
+                      <a:round/>
+                      <a:headEnd type="none" w="med" len="med"/>
+                      <a:tailEnd type="none" w="med" len="med"/>
+                    </a:lnR>
+                    <a:lnT w="12700" cap="flat" cmpd="sng" algn="ctr">
+                      <a:noFill/>
+                      <a:prstDash val="solid"/>
+                      <a:round/>
+                      <a:headEnd type="none" w="med" len="med"/>
+                      <a:tailEnd type="none" w="med" len="med"/>
+                    </a:lnT>
+                    <a:lnB w="12700" cap="flat" cmpd="sng" algn="ctr">
+                      <a:solidFill>
+                        <a:schemeClr val="tx1"/>
+                      </a:solidFill>
+                      <a:prstDash val="solid"/>
+                      <a:round/>
+                      <a:headEnd type="none" w="med" len="med"/>
+                      <a:tailEnd type="none" w="med" len="med"/>
+                    </a:lnB>
+                    <a:lnTlToBr w="12700" cmpd="sng">
+                      <a:noFill/>
+                      <a:prstDash val="solid"/>
+                    </a:lnTlToBr>
+                    <a:lnBlToTr w="12700" cmpd="sng">
+                      <a:noFill/>
+                      <a:prstDash val="solid"/>
+                    </a:lnBlToTr>
+                    <a:noFill/>
+                  </a:tcPr>
+                </a:tc>
+                <a:tc>
+                  <a:txBody>
+                    <a:bodyPr/>
+                    <a:lstStyle/>
+                    <a:p>
+                      <a:pPr latinLnBrk="1"/>
+                      <a:r>
+                        <a:rPr lang="ko-KR" altLang="en-US" b="0" dirty="0">
+                          <a:solidFill>
+                            <a:schemeClr val="tx1"/>
+                          </a:solidFill>
+                        </a:rPr>
+                        <a:t>대련장으로 가는 길</a:t>
+                      </a:r>
+                    </a:p>
+                  </a:txBody>
+                  <a:tcPr>
+                    <a:lnL w="12700" cap="flat" cmpd="sng" algn="ctr">
+                      <a:solidFill>
+                        <a:schemeClr val="tx1"/>
+                      </a:solidFill>
+                      <a:prstDash val="solid"/>
+                      <a:round/>
+                      <a:headEnd type="none" w="med" len="med"/>
+                      <a:tailEnd type="none" w="med" len="med"/>
+                    </a:lnL>
+                    <a:lnR w="12700" cap="flat" cmpd="sng" algn="ctr">
+                      <a:noFill/>
+                      <a:prstDash val="solid"/>
+                      <a:round/>
+                      <a:headEnd type="none" w="med" len="med"/>
+                      <a:tailEnd type="none" w="med" len="med"/>
+                    </a:lnR>
+                    <a:lnT w="12700" cap="flat" cmpd="sng" algn="ctr">
+                      <a:noFill/>
+                      <a:prstDash val="solid"/>
+                      <a:round/>
+                      <a:headEnd type="none" w="med" len="med"/>
+                      <a:tailEnd type="none" w="med" len="med"/>
+                    </a:lnT>
+                    <a:lnB w="12700" cap="flat" cmpd="sng" algn="ctr">
+                      <a:solidFill>
+                        <a:schemeClr val="tx1"/>
+                      </a:solidFill>
+                      <a:prstDash val="solid"/>
+                      <a:round/>
+                      <a:headEnd type="none" w="med" len="med"/>
+                      <a:tailEnd type="none" w="med" len="med"/>
+                    </a:lnB>
+                    <a:lnTlToBr w="12700" cmpd="sng">
+                      <a:noFill/>
+                      <a:prstDash val="solid"/>
+                    </a:lnTlToBr>
+                    <a:lnBlToTr w="12700" cmpd="sng">
+                      <a:noFill/>
+                      <a:prstDash val="solid"/>
+                    </a:lnBlToTr>
+                    <a:noFill/>
+                  </a:tcPr>
+                </a:tc>
+                <a:extLst>
+                  <a:ext uri="{0D108BD9-81ED-4DB2-BD59-A6C34878D82A}">
+                    <a16:rowId xmlns:a16="http://schemas.microsoft.com/office/drawing/2014/main" val="3162711127"/>
+                  </a:ext>
+                </a:extLst>
+              </a:tr>
+              <a:tr h="0">
+                <a:tc>
+                  <a:txBody>
+                    <a:bodyPr/>
+                    <a:lstStyle/>
+                    <a:p>
+                      <a:pPr algn="ctr" latinLnBrk="1"/>
+                      <a:r>
+                        <a:rPr lang="en-US" altLang="ko-KR" b="0" dirty="0">
+                          <a:solidFill>
+                            <a:schemeClr val="tx1"/>
+                          </a:solidFill>
+                        </a:rPr>
+                        <a:t>2</a:t>
+                      </a:r>
+                      <a:endParaRPr lang="ko-KR" altLang="en-US" b="0" dirty="0">
+                        <a:solidFill>
+                          <a:schemeClr val="tx1"/>
+                        </a:solidFill>
+                      </a:endParaRPr>
+                    </a:p>
+                  </a:txBody>
+                  <a:tcPr>
+                    <a:lnL w="12700" cap="flat" cmpd="sng" algn="ctr">
+                      <a:noFill/>
+                      <a:prstDash val="solid"/>
+                      <a:round/>
+                      <a:headEnd type="none" w="med" len="med"/>
+                      <a:tailEnd type="none" w="med" len="med"/>
+                    </a:lnL>
+                    <a:lnR w="12700" cap="flat" cmpd="sng" algn="ctr">
+                      <a:solidFill>
+                        <a:schemeClr val="tx1"/>
+                      </a:solidFill>
+                      <a:prstDash val="solid"/>
+                      <a:round/>
+                      <a:headEnd type="none" w="med" len="med"/>
+                      <a:tailEnd type="none" w="med" len="med"/>
+                    </a:lnR>
+                    <a:lnT w="12700" cap="flat" cmpd="sng" algn="ctr">
+                      <a:solidFill>
+                        <a:schemeClr val="tx1"/>
+                      </a:solidFill>
+                      <a:prstDash val="solid"/>
+                      <a:round/>
+                      <a:headEnd type="none" w="med" len="med"/>
+                      <a:tailEnd type="none" w="med" len="med"/>
+                    </a:lnT>
+                    <a:lnB w="12700" cap="flat" cmpd="sng" algn="ctr">
+                      <a:solidFill>
+                        <a:schemeClr val="tx1"/>
+                      </a:solidFill>
+                      <a:prstDash val="solid"/>
+                      <a:round/>
+                      <a:headEnd type="none" w="med" len="med"/>
+                      <a:tailEnd type="none" w="med" len="med"/>
+                    </a:lnB>
+                    <a:lnTlToBr w="12700" cmpd="sng">
+                      <a:noFill/>
+                      <a:prstDash val="solid"/>
+                    </a:lnTlToBr>
+                    <a:lnBlToTr w="12700" cmpd="sng">
+                      <a:noFill/>
+                      <a:prstDash val="solid"/>
+                    </a:lnBlToTr>
+                    <a:noFill/>
+                  </a:tcPr>
+                </a:tc>
+                <a:tc>
+                  <a:txBody>
+                    <a:bodyPr/>
+                    <a:lstStyle/>
+                    <a:p>
+                      <a:pPr latinLnBrk="1"/>
+                      <a:r>
+                        <a:rPr lang="ko-KR" altLang="en-US" b="0" dirty="0">
+                          <a:solidFill>
+                            <a:schemeClr val="tx1"/>
+                          </a:solidFill>
+                        </a:rPr>
+                        <a:t>마을로 가는 길</a:t>
+                      </a:r>
+                    </a:p>
+                  </a:txBody>
+                  <a:tcPr>
+                    <a:lnL w="12700" cap="flat" cmpd="sng" algn="ctr">
+                      <a:solidFill>
+                        <a:schemeClr val="tx1"/>
+                      </a:solidFill>
+                      <a:prstDash val="solid"/>
+                      <a:round/>
+                      <a:headEnd type="none" w="med" len="med"/>
+                      <a:tailEnd type="none" w="med" len="med"/>
+                    </a:lnL>
+                    <a:lnR w="12700" cap="flat" cmpd="sng" algn="ctr">
+                      <a:noFill/>
+                      <a:prstDash val="solid"/>
+                      <a:round/>
+                      <a:headEnd type="none" w="med" len="med"/>
+                      <a:tailEnd type="none" w="med" len="med"/>
+                    </a:lnR>
+                    <a:lnT w="12700" cap="flat" cmpd="sng" algn="ctr">
+                      <a:solidFill>
+                        <a:schemeClr val="tx1"/>
+                      </a:solidFill>
+                      <a:prstDash val="solid"/>
+                      <a:round/>
+                      <a:headEnd type="none" w="med" len="med"/>
+                      <a:tailEnd type="none" w="med" len="med"/>
+                    </a:lnT>
+                    <a:lnB w="12700" cap="flat" cmpd="sng" algn="ctr">
+                      <a:solidFill>
+                        <a:schemeClr val="tx1"/>
+                      </a:solidFill>
+                      <a:prstDash val="solid"/>
+                      <a:round/>
+                      <a:headEnd type="none" w="med" len="med"/>
+                      <a:tailEnd type="none" w="med" len="med"/>
+                    </a:lnB>
+                    <a:lnTlToBr w="12700" cmpd="sng">
+                      <a:noFill/>
+                      <a:prstDash val="solid"/>
+                    </a:lnTlToBr>
+                    <a:lnBlToTr w="12700" cmpd="sng">
+                      <a:noFill/>
+                      <a:prstDash val="solid"/>
+                    </a:lnBlToTr>
+                    <a:noFill/>
+                  </a:tcPr>
+                </a:tc>
+                <a:extLst>
+                  <a:ext uri="{0D108BD9-81ED-4DB2-BD59-A6C34878D82A}">
+                    <a16:rowId xmlns:a16="http://schemas.microsoft.com/office/drawing/2014/main" val="2525806370"/>
+                  </a:ext>
+                </a:extLst>
+              </a:tr>
+              <a:tr h="0">
+                <a:tc>
+                  <a:txBody>
+                    <a:bodyPr/>
+                    <a:lstStyle/>
+                    <a:p>
+                      <a:pPr algn="ctr" latinLnBrk="1"/>
+                      <a:r>
+                        <a:rPr lang="en-US" altLang="ko-KR" b="0" dirty="0">
+                          <a:solidFill>
+                            <a:schemeClr val="tx1"/>
+                          </a:solidFill>
+                        </a:rPr>
+                        <a:t>3</a:t>
+                      </a:r>
+                      <a:endParaRPr lang="ko-KR" altLang="en-US" b="0" dirty="0">
+                        <a:solidFill>
+                          <a:schemeClr val="tx1"/>
+                        </a:solidFill>
+                      </a:endParaRPr>
+                    </a:p>
+                  </a:txBody>
+                  <a:tcPr>
+                    <a:lnL w="12700" cap="flat" cmpd="sng" algn="ctr">
+                      <a:noFill/>
+                      <a:prstDash val="solid"/>
+                      <a:round/>
+                      <a:headEnd type="none" w="med" len="med"/>
+                      <a:tailEnd type="none" w="med" len="med"/>
+                    </a:lnL>
+                    <a:lnR w="12700" cap="flat" cmpd="sng" algn="ctr">
+                      <a:solidFill>
+                        <a:schemeClr val="tx1"/>
+                      </a:solidFill>
+                      <a:prstDash val="solid"/>
+                      <a:round/>
+                      <a:headEnd type="none" w="med" len="med"/>
+                      <a:tailEnd type="none" w="med" len="med"/>
+                    </a:lnR>
+                    <a:lnT w="12700" cap="flat" cmpd="sng" algn="ctr">
+                      <a:solidFill>
+                        <a:schemeClr val="tx1"/>
+                      </a:solidFill>
+                      <a:prstDash val="solid"/>
+                      <a:round/>
+                      <a:headEnd type="none" w="med" len="med"/>
+                      <a:tailEnd type="none" w="med" len="med"/>
+                    </a:lnT>
+                    <a:lnB w="12700" cap="flat" cmpd="sng" algn="ctr">
+                      <a:solidFill>
+                        <a:schemeClr val="tx1"/>
+                      </a:solidFill>
+                      <a:prstDash val="solid"/>
+                      <a:round/>
+                      <a:headEnd type="none" w="med" len="med"/>
+                      <a:tailEnd type="none" w="med" len="med"/>
+                    </a:lnB>
+                    <a:lnTlToBr w="12700" cmpd="sng">
+                      <a:noFill/>
+                      <a:prstDash val="solid"/>
+                    </a:lnTlToBr>
+                    <a:lnBlToTr w="12700" cmpd="sng">
+                      <a:noFill/>
+                      <a:prstDash val="solid"/>
+                    </a:lnBlToTr>
+                    <a:noFill/>
+                  </a:tcPr>
+                </a:tc>
+                <a:tc>
+                  <a:txBody>
+                    <a:bodyPr/>
+                    <a:lstStyle/>
+                    <a:p>
+                      <a:pPr latinLnBrk="1"/>
+                      <a:r>
+                        <a:rPr lang="ko-KR" altLang="en-US" b="0" dirty="0">
+                          <a:solidFill>
+                            <a:schemeClr val="tx1"/>
+                          </a:solidFill>
+                        </a:rPr>
+                        <a:t>훈련장</a:t>
+                      </a:r>
+                    </a:p>
+                  </a:txBody>
+                  <a:tcPr>
+                    <a:lnL w="12700" cap="flat" cmpd="sng" algn="ctr">
+                      <a:solidFill>
+                        <a:schemeClr val="tx1"/>
+                      </a:solidFill>
+                      <a:prstDash val="solid"/>
+                      <a:round/>
+                      <a:headEnd type="none" w="med" len="med"/>
+                      <a:tailEnd type="none" w="med" len="med"/>
+                    </a:lnL>
+                    <a:lnR w="12700" cap="flat" cmpd="sng" algn="ctr">
+                      <a:noFill/>
+                      <a:prstDash val="solid"/>
+                      <a:round/>
+                      <a:headEnd type="none" w="med" len="med"/>
+                      <a:tailEnd type="none" w="med" len="med"/>
+                    </a:lnR>
+                    <a:lnT w="12700" cap="flat" cmpd="sng" algn="ctr">
+                      <a:solidFill>
+                        <a:schemeClr val="tx1"/>
+                      </a:solidFill>
+                      <a:prstDash val="solid"/>
+                      <a:round/>
+                      <a:headEnd type="none" w="med" len="med"/>
+                      <a:tailEnd type="none" w="med" len="med"/>
+                    </a:lnT>
+                    <a:lnB w="12700" cap="flat" cmpd="sng" algn="ctr">
+                      <a:solidFill>
+                        <a:schemeClr val="tx1"/>
+                      </a:solidFill>
+                      <a:prstDash val="solid"/>
+                      <a:round/>
+                      <a:headEnd type="none" w="med" len="med"/>
+                      <a:tailEnd type="none" w="med" len="med"/>
+                    </a:lnB>
+                    <a:lnTlToBr w="12700" cmpd="sng">
+                      <a:noFill/>
+                      <a:prstDash val="solid"/>
+                    </a:lnTlToBr>
+                    <a:lnBlToTr w="12700" cmpd="sng">
+                      <a:noFill/>
+                      <a:prstDash val="solid"/>
+                    </a:lnBlToTr>
+                    <a:noFill/>
+                  </a:tcPr>
+                </a:tc>
+                <a:extLst>
+                  <a:ext uri="{0D108BD9-81ED-4DB2-BD59-A6C34878D82A}">
+                    <a16:rowId xmlns:a16="http://schemas.microsoft.com/office/drawing/2014/main" val="2395034878"/>
+                  </a:ext>
+                </a:extLst>
+              </a:tr>
+              <a:tr h="0">
+                <a:tc>
+                  <a:txBody>
+                    <a:bodyPr/>
+                    <a:lstStyle/>
+                    <a:p>
+                      <a:pPr algn="ctr" latinLnBrk="1"/>
+                      <a:r>
+                        <a:rPr lang="en-US" altLang="ko-KR" b="0" dirty="0">
+                          <a:solidFill>
+                            <a:schemeClr val="tx1"/>
+                          </a:solidFill>
+                        </a:rPr>
+                        <a:t>4</a:t>
+                      </a:r>
+                      <a:endParaRPr lang="ko-KR" altLang="en-US" b="0" dirty="0">
+                        <a:solidFill>
+                          <a:schemeClr val="tx1"/>
+                        </a:solidFill>
+                      </a:endParaRPr>
+                    </a:p>
+                  </a:txBody>
+                  <a:tcPr>
+                    <a:lnL w="12700" cap="flat" cmpd="sng" algn="ctr">
+                      <a:noFill/>
+                      <a:prstDash val="solid"/>
+                      <a:round/>
+                      <a:headEnd type="none" w="med" len="med"/>
+                      <a:tailEnd type="none" w="med" len="med"/>
+                    </a:lnL>
+                    <a:lnR w="12700" cap="flat" cmpd="sng" algn="ctr">
+                      <a:solidFill>
+                        <a:schemeClr val="tx1"/>
+                      </a:solidFill>
+                      <a:prstDash val="solid"/>
+                      <a:round/>
+                      <a:headEnd type="none" w="med" len="med"/>
+                      <a:tailEnd type="none" w="med" len="med"/>
+                    </a:lnR>
+                    <a:lnT w="12700" cap="flat" cmpd="sng" algn="ctr">
+                      <a:solidFill>
+                        <a:schemeClr val="tx1"/>
+                      </a:solidFill>
+                      <a:prstDash val="solid"/>
+                      <a:round/>
+                      <a:headEnd type="none" w="med" len="med"/>
+                      <a:tailEnd type="none" w="med" len="med"/>
+                    </a:lnT>
+                    <a:lnB w="12700" cap="flat" cmpd="sng" algn="ctr">
+                      <a:noFill/>
+                      <a:prstDash val="solid"/>
+                      <a:round/>
+                      <a:headEnd type="none" w="med" len="med"/>
+                      <a:tailEnd type="none" w="med" len="med"/>
+                    </a:lnB>
+                    <a:lnTlToBr w="12700" cmpd="sng">
+                      <a:noFill/>
+                      <a:prstDash val="solid"/>
+                    </a:lnTlToBr>
+                    <a:lnBlToTr w="12700" cmpd="sng">
+                      <a:noFill/>
+                      <a:prstDash val="solid"/>
+                    </a:lnBlToTr>
+                    <a:noFill/>
+                  </a:tcPr>
+                </a:tc>
+                <a:tc>
+                  <a:txBody>
+                    <a:bodyPr/>
+                    <a:lstStyle/>
+                    <a:p>
+                      <a:pPr latinLnBrk="1"/>
+                      <a:r>
+                        <a:rPr lang="ko-KR" altLang="en-US" b="0" dirty="0" err="1">
+                          <a:solidFill>
+                            <a:schemeClr val="tx1"/>
+                          </a:solidFill>
+                        </a:rPr>
+                        <a:t>토벌단</a:t>
+                      </a:r>
+                      <a:r>
+                        <a:rPr lang="ko-KR" altLang="en-US" b="0" dirty="0">
+                          <a:solidFill>
+                            <a:schemeClr val="tx1"/>
+                          </a:solidFill>
+                        </a:rPr>
+                        <a:t> 입구</a:t>
+                      </a:r>
+                    </a:p>
+                  </a:txBody>
+                  <a:tcPr>
+                    <a:lnL w="12700" cap="flat" cmpd="sng" algn="ctr">
+                      <a:solidFill>
+                        <a:schemeClr val="tx1"/>
+                      </a:solidFill>
+                      <a:prstDash val="solid"/>
+                      <a:round/>
+                      <a:headEnd type="none" w="med" len="med"/>
+                      <a:tailEnd type="none" w="med" len="med"/>
+                    </a:lnL>
+                    <a:lnR w="12700" cap="flat" cmpd="sng" algn="ctr">
+                      <a:noFill/>
+                      <a:prstDash val="solid"/>
+                      <a:round/>
+                      <a:headEnd type="none" w="med" len="med"/>
+                      <a:tailEnd type="none" w="med" len="med"/>
+                    </a:lnR>
+                    <a:lnT w="12700" cap="flat" cmpd="sng" algn="ctr">
+                      <a:solidFill>
+                        <a:schemeClr val="tx1"/>
+                      </a:solidFill>
+                      <a:prstDash val="solid"/>
+                      <a:round/>
+                      <a:headEnd type="none" w="med" len="med"/>
+                      <a:tailEnd type="none" w="med" len="med"/>
+                    </a:lnT>
+                    <a:lnB w="12700" cap="flat" cmpd="sng" algn="ctr">
+                      <a:noFill/>
+                      <a:prstDash val="solid"/>
+                      <a:round/>
+                      <a:headEnd type="none" w="med" len="med"/>
+                      <a:tailEnd type="none" w="med" len="med"/>
+                    </a:lnB>
+                    <a:lnTlToBr w="12700" cmpd="sng">
+                      <a:noFill/>
+                      <a:prstDash val="solid"/>
+                    </a:lnTlToBr>
+                    <a:lnBlToTr w="12700" cmpd="sng">
+                      <a:noFill/>
+                      <a:prstDash val="solid"/>
+                    </a:lnBlToTr>
+                    <a:noFill/>
+                  </a:tcPr>
+                </a:tc>
+                <a:extLst>
+                  <a:ext uri="{0D108BD9-81ED-4DB2-BD59-A6C34878D82A}">
+                    <a16:rowId xmlns:a16="http://schemas.microsoft.com/office/drawing/2014/main" val="696714952"/>
+                  </a:ext>
+                </a:extLst>
+              </a:tr>
+            </a:tbl>
+          </a:graphicData>
+        </a:graphic>
+      </p:graphicFrame>
     </p:spTree>
     <p:extLst>
       <p:ext uri="{BB962C8B-B14F-4D97-AF65-F5344CB8AC3E}">
         <p14:creationId xmlns:p14="http://schemas.microsoft.com/office/powerpoint/2010/main" val="306764460"/>
+      </p:ext>
+    </p:extLst>
+  </p:cSld>
+  <p:clrMapOvr>
+    <a:masterClrMapping/>
+  </p:clrMapOvr>
+</p:sld>
+</file>
+
+<file path=ppt/slides/slide5.xml><?xml version="1.0" encoding="utf-8"?>
+<p:sld xmlns:a="http://schemas.openxmlformats.org/drawingml/2006/main" xmlns:r="http://schemas.openxmlformats.org/officeDocument/2006/relationships" xmlns:p="http://schemas.openxmlformats.org/presentationml/2006/main">
+  <p:cSld>
+    <p:spTree>
+      <p:nvGrpSpPr>
+        <p:cNvPr id="1" name=""/>
+        <p:cNvGrpSpPr/>
+        <p:nvPr/>
+      </p:nvGrpSpPr>
+      <p:grpSpPr>
+        <a:xfrm>
+          <a:off x="0" y="0"/>
+          <a:ext cx="0" cy="0"/>
+          <a:chOff x="0" y="0"/>
+          <a:chExt cx="0" cy="0"/>
+        </a:xfrm>
+      </p:grpSpPr>
+      <p:sp>
+        <p:nvSpPr>
+          <p:cNvPr id="7" name="제목 1">
+            <a:extLst>
+              <a:ext uri="{FF2B5EF4-FFF2-40B4-BE49-F238E27FC236}">
+                <a16:creationId xmlns:a16="http://schemas.microsoft.com/office/drawing/2014/main" id="{77FA9A8E-E94C-4F99-8997-7C96A1AAEAC7}"/>
+              </a:ext>
+            </a:extLst>
+          </p:cNvPr>
+          <p:cNvSpPr txBox="1">
+            <a:spLocks/>
+          </p:cNvSpPr>
+          <p:nvPr/>
+        </p:nvSpPr>
+        <p:spPr>
+          <a:xfrm>
+            <a:off x="695325" y="292100"/>
+            <a:ext cx="10801350" cy="861695"/>
+          </a:xfrm>
+          <a:prstGeom prst="rect">
+            <a:avLst/>
+          </a:prstGeom>
+        </p:spPr>
+        <p:txBody>
+          <a:bodyPr vert="horz" lIns="91440" tIns="45720" rIns="91440" bIns="45720" rtlCol="0" anchor="ctr">
+            <a:normAutofit/>
+          </a:bodyPr>
+          <a:lstStyle>
+            <a:lvl1pPr algn="l" defTabSz="914400" rtl="0" eaLnBrk="1" latinLnBrk="1" hangingPunct="1">
+              <a:lnSpc>
+                <a:spcPct val="90000"/>
+              </a:lnSpc>
+              <a:spcBef>
+                <a:spcPct val="0"/>
+              </a:spcBef>
+              <a:buNone/>
+              <a:defRPr sz="4400" kern="1200">
+                <a:solidFill>
+                  <a:schemeClr val="tx1"/>
+                </a:solidFill>
+                <a:latin typeface="+mj-lt"/>
+                <a:ea typeface="+mj-ea"/>
+                <a:cs typeface="+mj-cs"/>
+              </a:defRPr>
+            </a:lvl1pPr>
+          </a:lstStyle>
+          <a:p>
+            <a:r>
+              <a:rPr lang="ko-KR" altLang="en-US" dirty="0"/>
+              <a:t>시나리오</a:t>
+            </a:r>
+          </a:p>
+        </p:txBody>
+      </p:sp>
+      <p:graphicFrame>
+        <p:nvGraphicFramePr>
+          <p:cNvPr id="3" name="표 2">
+            <a:extLst>
+              <a:ext uri="{FF2B5EF4-FFF2-40B4-BE49-F238E27FC236}">
+                <a16:creationId xmlns:a16="http://schemas.microsoft.com/office/drawing/2014/main" id="{2B03A9A3-AF35-7C5F-3F38-C8291B1AF16B}"/>
+              </a:ext>
+            </a:extLst>
+          </p:cNvPr>
+          <p:cNvGraphicFramePr>
+            <a:graphicFrameLocks noGrp="1"/>
+          </p:cNvGraphicFramePr>
+          <p:nvPr>
+            <p:extLst>
+              <p:ext uri="{D42A27DB-BD31-4B8C-83A1-F6EECF244321}">
+                <p14:modId xmlns:p14="http://schemas.microsoft.com/office/powerpoint/2010/main" val="2252972675"/>
+              </p:ext>
+            </p:extLst>
+          </p:nvPr>
+        </p:nvGraphicFramePr>
+        <p:xfrm>
+          <a:off x="1412875" y="1158906"/>
+          <a:ext cx="9366250" cy="3566160"/>
+        </p:xfrm>
+        <a:graphic>
+          <a:graphicData uri="http://schemas.openxmlformats.org/drawingml/2006/table">
+            <a:tbl>
+              <a:tblPr firstRow="1" bandRow="1">
+                <a:tableStyleId>{5C22544A-7EE6-4342-B048-85BDC9FD1C3A}</a:tableStyleId>
+              </a:tblPr>
+              <a:tblGrid>
+                <a:gridCol w="9366250">
+                  <a:extLst>
+                    <a:ext uri="{9D8B030D-6E8A-4147-A177-3AD203B41FA5}">
+                      <a16:colId xmlns:a16="http://schemas.microsoft.com/office/drawing/2014/main" val="855305220"/>
+                    </a:ext>
+                  </a:extLst>
+                </a:gridCol>
+              </a:tblGrid>
+              <a:tr h="0">
+                <a:tc>
+                  <a:txBody>
+                    <a:bodyPr/>
+                    <a:lstStyle/>
+                    <a:p>
+                      <a:pPr latinLnBrk="1"/>
+                      <a:r>
+                        <a:rPr lang="ko-KR" altLang="en-US" sz="1400" b="0" dirty="0">
+                          <a:solidFill>
+                            <a:schemeClr val="tx1"/>
+                          </a:solidFill>
+                        </a:rPr>
+                        <a:t>과거</a:t>
+                      </a:r>
+                    </a:p>
+                  </a:txBody>
+                  <a:tcPr>
+                    <a:lnL w="12700" cmpd="sng">
+                      <a:noFill/>
+                    </a:lnL>
+                    <a:lnR w="12700" cmpd="sng">
+                      <a:noFill/>
+                    </a:lnR>
+                    <a:lnT w="12700" cmpd="sng">
+                      <a:noFill/>
+                    </a:lnT>
+                    <a:lnB w="12700" cap="flat" cmpd="sng" algn="ctr">
+                      <a:solidFill>
+                        <a:schemeClr val="tx1"/>
+                      </a:solidFill>
+                      <a:prstDash val="solid"/>
+                      <a:round/>
+                      <a:headEnd type="none" w="med" len="med"/>
+                      <a:tailEnd type="none" w="med" len="med"/>
+                    </a:lnB>
+                    <a:lnTlToBr w="12700" cmpd="sng">
+                      <a:noFill/>
+                      <a:prstDash val="solid"/>
+                    </a:lnTlToBr>
+                    <a:lnBlToTr w="12700" cmpd="sng">
+                      <a:noFill/>
+                      <a:prstDash val="solid"/>
+                    </a:lnBlToTr>
+                    <a:solidFill>
+                      <a:schemeClr val="bg1">
+                        <a:lumMod val="95000"/>
+                      </a:schemeClr>
+                    </a:solidFill>
+                  </a:tcPr>
+                </a:tc>
+                <a:extLst>
+                  <a:ext uri="{0D108BD9-81ED-4DB2-BD59-A6C34878D82A}">
+                    <a16:rowId xmlns:a16="http://schemas.microsoft.com/office/drawing/2014/main" val="966420032"/>
+                  </a:ext>
+                </a:extLst>
+              </a:tr>
+              <a:tr h="370840">
+                <a:tc>
+                  <a:txBody>
+                    <a:bodyPr/>
+                    <a:lstStyle/>
+                    <a:p>
+                      <a:pPr latinLnBrk="1"/>
+                      <a:r>
+                        <a:rPr lang="ko-KR" altLang="en-US" sz="1400" b="0" dirty="0">
+                          <a:solidFill>
+                            <a:schemeClr val="tx1"/>
+                          </a:solidFill>
+                        </a:rPr>
+                        <a:t>달기와의 전쟁은 무림 세력에게 치명적이었다</a:t>
+                      </a:r>
+                      <a:r>
+                        <a:rPr lang="en-US" altLang="ko-KR" sz="1400" b="0" dirty="0">
+                          <a:solidFill>
+                            <a:schemeClr val="tx1"/>
+                          </a:solidFill>
+                        </a:rPr>
+                        <a:t>. </a:t>
+                      </a:r>
+                      <a:r>
+                        <a:rPr lang="ko-KR" altLang="en-US" sz="1400" b="0" dirty="0" err="1">
+                          <a:solidFill>
+                            <a:schemeClr val="tx1"/>
+                          </a:solidFill>
+                        </a:rPr>
+                        <a:t>무림맹주와</a:t>
+                      </a:r>
+                      <a:r>
+                        <a:rPr lang="ko-KR" altLang="en-US" sz="1400" b="0" dirty="0">
+                          <a:solidFill>
+                            <a:schemeClr val="tx1"/>
+                          </a:solidFill>
+                        </a:rPr>
+                        <a:t> 천마를 포함한 많은 수의 고수들이 죽어 세력에 큰 피해를 입었다</a:t>
+                      </a:r>
+                      <a:r>
+                        <a:rPr lang="en-US" altLang="ko-KR" sz="1400" b="0" dirty="0">
+                          <a:solidFill>
+                            <a:schemeClr val="tx1"/>
+                          </a:solidFill>
+                        </a:rPr>
+                        <a:t>. </a:t>
+                      </a:r>
+                      <a:r>
+                        <a:rPr lang="ko-KR" altLang="en-US" sz="1400" b="0" dirty="0">
+                          <a:solidFill>
+                            <a:schemeClr val="tx1"/>
+                          </a:solidFill>
+                        </a:rPr>
+                        <a:t>달기와의 재전쟁을 위해 조용히 세력을 회복 중이었던 무림을 찾아낸 달기는 무림의 정파와 </a:t>
+                      </a:r>
+                      <a:r>
+                        <a:rPr lang="ko-KR" altLang="en-US" sz="1400" b="0" dirty="0" err="1">
+                          <a:solidFill>
+                            <a:schemeClr val="tx1"/>
+                          </a:solidFill>
+                        </a:rPr>
+                        <a:t>사파에</a:t>
+                      </a:r>
+                      <a:r>
+                        <a:rPr lang="ko-KR" altLang="en-US" sz="1400" b="0" dirty="0">
+                          <a:solidFill>
+                            <a:schemeClr val="tx1"/>
+                          </a:solidFill>
+                        </a:rPr>
+                        <a:t> 전쟁을 일으키게 만들어 세력을 약화 시켰다</a:t>
+                      </a:r>
+                      <a:r>
+                        <a:rPr lang="en-US" altLang="ko-KR" sz="1400" b="0" dirty="0">
+                          <a:solidFill>
+                            <a:schemeClr val="tx1"/>
+                          </a:solidFill>
+                        </a:rPr>
+                        <a:t>. </a:t>
+                      </a:r>
+                      <a:r>
+                        <a:rPr lang="ko-KR" altLang="en-US" sz="1400" b="0" dirty="0">
+                          <a:solidFill>
+                            <a:schemeClr val="tx1"/>
+                          </a:solidFill>
+                        </a:rPr>
+                        <a:t>그와 동시에 지맥을 뒤틀어 괴물들을 발생시켜 무림세력을 모두 쓸어버리려 했지만 정파와 </a:t>
+                      </a:r>
+                      <a:r>
+                        <a:rPr lang="ko-KR" altLang="en-US" sz="1400" b="0" dirty="0" err="1">
+                          <a:solidFill>
+                            <a:schemeClr val="tx1"/>
+                          </a:solidFill>
+                        </a:rPr>
+                        <a:t>사파</a:t>
+                      </a:r>
+                      <a:r>
+                        <a:rPr lang="ko-KR" altLang="en-US" sz="1400" b="0" dirty="0">
+                          <a:solidFill>
+                            <a:schemeClr val="tx1"/>
+                          </a:solidFill>
+                        </a:rPr>
+                        <a:t> 사이에서 전쟁을 유도한 존재가 있다는 것을 알아낸 사람들이 가까스로 전쟁을 멈추고 괴물들을 처치했다</a:t>
+                      </a:r>
+                      <a:r>
+                        <a:rPr lang="en-US" altLang="ko-KR" sz="1400" b="0" dirty="0">
+                          <a:solidFill>
+                            <a:schemeClr val="tx1"/>
+                          </a:solidFill>
+                        </a:rPr>
+                        <a:t>.</a:t>
+                      </a:r>
+                    </a:p>
+                    <a:p>
+                      <a:pPr latinLnBrk="1"/>
+                      <a:endParaRPr lang="en-US" altLang="ko-KR" sz="1400" b="0" dirty="0">
+                        <a:solidFill>
+                          <a:schemeClr val="tx1"/>
+                        </a:solidFill>
+                      </a:endParaRPr>
+                    </a:p>
+                  </a:txBody>
+                  <a:tcPr>
+                    <a:lnL w="12700" cmpd="sng">
+                      <a:noFill/>
+                    </a:lnL>
+                    <a:lnR w="12700" cmpd="sng">
+                      <a:noFill/>
+                    </a:lnR>
+                    <a:lnT w="12700" cap="flat" cmpd="sng" algn="ctr">
+                      <a:solidFill>
+                        <a:schemeClr val="tx1"/>
+                      </a:solidFill>
+                      <a:prstDash val="solid"/>
+                      <a:round/>
+                      <a:headEnd type="none" w="med" len="med"/>
+                      <a:tailEnd type="none" w="med" len="med"/>
+                    </a:lnT>
+                    <a:lnB w="12700" cap="flat" cmpd="sng" algn="ctr">
+                      <a:noFill/>
+                      <a:prstDash val="solid"/>
+                      <a:round/>
+                      <a:headEnd type="none" w="med" len="med"/>
+                      <a:tailEnd type="none" w="med" len="med"/>
+                    </a:lnB>
+                    <a:lnTlToBr w="12700" cmpd="sng">
+                      <a:noFill/>
+                      <a:prstDash val="solid"/>
+                    </a:lnTlToBr>
+                    <a:lnBlToTr w="12700" cmpd="sng">
+                      <a:noFill/>
+                      <a:prstDash val="solid"/>
+                    </a:lnBlToTr>
+                    <a:noFill/>
+                  </a:tcPr>
+                </a:tc>
+                <a:extLst>
+                  <a:ext uri="{0D108BD9-81ED-4DB2-BD59-A6C34878D82A}">
+                    <a16:rowId xmlns:a16="http://schemas.microsoft.com/office/drawing/2014/main" val="3190496777"/>
+                  </a:ext>
+                </a:extLst>
+              </a:tr>
+              <a:tr h="0">
+                <a:tc>
+                  <a:txBody>
+                    <a:bodyPr/>
+                    <a:lstStyle/>
+                    <a:p>
+                      <a:pPr latinLnBrk="1"/>
+                      <a:r>
+                        <a:rPr lang="ko-KR" altLang="en-US" sz="1400" b="0" dirty="0">
+                          <a:solidFill>
+                            <a:schemeClr val="tx1"/>
+                          </a:solidFill>
+                        </a:rPr>
+                        <a:t>현재</a:t>
+                      </a:r>
+                    </a:p>
+                  </a:txBody>
+                  <a:tcPr>
+                    <a:lnL w="12700" cmpd="sng">
+                      <a:noFill/>
+                    </a:lnL>
+                    <a:lnR w="12700" cmpd="sng">
+                      <a:noFill/>
+                    </a:lnR>
+                    <a:lnT w="12700" cap="flat" cmpd="sng" algn="ctr">
+                      <a:noFill/>
+                      <a:prstDash val="solid"/>
+                      <a:round/>
+                      <a:headEnd type="none" w="med" len="med"/>
+                      <a:tailEnd type="none" w="med" len="med"/>
+                    </a:lnT>
+                    <a:lnB w="12700" cap="flat" cmpd="sng" algn="ctr">
+                      <a:solidFill>
+                        <a:schemeClr val="tx1"/>
+                      </a:solidFill>
+                      <a:prstDash val="solid"/>
+                      <a:round/>
+                      <a:headEnd type="none" w="med" len="med"/>
+                      <a:tailEnd type="none" w="med" len="med"/>
+                    </a:lnB>
+                    <a:lnTlToBr w="12700" cmpd="sng">
+                      <a:noFill/>
+                      <a:prstDash val="solid"/>
+                    </a:lnTlToBr>
+                    <a:lnBlToTr w="12700" cmpd="sng">
+                      <a:noFill/>
+                      <a:prstDash val="solid"/>
+                    </a:lnBlToTr>
+                    <a:solidFill>
+                      <a:schemeClr val="bg1">
+                        <a:lumMod val="95000"/>
+                      </a:schemeClr>
+                    </a:solidFill>
+                  </a:tcPr>
+                </a:tc>
+                <a:extLst>
+                  <a:ext uri="{0D108BD9-81ED-4DB2-BD59-A6C34878D82A}">
+                    <a16:rowId xmlns:a16="http://schemas.microsoft.com/office/drawing/2014/main" val="1882273058"/>
+                  </a:ext>
+                </a:extLst>
+              </a:tr>
+              <a:tr h="370840">
+                <a:tc>
+                  <a:txBody>
+                    <a:bodyPr/>
+                    <a:lstStyle/>
+                    <a:p>
+                      <a:pPr marL="0" marR="0" lvl="0" indent="0" algn="l" defTabSz="914400" rtl="0" eaLnBrk="1" fontAlgn="auto" latinLnBrk="1" hangingPunct="1">
+                        <a:lnSpc>
+                          <a:spcPct val="100000"/>
+                        </a:lnSpc>
+                        <a:spcBef>
+                          <a:spcPts val="0"/>
+                        </a:spcBef>
+                        <a:spcAft>
+                          <a:spcPts val="0"/>
+                        </a:spcAft>
+                        <a:buClrTx/>
+                        <a:buSzTx/>
+                        <a:buFontTx/>
+                        <a:buNone/>
+                        <a:tabLst/>
+                        <a:defRPr/>
+                      </a:pPr>
+                      <a:r>
+                        <a:rPr lang="ko-KR" altLang="en-US" sz="1400" b="0" dirty="0">
+                          <a:solidFill>
+                            <a:schemeClr val="tx1"/>
+                          </a:solidFill>
+                        </a:rPr>
+                        <a:t>다행히 괴물들을 모두 처치했지만 무림은 이미 너무 큰 피해를 입었다</a:t>
+                      </a:r>
+                      <a:r>
+                        <a:rPr lang="en-US" altLang="ko-KR" sz="1400" b="0" dirty="0">
+                          <a:solidFill>
+                            <a:schemeClr val="tx1"/>
+                          </a:solidFill>
+                        </a:rPr>
+                        <a:t>. </a:t>
+                      </a:r>
+                      <a:r>
+                        <a:rPr lang="ko-KR" altLang="en-US" sz="1400" b="0" dirty="0">
+                          <a:solidFill>
+                            <a:schemeClr val="tx1"/>
+                          </a:solidFill>
+                        </a:rPr>
+                        <a:t>얼마 후 나라의 군대는 근처 이웃 나라에서 일어난 반란으로 국경에 병력을 해야 했고 괴물을 토벌할 인원이 턱없이 부족했고 나라와 무림은 협력 하에 나라는 자신을 백성을 지키기 위해</a:t>
+                      </a:r>
+                      <a:r>
+                        <a:rPr lang="en-US" altLang="ko-KR" sz="1400" b="0" dirty="0">
+                          <a:solidFill>
+                            <a:schemeClr val="tx1"/>
+                          </a:solidFill>
+                        </a:rPr>
+                        <a:t>, </a:t>
+                      </a:r>
+                      <a:r>
+                        <a:rPr lang="ko-KR" altLang="en-US" sz="1400" b="0" dirty="0">
+                          <a:solidFill>
+                            <a:schemeClr val="tx1"/>
+                          </a:solidFill>
+                        </a:rPr>
+                        <a:t>무림은 전쟁 많은 인원들이 죽어 새로운 인재를 찾기 위해 창설된 토벌단은 나라의 도읍 북쪽 산 중턱에 본부를 두고 괴물들을 처리하기 위해 단원을 모집하고 있다</a:t>
+                      </a:r>
+                      <a:r>
+                        <a:rPr lang="en-US" altLang="ko-KR" sz="1400" b="0" dirty="0">
+                          <a:solidFill>
+                            <a:schemeClr val="tx1"/>
+                          </a:solidFill>
+                        </a:rPr>
+                        <a:t>.</a:t>
+                      </a:r>
+                    </a:p>
+                    <a:p>
+                      <a:pPr marL="0" marR="0" lvl="0" indent="0" algn="l" defTabSz="914400" rtl="0" eaLnBrk="1" fontAlgn="auto" latinLnBrk="1" hangingPunct="1">
+                        <a:lnSpc>
+                          <a:spcPct val="100000"/>
+                        </a:lnSpc>
+                        <a:spcBef>
+                          <a:spcPts val="0"/>
+                        </a:spcBef>
+                        <a:spcAft>
+                          <a:spcPts val="0"/>
+                        </a:spcAft>
+                        <a:buClrTx/>
+                        <a:buSzTx/>
+                        <a:buFontTx/>
+                        <a:buNone/>
+                        <a:tabLst/>
+                        <a:defRPr/>
+                      </a:pPr>
+                      <a:endParaRPr lang="en-US" altLang="ko-KR" sz="1400" b="0" dirty="0">
+                        <a:solidFill>
+                          <a:schemeClr val="tx1"/>
+                        </a:solidFill>
+                      </a:endParaRPr>
+                    </a:p>
+                    <a:p>
+                      <a:pPr marL="0" marR="0" lvl="0" indent="0" algn="l" defTabSz="914400" rtl="0" eaLnBrk="1" fontAlgn="auto" latinLnBrk="1" hangingPunct="1">
+                        <a:lnSpc>
+                          <a:spcPct val="100000"/>
+                        </a:lnSpc>
+                        <a:spcBef>
+                          <a:spcPts val="0"/>
+                        </a:spcBef>
+                        <a:spcAft>
+                          <a:spcPts val="0"/>
+                        </a:spcAft>
+                        <a:buClrTx/>
+                        <a:buSzTx/>
+                        <a:buFontTx/>
+                        <a:buNone/>
+                        <a:tabLst/>
+                        <a:defRPr/>
+                      </a:pPr>
+                      <a:r>
+                        <a:rPr lang="ko-KR" altLang="en-US" sz="1400" b="0" dirty="0">
+                          <a:solidFill>
+                            <a:schemeClr val="tx1"/>
+                          </a:solidFill>
+                        </a:rPr>
+                        <a:t>나라와 무림의 협력으로 만들어진 </a:t>
+                      </a:r>
+                      <a:r>
+                        <a:rPr lang="ko-KR" altLang="en-US" sz="1400" b="0" dirty="0" err="1">
+                          <a:solidFill>
+                            <a:schemeClr val="tx1"/>
+                          </a:solidFill>
+                        </a:rPr>
+                        <a:t>토벌단</a:t>
+                      </a:r>
+                      <a:r>
+                        <a:rPr lang="ko-KR" altLang="en-US" sz="1400" b="0" dirty="0">
+                          <a:solidFill>
+                            <a:schemeClr val="tx1"/>
+                          </a:solidFill>
+                        </a:rPr>
+                        <a:t> 본부에는 입단한 단원들이 훈련할 수 있는 훈련장과 쉴 수 있는 숙소</a:t>
+                      </a:r>
+                      <a:r>
+                        <a:rPr lang="en-US" altLang="ko-KR" sz="1400" b="0" dirty="0">
+                          <a:solidFill>
+                            <a:schemeClr val="tx1"/>
+                          </a:solidFill>
+                        </a:rPr>
+                        <a:t>, </a:t>
+                      </a:r>
+                      <a:r>
+                        <a:rPr lang="ko-KR" altLang="en-US" sz="1400" b="0" dirty="0">
+                          <a:solidFill>
+                            <a:schemeClr val="tx1"/>
+                          </a:solidFill>
+                        </a:rPr>
+                        <a:t>괴물 토벌을 위한 장비를 만들고 살수 있는 대장간과 창고 등의 위치해 있다</a:t>
+                      </a:r>
+                      <a:r>
+                        <a:rPr lang="en-US" altLang="ko-KR" sz="1400" b="0">
+                          <a:solidFill>
+                            <a:schemeClr val="tx1"/>
+                          </a:solidFill>
+                        </a:rPr>
+                        <a:t>.</a:t>
+                      </a:r>
+                      <a:endParaRPr lang="en-US" altLang="ko-KR" sz="1400" b="0" dirty="0">
+                        <a:solidFill>
+                          <a:schemeClr val="tx1"/>
+                        </a:solidFill>
+                      </a:endParaRPr>
+                    </a:p>
+                  </a:txBody>
+                  <a:tcPr>
+                    <a:lnL w="12700" cmpd="sng">
+                      <a:noFill/>
+                    </a:lnL>
+                    <a:lnR w="12700" cmpd="sng">
+                      <a:noFill/>
+                    </a:lnR>
+                    <a:lnT w="12700" cap="flat" cmpd="sng" algn="ctr">
+                      <a:solidFill>
+                        <a:schemeClr val="tx1"/>
+                      </a:solidFill>
+                      <a:prstDash val="solid"/>
+                      <a:round/>
+                      <a:headEnd type="none" w="med" len="med"/>
+                      <a:tailEnd type="none" w="med" len="med"/>
+                    </a:lnT>
+                    <a:lnB w="12700" cmpd="sng">
+                      <a:noFill/>
+                    </a:lnB>
+                    <a:lnTlToBr w="12700" cmpd="sng">
+                      <a:noFill/>
+                      <a:prstDash val="solid"/>
+                    </a:lnTlToBr>
+                    <a:lnBlToTr w="12700" cmpd="sng">
+                      <a:noFill/>
+                      <a:prstDash val="solid"/>
+                    </a:lnBlToTr>
+                    <a:noFill/>
+                  </a:tcPr>
+                </a:tc>
+                <a:extLst>
+                  <a:ext uri="{0D108BD9-81ED-4DB2-BD59-A6C34878D82A}">
+                    <a16:rowId xmlns:a16="http://schemas.microsoft.com/office/drawing/2014/main" val="3707234740"/>
+                  </a:ext>
+                </a:extLst>
+              </a:tr>
+            </a:tbl>
+          </a:graphicData>
+        </a:graphic>
+      </p:graphicFrame>
+    </p:spTree>
+    <p:extLst>
+      <p:ext uri="{BB962C8B-B14F-4D97-AF65-F5344CB8AC3E}">
+        <p14:creationId xmlns:p14="http://schemas.microsoft.com/office/powerpoint/2010/main" val="3494226214"/>
       </p:ext>
     </p:extLst>
   </p:cSld>

--- a/기획/방랑엽사전/맵 기획서 (토벌단 본부).pptx
+++ b/기획/방랑엽사전/맵 기획서 (토벌단 본부).pptx
@@ -5,7 +5,7 @@
     <p:sldMasterId id="2147483715" r:id="rId1"/>
   </p:sldMasterIdLst>
   <p:notesMasterIdLst>
-    <p:notesMasterId r:id="rId7"/>
+    <p:notesMasterId r:id="rId8"/>
   </p:notesMasterIdLst>
   <p:sldIdLst>
     <p:sldId id="258" r:id="rId2"/>
@@ -13,6 +13,7 @@
     <p:sldId id="267" r:id="rId4"/>
     <p:sldId id="268" r:id="rId5"/>
     <p:sldId id="269" r:id="rId6"/>
+    <p:sldId id="270" r:id="rId7"/>
   </p:sldIdLst>
   <p:sldSz cx="12192000" cy="6858000"/>
   <p:notesSz cx="6858000" cy="9144000"/>
@@ -7826,606 +7827,6 @@
           </a:p>
         </p:txBody>
       </p:sp>
-      <p:grpSp>
-        <p:nvGrpSpPr>
-          <p:cNvPr id="17" name="그룹 16">
-            <a:extLst>
-              <a:ext uri="{FF2B5EF4-FFF2-40B4-BE49-F238E27FC236}">
-                <a16:creationId xmlns:a16="http://schemas.microsoft.com/office/drawing/2014/main" id="{469BED93-ED6C-9FEE-AE70-2FCEF9508F60}"/>
-              </a:ext>
-            </a:extLst>
-          </p:cNvPr>
-          <p:cNvGrpSpPr/>
-          <p:nvPr/>
-        </p:nvGrpSpPr>
-        <p:grpSpPr>
-          <a:xfrm>
-            <a:off x="1551632" y="1298650"/>
-            <a:ext cx="4179070" cy="4441768"/>
-            <a:chOff x="695325" y="1158875"/>
-            <a:chExt cx="4179070" cy="4441768"/>
-          </a:xfrm>
-        </p:grpSpPr>
-        <p:pic>
-          <p:nvPicPr>
-            <p:cNvPr id="3" name="그림 2" descr="지도, 스크린샷, 그래픽 소프트웨어, 멀티미디어 소프트웨어이(가) 표시된 사진&#10;&#10;자동 생성된 설명">
-              <a:extLst>
-                <a:ext uri="{FF2B5EF4-FFF2-40B4-BE49-F238E27FC236}">
-                  <a16:creationId xmlns:a16="http://schemas.microsoft.com/office/drawing/2014/main" id="{EABABEC2-3EBE-212A-439D-9A6C4209E961}"/>
-                </a:ext>
-              </a:extLst>
-            </p:cNvPr>
-            <p:cNvPicPr>
-              <a:picLocks noChangeAspect="1"/>
-            </p:cNvPicPr>
-            <p:nvPr/>
-          </p:nvPicPr>
-          <p:blipFill rotWithShape="1">
-            <a:blip r:embed="rId2">
-              <a:extLst>
-                <a:ext uri="{28A0092B-C50C-407E-A947-70E740481C1C}">
-                  <a14:useLocalDpi xmlns:a14="http://schemas.microsoft.com/office/drawing/2010/main" val="0"/>
-                </a:ext>
-              </a:extLst>
-            </a:blip>
-            <a:srcRect l="15743" t="15548" r="50000" b="17201"/>
-            <a:stretch/>
-          </p:blipFill>
-          <p:spPr>
-            <a:xfrm>
-              <a:off x="695325" y="1158875"/>
-              <a:ext cx="4176666" cy="4441247"/>
-            </a:xfrm>
-            <a:prstGeom prst="rect">
-              <a:avLst/>
-            </a:prstGeom>
-          </p:spPr>
-        </p:pic>
-        <p:sp>
-          <p:nvSpPr>
-            <p:cNvPr id="9" name="직사각형 8">
-              <a:extLst>
-                <a:ext uri="{FF2B5EF4-FFF2-40B4-BE49-F238E27FC236}">
-                  <a16:creationId xmlns:a16="http://schemas.microsoft.com/office/drawing/2014/main" id="{D6EAB0D9-58F8-AF72-E9AD-7DB008487DA0}"/>
-                </a:ext>
-              </a:extLst>
-            </p:cNvPr>
-            <p:cNvSpPr/>
-            <p:nvPr/>
-          </p:nvSpPr>
-          <p:spPr>
-            <a:xfrm>
-              <a:off x="3162679" y="5251010"/>
-              <a:ext cx="657884" cy="349633"/>
-            </a:xfrm>
-            <a:prstGeom prst="rect">
-              <a:avLst/>
-            </a:prstGeom>
-            <a:noFill/>
-            <a:ln w="19050">
-              <a:solidFill>
-                <a:srgbClr val="C00000"/>
-              </a:solidFill>
-            </a:ln>
-          </p:spPr>
-          <p:style>
-            <a:lnRef idx="2">
-              <a:schemeClr val="accent1">
-                <a:shade val="15000"/>
-              </a:schemeClr>
-            </a:lnRef>
-            <a:fillRef idx="1">
-              <a:schemeClr val="accent1"/>
-            </a:fillRef>
-            <a:effectRef idx="0">
-              <a:schemeClr val="accent1"/>
-            </a:effectRef>
-            <a:fontRef idx="minor">
-              <a:schemeClr val="lt1"/>
-            </a:fontRef>
-          </p:style>
-          <p:txBody>
-            <a:bodyPr rtlCol="0" anchor="ctr"/>
-            <a:lstStyle/>
-            <a:p>
-              <a:pPr algn="ctr"/>
-              <a:endParaRPr lang="ko-KR" altLang="en-US"/>
-            </a:p>
-          </p:txBody>
-        </p:sp>
-        <p:sp>
-          <p:nvSpPr>
-            <p:cNvPr id="12" name="직사각형 11">
-              <a:extLst>
-                <a:ext uri="{FF2B5EF4-FFF2-40B4-BE49-F238E27FC236}">
-                  <a16:creationId xmlns:a16="http://schemas.microsoft.com/office/drawing/2014/main" id="{ECD4D99A-6F1B-0379-D032-0D733ACFA35E}"/>
-                </a:ext>
-              </a:extLst>
-            </p:cNvPr>
-            <p:cNvSpPr/>
-            <p:nvPr/>
-          </p:nvSpPr>
-          <p:spPr>
-            <a:xfrm>
-              <a:off x="4216511" y="1773958"/>
-              <a:ext cx="657884" cy="861695"/>
-            </a:xfrm>
-            <a:prstGeom prst="rect">
-              <a:avLst/>
-            </a:prstGeom>
-            <a:noFill/>
-            <a:ln w="19050">
-              <a:solidFill>
-                <a:srgbClr val="C00000"/>
-              </a:solidFill>
-            </a:ln>
-          </p:spPr>
-          <p:style>
-            <a:lnRef idx="2">
-              <a:schemeClr val="accent1">
-                <a:shade val="15000"/>
-              </a:schemeClr>
-            </a:lnRef>
-            <a:fillRef idx="1">
-              <a:schemeClr val="accent1"/>
-            </a:fillRef>
-            <a:effectRef idx="0">
-              <a:schemeClr val="accent1"/>
-            </a:effectRef>
-            <a:fontRef idx="minor">
-              <a:schemeClr val="lt1"/>
-            </a:fontRef>
-          </p:style>
-          <p:txBody>
-            <a:bodyPr rtlCol="0" anchor="ctr"/>
-            <a:lstStyle/>
-            <a:p>
-              <a:pPr algn="ctr"/>
-              <a:endParaRPr lang="ko-KR" altLang="en-US"/>
-            </a:p>
-          </p:txBody>
-        </p:sp>
-        <p:sp>
-          <p:nvSpPr>
-            <p:cNvPr id="13" name="타원 12">
-              <a:extLst>
-                <a:ext uri="{FF2B5EF4-FFF2-40B4-BE49-F238E27FC236}">
-                  <a16:creationId xmlns:a16="http://schemas.microsoft.com/office/drawing/2014/main" id="{4F4434BA-ADFA-99D4-D940-B820F7552E5D}"/>
-                </a:ext>
-              </a:extLst>
-            </p:cNvPr>
-            <p:cNvSpPr>
-              <a:spLocks noChangeAspect="1"/>
-            </p:cNvSpPr>
-            <p:nvPr/>
-          </p:nvSpPr>
-          <p:spPr>
-            <a:xfrm>
-              <a:off x="4076182" y="1633629"/>
-              <a:ext cx="280657" cy="280657"/>
-            </a:xfrm>
-            <a:prstGeom prst="ellipse">
-              <a:avLst/>
-            </a:prstGeom>
-            <a:solidFill>
-              <a:schemeClr val="bg1">
-                <a:lumMod val="95000"/>
-              </a:schemeClr>
-            </a:solidFill>
-            <a:ln>
-              <a:solidFill>
-                <a:schemeClr val="tx1"/>
-              </a:solidFill>
-            </a:ln>
-          </p:spPr>
-          <p:style>
-            <a:lnRef idx="2">
-              <a:schemeClr val="accent1">
-                <a:shade val="15000"/>
-              </a:schemeClr>
-            </a:lnRef>
-            <a:fillRef idx="1">
-              <a:schemeClr val="accent1"/>
-            </a:fillRef>
-            <a:effectRef idx="0">
-              <a:schemeClr val="accent1"/>
-            </a:effectRef>
-            <a:fontRef idx="minor">
-              <a:schemeClr val="lt1"/>
-            </a:fontRef>
-          </p:style>
-          <p:txBody>
-            <a:bodyPr rtlCol="0" anchor="ctr"/>
-            <a:lstStyle/>
-            <a:p>
-              <a:pPr algn="ctr"/>
-              <a:r>
-                <a:rPr lang="en-US" altLang="ko-KR" dirty="0">
-                  <a:solidFill>
-                    <a:schemeClr val="tx1"/>
-                  </a:solidFill>
-                </a:rPr>
-                <a:t>1</a:t>
-              </a:r>
-              <a:endParaRPr lang="ko-KR" altLang="en-US" dirty="0">
-                <a:solidFill>
-                  <a:schemeClr val="tx1"/>
-                </a:solidFill>
-              </a:endParaRPr>
-            </a:p>
-          </p:txBody>
-        </p:sp>
-        <p:sp>
-          <p:nvSpPr>
-            <p:cNvPr id="14" name="타원 13">
-              <a:extLst>
-                <a:ext uri="{FF2B5EF4-FFF2-40B4-BE49-F238E27FC236}">
-                  <a16:creationId xmlns:a16="http://schemas.microsoft.com/office/drawing/2014/main" id="{5AE2EF0A-1F33-39C7-D824-04B35113E7EA}"/>
-                </a:ext>
-              </a:extLst>
-            </p:cNvPr>
-            <p:cNvSpPr>
-              <a:spLocks noChangeAspect="1"/>
-            </p:cNvSpPr>
-            <p:nvPr/>
-          </p:nvSpPr>
-          <p:spPr>
-            <a:xfrm>
-              <a:off x="3019946" y="5105601"/>
-              <a:ext cx="280657" cy="280657"/>
-            </a:xfrm>
-            <a:prstGeom prst="ellipse">
-              <a:avLst/>
-            </a:prstGeom>
-            <a:solidFill>
-              <a:schemeClr val="bg1">
-                <a:lumMod val="95000"/>
-              </a:schemeClr>
-            </a:solidFill>
-            <a:ln>
-              <a:solidFill>
-                <a:schemeClr val="tx1"/>
-              </a:solidFill>
-            </a:ln>
-          </p:spPr>
-          <p:style>
-            <a:lnRef idx="2">
-              <a:schemeClr val="accent1">
-                <a:shade val="15000"/>
-              </a:schemeClr>
-            </a:lnRef>
-            <a:fillRef idx="1">
-              <a:schemeClr val="accent1"/>
-            </a:fillRef>
-            <a:effectRef idx="0">
-              <a:schemeClr val="accent1"/>
-            </a:effectRef>
-            <a:fontRef idx="minor">
-              <a:schemeClr val="lt1"/>
-            </a:fontRef>
-          </p:style>
-          <p:txBody>
-            <a:bodyPr rtlCol="0" anchor="ctr"/>
-            <a:lstStyle/>
-            <a:p>
-              <a:pPr algn="ctr"/>
-              <a:r>
-                <a:rPr lang="en-US" altLang="ko-KR" dirty="0">
-                  <a:solidFill>
-                    <a:schemeClr val="tx1"/>
-                  </a:solidFill>
-                </a:rPr>
-                <a:t>2</a:t>
-              </a:r>
-              <a:endParaRPr lang="ko-KR" altLang="en-US" dirty="0">
-                <a:solidFill>
-                  <a:schemeClr val="tx1"/>
-                </a:solidFill>
-              </a:endParaRPr>
-            </a:p>
-          </p:txBody>
-        </p:sp>
-      </p:grpSp>
-      <p:grpSp>
-        <p:nvGrpSpPr>
-          <p:cNvPr id="18" name="그룹 17">
-            <a:extLst>
-              <a:ext uri="{FF2B5EF4-FFF2-40B4-BE49-F238E27FC236}">
-                <a16:creationId xmlns:a16="http://schemas.microsoft.com/office/drawing/2014/main" id="{3EE042C7-D5BF-6AC6-9983-DB76277C0903}"/>
-              </a:ext>
-            </a:extLst>
-          </p:cNvPr>
-          <p:cNvGrpSpPr/>
-          <p:nvPr/>
-        </p:nvGrpSpPr>
-        <p:grpSpPr>
-          <a:xfrm>
-            <a:off x="5801715" y="1298650"/>
-            <a:ext cx="5466787" cy="3720943"/>
-            <a:chOff x="6025081" y="1153795"/>
-            <a:chExt cx="5466787" cy="3720943"/>
-          </a:xfrm>
-        </p:grpSpPr>
-        <p:pic>
-          <p:nvPicPr>
-            <p:cNvPr id="5" name="그림 4" descr="지도, 스크린샷, 텍스트, 멀티미디어 소프트웨어이(가) 표시된 사진&#10;&#10;자동 생성된 설명">
-              <a:extLst>
-                <a:ext uri="{FF2B5EF4-FFF2-40B4-BE49-F238E27FC236}">
-                  <a16:creationId xmlns:a16="http://schemas.microsoft.com/office/drawing/2014/main" id="{A83D8CD1-65AD-F4D8-E807-24465ACF63F2}"/>
-                </a:ext>
-              </a:extLst>
-            </p:cNvPr>
-            <p:cNvPicPr>
-              <a:picLocks noChangeAspect="1"/>
-            </p:cNvPicPr>
-            <p:nvPr/>
-          </p:nvPicPr>
-          <p:blipFill rotWithShape="1">
-            <a:blip r:embed="rId3">
-              <a:extLst>
-                <a:ext uri="{28A0092B-C50C-407E-A947-70E740481C1C}">
-                  <a14:useLocalDpi xmlns:a14="http://schemas.microsoft.com/office/drawing/2010/main" val="0"/>
-                </a:ext>
-              </a:extLst>
-            </a:blip>
-            <a:srcRect l="4529" t="12358" r="37030" b="13242"/>
-            <a:stretch/>
-          </p:blipFill>
-          <p:spPr>
-            <a:xfrm>
-              <a:off x="6096000" y="1153795"/>
-              <a:ext cx="5395868" cy="3720943"/>
-            </a:xfrm>
-            <a:prstGeom prst="rect">
-              <a:avLst/>
-            </a:prstGeom>
-          </p:spPr>
-        </p:pic>
-        <p:sp>
-          <p:nvSpPr>
-            <p:cNvPr id="6" name="직사각형 5">
-              <a:extLst>
-                <a:ext uri="{FF2B5EF4-FFF2-40B4-BE49-F238E27FC236}">
-                  <a16:creationId xmlns:a16="http://schemas.microsoft.com/office/drawing/2014/main" id="{4A2E381C-21CA-8A9D-B776-35D38E415F3D}"/>
-                </a:ext>
-              </a:extLst>
-            </p:cNvPr>
-            <p:cNvSpPr/>
-            <p:nvPr/>
-          </p:nvSpPr>
-          <p:spPr>
-            <a:xfrm>
-              <a:off x="6165410" y="2386142"/>
-              <a:ext cx="2073243" cy="2086270"/>
-            </a:xfrm>
-            <a:prstGeom prst="rect">
-              <a:avLst/>
-            </a:prstGeom>
-            <a:noFill/>
-            <a:ln w="19050">
-              <a:solidFill>
-                <a:srgbClr val="C00000"/>
-              </a:solidFill>
-            </a:ln>
-          </p:spPr>
-          <p:style>
-            <a:lnRef idx="2">
-              <a:schemeClr val="accent1">
-                <a:shade val="15000"/>
-              </a:schemeClr>
-            </a:lnRef>
-            <a:fillRef idx="1">
-              <a:schemeClr val="accent1"/>
-            </a:fillRef>
-            <a:effectRef idx="0">
-              <a:schemeClr val="accent1"/>
-            </a:effectRef>
-            <a:fontRef idx="minor">
-              <a:schemeClr val="lt1"/>
-            </a:fontRef>
-          </p:style>
-          <p:txBody>
-            <a:bodyPr rtlCol="0" anchor="ctr"/>
-            <a:lstStyle/>
-            <a:p>
-              <a:pPr algn="ctr"/>
-              <a:endParaRPr lang="ko-KR" altLang="en-US"/>
-            </a:p>
-          </p:txBody>
-        </p:sp>
-        <p:sp>
-          <p:nvSpPr>
-            <p:cNvPr id="8" name="직사각형 7">
-              <a:extLst>
-                <a:ext uri="{FF2B5EF4-FFF2-40B4-BE49-F238E27FC236}">
-                  <a16:creationId xmlns:a16="http://schemas.microsoft.com/office/drawing/2014/main" id="{6F87CB7C-6508-16C1-FEEC-42264033218F}"/>
-                </a:ext>
-              </a:extLst>
-            </p:cNvPr>
-            <p:cNvSpPr/>
-            <p:nvPr/>
-          </p:nvSpPr>
-          <p:spPr>
-            <a:xfrm>
-              <a:off x="9343176" y="1861041"/>
-              <a:ext cx="398353" cy="525101"/>
-            </a:xfrm>
-            <a:prstGeom prst="rect">
-              <a:avLst/>
-            </a:prstGeom>
-            <a:noFill/>
-            <a:ln w="19050">
-              <a:solidFill>
-                <a:srgbClr val="C00000"/>
-              </a:solidFill>
-            </a:ln>
-          </p:spPr>
-          <p:style>
-            <a:lnRef idx="2">
-              <a:schemeClr val="accent1">
-                <a:shade val="15000"/>
-              </a:schemeClr>
-            </a:lnRef>
-            <a:fillRef idx="1">
-              <a:schemeClr val="accent1"/>
-            </a:fillRef>
-            <a:effectRef idx="0">
-              <a:schemeClr val="accent1"/>
-            </a:effectRef>
-            <a:fontRef idx="minor">
-              <a:schemeClr val="lt1"/>
-            </a:fontRef>
-          </p:style>
-          <p:txBody>
-            <a:bodyPr rtlCol="0" anchor="ctr"/>
-            <a:lstStyle/>
-            <a:p>
-              <a:pPr algn="ctr"/>
-              <a:endParaRPr lang="ko-KR" altLang="en-US"/>
-            </a:p>
-          </p:txBody>
-        </p:sp>
-        <p:sp>
-          <p:nvSpPr>
-            <p:cNvPr id="15" name="타원 14">
-              <a:extLst>
-                <a:ext uri="{FF2B5EF4-FFF2-40B4-BE49-F238E27FC236}">
-                  <a16:creationId xmlns:a16="http://schemas.microsoft.com/office/drawing/2014/main" id="{938A573A-DD73-1969-1ED0-4F746A6D6207}"/>
-                </a:ext>
-              </a:extLst>
-            </p:cNvPr>
-            <p:cNvSpPr>
-              <a:spLocks noChangeAspect="1"/>
-            </p:cNvSpPr>
-            <p:nvPr/>
-          </p:nvSpPr>
-          <p:spPr>
-            <a:xfrm>
-              <a:off x="6025081" y="2245813"/>
-              <a:ext cx="280657" cy="280657"/>
-            </a:xfrm>
-            <a:prstGeom prst="ellipse">
-              <a:avLst/>
-            </a:prstGeom>
-            <a:solidFill>
-              <a:schemeClr val="bg1">
-                <a:lumMod val="95000"/>
-              </a:schemeClr>
-            </a:solidFill>
-            <a:ln>
-              <a:solidFill>
-                <a:schemeClr val="tx1"/>
-              </a:solidFill>
-            </a:ln>
-          </p:spPr>
-          <p:style>
-            <a:lnRef idx="2">
-              <a:schemeClr val="accent1">
-                <a:shade val="15000"/>
-              </a:schemeClr>
-            </a:lnRef>
-            <a:fillRef idx="1">
-              <a:schemeClr val="accent1"/>
-            </a:fillRef>
-            <a:effectRef idx="0">
-              <a:schemeClr val="accent1"/>
-            </a:effectRef>
-            <a:fontRef idx="minor">
-              <a:schemeClr val="lt1"/>
-            </a:fontRef>
-          </p:style>
-          <p:txBody>
-            <a:bodyPr rtlCol="0" anchor="ctr"/>
-            <a:lstStyle/>
-            <a:p>
-              <a:pPr algn="ctr"/>
-              <a:r>
-                <a:rPr lang="en-US" altLang="ko-KR" dirty="0">
-                  <a:solidFill>
-                    <a:schemeClr val="tx1"/>
-                  </a:solidFill>
-                </a:rPr>
-                <a:t>3</a:t>
-              </a:r>
-              <a:endParaRPr lang="ko-KR" altLang="en-US" dirty="0">
-                <a:solidFill>
-                  <a:schemeClr val="tx1"/>
-                </a:solidFill>
-              </a:endParaRPr>
-            </a:p>
-          </p:txBody>
-        </p:sp>
-        <p:sp>
-          <p:nvSpPr>
-            <p:cNvPr id="16" name="타원 15">
-              <a:extLst>
-                <a:ext uri="{FF2B5EF4-FFF2-40B4-BE49-F238E27FC236}">
-                  <a16:creationId xmlns:a16="http://schemas.microsoft.com/office/drawing/2014/main" id="{4A80DB17-2F34-B79D-7DF5-4E32EBD481E7}"/>
-                </a:ext>
-              </a:extLst>
-            </p:cNvPr>
-            <p:cNvSpPr>
-              <a:spLocks noChangeAspect="1"/>
-            </p:cNvSpPr>
-            <p:nvPr/>
-          </p:nvSpPr>
-          <p:spPr>
-            <a:xfrm>
-              <a:off x="9160738" y="1714572"/>
-              <a:ext cx="280657" cy="280657"/>
-            </a:xfrm>
-            <a:prstGeom prst="ellipse">
-              <a:avLst/>
-            </a:prstGeom>
-            <a:solidFill>
-              <a:schemeClr val="bg1">
-                <a:lumMod val="95000"/>
-              </a:schemeClr>
-            </a:solidFill>
-            <a:ln>
-              <a:solidFill>
-                <a:schemeClr val="tx1"/>
-              </a:solidFill>
-            </a:ln>
-          </p:spPr>
-          <p:style>
-            <a:lnRef idx="2">
-              <a:schemeClr val="accent1">
-                <a:shade val="15000"/>
-              </a:schemeClr>
-            </a:lnRef>
-            <a:fillRef idx="1">
-              <a:schemeClr val="accent1"/>
-            </a:fillRef>
-            <a:effectRef idx="0">
-              <a:schemeClr val="accent1"/>
-            </a:effectRef>
-            <a:fontRef idx="minor">
-              <a:schemeClr val="lt1"/>
-            </a:fontRef>
-          </p:style>
-          <p:txBody>
-            <a:bodyPr rtlCol="0" anchor="ctr"/>
-            <a:lstStyle/>
-            <a:p>
-              <a:pPr algn="ctr"/>
-              <a:r>
-                <a:rPr lang="en-US" altLang="ko-KR" dirty="0">
-                  <a:solidFill>
-                    <a:schemeClr val="tx1"/>
-                  </a:solidFill>
-                </a:rPr>
-                <a:t>4</a:t>
-              </a:r>
-              <a:endParaRPr lang="ko-KR" altLang="en-US" dirty="0">
-                <a:solidFill>
-                  <a:schemeClr val="tx1"/>
-                </a:solidFill>
-              </a:endParaRPr>
-            </a:p>
-          </p:txBody>
-        </p:sp>
-      </p:grpSp>
       <p:graphicFrame>
         <p:nvGraphicFramePr>
           <p:cNvPr id="19" name="표 4">
@@ -9119,14 +8520,14 @@
           <p:nvPr>
             <p:extLst>
               <p:ext uri="{D42A27DB-BD31-4B8C-83A1-F6EECF244321}">
-                <p14:modId xmlns:p14="http://schemas.microsoft.com/office/powerpoint/2010/main" val="2252972675"/>
+                <p14:modId xmlns:p14="http://schemas.microsoft.com/office/powerpoint/2010/main" val="3041127345"/>
               </p:ext>
             </p:extLst>
           </p:nvPr>
         </p:nvGraphicFramePr>
         <p:xfrm>
-          <a:off x="1412875" y="1158906"/>
-          <a:ext cx="9366250" cy="3566160"/>
+          <a:off x="1412875" y="1536976"/>
+          <a:ext cx="9366250" cy="4846320"/>
         </p:xfrm>
         <a:graphic>
           <a:graphicData uri="http://schemas.openxmlformats.org/drawingml/2006/table">
@@ -9224,12 +8625,207 @@
                         <a:t>. </a:t>
                       </a:r>
                       <a:r>
+                        <a:rPr lang="ko-KR" altLang="en-US" sz="1400" b="0" dirty="0">
+                          <a:solidFill>
+                            <a:schemeClr val="tx1"/>
+                          </a:solidFill>
+                        </a:rPr>
+                        <a:t>무림 맹주와 천마를 포함한 각 세력의 주요 인물들의 죽음은 대다수의 세력에게 큰 피해를 입었다</a:t>
+                      </a:r>
+                      <a:r>
+                        <a:rPr lang="en-US" altLang="ko-KR" sz="1400" b="0" dirty="0">
+                          <a:solidFill>
+                            <a:schemeClr val="tx1"/>
+                          </a:solidFill>
+                        </a:rPr>
+                        <a:t>. </a:t>
+                      </a:r>
+                      <a:r>
+                        <a:rPr lang="ko-KR" altLang="en-US" sz="1400" b="0" dirty="0">
+                          <a:solidFill>
+                            <a:schemeClr val="tx1"/>
+                          </a:solidFill>
+                        </a:rPr>
+                        <a:t>무림은 복수를 다짐하며 동쪽에 멀리 대륙 끝에 있는 나라 </a:t>
+                      </a:r>
+                      <a:r>
+                        <a:rPr lang="en-US" altLang="ko-KR" sz="1400" b="0" dirty="0">
+                          <a:solidFill>
+                            <a:schemeClr val="tx1"/>
+                          </a:solidFill>
+                        </a:rPr>
+                        <a:t>‘</a:t>
+                      </a:r>
+                      <a:r>
+                        <a:rPr lang="ko-KR" altLang="en-US" sz="1400" b="0" dirty="0">
+                          <a:solidFill>
+                            <a:schemeClr val="tx1"/>
+                          </a:solidFill>
+                        </a:rPr>
+                        <a:t>동아</a:t>
+                      </a:r>
+                      <a:r>
+                        <a:rPr lang="en-US" altLang="ko-KR" sz="1400" b="0" dirty="0">
+                          <a:solidFill>
+                            <a:schemeClr val="tx1"/>
+                          </a:solidFill>
+                        </a:rPr>
+                        <a:t>’</a:t>
+                      </a:r>
+                      <a:r>
+                        <a:rPr lang="ko-KR" altLang="en-US" sz="1400" b="0" dirty="0">
+                          <a:solidFill>
+                            <a:schemeClr val="tx1"/>
+                          </a:solidFill>
+                        </a:rPr>
+                        <a:t>에 숨어</a:t>
+                      </a:r>
+                      <a:r>
+                        <a:rPr lang="en-US" altLang="ko-KR" sz="1400" b="0" dirty="0">
+                          <a:solidFill>
+                            <a:schemeClr val="tx1"/>
+                          </a:solidFill>
+                        </a:rPr>
+                        <a:t> </a:t>
+                      </a:r>
+                      <a:r>
+                        <a:rPr lang="ko-KR" altLang="en-US" sz="1400" b="0" dirty="0">
+                          <a:solidFill>
+                            <a:schemeClr val="tx1"/>
+                          </a:solidFill>
+                        </a:rPr>
+                        <a:t>달기와의 재전쟁을 위해 조용히 세력을 회복 하고 있었다</a:t>
+                      </a:r>
+                      <a:r>
+                        <a:rPr lang="en-US" altLang="ko-KR" sz="1400" b="0" dirty="0">
+                          <a:solidFill>
+                            <a:schemeClr val="tx1"/>
+                          </a:solidFill>
+                        </a:rPr>
+                        <a:t>.</a:t>
+                      </a:r>
+                    </a:p>
+                    <a:p>
+                      <a:pPr latinLnBrk="1"/>
+                      <a:endParaRPr lang="en-US" altLang="ko-KR" sz="1400" b="0" dirty="0">
+                        <a:solidFill>
+                          <a:schemeClr val="tx1"/>
+                        </a:solidFill>
+                      </a:endParaRPr>
+                    </a:p>
+                    <a:p>
+                      <a:pPr latinLnBrk="1"/>
+                      <a:r>
+                        <a:rPr lang="en-US" altLang="ko-KR" sz="1400" b="0" dirty="0">
+                          <a:solidFill>
+                            <a:schemeClr val="tx1"/>
+                          </a:solidFill>
+                        </a:rPr>
+                        <a:t>‘</a:t>
+                      </a:r>
+                      <a:r>
+                        <a:rPr lang="ko-KR" altLang="en-US" sz="1400" b="0" dirty="0">
+                          <a:solidFill>
+                            <a:schemeClr val="tx1"/>
+                          </a:solidFill>
+                        </a:rPr>
+                        <a:t>동아</a:t>
+                      </a:r>
+                      <a:r>
+                        <a:rPr lang="en-US" altLang="ko-KR" sz="1400" b="0" dirty="0">
+                          <a:solidFill>
+                            <a:schemeClr val="tx1"/>
+                          </a:solidFill>
+                        </a:rPr>
+                        <a:t>’</a:t>
+                      </a:r>
+                      <a:r>
+                        <a:rPr lang="ko-KR" altLang="en-US" sz="1400" b="0" dirty="0">
+                          <a:solidFill>
+                            <a:schemeClr val="tx1"/>
+                          </a:solidFill>
+                        </a:rPr>
+                        <a:t>는 중원에서 멀리 떨어져 있었고 오랜 옛날 부터 만은 </a:t>
+                      </a:r>
+                      <a:endParaRPr lang="en-US" altLang="ko-KR" sz="1400" b="0" dirty="0">
+                        <a:solidFill>
+                          <a:schemeClr val="tx1"/>
+                        </a:solidFill>
+                      </a:endParaRPr>
+                    </a:p>
+                    <a:p>
+                      <a:pPr latinLnBrk="1"/>
+                      <a:endParaRPr lang="en-US" altLang="ko-KR" sz="1400" b="0" dirty="0">
+                        <a:solidFill>
+                          <a:schemeClr val="tx1"/>
+                        </a:solidFill>
+                      </a:endParaRPr>
+                    </a:p>
+                    <a:p>
+                      <a:pPr latinLnBrk="1"/>
+                      <a:endParaRPr lang="en-US" altLang="ko-KR" sz="1400" b="0" dirty="0">
+                        <a:solidFill>
+                          <a:schemeClr val="tx1"/>
+                        </a:solidFill>
+                      </a:endParaRPr>
+                    </a:p>
+                    <a:p>
+                      <a:pPr latinLnBrk="1"/>
+                      <a:r>
+                        <a:rPr lang="en-US" altLang="ko-KR" sz="1400" b="0" dirty="0">
+                          <a:solidFill>
+                            <a:schemeClr val="tx1"/>
+                          </a:solidFill>
+                        </a:rPr>
+                        <a:t> </a:t>
+                      </a:r>
+                      <a:r>
+                        <a:rPr lang="ko-KR" altLang="en-US" sz="1400" b="0" dirty="0">
+                          <a:solidFill>
+                            <a:schemeClr val="tx1"/>
+                          </a:solidFill>
+                        </a:rPr>
+                        <a:t>그로부터 약 </a:t>
+                      </a:r>
+                      <a:r>
+                        <a:rPr lang="en-US" altLang="ko-KR" sz="1400" b="0" dirty="0">
+                          <a:solidFill>
+                            <a:schemeClr val="tx1"/>
+                          </a:solidFill>
+                        </a:rPr>
+                        <a:t>50</a:t>
+                      </a:r>
+                      <a:r>
+                        <a:rPr lang="ko-KR" altLang="en-US" sz="1400" b="0" dirty="0">
+                          <a:solidFill>
+                            <a:schemeClr val="tx1"/>
+                          </a:solidFill>
+                        </a:rPr>
+                        <a:t>년</a:t>
+                      </a:r>
+                      <a:r>
+                        <a:rPr lang="en-US" altLang="ko-KR" sz="1400" b="0" dirty="0">
+                          <a:solidFill>
+                            <a:schemeClr val="tx1"/>
+                          </a:solidFill>
+                        </a:rPr>
+                        <a:t>,</a:t>
+                      </a:r>
+                      <a:r>
+                        <a:rPr lang="ko-KR" altLang="en-US" sz="1400" b="0" dirty="0">
+                          <a:solidFill>
+                            <a:schemeClr val="tx1"/>
+                          </a:solidFill>
+                        </a:rPr>
+                        <a:t> 무림을 찾아낸 달기는 무림의 정파와 </a:t>
+                      </a:r>
+                      <a:r>
                         <a:rPr lang="ko-KR" altLang="en-US" sz="1400" b="0" dirty="0" err="1">
                           <a:solidFill>
                             <a:schemeClr val="tx1"/>
                           </a:solidFill>
                         </a:rPr>
-                        <a:t>무림맹주와</a:t>
+                        <a:t>사파</a:t>
                       </a:r>
                       <a:r>
                         <a:rPr lang="ko-KR" altLang="en-US" sz="1400" b="0" dirty="0">
@@ -9237,7 +8833,7 @@
                             <a:schemeClr val="tx1"/>
                           </a:solidFill>
                         </a:rPr>
-                        <a:t> 천마를 포함한 많은 수의 고수들이 죽어 세력에 큰 피해를 입었다</a:t>
+                        <a:t> 사이에 전쟁을 일으켜 무림 세력을 크게 약화 시켰고</a:t>
                       </a:r>
                       <a:r>
                         <a:rPr lang="en-US" altLang="ko-KR" sz="1400" b="0" dirty="0">
@@ -9245,7 +8841,7 @@
                             <a:schemeClr val="tx1"/>
                           </a:solidFill>
                         </a:rPr>
-                        <a:t>. </a:t>
+                        <a:t> </a:t>
                       </a:r>
                       <a:r>
                         <a:rPr lang="ko-KR" altLang="en-US" sz="1400" b="0" dirty="0">
@@ -9253,15 +8849,15 @@
                             <a:schemeClr val="tx1"/>
                           </a:solidFill>
                         </a:rPr>
-                        <a:t>달기와의 재전쟁을 위해 조용히 세력을 회복 중이었던 무림을 찾아낸 달기는 무림의 정파와 </a:t>
-                      </a:r>
-                      <a:r>
-                        <a:rPr lang="ko-KR" altLang="en-US" sz="1400" b="0" dirty="0" err="1">
+                        <a:t>지맥을 뒤틀어 </a:t>
+                      </a:r>
+                      <a:r>
+                        <a:rPr lang="en-US" altLang="ko-KR" sz="1400" b="0" dirty="0">
                           <a:solidFill>
                             <a:schemeClr val="tx1"/>
                           </a:solidFill>
                         </a:rPr>
-                        <a:t>사파에</a:t>
+                        <a:t>‘</a:t>
                       </a:r>
                       <a:r>
                         <a:rPr lang="ko-KR" altLang="en-US" sz="1400" b="0" dirty="0">
@@ -9269,7 +8865,7 @@
                             <a:schemeClr val="tx1"/>
                           </a:solidFill>
                         </a:rPr>
-                        <a:t> 전쟁을 일으키게 만들어 세력을 약화 시켰다</a:t>
+                        <a:t>동아</a:t>
                       </a:r>
                       <a:r>
                         <a:rPr lang="en-US" altLang="ko-KR" sz="1400" b="0" dirty="0">
@@ -9277,7 +8873,7 @@
                             <a:schemeClr val="tx1"/>
                           </a:solidFill>
                         </a:rPr>
-                        <a:t>. </a:t>
+                        <a:t>’</a:t>
                       </a:r>
                       <a:r>
                         <a:rPr lang="ko-KR" altLang="en-US" sz="1400" b="0" dirty="0">
@@ -9285,23 +8881,34 @@
                             <a:schemeClr val="tx1"/>
                           </a:solidFill>
                         </a:rPr>
-                        <a:t>그와 동시에 지맥을 뒤틀어 괴물들을 발생시켜 무림세력을 모두 쓸어버리려 했지만 정파와 </a:t>
-                      </a:r>
-                      <a:r>
-                        <a:rPr lang="ko-KR" altLang="en-US" sz="1400" b="0" dirty="0" err="1">
+                        <a:t>에 많은 괴물들을 발생시켜 재앙을 일으켜 남은 무림 세력들을 쓸어버리려 했다</a:t>
+                      </a:r>
+                      <a:r>
+                        <a:rPr lang="en-US" altLang="ko-KR" sz="1400" b="0" dirty="0">
                           <a:solidFill>
                             <a:schemeClr val="tx1"/>
                           </a:solidFill>
                         </a:rPr>
-                        <a:t>사파</a:t>
-                      </a:r>
+                        <a:t>.</a:t>
+                      </a:r>
+                    </a:p>
+                    <a:p>
+                      <a:pPr latinLnBrk="1"/>
+                      <a:endParaRPr lang="en-US" altLang="ko-KR" sz="1400" b="0" dirty="0">
+                        <a:solidFill>
+                          <a:schemeClr val="tx1"/>
+                        </a:solidFill>
+                      </a:endParaRPr>
+                    </a:p>
+                    <a:p>
+                      <a:pPr latinLnBrk="1"/>
                       <a:r>
                         <a:rPr lang="ko-KR" altLang="en-US" sz="1400" b="0" dirty="0">
                           <a:solidFill>
                             <a:schemeClr val="tx1"/>
                           </a:solidFill>
                         </a:rPr>
-                        <a:t> 사이에서 전쟁을 유도한 존재가 있다는 것을 알아낸 사람들이 가까스로 전쟁을 멈추고 괴물들을 처치했다</a:t>
+                        <a:t>뒤 늦게 전쟁의 원인을 알아낸 무림은 급하게 전쟁을 멈추고 괴물들과 싸웠지만 거의 괴멸 상태가 되었다</a:t>
                       </a:r>
                       <a:r>
                         <a:rPr lang="en-US" altLang="ko-KR" sz="1400" b="0" dirty="0">
@@ -9577,18 +9184,13 @@
                         <a:t>괴물 토벌을 위한 장비를 만들고 살수 있는 대장간과 창고 등의 위치해 있다</a:t>
                       </a:r>
                       <a:r>
-                        <a:rPr lang="en-US" altLang="ko-KR" sz="1400" b="0">
+                        <a:rPr lang="en-US" altLang="ko-KR" sz="1400" b="0" dirty="0">
                           <a:solidFill>
                             <a:schemeClr val="tx1"/>
                           </a:solidFill>
                         </a:rPr>
                         <a:t>.</a:t>
                       </a:r>
-                      <a:endParaRPr lang="en-US" altLang="ko-KR" sz="1400" b="0" dirty="0">
-                        <a:solidFill>
-                          <a:schemeClr val="tx1"/>
-                        </a:solidFill>
-                      </a:endParaRPr>
                     </a:p>
                   </a:txBody>
                   <a:tcPr>
@@ -9635,6 +9237,527 @@
     <p:extLst>
       <p:ext uri="{BB962C8B-B14F-4D97-AF65-F5344CB8AC3E}">
         <p14:creationId xmlns:p14="http://schemas.microsoft.com/office/powerpoint/2010/main" val="3494226214"/>
+      </p:ext>
+    </p:extLst>
+  </p:cSld>
+  <p:clrMapOvr>
+    <a:masterClrMapping/>
+  </p:clrMapOvr>
+</p:sld>
+</file>
+
+<file path=ppt/slides/slide6.xml><?xml version="1.0" encoding="utf-8"?>
+<p:sld xmlns:a="http://schemas.openxmlformats.org/drawingml/2006/main" xmlns:r="http://schemas.openxmlformats.org/officeDocument/2006/relationships" xmlns:p="http://schemas.openxmlformats.org/presentationml/2006/main">
+  <p:cSld>
+    <p:spTree>
+      <p:nvGrpSpPr>
+        <p:cNvPr id="1" name=""/>
+        <p:cNvGrpSpPr/>
+        <p:nvPr/>
+      </p:nvGrpSpPr>
+      <p:grpSpPr>
+        <a:xfrm>
+          <a:off x="0" y="0"/>
+          <a:ext cx="0" cy="0"/>
+          <a:chOff x="0" y="0"/>
+          <a:chExt cx="0" cy="0"/>
+        </a:xfrm>
+      </p:grpSpPr>
+      <p:sp>
+        <p:nvSpPr>
+          <p:cNvPr id="7" name="제목 1">
+            <a:extLst>
+              <a:ext uri="{FF2B5EF4-FFF2-40B4-BE49-F238E27FC236}">
+                <a16:creationId xmlns:a16="http://schemas.microsoft.com/office/drawing/2014/main" id="{77FA9A8E-E94C-4F99-8997-7C96A1AAEAC7}"/>
+              </a:ext>
+            </a:extLst>
+          </p:cNvPr>
+          <p:cNvSpPr txBox="1">
+            <a:spLocks/>
+          </p:cNvSpPr>
+          <p:nvPr/>
+        </p:nvSpPr>
+        <p:spPr>
+          <a:xfrm>
+            <a:off x="695325" y="292100"/>
+            <a:ext cx="10801350" cy="861695"/>
+          </a:xfrm>
+          <a:prstGeom prst="rect">
+            <a:avLst/>
+          </a:prstGeom>
+        </p:spPr>
+        <p:txBody>
+          <a:bodyPr vert="horz" lIns="91440" tIns="45720" rIns="91440" bIns="45720" rtlCol="0" anchor="ctr">
+            <a:normAutofit/>
+          </a:bodyPr>
+          <a:lstStyle>
+            <a:lvl1pPr algn="l" defTabSz="914400" rtl="0" eaLnBrk="1" latinLnBrk="1" hangingPunct="1">
+              <a:lnSpc>
+                <a:spcPct val="90000"/>
+              </a:lnSpc>
+              <a:spcBef>
+                <a:spcPct val="0"/>
+              </a:spcBef>
+              <a:buNone/>
+              <a:defRPr sz="4400" kern="1200">
+                <a:solidFill>
+                  <a:schemeClr val="tx1"/>
+                </a:solidFill>
+                <a:latin typeface="+mj-lt"/>
+                <a:ea typeface="+mj-ea"/>
+                <a:cs typeface="+mj-cs"/>
+              </a:defRPr>
+            </a:lvl1pPr>
+          </a:lstStyle>
+          <a:p>
+            <a:r>
+              <a:rPr lang="ko-KR" altLang="en-US" dirty="0"/>
+              <a:t>컨셉</a:t>
+            </a:r>
+          </a:p>
+        </p:txBody>
+      </p:sp>
+      <p:graphicFrame>
+        <p:nvGraphicFramePr>
+          <p:cNvPr id="3" name="표 2">
+            <a:extLst>
+              <a:ext uri="{FF2B5EF4-FFF2-40B4-BE49-F238E27FC236}">
+                <a16:creationId xmlns:a16="http://schemas.microsoft.com/office/drawing/2014/main" id="{2B03A9A3-AF35-7C5F-3F38-C8291B1AF16B}"/>
+              </a:ext>
+            </a:extLst>
+          </p:cNvPr>
+          <p:cNvGraphicFramePr>
+            <a:graphicFrameLocks noGrp="1"/>
+          </p:cNvGraphicFramePr>
+          <p:nvPr>
+            <p:extLst>
+              <p:ext uri="{D42A27DB-BD31-4B8C-83A1-F6EECF244321}">
+                <p14:modId xmlns:p14="http://schemas.microsoft.com/office/powerpoint/2010/main" val="4015355249"/>
+              </p:ext>
+            </p:extLst>
+          </p:nvPr>
+        </p:nvGraphicFramePr>
+        <p:xfrm>
+          <a:off x="1412875" y="1536976"/>
+          <a:ext cx="9366250" cy="2092960"/>
+        </p:xfrm>
+        <a:graphic>
+          <a:graphicData uri="http://schemas.openxmlformats.org/drawingml/2006/table">
+            <a:tbl>
+              <a:tblPr firstRow="1" bandRow="1">
+                <a:tableStyleId>{5C22544A-7EE6-4342-B048-85BDC9FD1C3A}</a:tableStyleId>
+              </a:tblPr>
+              <a:tblGrid>
+                <a:gridCol w="9366250">
+                  <a:extLst>
+                    <a:ext uri="{9D8B030D-6E8A-4147-A177-3AD203B41FA5}">
+                      <a16:colId xmlns:a16="http://schemas.microsoft.com/office/drawing/2014/main" val="855305220"/>
+                    </a:ext>
+                  </a:extLst>
+                </a:gridCol>
+              </a:tblGrid>
+              <a:tr h="0">
+                <a:tc>
+                  <a:txBody>
+                    <a:bodyPr/>
+                    <a:lstStyle/>
+                    <a:p>
+                      <a:pPr latinLnBrk="1"/>
+                      <a:r>
+                        <a:rPr lang="ko-KR" altLang="en-US" sz="1400" b="0" dirty="0">
+                          <a:solidFill>
+                            <a:schemeClr val="tx1"/>
+                          </a:solidFill>
+                        </a:rPr>
+                        <a:t>디자인적 컨셉</a:t>
+                      </a:r>
+                    </a:p>
+                  </a:txBody>
+                  <a:tcPr>
+                    <a:lnL w="12700" cmpd="sng">
+                      <a:noFill/>
+                    </a:lnL>
+                    <a:lnR w="12700" cmpd="sng">
+                      <a:noFill/>
+                    </a:lnR>
+                    <a:lnT w="12700" cmpd="sng">
+                      <a:noFill/>
+                    </a:lnT>
+                    <a:lnB w="12700" cap="flat" cmpd="sng" algn="ctr">
+                      <a:solidFill>
+                        <a:schemeClr val="tx1"/>
+                      </a:solidFill>
+                      <a:prstDash val="solid"/>
+                      <a:round/>
+                      <a:headEnd type="none" w="med" len="med"/>
+                      <a:tailEnd type="none" w="med" len="med"/>
+                    </a:lnB>
+                    <a:lnTlToBr w="12700" cmpd="sng">
+                      <a:noFill/>
+                      <a:prstDash val="solid"/>
+                    </a:lnTlToBr>
+                    <a:lnBlToTr w="12700" cmpd="sng">
+                      <a:noFill/>
+                      <a:prstDash val="solid"/>
+                    </a:lnBlToTr>
+                    <a:solidFill>
+                      <a:schemeClr val="bg1">
+                        <a:lumMod val="95000"/>
+                      </a:schemeClr>
+                    </a:solidFill>
+                  </a:tcPr>
+                </a:tc>
+                <a:extLst>
+                  <a:ext uri="{0D108BD9-81ED-4DB2-BD59-A6C34878D82A}">
+                    <a16:rowId xmlns:a16="http://schemas.microsoft.com/office/drawing/2014/main" val="966420032"/>
+                  </a:ext>
+                </a:extLst>
+              </a:tr>
+              <a:tr h="370840">
+                <a:tc>
+                  <a:txBody>
+                    <a:bodyPr/>
+                    <a:lstStyle/>
+                    <a:p>
+                      <a:pPr latinLnBrk="1"/>
+                      <a:endParaRPr lang="en-US" altLang="ko-KR" sz="1400" b="0" dirty="0">
+                        <a:solidFill>
+                          <a:schemeClr val="tx1"/>
+                        </a:solidFill>
+                      </a:endParaRPr>
+                    </a:p>
+                  </a:txBody>
+                  <a:tcPr>
+                    <a:lnL w="12700" cmpd="sng">
+                      <a:noFill/>
+                    </a:lnL>
+                    <a:lnR w="12700" cmpd="sng">
+                      <a:noFill/>
+                    </a:lnR>
+                    <a:lnT w="12700" cap="flat" cmpd="sng" algn="ctr">
+                      <a:solidFill>
+                        <a:schemeClr val="tx1"/>
+                      </a:solidFill>
+                      <a:prstDash val="solid"/>
+                      <a:round/>
+                      <a:headEnd type="none" w="med" len="med"/>
+                      <a:tailEnd type="none" w="med" len="med"/>
+                    </a:lnT>
+                    <a:lnB w="12700" cap="flat" cmpd="sng" algn="ctr">
+                      <a:noFill/>
+                      <a:prstDash val="solid"/>
+                      <a:round/>
+                      <a:headEnd type="none" w="med" len="med"/>
+                      <a:tailEnd type="none" w="med" len="med"/>
+                    </a:lnB>
+                    <a:lnTlToBr w="12700" cmpd="sng">
+                      <a:noFill/>
+                      <a:prstDash val="solid"/>
+                    </a:lnTlToBr>
+                    <a:lnBlToTr w="12700" cmpd="sng">
+                      <a:noFill/>
+                      <a:prstDash val="solid"/>
+                    </a:lnBlToTr>
+                    <a:noFill/>
+                  </a:tcPr>
+                </a:tc>
+                <a:extLst>
+                  <a:ext uri="{0D108BD9-81ED-4DB2-BD59-A6C34878D82A}">
+                    <a16:rowId xmlns:a16="http://schemas.microsoft.com/office/drawing/2014/main" val="3190496777"/>
+                  </a:ext>
+                </a:extLst>
+              </a:tr>
+              <a:tr h="0">
+                <a:tc>
+                  <a:txBody>
+                    <a:bodyPr/>
+                    <a:lstStyle/>
+                    <a:p>
+                      <a:pPr latinLnBrk="1"/>
+                      <a:r>
+                        <a:rPr lang="ko-KR" altLang="en-US" sz="1400" b="0" dirty="0">
+                          <a:solidFill>
+                            <a:schemeClr val="tx1"/>
+                          </a:solidFill>
+                        </a:rPr>
+                        <a:t>분위기</a:t>
+                      </a:r>
+                    </a:p>
+                  </a:txBody>
+                  <a:tcPr>
+                    <a:lnL w="12700" cmpd="sng">
+                      <a:noFill/>
+                    </a:lnL>
+                    <a:lnR w="12700" cmpd="sng">
+                      <a:noFill/>
+                    </a:lnR>
+                    <a:lnT w="12700" cap="flat" cmpd="sng" algn="ctr">
+                      <a:noFill/>
+                      <a:prstDash val="solid"/>
+                      <a:round/>
+                      <a:headEnd type="none" w="med" len="med"/>
+                      <a:tailEnd type="none" w="med" len="med"/>
+                    </a:lnT>
+                    <a:lnB w="12700" cap="flat" cmpd="sng" algn="ctr">
+                      <a:solidFill>
+                        <a:schemeClr val="tx1"/>
+                      </a:solidFill>
+                      <a:prstDash val="solid"/>
+                      <a:round/>
+                      <a:headEnd type="none" w="med" len="med"/>
+                      <a:tailEnd type="none" w="med" len="med"/>
+                    </a:lnB>
+                    <a:lnTlToBr w="12700" cmpd="sng">
+                      <a:noFill/>
+                      <a:prstDash val="solid"/>
+                    </a:lnTlToBr>
+                    <a:lnBlToTr w="12700" cmpd="sng">
+                      <a:noFill/>
+                      <a:prstDash val="solid"/>
+                    </a:lnBlToTr>
+                    <a:solidFill>
+                      <a:schemeClr val="bg1">
+                        <a:lumMod val="95000"/>
+                      </a:schemeClr>
+                    </a:solidFill>
+                  </a:tcPr>
+                </a:tc>
+                <a:extLst>
+                  <a:ext uri="{0D108BD9-81ED-4DB2-BD59-A6C34878D82A}">
+                    <a16:rowId xmlns:a16="http://schemas.microsoft.com/office/drawing/2014/main" val="1882273058"/>
+                  </a:ext>
+                </a:extLst>
+              </a:tr>
+              <a:tr h="370840">
+                <a:tc>
+                  <a:txBody>
+                    <a:bodyPr/>
+                    <a:lstStyle/>
+                    <a:p>
+                      <a:pPr marL="0" marR="0" lvl="0" indent="0" algn="l" defTabSz="914400" rtl="0" eaLnBrk="1" fontAlgn="auto" latinLnBrk="1" hangingPunct="1">
+                        <a:lnSpc>
+                          <a:spcPct val="100000"/>
+                        </a:lnSpc>
+                        <a:spcBef>
+                          <a:spcPts val="0"/>
+                        </a:spcBef>
+                        <a:spcAft>
+                          <a:spcPts val="0"/>
+                        </a:spcAft>
+                        <a:buClrTx/>
+                        <a:buSzTx/>
+                        <a:buFontTx/>
+                        <a:buNone/>
+                        <a:tabLst/>
+                        <a:defRPr/>
+                      </a:pPr>
+                      <a:endParaRPr lang="en-US" altLang="ko-KR" sz="1400" b="0" dirty="0">
+                        <a:solidFill>
+                          <a:schemeClr val="tx1"/>
+                        </a:solidFill>
+                      </a:endParaRPr>
+                    </a:p>
+                  </a:txBody>
+                  <a:tcPr>
+                    <a:lnL w="12700" cmpd="sng">
+                      <a:noFill/>
+                    </a:lnL>
+                    <a:lnR w="12700" cmpd="sng">
+                      <a:noFill/>
+                    </a:lnR>
+                    <a:lnT w="12700" cap="flat" cmpd="sng" algn="ctr">
+                      <a:solidFill>
+                        <a:schemeClr val="tx1"/>
+                      </a:solidFill>
+                      <a:prstDash val="solid"/>
+                      <a:round/>
+                      <a:headEnd type="none" w="med" len="med"/>
+                      <a:tailEnd type="none" w="med" len="med"/>
+                    </a:lnT>
+                    <a:lnB w="12700" cap="flat" cmpd="sng" algn="ctr">
+                      <a:solidFill>
+                        <a:schemeClr val="tx1"/>
+                      </a:solidFill>
+                      <a:prstDash val="solid"/>
+                      <a:round/>
+                      <a:headEnd type="none" w="med" len="med"/>
+                      <a:tailEnd type="none" w="med" len="med"/>
+                    </a:lnB>
+                    <a:lnTlToBr w="12700" cmpd="sng">
+                      <a:noFill/>
+                      <a:prstDash val="solid"/>
+                    </a:lnTlToBr>
+                    <a:lnBlToTr w="12700" cmpd="sng">
+                      <a:noFill/>
+                      <a:prstDash val="solid"/>
+                    </a:lnBlToTr>
+                    <a:noFill/>
+                  </a:tcPr>
+                </a:tc>
+                <a:extLst>
+                  <a:ext uri="{0D108BD9-81ED-4DB2-BD59-A6C34878D82A}">
+                    <a16:rowId xmlns:a16="http://schemas.microsoft.com/office/drawing/2014/main" val="3707234740"/>
+                  </a:ext>
+                </a:extLst>
+              </a:tr>
+              <a:tr h="370840">
+                <a:tc>
+                  <a:txBody>
+                    <a:bodyPr/>
+                    <a:lstStyle/>
+                    <a:p>
+                      <a:pPr marL="0" marR="0" lvl="0" indent="0" algn="l" defTabSz="914400" rtl="0" eaLnBrk="1" fontAlgn="auto" latinLnBrk="1" hangingPunct="1">
+                        <a:lnSpc>
+                          <a:spcPct val="100000"/>
+                        </a:lnSpc>
+                        <a:spcBef>
+                          <a:spcPts val="0"/>
+                        </a:spcBef>
+                        <a:spcAft>
+                          <a:spcPts val="0"/>
+                        </a:spcAft>
+                        <a:buClrTx/>
+                        <a:buSzTx/>
+                        <a:buFontTx/>
+                        <a:buNone/>
+                        <a:tabLst/>
+                        <a:defRPr/>
+                      </a:pPr>
+                      <a:r>
+                        <a:rPr lang="ko-KR" altLang="en-US" sz="1400" b="0" dirty="0">
+                          <a:solidFill>
+                            <a:schemeClr val="tx1"/>
+                          </a:solidFill>
+                        </a:rPr>
+                        <a:t>환경</a:t>
+                      </a:r>
+                      <a:endParaRPr lang="en-US" altLang="ko-KR" sz="1400" b="0" dirty="0">
+                        <a:solidFill>
+                          <a:schemeClr val="tx1"/>
+                        </a:solidFill>
+                      </a:endParaRPr>
+                    </a:p>
+                  </a:txBody>
+                  <a:tcPr>
+                    <a:lnL w="12700" cmpd="sng">
+                      <a:noFill/>
+                    </a:lnL>
+                    <a:lnR w="12700" cmpd="sng">
+                      <a:noFill/>
+                    </a:lnR>
+                    <a:lnT w="12700" cap="flat" cmpd="sng" algn="ctr">
+                      <a:solidFill>
+                        <a:schemeClr val="tx1"/>
+                      </a:solidFill>
+                      <a:prstDash val="solid"/>
+                      <a:round/>
+                      <a:headEnd type="none" w="med" len="med"/>
+                      <a:tailEnd type="none" w="med" len="med"/>
+                    </a:lnT>
+                    <a:lnB w="12700" cap="flat" cmpd="sng" algn="ctr">
+                      <a:solidFill>
+                        <a:schemeClr val="tx1"/>
+                      </a:solidFill>
+                      <a:prstDash val="solid"/>
+                      <a:round/>
+                      <a:headEnd type="none" w="med" len="med"/>
+                      <a:tailEnd type="none" w="med" len="med"/>
+                    </a:lnB>
+                    <a:lnTlToBr w="12700" cmpd="sng">
+                      <a:noFill/>
+                      <a:prstDash val="solid"/>
+                    </a:lnTlToBr>
+                    <a:lnBlToTr w="12700" cmpd="sng">
+                      <a:noFill/>
+                      <a:prstDash val="solid"/>
+                    </a:lnBlToTr>
+                    <a:solidFill>
+                      <a:schemeClr val="bg1">
+                        <a:lumMod val="95000"/>
+                      </a:schemeClr>
+                    </a:solidFill>
+                  </a:tcPr>
+                </a:tc>
+                <a:extLst>
+                  <a:ext uri="{0D108BD9-81ED-4DB2-BD59-A6C34878D82A}">
+                    <a16:rowId xmlns:a16="http://schemas.microsoft.com/office/drawing/2014/main" val="3093104824"/>
+                  </a:ext>
+                </a:extLst>
+              </a:tr>
+              <a:tr h="370840">
+                <a:tc>
+                  <a:txBody>
+                    <a:bodyPr/>
+                    <a:lstStyle/>
+                    <a:p>
+                      <a:pPr marL="0" marR="0" lvl="0" indent="0" algn="l" defTabSz="914400" rtl="0" eaLnBrk="1" fontAlgn="auto" latinLnBrk="1" hangingPunct="1">
+                        <a:lnSpc>
+                          <a:spcPct val="100000"/>
+                        </a:lnSpc>
+                        <a:spcBef>
+                          <a:spcPts val="0"/>
+                        </a:spcBef>
+                        <a:spcAft>
+                          <a:spcPts val="0"/>
+                        </a:spcAft>
+                        <a:buClrTx/>
+                        <a:buSzTx/>
+                        <a:buFontTx/>
+                        <a:buNone/>
+                        <a:tabLst/>
+                        <a:defRPr/>
+                      </a:pPr>
+                      <a:endParaRPr lang="en-US" altLang="ko-KR" sz="1400" b="0" dirty="0">
+                        <a:solidFill>
+                          <a:schemeClr val="tx1"/>
+                        </a:solidFill>
+                      </a:endParaRPr>
+                    </a:p>
+                  </a:txBody>
+                  <a:tcPr>
+                    <a:lnL w="12700" cmpd="sng">
+                      <a:noFill/>
+                    </a:lnL>
+                    <a:lnR w="12700" cmpd="sng">
+                      <a:noFill/>
+                    </a:lnR>
+                    <a:lnT w="12700" cap="flat" cmpd="sng" algn="ctr">
+                      <a:solidFill>
+                        <a:schemeClr val="tx1"/>
+                      </a:solidFill>
+                      <a:prstDash val="solid"/>
+                      <a:round/>
+                      <a:headEnd type="none" w="med" len="med"/>
+                      <a:tailEnd type="none" w="med" len="med"/>
+                    </a:lnT>
+                    <a:lnB w="12700" cmpd="sng">
+                      <a:noFill/>
+                    </a:lnB>
+                    <a:lnTlToBr w="12700" cmpd="sng">
+                      <a:noFill/>
+                      <a:prstDash val="solid"/>
+                    </a:lnTlToBr>
+                    <a:lnBlToTr w="12700" cmpd="sng">
+                      <a:noFill/>
+                      <a:prstDash val="solid"/>
+                    </a:lnBlToTr>
+                    <a:noFill/>
+                  </a:tcPr>
+                </a:tc>
+                <a:extLst>
+                  <a:ext uri="{0D108BD9-81ED-4DB2-BD59-A6C34878D82A}">
+                    <a16:rowId xmlns:a16="http://schemas.microsoft.com/office/drawing/2014/main" val="4196947498"/>
+                  </a:ext>
+                </a:extLst>
+              </a:tr>
+            </a:tbl>
+          </a:graphicData>
+        </a:graphic>
+      </p:graphicFrame>
+    </p:spTree>
+    <p:extLst>
+      <p:ext uri="{BB962C8B-B14F-4D97-AF65-F5344CB8AC3E}">
+        <p14:creationId xmlns:p14="http://schemas.microsoft.com/office/powerpoint/2010/main" val="3552190612"/>
       </p:ext>
     </p:extLst>
   </p:cSld>

--- a/기획/방랑엽사전/맵 기획서 (토벌단 본부).pptx
+++ b/기획/방랑엽사전/맵 기획서 (토벌단 본부).pptx
@@ -238,7 +238,7 @@
           <a:p>
             <a:fld id="{C8649E71-8129-4905-BAC0-51D65A0C1379}" type="datetimeFigureOut">
               <a:rPr lang="ko-KR" altLang="en-US" smtClean="0"/>
-              <a:t>2024-03-15</a:t>
+              <a:t>2024-03-18</a:t>
             </a:fld>
             <a:endParaRPr lang="ko-KR" altLang="en-US"/>
           </a:p>
@@ -736,7 +736,7 @@
           <a:p>
             <a:fld id="{523D6941-6B33-4834-BC65-A333846D27E6}" type="datetimeFigureOut">
               <a:rPr lang="ko-KR" altLang="en-US" smtClean="0"/>
-              <a:t>2024-03-15</a:t>
+              <a:t>2024-03-18</a:t>
             </a:fld>
             <a:endParaRPr lang="ko-KR" altLang="en-US"/>
           </a:p>
@@ -934,7 +934,7 @@
           <a:p>
             <a:fld id="{523D6941-6B33-4834-BC65-A333846D27E6}" type="datetimeFigureOut">
               <a:rPr lang="ko-KR" altLang="en-US" smtClean="0"/>
-              <a:t>2024-03-15</a:t>
+              <a:t>2024-03-18</a:t>
             </a:fld>
             <a:endParaRPr lang="ko-KR" altLang="en-US"/>
           </a:p>
@@ -1142,7 +1142,7 @@
           <a:p>
             <a:fld id="{523D6941-6B33-4834-BC65-A333846D27E6}" type="datetimeFigureOut">
               <a:rPr lang="ko-KR" altLang="en-US" smtClean="0"/>
-              <a:t>2024-03-15</a:t>
+              <a:t>2024-03-18</a:t>
             </a:fld>
             <a:endParaRPr lang="ko-KR" altLang="en-US"/>
           </a:p>
@@ -1355,7 +1355,7 @@
           <a:p>
             <a:fld id="{523D6941-6B33-4834-BC65-A333846D27E6}" type="datetimeFigureOut">
               <a:rPr lang="ko-KR" altLang="en-US" smtClean="0"/>
-              <a:t>2024-03-15</a:t>
+              <a:t>2024-03-18</a:t>
             </a:fld>
             <a:endParaRPr lang="ko-KR" altLang="en-US"/>
           </a:p>
@@ -1640,7 +1640,7 @@
           <a:p>
             <a:fld id="{523D6941-6B33-4834-BC65-A333846D27E6}" type="datetimeFigureOut">
               <a:rPr lang="ko-KR" altLang="en-US" smtClean="0"/>
-              <a:t>2024-03-15</a:t>
+              <a:t>2024-03-18</a:t>
             </a:fld>
             <a:endParaRPr lang="ko-KR" altLang="en-US"/>
           </a:p>
@@ -1905,7 +1905,7 @@
           <a:p>
             <a:fld id="{523D6941-6B33-4834-BC65-A333846D27E6}" type="datetimeFigureOut">
               <a:rPr lang="ko-KR" altLang="en-US" smtClean="0"/>
-              <a:t>2024-03-15</a:t>
+              <a:t>2024-03-18</a:t>
             </a:fld>
             <a:endParaRPr lang="ko-KR" altLang="en-US"/>
           </a:p>
@@ -2317,7 +2317,7 @@
           <a:p>
             <a:fld id="{523D6941-6B33-4834-BC65-A333846D27E6}" type="datetimeFigureOut">
               <a:rPr lang="ko-KR" altLang="en-US" smtClean="0"/>
-              <a:t>2024-03-15</a:t>
+              <a:t>2024-03-18</a:t>
             </a:fld>
             <a:endParaRPr lang="ko-KR" altLang="en-US"/>
           </a:p>
@@ -2458,7 +2458,7 @@
           <a:p>
             <a:fld id="{523D6941-6B33-4834-BC65-A333846D27E6}" type="datetimeFigureOut">
               <a:rPr lang="ko-KR" altLang="en-US" smtClean="0"/>
-              <a:t>2024-03-15</a:t>
+              <a:t>2024-03-18</a:t>
             </a:fld>
             <a:endParaRPr lang="ko-KR" altLang="en-US"/>
           </a:p>
@@ -2571,7 +2571,7 @@
           <a:p>
             <a:fld id="{523D6941-6B33-4834-BC65-A333846D27E6}" type="datetimeFigureOut">
               <a:rPr lang="ko-KR" altLang="en-US" smtClean="0"/>
-              <a:t>2024-03-15</a:t>
+              <a:t>2024-03-18</a:t>
             </a:fld>
             <a:endParaRPr lang="ko-KR" altLang="en-US"/>
           </a:p>
@@ -2882,7 +2882,7 @@
           <a:p>
             <a:fld id="{523D6941-6B33-4834-BC65-A333846D27E6}" type="datetimeFigureOut">
               <a:rPr lang="ko-KR" altLang="en-US" smtClean="0"/>
-              <a:t>2024-03-15</a:t>
+              <a:t>2024-03-18</a:t>
             </a:fld>
             <a:endParaRPr lang="ko-KR" altLang="en-US"/>
           </a:p>
@@ -3170,7 +3170,7 @@
           <a:p>
             <a:fld id="{523D6941-6B33-4834-BC65-A333846D27E6}" type="datetimeFigureOut">
               <a:rPr lang="ko-KR" altLang="en-US" smtClean="0"/>
-              <a:t>2024-03-15</a:t>
+              <a:t>2024-03-18</a:t>
             </a:fld>
             <a:endParaRPr lang="ko-KR" altLang="en-US"/>
           </a:p>
@@ -3411,7 +3411,7 @@
           <a:p>
             <a:fld id="{523D6941-6B33-4834-BC65-A333846D27E6}" type="datetimeFigureOut">
               <a:rPr lang="ko-KR" altLang="en-US" smtClean="0"/>
-              <a:t>2024-03-15</a:t>
+              <a:t>2024-03-18</a:t>
             </a:fld>
             <a:endParaRPr lang="ko-KR" altLang="en-US"/>
           </a:p>
@@ -7829,10 +7829,10 @@
       </p:sp>
       <p:graphicFrame>
         <p:nvGraphicFramePr>
-          <p:cNvPr id="19" name="표 4">
+          <p:cNvPr id="16" name="표 4">
             <a:extLst>
               <a:ext uri="{FF2B5EF4-FFF2-40B4-BE49-F238E27FC236}">
-                <a16:creationId xmlns:a16="http://schemas.microsoft.com/office/drawing/2014/main" id="{A2C9DF5F-7BD7-D363-93C0-C60D80DE793F}"/>
+                <a16:creationId xmlns:a16="http://schemas.microsoft.com/office/drawing/2014/main" id="{A93C22E8-54EE-885F-8315-B90B1FFE25F6}"/>
               </a:ext>
             </a:extLst>
           </p:cNvPr>
@@ -7842,14 +7842,14 @@
           <p:nvPr>
             <p:extLst>
               <p:ext uri="{D42A27DB-BD31-4B8C-83A1-F6EECF244321}">
-                <p14:modId xmlns:p14="http://schemas.microsoft.com/office/powerpoint/2010/main" val="3252976111"/>
+                <p14:modId xmlns:p14="http://schemas.microsoft.com/office/powerpoint/2010/main" val="1525186052"/>
               </p:ext>
             </p:extLst>
           </p:nvPr>
         </p:nvGraphicFramePr>
         <p:xfrm>
-          <a:off x="8126044" y="5245376"/>
-          <a:ext cx="2643823" cy="1463040"/>
+          <a:off x="6125844" y="1190789"/>
+          <a:ext cx="5370830" cy="5394960"/>
         </p:xfrm>
         <a:graphic>
           <a:graphicData uri="http://schemas.openxmlformats.org/drawingml/2006/table">
@@ -7858,22 +7858,22 @@
                 <a:tableStyleId>{5C22544A-7EE6-4342-B048-85BDC9FD1C3A}</a:tableStyleId>
               </a:tblPr>
               <a:tblGrid>
-                <a:gridCol w="389255">
+                <a:gridCol w="387717">
                   <a:extLst>
                     <a:ext uri="{9D8B030D-6E8A-4147-A177-3AD203B41FA5}">
                       <a16:colId xmlns:a16="http://schemas.microsoft.com/office/drawing/2014/main" val="2204258722"/>
                     </a:ext>
                   </a:extLst>
                 </a:gridCol>
-                <a:gridCol w="2254568">
+                <a:gridCol w="4983113">
                   <a:extLst>
                     <a:ext uri="{9D8B030D-6E8A-4147-A177-3AD203B41FA5}">
-                      <a16:colId xmlns:a16="http://schemas.microsoft.com/office/drawing/2014/main" val="3606984394"/>
+                      <a16:colId xmlns:a16="http://schemas.microsoft.com/office/drawing/2014/main" val="1026434579"/>
                     </a:ext>
                   </a:extLst>
                 </a:gridCol>
               </a:tblGrid>
-              <a:tr h="0">
+              <a:tr h="152400">
                 <a:tc>
                   <a:txBody>
                     <a:bodyPr/>
@@ -7881,21 +7881,1790 @@
                     <a:p>
                       <a:pPr algn="ctr" latinLnBrk="1"/>
                       <a:r>
-                        <a:rPr lang="en-US" altLang="ko-KR" b="0" dirty="0">
+                        <a:rPr lang="en-US" altLang="ko-KR" sz="1400" b="0" dirty="0">
                           <a:solidFill>
                             <a:schemeClr val="tx1"/>
                           </a:solidFill>
                         </a:rPr>
                         <a:t>1</a:t>
                       </a:r>
-                      <a:endParaRPr lang="ko-KR" altLang="en-US" b="0" dirty="0">
+                      <a:endParaRPr lang="ko-KR" altLang="en-US" sz="1400" b="0" dirty="0">
                         <a:solidFill>
                           <a:schemeClr val="tx1"/>
                         </a:solidFill>
                       </a:endParaRPr>
                     </a:p>
                   </a:txBody>
+                  <a:tcPr anchor="ctr">
+                    <a:lnL w="12700" cap="flat" cmpd="sng" algn="ctr">
+                      <a:noFill/>
+                      <a:prstDash val="solid"/>
+                      <a:round/>
+                      <a:headEnd type="none" w="med" len="med"/>
+                      <a:tailEnd type="none" w="med" len="med"/>
+                    </a:lnL>
+                    <a:lnR w="12700" cap="flat" cmpd="sng" algn="ctr">
+                      <a:solidFill>
+                        <a:schemeClr val="tx1"/>
+                      </a:solidFill>
+                      <a:prstDash val="solid"/>
+                      <a:round/>
+                      <a:headEnd type="none" w="med" len="med"/>
+                      <a:tailEnd type="none" w="med" len="med"/>
+                    </a:lnR>
+                    <a:lnT w="12700" cap="flat" cmpd="sng" algn="ctr">
+                      <a:noFill/>
+                      <a:prstDash val="solid"/>
+                      <a:round/>
+                      <a:headEnd type="none" w="med" len="med"/>
+                      <a:tailEnd type="none" w="med" len="med"/>
+                    </a:lnT>
+                    <a:lnB w="12700" cap="flat" cmpd="sng" algn="ctr">
+                      <a:solidFill>
+                        <a:schemeClr val="tx1"/>
+                      </a:solidFill>
+                      <a:prstDash val="solid"/>
+                      <a:round/>
+                      <a:headEnd type="none" w="med" len="med"/>
+                      <a:tailEnd type="none" w="med" len="med"/>
+                    </a:lnB>
+                    <a:lnTlToBr w="12700" cmpd="sng">
+                      <a:noFill/>
+                      <a:prstDash val="solid"/>
+                    </a:lnTlToBr>
+                    <a:lnBlToTr w="12700" cmpd="sng">
+                      <a:noFill/>
+                      <a:prstDash val="solid"/>
+                    </a:lnBlToTr>
+                    <a:noFill/>
+                  </a:tcPr>
+                </a:tc>
+                <a:tc>
+                  <a:txBody>
+                    <a:bodyPr/>
+                    <a:lstStyle/>
+                    <a:p>
+                      <a:pPr algn="l" latinLnBrk="1"/>
+                      <a:r>
+                        <a:rPr lang="ko-KR" altLang="en-US" sz="1400" b="0" dirty="0" err="1">
+                          <a:solidFill>
+                            <a:schemeClr val="tx1"/>
+                          </a:solidFill>
+                        </a:rPr>
+                        <a:t>대련장</a:t>
+                      </a:r>
+                      <a:endParaRPr lang="ko-KR" altLang="en-US" sz="1400" b="0" dirty="0">
+                        <a:solidFill>
+                          <a:schemeClr val="tx1"/>
+                        </a:solidFill>
+                      </a:endParaRPr>
+                    </a:p>
+                  </a:txBody>
+                  <a:tcPr anchor="ctr">
+                    <a:lnL w="12700" cap="flat" cmpd="sng" algn="ctr">
+                      <a:solidFill>
+                        <a:schemeClr val="tx1"/>
+                      </a:solidFill>
+                      <a:prstDash val="solid"/>
+                      <a:round/>
+                      <a:headEnd type="none" w="med" len="med"/>
+                      <a:tailEnd type="none" w="med" len="med"/>
+                    </a:lnL>
+                    <a:lnR w="12700" cap="flat" cmpd="sng" algn="ctr">
+                      <a:noFill/>
+                      <a:prstDash val="solid"/>
+                      <a:round/>
+                      <a:headEnd type="none" w="med" len="med"/>
+                      <a:tailEnd type="none" w="med" len="med"/>
+                    </a:lnR>
+                    <a:lnT w="12700" cap="flat" cmpd="sng" algn="ctr">
+                      <a:noFill/>
+                      <a:prstDash val="solid"/>
+                      <a:round/>
+                      <a:headEnd type="none" w="med" len="med"/>
+                      <a:tailEnd type="none" w="med" len="med"/>
+                    </a:lnT>
+                    <a:lnB w="12700" cap="flat" cmpd="sng" algn="ctr">
+                      <a:solidFill>
+                        <a:schemeClr val="tx1"/>
+                      </a:solidFill>
+                      <a:prstDash val="solid"/>
+                      <a:round/>
+                      <a:headEnd type="none" w="med" len="med"/>
+                      <a:tailEnd type="none" w="med" len="med"/>
+                    </a:lnB>
+                    <a:lnTlToBr w="12700" cmpd="sng">
+                      <a:noFill/>
+                      <a:prstDash val="solid"/>
+                    </a:lnTlToBr>
+                    <a:lnBlToTr w="12700" cmpd="sng">
+                      <a:noFill/>
+                      <a:prstDash val="solid"/>
+                    </a:lnBlToTr>
+                    <a:noFill/>
+                  </a:tcPr>
+                </a:tc>
+                <a:extLst>
+                  <a:ext uri="{0D108BD9-81ED-4DB2-BD59-A6C34878D82A}">
+                    <a16:rowId xmlns:a16="http://schemas.microsoft.com/office/drawing/2014/main" val="3162711127"/>
+                  </a:ext>
+                </a:extLst>
+              </a:tr>
+              <a:tr h="152400">
+                <a:tc gridSpan="2">
+                  <a:txBody>
+                    <a:bodyPr/>
+                    <a:lstStyle/>
+                    <a:p>
+                      <a:pPr marL="0" marR="0" lvl="0" indent="0" algn="l" defTabSz="914400" rtl="0" eaLnBrk="1" fontAlgn="auto" latinLnBrk="1" hangingPunct="1">
+                        <a:lnSpc>
+                          <a:spcPct val="100000"/>
+                        </a:lnSpc>
+                        <a:spcBef>
+                          <a:spcPts val="0"/>
+                        </a:spcBef>
+                        <a:spcAft>
+                          <a:spcPts val="0"/>
+                        </a:spcAft>
+                        <a:buClrTx/>
+                        <a:buSzTx/>
+                        <a:buFontTx/>
+                        <a:buNone/>
+                        <a:tabLst/>
+                        <a:defRPr/>
+                      </a:pPr>
+                      <a:r>
+                        <a:rPr lang="en-US" altLang="ko-KR" sz="1400" b="0" dirty="0">
+                          <a:solidFill>
+                            <a:schemeClr val="tx1"/>
+                          </a:solidFill>
+                        </a:rPr>
+                        <a:t>NPC</a:t>
+                      </a:r>
+                      <a:r>
+                        <a:rPr lang="ko-KR" altLang="en-US" sz="1400" b="0" dirty="0">
+                          <a:solidFill>
+                            <a:schemeClr val="tx1"/>
+                          </a:solidFill>
+                        </a:rPr>
+                        <a:t> 또는 </a:t>
+                      </a:r>
+                      <a:r>
+                        <a:rPr lang="en-US" altLang="ko-KR" sz="1400" b="0" dirty="0">
+                          <a:solidFill>
+                            <a:schemeClr val="tx1"/>
+                          </a:solidFill>
+                        </a:rPr>
+                        <a:t>PC</a:t>
+                      </a:r>
+                      <a:r>
+                        <a:rPr lang="ko-KR" altLang="en-US" sz="1400" b="0" dirty="0">
+                          <a:solidFill>
+                            <a:schemeClr val="tx1"/>
+                          </a:solidFill>
+                        </a:rPr>
+                        <a:t>와 대결할 수 있다</a:t>
+                      </a:r>
+                      <a:r>
+                        <a:rPr lang="en-US" altLang="ko-KR" sz="1400" b="0" dirty="0">
+                          <a:solidFill>
+                            <a:schemeClr val="tx1"/>
+                          </a:solidFill>
+                        </a:rPr>
+                        <a:t>.</a:t>
+                      </a:r>
+                      <a:endParaRPr lang="ko-KR" altLang="en-US" sz="1400" b="0" dirty="0">
+                        <a:solidFill>
+                          <a:schemeClr val="tx1"/>
+                        </a:solidFill>
+                      </a:endParaRPr>
+                    </a:p>
+                  </a:txBody>
+                  <a:tcPr anchor="ctr">
+                    <a:lnL w="12700" cap="flat" cmpd="sng" algn="ctr">
+                      <a:noFill/>
+                      <a:prstDash val="solid"/>
+                      <a:round/>
+                      <a:headEnd type="none" w="med" len="med"/>
+                      <a:tailEnd type="none" w="med" len="med"/>
+                    </a:lnL>
+                    <a:lnR w="12700" cap="flat" cmpd="sng" algn="ctr">
+                      <a:noFill/>
+                      <a:prstDash val="solid"/>
+                      <a:round/>
+                      <a:headEnd type="none" w="med" len="med"/>
+                      <a:tailEnd type="none" w="med" len="med"/>
+                    </a:lnR>
+                    <a:lnT w="12700" cap="flat" cmpd="sng" algn="ctr">
+                      <a:solidFill>
+                        <a:schemeClr val="tx1"/>
+                      </a:solidFill>
+                      <a:prstDash val="solid"/>
+                      <a:round/>
+                      <a:headEnd type="none" w="med" len="med"/>
+                      <a:tailEnd type="none" w="med" len="med"/>
+                    </a:lnT>
+                    <a:lnB w="12700" cap="flat" cmpd="sng" algn="ctr">
+                      <a:noFill/>
+                      <a:prstDash val="solid"/>
+                      <a:round/>
+                      <a:headEnd type="none" w="med" len="med"/>
+                      <a:tailEnd type="none" w="med" len="med"/>
+                    </a:lnB>
+                    <a:lnTlToBr w="12700" cmpd="sng">
+                      <a:noFill/>
+                      <a:prstDash val="solid"/>
+                    </a:lnTlToBr>
+                    <a:lnBlToTr w="12700" cmpd="sng">
+                      <a:noFill/>
+                      <a:prstDash val="solid"/>
+                    </a:lnBlToTr>
+                    <a:noFill/>
+                  </a:tcPr>
+                </a:tc>
+                <a:tc hMerge="1">
+                  <a:txBody>
+                    <a:bodyPr/>
+                    <a:lstStyle/>
+                    <a:p>
+                      <a:pPr latinLnBrk="1"/>
+                      <a:endParaRPr lang="ko-KR" altLang="en-US"/>
+                    </a:p>
+                  </a:txBody>
                   <a:tcPr>
+                    <a:lnL w="12700" cmpd="sng">
+                      <a:noFill/>
+                    </a:lnL>
+                    <a:lnT w="12700" cap="flat" cmpd="sng" algn="ctr">
+                      <a:solidFill>
+                        <a:schemeClr val="tx1"/>
+                      </a:solidFill>
+                      <a:prstDash val="solid"/>
+                      <a:round/>
+                      <a:headEnd type="none" w="med" len="med"/>
+                      <a:tailEnd type="none" w="med" len="med"/>
+                    </a:lnT>
+                  </a:tcPr>
+                </a:tc>
+                <a:extLst>
+                  <a:ext uri="{0D108BD9-81ED-4DB2-BD59-A6C34878D82A}">
+                    <a16:rowId xmlns:a16="http://schemas.microsoft.com/office/drawing/2014/main" val="4168664813"/>
+                  </a:ext>
+                </a:extLst>
+              </a:tr>
+              <a:tr h="152400">
+                <a:tc gridSpan="2">
+                  <a:txBody>
+                    <a:bodyPr/>
+                    <a:lstStyle/>
+                    <a:p>
+                      <a:pPr marL="0" marR="0" lvl="0" indent="0" algn="l" defTabSz="914400" rtl="0" eaLnBrk="1" fontAlgn="auto" latinLnBrk="1" hangingPunct="1">
+                        <a:lnSpc>
+                          <a:spcPct val="100000"/>
+                        </a:lnSpc>
+                        <a:spcBef>
+                          <a:spcPts val="0"/>
+                        </a:spcBef>
+                        <a:spcAft>
+                          <a:spcPts val="0"/>
+                        </a:spcAft>
+                        <a:buClrTx/>
+                        <a:buSzTx/>
+                        <a:buFontTx/>
+                        <a:buNone/>
+                        <a:tabLst/>
+                        <a:defRPr/>
+                      </a:pPr>
+                      <a:endParaRPr lang="ko-KR" altLang="en-US" sz="1400" b="0" dirty="0">
+                        <a:solidFill>
+                          <a:schemeClr val="tx1"/>
+                        </a:solidFill>
+                      </a:endParaRPr>
+                    </a:p>
+                  </a:txBody>
+                  <a:tcPr anchor="ctr">
+                    <a:lnL w="12700" cap="flat" cmpd="sng" algn="ctr">
+                      <a:noFill/>
+                      <a:prstDash val="solid"/>
+                      <a:round/>
+                      <a:headEnd type="none" w="med" len="med"/>
+                      <a:tailEnd type="none" w="med" len="med"/>
+                    </a:lnL>
+                    <a:lnR w="12700" cap="flat" cmpd="sng" algn="ctr">
+                      <a:noFill/>
+                      <a:prstDash val="solid"/>
+                      <a:round/>
+                      <a:headEnd type="none" w="med" len="med"/>
+                      <a:tailEnd type="none" w="med" len="med"/>
+                    </a:lnR>
+                    <a:lnT w="12700" cap="flat" cmpd="sng" algn="ctr">
+                      <a:noFill/>
+                      <a:prstDash val="solid"/>
+                      <a:round/>
+                      <a:headEnd type="none" w="med" len="med"/>
+                      <a:tailEnd type="none" w="med" len="med"/>
+                    </a:lnT>
+                    <a:lnB w="12700" cap="flat" cmpd="sng" algn="ctr">
+                      <a:noFill/>
+                      <a:prstDash val="solid"/>
+                      <a:round/>
+                      <a:headEnd type="none" w="med" len="med"/>
+                      <a:tailEnd type="none" w="med" len="med"/>
+                    </a:lnB>
+                    <a:lnTlToBr w="12700" cmpd="sng">
+                      <a:noFill/>
+                      <a:prstDash val="solid"/>
+                    </a:lnTlToBr>
+                    <a:lnBlToTr w="12700" cmpd="sng">
+                      <a:noFill/>
+                      <a:prstDash val="solid"/>
+                    </a:lnBlToTr>
+                    <a:noFill/>
+                  </a:tcPr>
+                </a:tc>
+                <a:tc hMerge="1">
+                  <a:txBody>
+                    <a:bodyPr/>
+                    <a:lstStyle/>
+                    <a:p>
+                      <a:pPr latinLnBrk="1"/>
+                      <a:endParaRPr lang="ko-KR" altLang="en-US"/>
+                    </a:p>
+                  </a:txBody>
+                  <a:tcPr>
+                    <a:lnL w="12700" cmpd="sng">
+                      <a:noFill/>
+                    </a:lnL>
+                  </a:tcPr>
+                </a:tc>
+                <a:extLst>
+                  <a:ext uri="{0D108BD9-81ED-4DB2-BD59-A6C34878D82A}">
+                    <a16:rowId xmlns:a16="http://schemas.microsoft.com/office/drawing/2014/main" val="375177503"/>
+                  </a:ext>
+                </a:extLst>
+              </a:tr>
+              <a:tr h="152400">
+                <a:tc>
+                  <a:txBody>
+                    <a:bodyPr/>
+                    <a:lstStyle/>
+                    <a:p>
+                      <a:pPr algn="ctr" latinLnBrk="1"/>
+                      <a:r>
+                        <a:rPr lang="en-US" altLang="ko-KR" sz="1400" b="0" dirty="0">
+                          <a:solidFill>
+                            <a:schemeClr val="tx1"/>
+                          </a:solidFill>
+                        </a:rPr>
+                        <a:t>2</a:t>
+                      </a:r>
+                      <a:endParaRPr lang="ko-KR" altLang="en-US" sz="1400" b="0" dirty="0">
+                        <a:solidFill>
+                          <a:schemeClr val="tx1"/>
+                        </a:solidFill>
+                      </a:endParaRPr>
+                    </a:p>
+                  </a:txBody>
+                  <a:tcPr anchor="ctr">
+                    <a:lnL w="12700" cap="flat" cmpd="sng" algn="ctr">
+                      <a:noFill/>
+                      <a:prstDash val="solid"/>
+                      <a:round/>
+                      <a:headEnd type="none" w="med" len="med"/>
+                      <a:tailEnd type="none" w="med" len="med"/>
+                    </a:lnL>
+                    <a:lnR w="12700" cap="flat" cmpd="sng" algn="ctr">
+                      <a:solidFill>
+                        <a:schemeClr val="tx1"/>
+                      </a:solidFill>
+                      <a:prstDash val="solid"/>
+                      <a:round/>
+                      <a:headEnd type="none" w="med" len="med"/>
+                      <a:tailEnd type="none" w="med" len="med"/>
+                    </a:lnR>
+                    <a:lnT w="12700" cap="flat" cmpd="sng" algn="ctr">
+                      <a:noFill/>
+                      <a:prstDash val="solid"/>
+                      <a:round/>
+                      <a:headEnd type="none" w="med" len="med"/>
+                      <a:tailEnd type="none" w="med" len="med"/>
+                    </a:lnT>
+                    <a:lnB w="12700" cap="flat" cmpd="sng" algn="ctr">
+                      <a:solidFill>
+                        <a:schemeClr val="tx1"/>
+                      </a:solidFill>
+                      <a:prstDash val="solid"/>
+                      <a:round/>
+                      <a:headEnd type="none" w="med" len="med"/>
+                      <a:tailEnd type="none" w="med" len="med"/>
+                    </a:lnB>
+                    <a:lnTlToBr w="12700" cmpd="sng">
+                      <a:noFill/>
+                      <a:prstDash val="solid"/>
+                    </a:lnTlToBr>
+                    <a:lnBlToTr w="12700" cmpd="sng">
+                      <a:noFill/>
+                      <a:prstDash val="solid"/>
+                    </a:lnBlToTr>
+                    <a:noFill/>
+                  </a:tcPr>
+                </a:tc>
+                <a:tc>
+                  <a:txBody>
+                    <a:bodyPr/>
+                    <a:lstStyle/>
+                    <a:p>
+                      <a:pPr algn="l" latinLnBrk="1"/>
+                      <a:r>
+                        <a:rPr lang="ko-KR" altLang="en-US" sz="1400" b="0" dirty="0">
+                          <a:solidFill>
+                            <a:schemeClr val="tx1"/>
+                          </a:solidFill>
+                        </a:rPr>
+                        <a:t>숙소</a:t>
+                      </a:r>
+                    </a:p>
+                  </a:txBody>
+                  <a:tcPr anchor="ctr">
+                    <a:lnL w="12700" cap="flat" cmpd="sng" algn="ctr">
+                      <a:solidFill>
+                        <a:schemeClr val="tx1"/>
+                      </a:solidFill>
+                      <a:prstDash val="solid"/>
+                      <a:round/>
+                      <a:headEnd type="none" w="med" len="med"/>
+                      <a:tailEnd type="none" w="med" len="med"/>
+                    </a:lnL>
+                    <a:lnR w="12700" cap="flat" cmpd="sng" algn="ctr">
+                      <a:noFill/>
+                      <a:prstDash val="solid"/>
+                      <a:round/>
+                      <a:headEnd type="none" w="med" len="med"/>
+                      <a:tailEnd type="none" w="med" len="med"/>
+                    </a:lnR>
+                    <a:lnB w="12700" cap="flat" cmpd="sng" algn="ctr">
+                      <a:solidFill>
+                        <a:schemeClr val="tx1"/>
+                      </a:solidFill>
+                      <a:prstDash val="solid"/>
+                      <a:round/>
+                      <a:headEnd type="none" w="med" len="med"/>
+                      <a:tailEnd type="none" w="med" len="med"/>
+                    </a:lnB>
+                    <a:lnTlToBr w="12700" cmpd="sng">
+                      <a:noFill/>
+                      <a:prstDash val="solid"/>
+                    </a:lnTlToBr>
+                    <a:lnBlToTr w="12700" cmpd="sng">
+                      <a:noFill/>
+                      <a:prstDash val="solid"/>
+                    </a:lnBlToTr>
+                    <a:noFill/>
+                  </a:tcPr>
+                </a:tc>
+                <a:extLst>
+                  <a:ext uri="{0D108BD9-81ED-4DB2-BD59-A6C34878D82A}">
+                    <a16:rowId xmlns:a16="http://schemas.microsoft.com/office/drawing/2014/main" val="253631632"/>
+                  </a:ext>
+                </a:extLst>
+              </a:tr>
+              <a:tr h="152400">
+                <a:tc gridSpan="2">
+                  <a:txBody>
+                    <a:bodyPr/>
+                    <a:lstStyle/>
+                    <a:p>
+                      <a:pPr algn="l" latinLnBrk="1"/>
+                      <a:r>
+                        <a:rPr lang="ko-KR" altLang="en-US" sz="1400" b="0" dirty="0">
+                          <a:solidFill>
+                            <a:schemeClr val="tx1"/>
+                          </a:solidFill>
+                        </a:rPr>
+                        <a:t>휴식을 취하거나 개인 숙소방을 커스텀 할 수 있다</a:t>
+                      </a:r>
+                      <a:r>
+                        <a:rPr lang="en-US" altLang="ko-KR" sz="1400" b="0" dirty="0">
+                          <a:solidFill>
+                            <a:schemeClr val="tx1"/>
+                          </a:solidFill>
+                        </a:rPr>
+                        <a:t>.</a:t>
+                      </a:r>
+                      <a:endParaRPr lang="ko-KR" altLang="en-US" sz="1400" b="0" dirty="0">
+                        <a:solidFill>
+                          <a:schemeClr val="tx1"/>
+                        </a:solidFill>
+                      </a:endParaRPr>
+                    </a:p>
+                  </a:txBody>
+                  <a:tcPr anchor="ctr">
+                    <a:lnL w="12700" cap="flat" cmpd="sng" algn="ctr">
+                      <a:noFill/>
+                      <a:prstDash val="solid"/>
+                      <a:round/>
+                      <a:headEnd type="none" w="med" len="med"/>
+                      <a:tailEnd type="none" w="med" len="med"/>
+                    </a:lnL>
+                    <a:lnR w="12700" cap="flat" cmpd="sng" algn="ctr">
+                      <a:noFill/>
+                      <a:prstDash val="solid"/>
+                      <a:round/>
+                      <a:headEnd type="none" w="med" len="med"/>
+                      <a:tailEnd type="none" w="med" len="med"/>
+                    </a:lnR>
+                    <a:lnT w="12700" cap="flat" cmpd="sng" algn="ctr">
+                      <a:solidFill>
+                        <a:schemeClr val="tx1"/>
+                      </a:solidFill>
+                      <a:prstDash val="solid"/>
+                      <a:round/>
+                      <a:headEnd type="none" w="med" len="med"/>
+                      <a:tailEnd type="none" w="med" len="med"/>
+                    </a:lnT>
+                    <a:lnB w="12700" cap="flat" cmpd="sng" algn="ctr">
+                      <a:noFill/>
+                      <a:prstDash val="solid"/>
+                      <a:round/>
+                      <a:headEnd type="none" w="med" len="med"/>
+                      <a:tailEnd type="none" w="med" len="med"/>
+                    </a:lnB>
+                    <a:lnTlToBr w="12700" cmpd="sng">
+                      <a:noFill/>
+                      <a:prstDash val="solid"/>
+                    </a:lnTlToBr>
+                    <a:lnBlToTr w="12700" cmpd="sng">
+                      <a:noFill/>
+                      <a:prstDash val="solid"/>
+                    </a:lnBlToTr>
+                    <a:noFill/>
+                  </a:tcPr>
+                </a:tc>
+                <a:tc hMerge="1">
+                  <a:txBody>
+                    <a:bodyPr/>
+                    <a:lstStyle/>
+                    <a:p>
+                      <a:pPr latinLnBrk="1"/>
+                      <a:endParaRPr lang="ko-KR" altLang="en-US"/>
+                    </a:p>
+                  </a:txBody>
+                  <a:tcPr>
+                    <a:lnL w="12700" cmpd="sng">
+                      <a:noFill/>
+                    </a:lnL>
+                    <a:lnT w="12700" cap="flat" cmpd="sng" algn="ctr">
+                      <a:solidFill>
+                        <a:schemeClr val="tx1"/>
+                      </a:solidFill>
+                      <a:prstDash val="solid"/>
+                      <a:round/>
+                      <a:headEnd type="none" w="med" len="med"/>
+                      <a:tailEnd type="none" w="med" len="med"/>
+                    </a:lnT>
+                  </a:tcPr>
+                </a:tc>
+                <a:extLst>
+                  <a:ext uri="{0D108BD9-81ED-4DB2-BD59-A6C34878D82A}">
+                    <a16:rowId xmlns:a16="http://schemas.microsoft.com/office/drawing/2014/main" val="1571596174"/>
+                  </a:ext>
+                </a:extLst>
+              </a:tr>
+              <a:tr h="152400">
+                <a:tc gridSpan="2">
+                  <a:txBody>
+                    <a:bodyPr/>
+                    <a:lstStyle/>
+                    <a:p>
+                      <a:pPr algn="l" latinLnBrk="1"/>
+                      <a:endParaRPr lang="ko-KR" altLang="en-US" sz="1400" b="0" dirty="0">
+                        <a:solidFill>
+                          <a:schemeClr val="tx1"/>
+                        </a:solidFill>
+                      </a:endParaRPr>
+                    </a:p>
+                  </a:txBody>
+                  <a:tcPr anchor="ctr">
+                    <a:lnL w="12700" cap="flat" cmpd="sng" algn="ctr">
+                      <a:noFill/>
+                      <a:prstDash val="solid"/>
+                      <a:round/>
+                      <a:headEnd type="none" w="med" len="med"/>
+                      <a:tailEnd type="none" w="med" len="med"/>
+                    </a:lnL>
+                    <a:lnR w="12700" cap="flat" cmpd="sng" algn="ctr">
+                      <a:noFill/>
+                      <a:prstDash val="solid"/>
+                      <a:round/>
+                      <a:headEnd type="none" w="med" len="med"/>
+                      <a:tailEnd type="none" w="med" len="med"/>
+                    </a:lnR>
+                    <a:lnT w="12700" cap="flat" cmpd="sng" algn="ctr">
+                      <a:noFill/>
+                      <a:prstDash val="solid"/>
+                      <a:round/>
+                      <a:headEnd type="none" w="med" len="med"/>
+                      <a:tailEnd type="none" w="med" len="med"/>
+                    </a:lnT>
+                    <a:lnB w="12700" cap="flat" cmpd="sng" algn="ctr">
+                      <a:noFill/>
+                      <a:prstDash val="solid"/>
+                      <a:round/>
+                      <a:headEnd type="none" w="med" len="med"/>
+                      <a:tailEnd type="none" w="med" len="med"/>
+                    </a:lnB>
+                    <a:lnTlToBr w="12700" cmpd="sng">
+                      <a:noFill/>
+                      <a:prstDash val="solid"/>
+                    </a:lnTlToBr>
+                    <a:lnBlToTr w="12700" cmpd="sng">
+                      <a:noFill/>
+                      <a:prstDash val="solid"/>
+                    </a:lnBlToTr>
+                    <a:noFill/>
+                  </a:tcPr>
+                </a:tc>
+                <a:tc hMerge="1">
+                  <a:txBody>
+                    <a:bodyPr/>
+                    <a:lstStyle/>
+                    <a:p>
+                      <a:pPr latinLnBrk="1"/>
+                      <a:endParaRPr lang="ko-KR" altLang="en-US"/>
+                    </a:p>
+                  </a:txBody>
+                  <a:tcPr>
+                    <a:lnL w="12700" cmpd="sng">
+                      <a:noFill/>
+                    </a:lnL>
+                  </a:tcPr>
+                </a:tc>
+                <a:extLst>
+                  <a:ext uri="{0D108BD9-81ED-4DB2-BD59-A6C34878D82A}">
+                    <a16:rowId xmlns:a16="http://schemas.microsoft.com/office/drawing/2014/main" val="2835607440"/>
+                  </a:ext>
+                </a:extLst>
+              </a:tr>
+              <a:tr h="152400">
+                <a:tc>
+                  <a:txBody>
+                    <a:bodyPr/>
+                    <a:lstStyle/>
+                    <a:p>
+                      <a:pPr algn="ctr" latinLnBrk="1"/>
+                      <a:r>
+                        <a:rPr lang="en-US" altLang="ko-KR" sz="1400" b="0" dirty="0">
+                          <a:solidFill>
+                            <a:schemeClr val="tx1"/>
+                          </a:solidFill>
+                        </a:rPr>
+                        <a:t>3</a:t>
+                      </a:r>
+                      <a:endParaRPr lang="ko-KR" altLang="en-US" sz="1400" b="0" dirty="0">
+                        <a:solidFill>
+                          <a:schemeClr val="tx1"/>
+                        </a:solidFill>
+                      </a:endParaRPr>
+                    </a:p>
+                  </a:txBody>
+                  <a:tcPr anchor="ctr">
+                    <a:lnL w="12700" cap="flat" cmpd="sng" algn="ctr">
+                      <a:noFill/>
+                      <a:prstDash val="solid"/>
+                      <a:round/>
+                      <a:headEnd type="none" w="med" len="med"/>
+                      <a:tailEnd type="none" w="med" len="med"/>
+                    </a:lnL>
+                    <a:lnR w="12700" cap="flat" cmpd="sng" algn="ctr">
+                      <a:solidFill>
+                        <a:schemeClr val="tx1"/>
+                      </a:solidFill>
+                      <a:prstDash val="solid"/>
+                      <a:round/>
+                      <a:headEnd type="none" w="med" len="med"/>
+                      <a:tailEnd type="none" w="med" len="med"/>
+                    </a:lnR>
+                    <a:lnT w="12700" cap="flat" cmpd="sng" algn="ctr">
+                      <a:noFill/>
+                      <a:prstDash val="solid"/>
+                      <a:round/>
+                      <a:headEnd type="none" w="med" len="med"/>
+                      <a:tailEnd type="none" w="med" len="med"/>
+                    </a:lnT>
+                    <a:lnB w="12700" cap="flat" cmpd="sng" algn="ctr">
+                      <a:solidFill>
+                        <a:schemeClr val="tx1"/>
+                      </a:solidFill>
+                      <a:prstDash val="solid"/>
+                      <a:round/>
+                      <a:headEnd type="none" w="med" len="med"/>
+                      <a:tailEnd type="none" w="med" len="med"/>
+                    </a:lnB>
+                    <a:lnTlToBr w="12700" cmpd="sng">
+                      <a:noFill/>
+                      <a:prstDash val="solid"/>
+                    </a:lnTlToBr>
+                    <a:lnBlToTr w="12700" cmpd="sng">
+                      <a:noFill/>
+                      <a:prstDash val="solid"/>
+                    </a:lnBlToTr>
+                    <a:noFill/>
+                  </a:tcPr>
+                </a:tc>
+                <a:tc>
+                  <a:txBody>
+                    <a:bodyPr/>
+                    <a:lstStyle/>
+                    <a:p>
+                      <a:pPr algn="l" latinLnBrk="1"/>
+                      <a:r>
+                        <a:rPr lang="ko-KR" altLang="en-US" sz="1400" b="0" dirty="0" err="1">
+                          <a:solidFill>
+                            <a:schemeClr val="tx1"/>
+                          </a:solidFill>
+                        </a:rPr>
+                        <a:t>토벌단</a:t>
+                      </a:r>
+                      <a:r>
+                        <a:rPr lang="ko-KR" altLang="en-US" sz="1400" b="0" dirty="0">
+                          <a:solidFill>
+                            <a:schemeClr val="tx1"/>
+                          </a:solidFill>
+                        </a:rPr>
+                        <a:t> 본부 건물</a:t>
+                      </a:r>
+                    </a:p>
+                  </a:txBody>
+                  <a:tcPr anchor="ctr">
+                    <a:lnL w="12700" cap="flat" cmpd="sng" algn="ctr">
+                      <a:solidFill>
+                        <a:schemeClr val="tx1"/>
+                      </a:solidFill>
+                      <a:prstDash val="solid"/>
+                      <a:round/>
+                      <a:headEnd type="none" w="med" len="med"/>
+                      <a:tailEnd type="none" w="med" len="med"/>
+                    </a:lnL>
+                    <a:lnR w="12700" cap="flat" cmpd="sng" algn="ctr">
+                      <a:noFill/>
+                      <a:prstDash val="solid"/>
+                      <a:round/>
+                      <a:headEnd type="none" w="med" len="med"/>
+                      <a:tailEnd type="none" w="med" len="med"/>
+                    </a:lnR>
+                    <a:lnB w="12700" cap="flat" cmpd="sng" algn="ctr">
+                      <a:solidFill>
+                        <a:schemeClr val="tx1"/>
+                      </a:solidFill>
+                      <a:prstDash val="solid"/>
+                      <a:round/>
+                      <a:headEnd type="none" w="med" len="med"/>
+                      <a:tailEnd type="none" w="med" len="med"/>
+                    </a:lnB>
+                    <a:lnTlToBr w="12700" cmpd="sng">
+                      <a:noFill/>
+                      <a:prstDash val="solid"/>
+                    </a:lnTlToBr>
+                    <a:lnBlToTr w="12700" cmpd="sng">
+                      <a:noFill/>
+                      <a:prstDash val="solid"/>
+                    </a:lnBlToTr>
+                    <a:noFill/>
+                  </a:tcPr>
+                </a:tc>
+                <a:extLst>
+                  <a:ext uri="{0D108BD9-81ED-4DB2-BD59-A6C34878D82A}">
+                    <a16:rowId xmlns:a16="http://schemas.microsoft.com/office/drawing/2014/main" val="1988638133"/>
+                  </a:ext>
+                </a:extLst>
+              </a:tr>
+              <a:tr h="0">
+                <a:tc gridSpan="2">
+                  <a:txBody>
+                    <a:bodyPr/>
+                    <a:lstStyle/>
+                    <a:p>
+                      <a:pPr algn="l" latinLnBrk="1"/>
+                      <a:r>
+                        <a:rPr lang="en-US" altLang="ko-KR" sz="1400" b="0" dirty="0">
+                          <a:solidFill>
+                            <a:schemeClr val="tx1"/>
+                          </a:solidFill>
+                        </a:rPr>
+                        <a:t>1</a:t>
+                      </a:r>
+                      <a:r>
+                        <a:rPr lang="ko-KR" altLang="en-US" sz="1400" b="0" dirty="0">
+                          <a:solidFill>
+                            <a:schemeClr val="tx1"/>
+                          </a:solidFill>
+                        </a:rPr>
+                        <a:t>층 </a:t>
+                      </a:r>
+                      <a:r>
+                        <a:rPr lang="en-US" altLang="ko-KR" sz="1400" b="0" dirty="0">
+                          <a:solidFill>
+                            <a:schemeClr val="tx1"/>
+                          </a:solidFill>
+                        </a:rPr>
+                        <a:t>:</a:t>
+                      </a:r>
+                      <a:r>
+                        <a:rPr lang="ko-KR" altLang="en-US" sz="1400" b="0" dirty="0">
+                          <a:solidFill>
+                            <a:schemeClr val="tx1"/>
+                          </a:solidFill>
+                        </a:rPr>
+                        <a:t> 소비 아이템을 구매할 수 있는 음식점과</a:t>
+                      </a:r>
+                      <a:endParaRPr lang="en-US" altLang="ko-KR" sz="1400" b="0" dirty="0">
+                        <a:solidFill>
+                          <a:schemeClr val="tx1"/>
+                        </a:solidFill>
+                      </a:endParaRPr>
+                    </a:p>
+                    <a:p>
+                      <a:pPr algn="l" latinLnBrk="1"/>
+                      <a:r>
+                        <a:rPr lang="ko-KR" altLang="en-US" sz="1400" b="0" dirty="0">
+                          <a:solidFill>
+                            <a:schemeClr val="tx1"/>
+                          </a:solidFill>
+                        </a:rPr>
+                        <a:t>퀘스트를 수락 및 완료할 수 있는 임무 접수처가 있다</a:t>
+                      </a:r>
+                      <a:r>
+                        <a:rPr lang="en-US" altLang="ko-KR" sz="1400" b="0" dirty="0">
+                          <a:solidFill>
+                            <a:schemeClr val="tx1"/>
+                          </a:solidFill>
+                        </a:rPr>
+                        <a:t>.</a:t>
+                      </a:r>
+                      <a:endParaRPr lang="ko-KR" altLang="en-US" sz="1400" b="0" dirty="0">
+                        <a:solidFill>
+                          <a:schemeClr val="tx1"/>
+                        </a:solidFill>
+                      </a:endParaRPr>
+                    </a:p>
+                  </a:txBody>
+                  <a:tcPr anchor="ctr">
+                    <a:lnL w="12700" cap="flat" cmpd="sng" algn="ctr">
+                      <a:noFill/>
+                      <a:prstDash val="solid"/>
+                      <a:round/>
+                      <a:headEnd type="none" w="med" len="med"/>
+                      <a:tailEnd type="none" w="med" len="med"/>
+                    </a:lnL>
+                    <a:lnR w="12700" cap="flat" cmpd="sng" algn="ctr">
+                      <a:noFill/>
+                      <a:prstDash val="solid"/>
+                      <a:round/>
+                      <a:headEnd type="none" w="med" len="med"/>
+                      <a:tailEnd type="none" w="med" len="med"/>
+                    </a:lnR>
+                    <a:lnT w="12700" cap="flat" cmpd="sng" algn="ctr">
+                      <a:solidFill>
+                        <a:schemeClr val="tx1"/>
+                      </a:solidFill>
+                      <a:prstDash val="solid"/>
+                      <a:round/>
+                      <a:headEnd type="none" w="med" len="med"/>
+                      <a:tailEnd type="none" w="med" len="med"/>
+                    </a:lnT>
+                    <a:lnB w="12700" cap="flat" cmpd="sng" algn="ctr">
+                      <a:solidFill>
+                        <a:schemeClr val="tx1"/>
+                      </a:solidFill>
+                      <a:prstDash val="solid"/>
+                      <a:round/>
+                      <a:headEnd type="none" w="med" len="med"/>
+                      <a:tailEnd type="none" w="med" len="med"/>
+                    </a:lnB>
+                    <a:lnTlToBr w="12700" cmpd="sng">
+                      <a:noFill/>
+                      <a:prstDash val="solid"/>
+                    </a:lnTlToBr>
+                    <a:lnBlToTr w="12700" cmpd="sng">
+                      <a:noFill/>
+                      <a:prstDash val="solid"/>
+                    </a:lnBlToTr>
+                    <a:noFill/>
+                  </a:tcPr>
+                </a:tc>
+                <a:tc hMerge="1">
+                  <a:txBody>
+                    <a:bodyPr/>
+                    <a:lstStyle/>
+                    <a:p>
+                      <a:pPr latinLnBrk="1"/>
+                      <a:endParaRPr lang="ko-KR" altLang="en-US"/>
+                    </a:p>
+                  </a:txBody>
+                  <a:tcPr>
+                    <a:lnL w="12700" cmpd="sng">
+                      <a:noFill/>
+                    </a:lnL>
+                    <a:lnT w="12700" cap="flat" cmpd="sng" algn="ctr">
+                      <a:solidFill>
+                        <a:schemeClr val="tx1"/>
+                      </a:solidFill>
+                      <a:prstDash val="solid"/>
+                      <a:round/>
+                      <a:headEnd type="none" w="med" len="med"/>
+                      <a:tailEnd type="none" w="med" len="med"/>
+                    </a:lnT>
+                  </a:tcPr>
+                </a:tc>
+                <a:extLst>
+                  <a:ext uri="{0D108BD9-81ED-4DB2-BD59-A6C34878D82A}">
+                    <a16:rowId xmlns:a16="http://schemas.microsoft.com/office/drawing/2014/main" val="3082433625"/>
+                  </a:ext>
+                </a:extLst>
+              </a:tr>
+              <a:tr h="203200">
+                <a:tc gridSpan="2">
+                  <a:txBody>
+                    <a:bodyPr/>
+                    <a:lstStyle/>
+                    <a:p>
+                      <a:pPr algn="l" latinLnBrk="1"/>
+                      <a:r>
+                        <a:rPr lang="en-US" altLang="ko-KR" sz="1400" b="0" dirty="0">
+                          <a:solidFill>
+                            <a:schemeClr val="tx1"/>
+                          </a:solidFill>
+                        </a:rPr>
+                        <a:t>2</a:t>
+                      </a:r>
+                      <a:r>
+                        <a:rPr lang="ko-KR" altLang="en-US" sz="1400" b="0" dirty="0">
+                          <a:solidFill>
+                            <a:schemeClr val="tx1"/>
+                          </a:solidFill>
+                        </a:rPr>
+                        <a:t>층 </a:t>
+                      </a:r>
+                      <a:r>
+                        <a:rPr lang="en-US" altLang="ko-KR" sz="1400" b="0" dirty="0">
+                          <a:solidFill>
+                            <a:schemeClr val="tx1"/>
+                          </a:solidFill>
+                        </a:rPr>
+                        <a:t>: </a:t>
+                      </a:r>
+                      <a:r>
+                        <a:rPr lang="ko-KR" altLang="en-US" sz="1400" b="0" dirty="0">
+                          <a:solidFill>
+                            <a:schemeClr val="tx1"/>
+                          </a:solidFill>
+                        </a:rPr>
+                        <a:t>세계관에 관련된 정보 및 스킬을 얻을 수 있는 서고가 있다</a:t>
+                      </a:r>
+                      <a:r>
+                        <a:rPr lang="en-US" altLang="ko-KR" sz="1400" b="0" dirty="0">
+                          <a:solidFill>
+                            <a:schemeClr val="tx1"/>
+                          </a:solidFill>
+                        </a:rPr>
+                        <a:t>.</a:t>
+                      </a:r>
+                      <a:endParaRPr lang="ko-KR" altLang="en-US" sz="1400" b="0" dirty="0">
+                        <a:solidFill>
+                          <a:schemeClr val="tx1"/>
+                        </a:solidFill>
+                      </a:endParaRPr>
+                    </a:p>
+                  </a:txBody>
+                  <a:tcPr anchor="ctr">
+                    <a:lnL w="12700" cap="flat" cmpd="sng" algn="ctr">
+                      <a:noFill/>
+                      <a:prstDash val="solid"/>
+                      <a:round/>
+                      <a:headEnd type="none" w="med" len="med"/>
+                      <a:tailEnd type="none" w="med" len="med"/>
+                    </a:lnL>
+                    <a:lnR w="12700" cap="flat" cmpd="sng" algn="ctr">
+                      <a:noFill/>
+                      <a:prstDash val="solid"/>
+                      <a:round/>
+                      <a:headEnd type="none" w="med" len="med"/>
+                      <a:tailEnd type="none" w="med" len="med"/>
+                    </a:lnR>
+                    <a:lnT w="12700" cap="flat" cmpd="sng" algn="ctr">
+                      <a:solidFill>
+                        <a:schemeClr val="tx1"/>
+                      </a:solidFill>
+                      <a:prstDash val="solid"/>
+                      <a:round/>
+                      <a:headEnd type="none" w="med" len="med"/>
+                      <a:tailEnd type="none" w="med" len="med"/>
+                    </a:lnT>
+                    <a:lnB w="12700" cap="flat" cmpd="sng" algn="ctr">
+                      <a:solidFill>
+                        <a:schemeClr val="tx1"/>
+                      </a:solidFill>
+                      <a:prstDash val="solid"/>
+                      <a:round/>
+                      <a:headEnd type="none" w="med" len="med"/>
+                      <a:tailEnd type="none" w="med" len="med"/>
+                    </a:lnB>
+                    <a:lnTlToBr w="12700" cmpd="sng">
+                      <a:noFill/>
+                      <a:prstDash val="solid"/>
+                    </a:lnTlToBr>
+                    <a:lnBlToTr w="12700" cmpd="sng">
+                      <a:noFill/>
+                      <a:prstDash val="solid"/>
+                    </a:lnBlToTr>
+                    <a:noFill/>
+                  </a:tcPr>
+                </a:tc>
+                <a:tc hMerge="1">
+                  <a:txBody>
+                    <a:bodyPr/>
+                    <a:lstStyle/>
+                    <a:p>
+                      <a:pPr latinLnBrk="1"/>
+                      <a:endParaRPr lang="ko-KR" altLang="en-US"/>
+                    </a:p>
+                  </a:txBody>
+                  <a:tcPr>
+                    <a:lnL w="12700" cmpd="sng">
+                      <a:noFill/>
+                    </a:lnL>
+                  </a:tcPr>
+                </a:tc>
+                <a:extLst>
+                  <a:ext uri="{0D108BD9-81ED-4DB2-BD59-A6C34878D82A}">
+                    <a16:rowId xmlns:a16="http://schemas.microsoft.com/office/drawing/2014/main" val="3021473739"/>
+                  </a:ext>
+                </a:extLst>
+              </a:tr>
+              <a:tr h="0">
+                <a:tc gridSpan="2">
+                  <a:txBody>
+                    <a:bodyPr/>
+                    <a:lstStyle/>
+                    <a:p>
+                      <a:pPr algn="l" latinLnBrk="1"/>
+                      <a:r>
+                        <a:rPr lang="en-US" altLang="ko-KR" sz="1400" b="0" dirty="0">
+                          <a:solidFill>
+                            <a:schemeClr val="tx1"/>
+                          </a:solidFill>
+                        </a:rPr>
+                        <a:t>3</a:t>
+                      </a:r>
+                      <a:r>
+                        <a:rPr lang="ko-KR" altLang="en-US" sz="1400" b="0" dirty="0">
+                          <a:solidFill>
+                            <a:schemeClr val="tx1"/>
+                          </a:solidFill>
+                        </a:rPr>
+                        <a:t>층 </a:t>
+                      </a:r>
+                      <a:r>
+                        <a:rPr lang="en-US" altLang="ko-KR" sz="1400" b="0" dirty="0">
+                          <a:solidFill>
+                            <a:schemeClr val="tx1"/>
+                          </a:solidFill>
+                        </a:rPr>
+                        <a:t>: </a:t>
+                      </a:r>
+                      <a:r>
+                        <a:rPr lang="ko-KR" altLang="en-US" sz="1400" b="0" dirty="0">
+                          <a:solidFill>
+                            <a:schemeClr val="tx1"/>
+                          </a:solidFill>
+                        </a:rPr>
+                        <a:t>토벌단장실과 응대실이 있다</a:t>
+                      </a:r>
+                      <a:r>
+                        <a:rPr lang="en-US" altLang="ko-KR" sz="1400" b="0" dirty="0">
+                          <a:solidFill>
+                            <a:schemeClr val="tx1"/>
+                          </a:solidFill>
+                        </a:rPr>
+                        <a:t>.</a:t>
+                      </a:r>
+                      <a:endParaRPr lang="ko-KR" altLang="en-US" sz="1400" b="0" dirty="0">
+                        <a:solidFill>
+                          <a:schemeClr val="tx1"/>
+                        </a:solidFill>
+                      </a:endParaRPr>
+                    </a:p>
+                  </a:txBody>
+                  <a:tcPr anchor="ctr">
+                    <a:lnL w="12700" cap="flat" cmpd="sng" algn="ctr">
+                      <a:noFill/>
+                      <a:prstDash val="solid"/>
+                      <a:round/>
+                      <a:headEnd type="none" w="med" len="med"/>
+                      <a:tailEnd type="none" w="med" len="med"/>
+                    </a:lnL>
+                    <a:lnR w="12700" cap="flat" cmpd="sng" algn="ctr">
+                      <a:noFill/>
+                      <a:prstDash val="solid"/>
+                      <a:round/>
+                      <a:headEnd type="none" w="med" len="med"/>
+                      <a:tailEnd type="none" w="med" len="med"/>
+                    </a:lnR>
+                    <a:lnT w="12700" cap="flat" cmpd="sng" algn="ctr">
+                      <a:solidFill>
+                        <a:schemeClr val="tx1"/>
+                      </a:solidFill>
+                      <a:prstDash val="solid"/>
+                      <a:round/>
+                      <a:headEnd type="none" w="med" len="med"/>
+                      <a:tailEnd type="none" w="med" len="med"/>
+                    </a:lnT>
+                    <a:lnB w="12700" cap="flat" cmpd="sng" algn="ctr">
+                      <a:noFill/>
+                      <a:prstDash val="solid"/>
+                      <a:round/>
+                      <a:headEnd type="none" w="med" len="med"/>
+                      <a:tailEnd type="none" w="med" len="med"/>
+                    </a:lnB>
+                    <a:lnTlToBr w="12700" cmpd="sng">
+                      <a:noFill/>
+                      <a:prstDash val="solid"/>
+                    </a:lnTlToBr>
+                    <a:lnBlToTr w="12700" cmpd="sng">
+                      <a:noFill/>
+                      <a:prstDash val="solid"/>
+                    </a:lnBlToTr>
+                    <a:noFill/>
+                  </a:tcPr>
+                </a:tc>
+                <a:tc hMerge="1">
+                  <a:txBody>
+                    <a:bodyPr/>
+                    <a:lstStyle/>
+                    <a:p>
+                      <a:pPr latinLnBrk="1"/>
+                      <a:endParaRPr lang="ko-KR" altLang="en-US" dirty="0"/>
+                    </a:p>
+                  </a:txBody>
+                  <a:tcPr>
+                    <a:lnL w="12700" cmpd="sng">
+                      <a:noFill/>
+                    </a:lnL>
+                  </a:tcPr>
+                </a:tc>
+                <a:extLst>
+                  <a:ext uri="{0D108BD9-81ED-4DB2-BD59-A6C34878D82A}">
+                    <a16:rowId xmlns:a16="http://schemas.microsoft.com/office/drawing/2014/main" val="1493601321"/>
+                  </a:ext>
+                </a:extLst>
+              </a:tr>
+              <a:tr h="0">
+                <a:tc gridSpan="2">
+                  <a:txBody>
+                    <a:bodyPr/>
+                    <a:lstStyle/>
+                    <a:p>
+                      <a:pPr algn="l" latinLnBrk="1"/>
+                      <a:endParaRPr lang="ko-KR" altLang="en-US" sz="1400" b="0" dirty="0">
+                        <a:solidFill>
+                          <a:schemeClr val="tx1"/>
+                        </a:solidFill>
+                      </a:endParaRPr>
+                    </a:p>
+                  </a:txBody>
+                  <a:tcPr anchor="ctr">
+                    <a:lnL w="12700" cap="flat" cmpd="sng" algn="ctr">
+                      <a:noFill/>
+                      <a:prstDash val="solid"/>
+                      <a:round/>
+                      <a:headEnd type="none" w="med" len="med"/>
+                      <a:tailEnd type="none" w="med" len="med"/>
+                    </a:lnL>
+                    <a:lnR w="12700" cap="flat" cmpd="sng" algn="ctr">
+                      <a:noFill/>
+                      <a:prstDash val="solid"/>
+                      <a:round/>
+                      <a:headEnd type="none" w="med" len="med"/>
+                      <a:tailEnd type="none" w="med" len="med"/>
+                    </a:lnR>
+                    <a:lnT w="12700" cap="flat" cmpd="sng" algn="ctr">
+                      <a:noFill/>
+                      <a:prstDash val="solid"/>
+                      <a:round/>
+                      <a:headEnd type="none" w="med" len="med"/>
+                      <a:tailEnd type="none" w="med" len="med"/>
+                    </a:lnT>
+                    <a:lnB w="12700" cap="flat" cmpd="sng" algn="ctr">
+                      <a:noFill/>
+                      <a:prstDash val="solid"/>
+                      <a:round/>
+                      <a:headEnd type="none" w="med" len="med"/>
+                      <a:tailEnd type="none" w="med" len="med"/>
+                    </a:lnB>
+                    <a:lnTlToBr w="12700" cmpd="sng">
+                      <a:noFill/>
+                      <a:prstDash val="solid"/>
+                    </a:lnTlToBr>
+                    <a:lnBlToTr w="12700" cmpd="sng">
+                      <a:noFill/>
+                      <a:prstDash val="solid"/>
+                    </a:lnBlToTr>
+                    <a:noFill/>
+                  </a:tcPr>
+                </a:tc>
+                <a:tc hMerge="1">
+                  <a:txBody>
+                    <a:bodyPr/>
+                    <a:lstStyle/>
+                    <a:p>
+                      <a:pPr latinLnBrk="1"/>
+                      <a:endParaRPr lang="ko-KR" altLang="en-US"/>
+                    </a:p>
+                  </a:txBody>
+                  <a:tcPr>
+                    <a:lnL w="12700" cmpd="sng">
+                      <a:noFill/>
+                    </a:lnL>
+                  </a:tcPr>
+                </a:tc>
+                <a:extLst>
+                  <a:ext uri="{0D108BD9-81ED-4DB2-BD59-A6C34878D82A}">
+                    <a16:rowId xmlns:a16="http://schemas.microsoft.com/office/drawing/2014/main" val="408024245"/>
+                  </a:ext>
+                </a:extLst>
+              </a:tr>
+              <a:tr h="152400">
+                <a:tc>
+                  <a:txBody>
+                    <a:bodyPr/>
+                    <a:lstStyle/>
+                    <a:p>
+                      <a:pPr algn="ctr" latinLnBrk="1"/>
+                      <a:r>
+                        <a:rPr lang="en-US" altLang="ko-KR" sz="1400" b="0" dirty="0">
+                          <a:solidFill>
+                            <a:schemeClr val="tx1"/>
+                          </a:solidFill>
+                        </a:rPr>
+                        <a:t>4</a:t>
+                      </a:r>
+                      <a:endParaRPr lang="ko-KR" altLang="en-US" sz="1400" b="0" dirty="0">
+                        <a:solidFill>
+                          <a:schemeClr val="tx1"/>
+                        </a:solidFill>
+                      </a:endParaRPr>
+                    </a:p>
+                  </a:txBody>
+                  <a:tcPr anchor="ctr">
+                    <a:lnL w="12700" cap="flat" cmpd="sng" algn="ctr">
+                      <a:noFill/>
+                      <a:prstDash val="solid"/>
+                      <a:round/>
+                      <a:headEnd type="none" w="med" len="med"/>
+                      <a:tailEnd type="none" w="med" len="med"/>
+                    </a:lnL>
+                    <a:lnR w="12700" cap="flat" cmpd="sng" algn="ctr">
+                      <a:solidFill>
+                        <a:schemeClr val="tx1"/>
+                      </a:solidFill>
+                      <a:prstDash val="solid"/>
+                      <a:round/>
+                      <a:headEnd type="none" w="med" len="med"/>
+                      <a:tailEnd type="none" w="med" len="med"/>
+                    </a:lnR>
+                    <a:lnT w="12700" cap="flat" cmpd="sng" algn="ctr">
+                      <a:noFill/>
+                      <a:prstDash val="solid"/>
+                      <a:round/>
+                      <a:headEnd type="none" w="med" len="med"/>
+                      <a:tailEnd type="none" w="med" len="med"/>
+                    </a:lnT>
+                    <a:lnB w="12700" cap="flat" cmpd="sng" algn="ctr">
+                      <a:solidFill>
+                        <a:schemeClr val="tx1"/>
+                      </a:solidFill>
+                      <a:prstDash val="solid"/>
+                      <a:round/>
+                      <a:headEnd type="none" w="med" len="med"/>
+                      <a:tailEnd type="none" w="med" len="med"/>
+                    </a:lnB>
+                    <a:lnTlToBr w="12700" cmpd="sng">
+                      <a:noFill/>
+                      <a:prstDash val="solid"/>
+                    </a:lnTlToBr>
+                    <a:lnBlToTr w="12700" cmpd="sng">
+                      <a:noFill/>
+                      <a:prstDash val="solid"/>
+                    </a:lnBlToTr>
+                    <a:noFill/>
+                  </a:tcPr>
+                </a:tc>
+                <a:tc>
+                  <a:txBody>
+                    <a:bodyPr/>
+                    <a:lstStyle/>
+                    <a:p>
+                      <a:pPr algn="l" latinLnBrk="1"/>
+                      <a:r>
+                        <a:rPr lang="ko-KR" altLang="en-US" sz="1400" b="0" dirty="0">
+                          <a:solidFill>
+                            <a:schemeClr val="tx1"/>
+                          </a:solidFill>
+                        </a:rPr>
+                        <a:t>대장간 </a:t>
+                      </a:r>
+                      <a:r>
+                        <a:rPr lang="en-US" altLang="ko-KR" sz="1400" b="0" dirty="0">
+                          <a:solidFill>
+                            <a:schemeClr val="tx1"/>
+                          </a:solidFill>
+                        </a:rPr>
+                        <a:t>&amp; </a:t>
+                      </a:r>
+                      <a:r>
+                        <a:rPr lang="ko-KR" altLang="en-US" sz="1400" b="0" dirty="0">
+                          <a:solidFill>
+                            <a:schemeClr val="tx1"/>
+                          </a:solidFill>
+                        </a:rPr>
+                        <a:t>창고</a:t>
+                      </a:r>
+                    </a:p>
+                  </a:txBody>
+                  <a:tcPr anchor="ctr">
+                    <a:lnL w="12700" cap="flat" cmpd="sng" algn="ctr">
+                      <a:solidFill>
+                        <a:schemeClr val="tx1"/>
+                      </a:solidFill>
+                      <a:prstDash val="solid"/>
+                      <a:round/>
+                      <a:headEnd type="none" w="med" len="med"/>
+                      <a:tailEnd type="none" w="med" len="med"/>
+                    </a:lnL>
+                    <a:lnR w="12700" cap="flat" cmpd="sng" algn="ctr">
+                      <a:noFill/>
+                      <a:prstDash val="solid"/>
+                      <a:round/>
+                      <a:headEnd type="none" w="med" len="med"/>
+                      <a:tailEnd type="none" w="med" len="med"/>
+                    </a:lnR>
+                    <a:lnB w="12700" cap="flat" cmpd="sng" algn="ctr">
+                      <a:solidFill>
+                        <a:schemeClr val="tx1"/>
+                      </a:solidFill>
+                      <a:prstDash val="solid"/>
+                      <a:round/>
+                      <a:headEnd type="none" w="med" len="med"/>
+                      <a:tailEnd type="none" w="med" len="med"/>
+                    </a:lnB>
+                    <a:lnTlToBr w="12700" cmpd="sng">
+                      <a:noFill/>
+                      <a:prstDash val="solid"/>
+                    </a:lnTlToBr>
+                    <a:lnBlToTr w="12700" cmpd="sng">
+                      <a:noFill/>
+                      <a:prstDash val="solid"/>
+                    </a:lnBlToTr>
+                    <a:noFill/>
+                  </a:tcPr>
+                </a:tc>
+                <a:extLst>
+                  <a:ext uri="{0D108BD9-81ED-4DB2-BD59-A6C34878D82A}">
+                    <a16:rowId xmlns:a16="http://schemas.microsoft.com/office/drawing/2014/main" val="70915453"/>
+                  </a:ext>
+                </a:extLst>
+              </a:tr>
+              <a:tr h="152400">
+                <a:tc gridSpan="2">
+                  <a:txBody>
+                    <a:bodyPr/>
+                    <a:lstStyle/>
+                    <a:p>
+                      <a:pPr algn="l" latinLnBrk="1"/>
+                      <a:r>
+                        <a:rPr lang="en-US" altLang="ko-KR" sz="1400" b="0" dirty="0">
+                          <a:solidFill>
+                            <a:schemeClr val="tx1"/>
+                          </a:solidFill>
+                        </a:rPr>
+                        <a:t>1</a:t>
+                      </a:r>
+                      <a:r>
+                        <a:rPr lang="ko-KR" altLang="en-US" sz="1400" b="0" dirty="0">
+                          <a:solidFill>
+                            <a:schemeClr val="tx1"/>
+                          </a:solidFill>
+                        </a:rPr>
+                        <a:t>층</a:t>
+                      </a:r>
+                      <a:r>
+                        <a:rPr lang="en-US" altLang="ko-KR" sz="1400" b="0" dirty="0">
+                          <a:solidFill>
+                            <a:schemeClr val="tx1"/>
+                          </a:solidFill>
+                        </a:rPr>
+                        <a:t> : </a:t>
+                      </a:r>
+                      <a:r>
+                        <a:rPr lang="ko-KR" altLang="en-US" sz="1400" b="0" dirty="0">
+                          <a:solidFill>
+                            <a:schemeClr val="tx1"/>
+                          </a:solidFill>
+                        </a:rPr>
+                        <a:t>장비 아이템을 수리</a:t>
+                      </a:r>
+                      <a:r>
+                        <a:rPr lang="en-US" altLang="ko-KR" sz="1400" b="0" dirty="0">
+                          <a:solidFill>
+                            <a:schemeClr val="tx1"/>
+                          </a:solidFill>
+                        </a:rPr>
+                        <a:t>, </a:t>
+                      </a:r>
+                      <a:r>
+                        <a:rPr lang="ko-KR" altLang="en-US" sz="1400" b="0" dirty="0">
+                          <a:solidFill>
+                            <a:schemeClr val="tx1"/>
+                          </a:solidFill>
+                        </a:rPr>
+                        <a:t>제작할 수 있는 대장간이 있다</a:t>
+                      </a:r>
+                      <a:r>
+                        <a:rPr lang="en-US" altLang="ko-KR" sz="1400" b="0" dirty="0">
+                          <a:solidFill>
+                            <a:schemeClr val="tx1"/>
+                          </a:solidFill>
+                        </a:rPr>
+                        <a:t>.</a:t>
+                      </a:r>
+                      <a:endParaRPr lang="ko-KR" altLang="en-US" sz="1400" b="0" dirty="0">
+                        <a:solidFill>
+                          <a:schemeClr val="tx1"/>
+                        </a:solidFill>
+                      </a:endParaRPr>
+                    </a:p>
+                  </a:txBody>
+                  <a:tcPr anchor="ctr">
+                    <a:lnL w="12700" cap="flat" cmpd="sng" algn="ctr">
+                      <a:noFill/>
+                      <a:prstDash val="solid"/>
+                      <a:round/>
+                      <a:headEnd type="none" w="med" len="med"/>
+                      <a:tailEnd type="none" w="med" len="med"/>
+                    </a:lnL>
+                    <a:lnR w="12700" cap="flat" cmpd="sng" algn="ctr">
+                      <a:noFill/>
+                      <a:prstDash val="solid"/>
+                      <a:round/>
+                      <a:headEnd type="none" w="med" len="med"/>
+                      <a:tailEnd type="none" w="med" len="med"/>
+                    </a:lnR>
+                    <a:lnT w="12700" cap="flat" cmpd="sng" algn="ctr">
+                      <a:solidFill>
+                        <a:schemeClr val="tx1"/>
+                      </a:solidFill>
+                      <a:prstDash val="solid"/>
+                      <a:round/>
+                      <a:headEnd type="none" w="med" len="med"/>
+                      <a:tailEnd type="none" w="med" len="med"/>
+                    </a:lnT>
+                    <a:lnB w="12700" cap="flat" cmpd="sng" algn="ctr">
+                      <a:solidFill>
+                        <a:schemeClr val="tx1"/>
+                      </a:solidFill>
+                      <a:prstDash val="solid"/>
+                      <a:round/>
+                      <a:headEnd type="none" w="med" len="med"/>
+                      <a:tailEnd type="none" w="med" len="med"/>
+                    </a:lnB>
+                    <a:lnTlToBr w="12700" cmpd="sng">
+                      <a:noFill/>
+                      <a:prstDash val="solid"/>
+                    </a:lnTlToBr>
+                    <a:lnBlToTr w="12700" cmpd="sng">
+                      <a:noFill/>
+                      <a:prstDash val="solid"/>
+                    </a:lnBlToTr>
+                    <a:noFill/>
+                  </a:tcPr>
+                </a:tc>
+                <a:tc hMerge="1">
+                  <a:txBody>
+                    <a:bodyPr/>
+                    <a:lstStyle/>
+                    <a:p>
+                      <a:pPr latinLnBrk="1"/>
+                      <a:endParaRPr lang="ko-KR" altLang="en-US"/>
+                    </a:p>
+                  </a:txBody>
+                  <a:tcPr>
+                    <a:lnL w="12700" cmpd="sng">
+                      <a:noFill/>
+                    </a:lnL>
+                    <a:lnT w="12700" cap="flat" cmpd="sng" algn="ctr">
+                      <a:solidFill>
+                        <a:schemeClr val="tx1"/>
+                      </a:solidFill>
+                      <a:prstDash val="solid"/>
+                      <a:round/>
+                      <a:headEnd type="none" w="med" len="med"/>
+                      <a:tailEnd type="none" w="med" len="med"/>
+                    </a:lnT>
+                  </a:tcPr>
+                </a:tc>
+                <a:extLst>
+                  <a:ext uri="{0D108BD9-81ED-4DB2-BD59-A6C34878D82A}">
+                    <a16:rowId xmlns:a16="http://schemas.microsoft.com/office/drawing/2014/main" val="3441721812"/>
+                  </a:ext>
+                </a:extLst>
+              </a:tr>
+              <a:tr h="152400">
+                <a:tc gridSpan="2">
+                  <a:txBody>
+                    <a:bodyPr/>
+                    <a:lstStyle/>
+                    <a:p>
+                      <a:pPr algn="l" latinLnBrk="1"/>
+                      <a:r>
+                        <a:rPr lang="en-US" altLang="ko-KR" sz="1400" b="0" dirty="0">
+                          <a:solidFill>
+                            <a:schemeClr val="tx1"/>
+                          </a:solidFill>
+                        </a:rPr>
+                        <a:t>2</a:t>
+                      </a:r>
+                      <a:r>
+                        <a:rPr lang="ko-KR" altLang="en-US" sz="1400" b="0" dirty="0">
+                          <a:solidFill>
+                            <a:schemeClr val="tx1"/>
+                          </a:solidFill>
+                        </a:rPr>
+                        <a:t>층 </a:t>
+                      </a:r>
+                      <a:r>
+                        <a:rPr lang="en-US" altLang="ko-KR" sz="1400" b="0" dirty="0">
+                          <a:solidFill>
+                            <a:schemeClr val="tx1"/>
+                          </a:solidFill>
+                        </a:rPr>
+                        <a:t>: </a:t>
+                      </a:r>
+                      <a:r>
+                        <a:rPr lang="ko-KR" altLang="en-US" sz="1400" b="0" dirty="0">
+                          <a:solidFill>
+                            <a:schemeClr val="tx1"/>
+                          </a:solidFill>
+                        </a:rPr>
+                        <a:t>아이템을 보관</a:t>
+                      </a:r>
+                      <a:r>
+                        <a:rPr lang="en-US" altLang="ko-KR" sz="1400" b="0" dirty="0">
+                          <a:solidFill>
+                            <a:schemeClr val="tx1"/>
+                          </a:solidFill>
+                        </a:rPr>
+                        <a:t>, </a:t>
+                      </a:r>
+                      <a:r>
+                        <a:rPr lang="ko-KR" altLang="en-US" sz="1400" b="0" dirty="0">
+                          <a:solidFill>
+                            <a:schemeClr val="tx1"/>
+                          </a:solidFill>
+                        </a:rPr>
+                        <a:t>구매</a:t>
+                      </a:r>
+                      <a:r>
+                        <a:rPr lang="en-US" altLang="ko-KR" sz="1400" b="0" dirty="0">
+                          <a:solidFill>
+                            <a:schemeClr val="tx1"/>
+                          </a:solidFill>
+                        </a:rPr>
+                        <a:t>, </a:t>
+                      </a:r>
+                      <a:r>
+                        <a:rPr lang="ko-KR" altLang="en-US" sz="1400" b="0" dirty="0">
+                          <a:solidFill>
+                            <a:schemeClr val="tx1"/>
+                          </a:solidFill>
+                        </a:rPr>
+                        <a:t>대여할 수 있는 창고가 있다</a:t>
+                      </a:r>
+                      <a:r>
+                        <a:rPr lang="en-US" altLang="ko-KR" sz="1400" b="0" dirty="0">
+                          <a:solidFill>
+                            <a:schemeClr val="tx1"/>
+                          </a:solidFill>
+                        </a:rPr>
+                        <a:t>.</a:t>
+                      </a:r>
+                      <a:endParaRPr lang="ko-KR" altLang="en-US" sz="1400" b="0" dirty="0">
+                        <a:solidFill>
+                          <a:schemeClr val="tx1"/>
+                        </a:solidFill>
+                      </a:endParaRPr>
+                    </a:p>
+                  </a:txBody>
+                  <a:tcPr anchor="ctr">
+                    <a:lnL w="12700" cap="flat" cmpd="sng" algn="ctr">
+                      <a:noFill/>
+                      <a:prstDash val="solid"/>
+                      <a:round/>
+                      <a:headEnd type="none" w="med" len="med"/>
+                      <a:tailEnd type="none" w="med" len="med"/>
+                    </a:lnL>
+                    <a:lnR w="12700" cap="flat" cmpd="sng" algn="ctr">
+                      <a:noFill/>
+                      <a:prstDash val="solid"/>
+                      <a:round/>
+                      <a:headEnd type="none" w="med" len="med"/>
+                      <a:tailEnd type="none" w="med" len="med"/>
+                    </a:lnR>
+                    <a:lnT w="12700" cap="flat" cmpd="sng" algn="ctr">
+                      <a:solidFill>
+                        <a:schemeClr val="tx1"/>
+                      </a:solidFill>
+                      <a:prstDash val="solid"/>
+                      <a:round/>
+                      <a:headEnd type="none" w="med" len="med"/>
+                      <a:tailEnd type="none" w="med" len="med"/>
+                    </a:lnT>
+                    <a:lnB w="12700" cap="flat" cmpd="sng" algn="ctr">
+                      <a:noFill/>
+                      <a:prstDash val="solid"/>
+                      <a:round/>
+                      <a:headEnd type="none" w="med" len="med"/>
+                      <a:tailEnd type="none" w="med" len="med"/>
+                    </a:lnB>
+                    <a:lnTlToBr w="12700" cmpd="sng">
+                      <a:noFill/>
+                      <a:prstDash val="solid"/>
+                    </a:lnTlToBr>
+                    <a:lnBlToTr w="12700" cmpd="sng">
+                      <a:noFill/>
+                      <a:prstDash val="solid"/>
+                    </a:lnBlToTr>
+                    <a:noFill/>
+                  </a:tcPr>
+                </a:tc>
+                <a:tc hMerge="1">
+                  <a:txBody>
+                    <a:bodyPr/>
+                    <a:lstStyle/>
+                    <a:p>
+                      <a:pPr latinLnBrk="1"/>
+                      <a:endParaRPr lang="ko-KR" altLang="en-US"/>
+                    </a:p>
+                  </a:txBody>
+                  <a:tcPr>
+                    <a:lnL w="12700" cmpd="sng">
+                      <a:noFill/>
+                    </a:lnL>
+                  </a:tcPr>
+                </a:tc>
+                <a:extLst>
+                  <a:ext uri="{0D108BD9-81ED-4DB2-BD59-A6C34878D82A}">
+                    <a16:rowId xmlns:a16="http://schemas.microsoft.com/office/drawing/2014/main" val="2516092067"/>
+                  </a:ext>
+                </a:extLst>
+              </a:tr>
+              <a:tr h="152400">
+                <a:tc gridSpan="2">
+                  <a:txBody>
+                    <a:bodyPr/>
+                    <a:lstStyle/>
+                    <a:p>
+                      <a:pPr algn="l" latinLnBrk="1"/>
+                      <a:endParaRPr lang="ko-KR" altLang="en-US" sz="1400" b="0" dirty="0">
+                        <a:solidFill>
+                          <a:schemeClr val="tx1"/>
+                        </a:solidFill>
+                      </a:endParaRPr>
+                    </a:p>
+                  </a:txBody>
+                  <a:tcPr anchor="ctr">
+                    <a:lnL w="12700" cap="flat" cmpd="sng" algn="ctr">
+                      <a:noFill/>
+                      <a:prstDash val="solid"/>
+                      <a:round/>
+                      <a:headEnd type="none" w="med" len="med"/>
+                      <a:tailEnd type="none" w="med" len="med"/>
+                    </a:lnL>
+                    <a:lnR w="12700" cap="flat" cmpd="sng" algn="ctr">
+                      <a:noFill/>
+                      <a:prstDash val="solid"/>
+                      <a:round/>
+                      <a:headEnd type="none" w="med" len="med"/>
+                      <a:tailEnd type="none" w="med" len="med"/>
+                    </a:lnR>
+                    <a:lnT w="12700" cap="flat" cmpd="sng" algn="ctr">
+                      <a:noFill/>
+                      <a:prstDash val="solid"/>
+                      <a:round/>
+                      <a:headEnd type="none" w="med" len="med"/>
+                      <a:tailEnd type="none" w="med" len="med"/>
+                    </a:lnT>
+                    <a:lnB w="12700" cap="flat" cmpd="sng" algn="ctr">
+                      <a:noFill/>
+                      <a:prstDash val="solid"/>
+                      <a:round/>
+                      <a:headEnd type="none" w="med" len="med"/>
+                      <a:tailEnd type="none" w="med" len="med"/>
+                    </a:lnB>
+                    <a:lnTlToBr w="12700" cmpd="sng">
+                      <a:noFill/>
+                      <a:prstDash val="solid"/>
+                    </a:lnTlToBr>
+                    <a:lnBlToTr w="12700" cmpd="sng">
+                      <a:noFill/>
+                      <a:prstDash val="solid"/>
+                    </a:lnBlToTr>
+                    <a:noFill/>
+                  </a:tcPr>
+                </a:tc>
+                <a:tc hMerge="1">
+                  <a:txBody>
+                    <a:bodyPr/>
+                    <a:lstStyle/>
+                    <a:p>
+                      <a:pPr latinLnBrk="1"/>
+                      <a:endParaRPr lang="ko-KR" altLang="en-US"/>
+                    </a:p>
+                  </a:txBody>
+                  <a:tcPr>
+                    <a:lnL w="12700" cmpd="sng">
+                      <a:noFill/>
+                    </a:lnL>
+                  </a:tcPr>
+                </a:tc>
+                <a:extLst>
+                  <a:ext uri="{0D108BD9-81ED-4DB2-BD59-A6C34878D82A}">
+                    <a16:rowId xmlns:a16="http://schemas.microsoft.com/office/drawing/2014/main" val="566069107"/>
+                  </a:ext>
+                </a:extLst>
+              </a:tr>
+              <a:tr h="152400">
+                <a:tc>
+                  <a:txBody>
+                    <a:bodyPr/>
+                    <a:lstStyle/>
+                    <a:p>
+                      <a:pPr algn="ctr" latinLnBrk="1"/>
+                      <a:r>
+                        <a:rPr lang="en-US" altLang="ko-KR" sz="1400" b="0" dirty="0">
+                          <a:solidFill>
+                            <a:schemeClr val="tx1"/>
+                          </a:solidFill>
+                        </a:rPr>
+                        <a:t>5</a:t>
+                      </a:r>
+                      <a:endParaRPr lang="ko-KR" altLang="en-US" sz="1400" b="0" dirty="0">
+                        <a:solidFill>
+                          <a:schemeClr val="tx1"/>
+                        </a:solidFill>
+                      </a:endParaRPr>
+                    </a:p>
+                  </a:txBody>
+                  <a:tcPr anchor="ctr">
                     <a:lnL w="12700" cap="flat" cmpd="sng" algn="ctr">
                       <a:noFill/>
                       <a:prstDash val="solid"/>
@@ -7946,16 +9715,16 @@
                     <a:p>
                       <a:pPr latinLnBrk="1"/>
                       <a:r>
-                        <a:rPr lang="ko-KR" altLang="en-US" b="0" dirty="0">
-                          <a:solidFill>
-                            <a:schemeClr val="tx1"/>
-                          </a:solidFill>
-                        </a:rPr>
-                        <a:t>대련장으로 가는 길</a:t>
+                        <a:rPr lang="ko-KR" altLang="en-US" sz="1400" dirty="0" err="1"/>
+                        <a:t>토벌단</a:t>
+                      </a:r>
+                      <a:r>
+                        <a:rPr lang="ko-KR" altLang="en-US" sz="1400" dirty="0"/>
+                        <a:t> 출입구</a:t>
                       </a:r>
                     </a:p>
                   </a:txBody>
-                  <a:tcPr>
+                  <a:tcPr anchor="ctr">
                     <a:lnL w="12700" cap="flat" cmpd="sng" algn="ctr">
                       <a:solidFill>
                         <a:schemeClr val="tx1"/>
@@ -7972,13 +9741,6 @@
                       <a:headEnd type="none" w="med" len="med"/>
                       <a:tailEnd type="none" w="med" len="med"/>
                     </a:lnR>
-                    <a:lnT w="12700" cap="flat" cmpd="sng" algn="ctr">
-                      <a:noFill/>
-                      <a:prstDash val="solid"/>
-                      <a:round/>
-                      <a:headEnd type="none" w="med" len="med"/>
-                      <a:tailEnd type="none" w="med" len="med"/>
-                    </a:lnT>
                     <a:lnB w="12700" cap="flat" cmpd="sng" algn="ctr">
                       <a:solidFill>
                         <a:schemeClr val="tx1"/>
@@ -8001,33 +9763,28 @@
                 </a:tc>
                 <a:extLst>
                   <a:ext uri="{0D108BD9-81ED-4DB2-BD59-A6C34878D82A}">
-                    <a16:rowId xmlns:a16="http://schemas.microsoft.com/office/drawing/2014/main" val="3162711127"/>
+                    <a16:rowId xmlns:a16="http://schemas.microsoft.com/office/drawing/2014/main" val="2338184810"/>
                   </a:ext>
                 </a:extLst>
               </a:tr>
-              <a:tr h="0">
-                <a:tc>
+              <a:tr h="152400">
+                <a:tc gridSpan="2">
                   <a:txBody>
                     <a:bodyPr/>
                     <a:lstStyle/>
                     <a:p>
-                      <a:pPr algn="ctr" latinLnBrk="1"/>
-                      <a:r>
-                        <a:rPr lang="en-US" altLang="ko-KR" b="0" dirty="0">
+                      <a:pPr algn="l" latinLnBrk="1"/>
+                      <a:r>
+                        <a:rPr lang="ko-KR" altLang="en-US" sz="1400" b="0" dirty="0">
                           <a:solidFill>
                             <a:schemeClr val="tx1"/>
                           </a:solidFill>
                         </a:rPr>
-                        <a:t>2</a:t>
-                      </a:r>
-                      <a:endParaRPr lang="ko-KR" altLang="en-US" b="0" dirty="0">
-                        <a:solidFill>
-                          <a:schemeClr val="tx1"/>
-                        </a:solidFill>
-                      </a:endParaRPr>
+                        <a:t>토벌단에 출입할 수 있는 길</a:t>
+                      </a:r>
                     </a:p>
                   </a:txBody>
-                  <a:tcPr>
+                  <a:tcPr anchor="ctr">
                     <a:lnL w="12700" cap="flat" cmpd="sng" algn="ctr">
                       <a:noFill/>
                       <a:prstDash val="solid"/>
@@ -8036,9 +9793,7 @@
                       <a:tailEnd type="none" w="med" len="med"/>
                     </a:lnL>
                     <a:lnR w="12700" cap="flat" cmpd="sng" algn="ctr">
-                      <a:solidFill>
-                        <a:schemeClr val="tx1"/>
-                      </a:solidFill>
+                      <a:noFill/>
                       <a:prstDash val="solid"/>
                       <a:round/>
                       <a:headEnd type="none" w="med" len="med"/>
@@ -8054,9 +9809,7 @@
                       <a:tailEnd type="none" w="med" len="med"/>
                     </a:lnT>
                     <a:lnB w="12700" cap="flat" cmpd="sng" algn="ctr">
-                      <a:solidFill>
-                        <a:schemeClr val="tx1"/>
-                      </a:solidFill>
+                      <a:noFill/>
                       <a:prstDash val="solid"/>
                       <a:round/>
                       <a:headEnd type="none" w="med" len="med"/>
@@ -8073,39 +9826,19 @@
                     <a:noFill/>
                   </a:tcPr>
                 </a:tc>
-                <a:tc>
+                <a:tc hMerge="1">
                   <a:txBody>
                     <a:bodyPr/>
                     <a:lstStyle/>
                     <a:p>
                       <a:pPr latinLnBrk="1"/>
-                      <a:r>
-                        <a:rPr lang="ko-KR" altLang="en-US" b="0" dirty="0">
-                          <a:solidFill>
-                            <a:schemeClr val="tx1"/>
-                          </a:solidFill>
-                        </a:rPr>
-                        <a:t>마을로 가는 길</a:t>
-                      </a:r>
+                      <a:endParaRPr lang="ko-KR" altLang="en-US"/>
                     </a:p>
                   </a:txBody>
                   <a:tcPr>
-                    <a:lnL w="12700" cap="flat" cmpd="sng" algn="ctr">
-                      <a:solidFill>
-                        <a:schemeClr val="tx1"/>
-                      </a:solidFill>
-                      <a:prstDash val="solid"/>
-                      <a:round/>
-                      <a:headEnd type="none" w="med" len="med"/>
-                      <a:tailEnd type="none" w="med" len="med"/>
+                    <a:lnL w="12700" cmpd="sng">
+                      <a:noFill/>
                     </a:lnL>
-                    <a:lnR w="12700" cap="flat" cmpd="sng" algn="ctr">
-                      <a:noFill/>
-                      <a:prstDash val="solid"/>
-                      <a:round/>
-                      <a:headEnd type="none" w="med" len="med"/>
-                      <a:tailEnd type="none" w="med" len="med"/>
-                    </a:lnR>
                     <a:lnT w="12700" cap="flat" cmpd="sng" algn="ctr">
                       <a:solidFill>
                         <a:schemeClr val="tx1"/>
@@ -8115,305 +9848,11 @@
                       <a:headEnd type="none" w="med" len="med"/>
                       <a:tailEnd type="none" w="med" len="med"/>
                     </a:lnT>
-                    <a:lnB w="12700" cap="flat" cmpd="sng" algn="ctr">
-                      <a:solidFill>
-                        <a:schemeClr val="tx1"/>
-                      </a:solidFill>
-                      <a:prstDash val="solid"/>
-                      <a:round/>
-                      <a:headEnd type="none" w="med" len="med"/>
-                      <a:tailEnd type="none" w="med" len="med"/>
-                    </a:lnB>
-                    <a:lnTlToBr w="12700" cmpd="sng">
-                      <a:noFill/>
-                      <a:prstDash val="solid"/>
-                    </a:lnTlToBr>
-                    <a:lnBlToTr w="12700" cmpd="sng">
-                      <a:noFill/>
-                      <a:prstDash val="solid"/>
-                    </a:lnBlToTr>
-                    <a:noFill/>
                   </a:tcPr>
                 </a:tc>
                 <a:extLst>
                   <a:ext uri="{0D108BD9-81ED-4DB2-BD59-A6C34878D82A}">
-                    <a16:rowId xmlns:a16="http://schemas.microsoft.com/office/drawing/2014/main" val="2525806370"/>
-                  </a:ext>
-                </a:extLst>
-              </a:tr>
-              <a:tr h="0">
-                <a:tc>
-                  <a:txBody>
-                    <a:bodyPr/>
-                    <a:lstStyle/>
-                    <a:p>
-                      <a:pPr algn="ctr" latinLnBrk="1"/>
-                      <a:r>
-                        <a:rPr lang="en-US" altLang="ko-KR" b="0" dirty="0">
-                          <a:solidFill>
-                            <a:schemeClr val="tx1"/>
-                          </a:solidFill>
-                        </a:rPr>
-                        <a:t>3</a:t>
-                      </a:r>
-                      <a:endParaRPr lang="ko-KR" altLang="en-US" b="0" dirty="0">
-                        <a:solidFill>
-                          <a:schemeClr val="tx1"/>
-                        </a:solidFill>
-                      </a:endParaRPr>
-                    </a:p>
-                  </a:txBody>
-                  <a:tcPr>
-                    <a:lnL w="12700" cap="flat" cmpd="sng" algn="ctr">
-                      <a:noFill/>
-                      <a:prstDash val="solid"/>
-                      <a:round/>
-                      <a:headEnd type="none" w="med" len="med"/>
-                      <a:tailEnd type="none" w="med" len="med"/>
-                    </a:lnL>
-                    <a:lnR w="12700" cap="flat" cmpd="sng" algn="ctr">
-                      <a:solidFill>
-                        <a:schemeClr val="tx1"/>
-                      </a:solidFill>
-                      <a:prstDash val="solid"/>
-                      <a:round/>
-                      <a:headEnd type="none" w="med" len="med"/>
-                      <a:tailEnd type="none" w="med" len="med"/>
-                    </a:lnR>
-                    <a:lnT w="12700" cap="flat" cmpd="sng" algn="ctr">
-                      <a:solidFill>
-                        <a:schemeClr val="tx1"/>
-                      </a:solidFill>
-                      <a:prstDash val="solid"/>
-                      <a:round/>
-                      <a:headEnd type="none" w="med" len="med"/>
-                      <a:tailEnd type="none" w="med" len="med"/>
-                    </a:lnT>
-                    <a:lnB w="12700" cap="flat" cmpd="sng" algn="ctr">
-                      <a:solidFill>
-                        <a:schemeClr val="tx1"/>
-                      </a:solidFill>
-                      <a:prstDash val="solid"/>
-                      <a:round/>
-                      <a:headEnd type="none" w="med" len="med"/>
-                      <a:tailEnd type="none" w="med" len="med"/>
-                    </a:lnB>
-                    <a:lnTlToBr w="12700" cmpd="sng">
-                      <a:noFill/>
-                      <a:prstDash val="solid"/>
-                    </a:lnTlToBr>
-                    <a:lnBlToTr w="12700" cmpd="sng">
-                      <a:noFill/>
-                      <a:prstDash val="solid"/>
-                    </a:lnBlToTr>
-                    <a:noFill/>
-                  </a:tcPr>
-                </a:tc>
-                <a:tc>
-                  <a:txBody>
-                    <a:bodyPr/>
-                    <a:lstStyle/>
-                    <a:p>
-                      <a:pPr latinLnBrk="1"/>
-                      <a:r>
-                        <a:rPr lang="ko-KR" altLang="en-US" b="0" dirty="0">
-                          <a:solidFill>
-                            <a:schemeClr val="tx1"/>
-                          </a:solidFill>
-                        </a:rPr>
-                        <a:t>훈련장</a:t>
-                      </a:r>
-                    </a:p>
-                  </a:txBody>
-                  <a:tcPr>
-                    <a:lnL w="12700" cap="flat" cmpd="sng" algn="ctr">
-                      <a:solidFill>
-                        <a:schemeClr val="tx1"/>
-                      </a:solidFill>
-                      <a:prstDash val="solid"/>
-                      <a:round/>
-                      <a:headEnd type="none" w="med" len="med"/>
-                      <a:tailEnd type="none" w="med" len="med"/>
-                    </a:lnL>
-                    <a:lnR w="12700" cap="flat" cmpd="sng" algn="ctr">
-                      <a:noFill/>
-                      <a:prstDash val="solid"/>
-                      <a:round/>
-                      <a:headEnd type="none" w="med" len="med"/>
-                      <a:tailEnd type="none" w="med" len="med"/>
-                    </a:lnR>
-                    <a:lnT w="12700" cap="flat" cmpd="sng" algn="ctr">
-                      <a:solidFill>
-                        <a:schemeClr val="tx1"/>
-                      </a:solidFill>
-                      <a:prstDash val="solid"/>
-                      <a:round/>
-                      <a:headEnd type="none" w="med" len="med"/>
-                      <a:tailEnd type="none" w="med" len="med"/>
-                    </a:lnT>
-                    <a:lnB w="12700" cap="flat" cmpd="sng" algn="ctr">
-                      <a:solidFill>
-                        <a:schemeClr val="tx1"/>
-                      </a:solidFill>
-                      <a:prstDash val="solid"/>
-                      <a:round/>
-                      <a:headEnd type="none" w="med" len="med"/>
-                      <a:tailEnd type="none" w="med" len="med"/>
-                    </a:lnB>
-                    <a:lnTlToBr w="12700" cmpd="sng">
-                      <a:noFill/>
-                      <a:prstDash val="solid"/>
-                    </a:lnTlToBr>
-                    <a:lnBlToTr w="12700" cmpd="sng">
-                      <a:noFill/>
-                      <a:prstDash val="solid"/>
-                    </a:lnBlToTr>
-                    <a:noFill/>
-                  </a:tcPr>
-                </a:tc>
-                <a:extLst>
-                  <a:ext uri="{0D108BD9-81ED-4DB2-BD59-A6C34878D82A}">
-                    <a16:rowId xmlns:a16="http://schemas.microsoft.com/office/drawing/2014/main" val="2395034878"/>
-                  </a:ext>
-                </a:extLst>
-              </a:tr>
-              <a:tr h="0">
-                <a:tc>
-                  <a:txBody>
-                    <a:bodyPr/>
-                    <a:lstStyle/>
-                    <a:p>
-                      <a:pPr algn="ctr" latinLnBrk="1"/>
-                      <a:r>
-                        <a:rPr lang="en-US" altLang="ko-KR" b="0" dirty="0">
-                          <a:solidFill>
-                            <a:schemeClr val="tx1"/>
-                          </a:solidFill>
-                        </a:rPr>
-                        <a:t>4</a:t>
-                      </a:r>
-                      <a:endParaRPr lang="ko-KR" altLang="en-US" b="0" dirty="0">
-                        <a:solidFill>
-                          <a:schemeClr val="tx1"/>
-                        </a:solidFill>
-                      </a:endParaRPr>
-                    </a:p>
-                  </a:txBody>
-                  <a:tcPr>
-                    <a:lnL w="12700" cap="flat" cmpd="sng" algn="ctr">
-                      <a:noFill/>
-                      <a:prstDash val="solid"/>
-                      <a:round/>
-                      <a:headEnd type="none" w="med" len="med"/>
-                      <a:tailEnd type="none" w="med" len="med"/>
-                    </a:lnL>
-                    <a:lnR w="12700" cap="flat" cmpd="sng" algn="ctr">
-                      <a:solidFill>
-                        <a:schemeClr val="tx1"/>
-                      </a:solidFill>
-                      <a:prstDash val="solid"/>
-                      <a:round/>
-                      <a:headEnd type="none" w="med" len="med"/>
-                      <a:tailEnd type="none" w="med" len="med"/>
-                    </a:lnR>
-                    <a:lnT w="12700" cap="flat" cmpd="sng" algn="ctr">
-                      <a:solidFill>
-                        <a:schemeClr val="tx1"/>
-                      </a:solidFill>
-                      <a:prstDash val="solid"/>
-                      <a:round/>
-                      <a:headEnd type="none" w="med" len="med"/>
-                      <a:tailEnd type="none" w="med" len="med"/>
-                    </a:lnT>
-                    <a:lnB w="12700" cap="flat" cmpd="sng" algn="ctr">
-                      <a:noFill/>
-                      <a:prstDash val="solid"/>
-                      <a:round/>
-                      <a:headEnd type="none" w="med" len="med"/>
-                      <a:tailEnd type="none" w="med" len="med"/>
-                    </a:lnB>
-                    <a:lnTlToBr w="12700" cmpd="sng">
-                      <a:noFill/>
-                      <a:prstDash val="solid"/>
-                    </a:lnTlToBr>
-                    <a:lnBlToTr w="12700" cmpd="sng">
-                      <a:noFill/>
-                      <a:prstDash val="solid"/>
-                    </a:lnBlToTr>
-                    <a:noFill/>
-                  </a:tcPr>
-                </a:tc>
-                <a:tc>
-                  <a:txBody>
-                    <a:bodyPr/>
-                    <a:lstStyle/>
-                    <a:p>
-                      <a:pPr latinLnBrk="1"/>
-                      <a:r>
-                        <a:rPr lang="ko-KR" altLang="en-US" b="0" dirty="0" err="1">
-                          <a:solidFill>
-                            <a:schemeClr val="tx1"/>
-                          </a:solidFill>
-                        </a:rPr>
-                        <a:t>토벌단</a:t>
-                      </a:r>
-                      <a:r>
-                        <a:rPr lang="ko-KR" altLang="en-US" b="0" dirty="0">
-                          <a:solidFill>
-                            <a:schemeClr val="tx1"/>
-                          </a:solidFill>
-                        </a:rPr>
-                        <a:t> 입구</a:t>
-                      </a:r>
-                    </a:p>
-                  </a:txBody>
-                  <a:tcPr>
-                    <a:lnL w="12700" cap="flat" cmpd="sng" algn="ctr">
-                      <a:solidFill>
-                        <a:schemeClr val="tx1"/>
-                      </a:solidFill>
-                      <a:prstDash val="solid"/>
-                      <a:round/>
-                      <a:headEnd type="none" w="med" len="med"/>
-                      <a:tailEnd type="none" w="med" len="med"/>
-                    </a:lnL>
-                    <a:lnR w="12700" cap="flat" cmpd="sng" algn="ctr">
-                      <a:noFill/>
-                      <a:prstDash val="solid"/>
-                      <a:round/>
-                      <a:headEnd type="none" w="med" len="med"/>
-                      <a:tailEnd type="none" w="med" len="med"/>
-                    </a:lnR>
-                    <a:lnT w="12700" cap="flat" cmpd="sng" algn="ctr">
-                      <a:solidFill>
-                        <a:schemeClr val="tx1"/>
-                      </a:solidFill>
-                      <a:prstDash val="solid"/>
-                      <a:round/>
-                      <a:headEnd type="none" w="med" len="med"/>
-                      <a:tailEnd type="none" w="med" len="med"/>
-                    </a:lnT>
-                    <a:lnB w="12700" cap="flat" cmpd="sng" algn="ctr">
-                      <a:noFill/>
-                      <a:prstDash val="solid"/>
-                      <a:round/>
-                      <a:headEnd type="none" w="med" len="med"/>
-                      <a:tailEnd type="none" w="med" len="med"/>
-                    </a:lnB>
-                    <a:lnTlToBr w="12700" cmpd="sng">
-                      <a:noFill/>
-                      <a:prstDash val="solid"/>
-                    </a:lnTlToBr>
-                    <a:lnBlToTr w="12700" cmpd="sng">
-                      <a:noFill/>
-                      <a:prstDash val="solid"/>
-                    </a:lnBlToTr>
-                    <a:noFill/>
-                  </a:tcPr>
-                </a:tc>
-                <a:extLst>
-                  <a:ext uri="{0D108BD9-81ED-4DB2-BD59-A6C34878D82A}">
-                    <a16:rowId xmlns:a16="http://schemas.microsoft.com/office/drawing/2014/main" val="696714952"/>
+                    <a16:rowId xmlns:a16="http://schemas.microsoft.com/office/drawing/2014/main" val="3193188102"/>
                   </a:ext>
                 </a:extLst>
               </a:tr>
@@ -8421,6 +9860,682 @@
           </a:graphicData>
         </a:graphic>
       </p:graphicFrame>
+      <p:grpSp>
+        <p:nvGrpSpPr>
+          <p:cNvPr id="20" name="그룹 19">
+            <a:extLst>
+              <a:ext uri="{FF2B5EF4-FFF2-40B4-BE49-F238E27FC236}">
+                <a16:creationId xmlns:a16="http://schemas.microsoft.com/office/drawing/2014/main" id="{61A22785-BE1E-EC1D-6D90-9ECB07BBFA9D}"/>
+              </a:ext>
+            </a:extLst>
+          </p:cNvPr>
+          <p:cNvGrpSpPr/>
+          <p:nvPr/>
+        </p:nvGrpSpPr>
+        <p:grpSpPr>
+          <a:xfrm>
+            <a:off x="699632" y="1420463"/>
+            <a:ext cx="5396368" cy="4613458"/>
+            <a:chOff x="695326" y="1094885"/>
+            <a:chExt cx="5396368" cy="4613458"/>
+          </a:xfrm>
+        </p:grpSpPr>
+        <p:pic>
+          <p:nvPicPr>
+            <p:cNvPr id="3" name="그림 2" descr="텍스트, 스크린샷, 멀티미디어 소프트웨어, 그래픽 소프트웨어이(가) 표시된 사진&#10;&#10;자동 생성된 설명">
+              <a:extLst>
+                <a:ext uri="{FF2B5EF4-FFF2-40B4-BE49-F238E27FC236}">
+                  <a16:creationId xmlns:a16="http://schemas.microsoft.com/office/drawing/2014/main" id="{BF96E3CB-EC52-D578-864A-A9F7E160B194}"/>
+                </a:ext>
+              </a:extLst>
+            </p:cNvPr>
+            <p:cNvPicPr>
+              <a:picLocks noChangeAspect="1"/>
+            </p:cNvPicPr>
+            <p:nvPr/>
+          </p:nvPicPr>
+          <p:blipFill rotWithShape="1">
+            <a:blip r:embed="rId2" cstate="print">
+              <a:extLst>
+                <a:ext uri="{28A0092B-C50C-407E-A947-70E740481C1C}">
+                  <a14:useLocalDpi xmlns:a14="http://schemas.microsoft.com/office/drawing/2010/main" val="0"/>
+                </a:ext>
+              </a:extLst>
+            </a:blip>
+            <a:srcRect/>
+            <a:stretch/>
+          </p:blipFill>
+          <p:spPr>
+            <a:xfrm>
+              <a:off x="695326" y="1148255"/>
+              <a:ext cx="5396368" cy="4560088"/>
+            </a:xfrm>
+            <a:prstGeom prst="rect">
+              <a:avLst/>
+            </a:prstGeom>
+          </p:spPr>
+        </p:pic>
+        <p:sp>
+          <p:nvSpPr>
+            <p:cNvPr id="6" name="직사각형 5">
+              <a:extLst>
+                <a:ext uri="{FF2B5EF4-FFF2-40B4-BE49-F238E27FC236}">
+                  <a16:creationId xmlns:a16="http://schemas.microsoft.com/office/drawing/2014/main" id="{61422533-F45A-3175-2A63-86BA053CACF3}"/>
+                </a:ext>
+              </a:extLst>
+            </p:cNvPr>
+            <p:cNvSpPr/>
+            <p:nvPr/>
+          </p:nvSpPr>
+          <p:spPr>
+            <a:xfrm>
+              <a:off x="1116823" y="1257954"/>
+              <a:ext cx="1417820" cy="1051418"/>
+            </a:xfrm>
+            <a:prstGeom prst="rect">
+              <a:avLst/>
+            </a:prstGeom>
+            <a:noFill/>
+            <a:ln w="19050">
+              <a:solidFill>
+                <a:srgbClr val="C00000"/>
+              </a:solidFill>
+            </a:ln>
+          </p:spPr>
+          <p:style>
+            <a:lnRef idx="2">
+              <a:schemeClr val="accent1">
+                <a:shade val="15000"/>
+              </a:schemeClr>
+            </a:lnRef>
+            <a:fillRef idx="1">
+              <a:schemeClr val="accent1"/>
+            </a:fillRef>
+            <a:effectRef idx="0">
+              <a:schemeClr val="accent1"/>
+            </a:effectRef>
+            <a:fontRef idx="minor">
+              <a:schemeClr val="lt1"/>
+            </a:fontRef>
+          </p:style>
+          <p:txBody>
+            <a:bodyPr rtlCol="0" anchor="ctr"/>
+            <a:lstStyle/>
+            <a:p>
+              <a:pPr algn="ctr"/>
+              <a:endParaRPr lang="ko-KR" altLang="en-US"/>
+            </a:p>
+          </p:txBody>
+        </p:sp>
+        <p:sp>
+          <p:nvSpPr>
+            <p:cNvPr id="8" name="직사각형 7">
+              <a:extLst>
+                <a:ext uri="{FF2B5EF4-FFF2-40B4-BE49-F238E27FC236}">
+                  <a16:creationId xmlns:a16="http://schemas.microsoft.com/office/drawing/2014/main" id="{B47A4157-21B2-A494-C196-64AA47292D22}"/>
+                </a:ext>
+              </a:extLst>
+            </p:cNvPr>
+            <p:cNvSpPr/>
+            <p:nvPr/>
+          </p:nvSpPr>
+          <p:spPr>
+            <a:xfrm>
+              <a:off x="2793056" y="1889073"/>
+              <a:ext cx="992137" cy="539265"/>
+            </a:xfrm>
+            <a:prstGeom prst="rect">
+              <a:avLst/>
+            </a:prstGeom>
+            <a:noFill/>
+            <a:ln w="19050">
+              <a:solidFill>
+                <a:srgbClr val="C00000"/>
+              </a:solidFill>
+            </a:ln>
+          </p:spPr>
+          <p:style>
+            <a:lnRef idx="2">
+              <a:schemeClr val="accent1">
+                <a:shade val="15000"/>
+              </a:schemeClr>
+            </a:lnRef>
+            <a:fillRef idx="1">
+              <a:schemeClr val="accent1"/>
+            </a:fillRef>
+            <a:effectRef idx="0">
+              <a:schemeClr val="accent1"/>
+            </a:effectRef>
+            <a:fontRef idx="minor">
+              <a:schemeClr val="lt1"/>
+            </a:fontRef>
+          </p:style>
+          <p:txBody>
+            <a:bodyPr rtlCol="0" anchor="ctr"/>
+            <a:lstStyle/>
+            <a:p>
+              <a:pPr algn="ctr"/>
+              <a:endParaRPr lang="ko-KR" altLang="en-US"/>
+            </a:p>
+          </p:txBody>
+        </p:sp>
+        <p:sp>
+          <p:nvSpPr>
+            <p:cNvPr id="9" name="직사각형 8">
+              <a:extLst>
+                <a:ext uri="{FF2B5EF4-FFF2-40B4-BE49-F238E27FC236}">
+                  <a16:creationId xmlns:a16="http://schemas.microsoft.com/office/drawing/2014/main" id="{E3473E80-4FE8-1EDF-0205-014985A618E4}"/>
+                </a:ext>
+              </a:extLst>
+            </p:cNvPr>
+            <p:cNvSpPr/>
+            <p:nvPr/>
+          </p:nvSpPr>
+          <p:spPr>
+            <a:xfrm>
+              <a:off x="4163085" y="2586741"/>
+              <a:ext cx="1127548" cy="957250"/>
+            </a:xfrm>
+            <a:prstGeom prst="rect">
+              <a:avLst/>
+            </a:prstGeom>
+            <a:noFill/>
+            <a:ln w="19050">
+              <a:solidFill>
+                <a:srgbClr val="C00000"/>
+              </a:solidFill>
+            </a:ln>
+          </p:spPr>
+          <p:style>
+            <a:lnRef idx="2">
+              <a:schemeClr val="accent1">
+                <a:shade val="15000"/>
+              </a:schemeClr>
+            </a:lnRef>
+            <a:fillRef idx="1">
+              <a:schemeClr val="accent1"/>
+            </a:fillRef>
+            <a:effectRef idx="0">
+              <a:schemeClr val="accent1"/>
+            </a:effectRef>
+            <a:fontRef idx="minor">
+              <a:schemeClr val="lt1"/>
+            </a:fontRef>
+          </p:style>
+          <p:txBody>
+            <a:bodyPr rtlCol="0" anchor="ctr"/>
+            <a:lstStyle/>
+            <a:p>
+              <a:pPr algn="ctr"/>
+              <a:endParaRPr lang="ko-KR" altLang="en-US"/>
+            </a:p>
+          </p:txBody>
+        </p:sp>
+        <p:sp>
+          <p:nvSpPr>
+            <p:cNvPr id="10" name="직사각형 9">
+              <a:extLst>
+                <a:ext uri="{FF2B5EF4-FFF2-40B4-BE49-F238E27FC236}">
+                  <a16:creationId xmlns:a16="http://schemas.microsoft.com/office/drawing/2014/main" id="{2BB1D023-EE20-0264-C72A-E6DCC2EFE210}"/>
+                </a:ext>
+              </a:extLst>
+            </p:cNvPr>
+            <p:cNvSpPr/>
+            <p:nvPr/>
+          </p:nvSpPr>
+          <p:spPr>
+            <a:xfrm>
+              <a:off x="1576582" y="2468162"/>
+              <a:ext cx="1858139" cy="1259030"/>
+            </a:xfrm>
+            <a:prstGeom prst="rect">
+              <a:avLst/>
+            </a:prstGeom>
+            <a:noFill/>
+            <a:ln w="19050">
+              <a:solidFill>
+                <a:srgbClr val="C00000"/>
+              </a:solidFill>
+            </a:ln>
+          </p:spPr>
+          <p:style>
+            <a:lnRef idx="2">
+              <a:schemeClr val="accent1">
+                <a:shade val="15000"/>
+              </a:schemeClr>
+            </a:lnRef>
+            <a:fillRef idx="1">
+              <a:schemeClr val="accent1"/>
+            </a:fillRef>
+            <a:effectRef idx="0">
+              <a:schemeClr val="accent1"/>
+            </a:effectRef>
+            <a:fontRef idx="minor">
+              <a:schemeClr val="lt1"/>
+            </a:fontRef>
+          </p:style>
+          <p:txBody>
+            <a:bodyPr rtlCol="0" anchor="ctr"/>
+            <a:lstStyle/>
+            <a:p>
+              <a:pPr algn="ctr"/>
+              <a:endParaRPr lang="ko-KR" altLang="en-US"/>
+            </a:p>
+          </p:txBody>
+        </p:sp>
+        <p:sp>
+          <p:nvSpPr>
+            <p:cNvPr id="11" name="타원 10">
+              <a:extLst>
+                <a:ext uri="{FF2B5EF4-FFF2-40B4-BE49-F238E27FC236}">
+                  <a16:creationId xmlns:a16="http://schemas.microsoft.com/office/drawing/2014/main" id="{91ACB0C5-0FDE-4555-A208-704ADFB65D96}"/>
+                </a:ext>
+              </a:extLst>
+            </p:cNvPr>
+            <p:cNvSpPr>
+              <a:spLocks noChangeAspect="1"/>
+            </p:cNvSpPr>
+            <p:nvPr/>
+          </p:nvSpPr>
+          <p:spPr>
+            <a:xfrm>
+              <a:off x="953754" y="1094885"/>
+              <a:ext cx="326138" cy="326138"/>
+            </a:xfrm>
+            <a:prstGeom prst="ellipse">
+              <a:avLst/>
+            </a:prstGeom>
+            <a:solidFill>
+              <a:schemeClr val="bg1">
+                <a:lumMod val="85000"/>
+              </a:schemeClr>
+            </a:solidFill>
+            <a:ln>
+              <a:solidFill>
+                <a:schemeClr val="accent1">
+                  <a:shade val="15000"/>
+                </a:schemeClr>
+              </a:solidFill>
+            </a:ln>
+          </p:spPr>
+          <p:style>
+            <a:lnRef idx="2">
+              <a:schemeClr val="accent1">
+                <a:shade val="15000"/>
+              </a:schemeClr>
+            </a:lnRef>
+            <a:fillRef idx="1">
+              <a:schemeClr val="accent1"/>
+            </a:fillRef>
+            <a:effectRef idx="0">
+              <a:schemeClr val="accent1"/>
+            </a:effectRef>
+            <a:fontRef idx="minor">
+              <a:schemeClr val="lt1"/>
+            </a:fontRef>
+          </p:style>
+          <p:txBody>
+            <a:bodyPr rtlCol="0" anchor="ctr"/>
+            <a:lstStyle/>
+            <a:p>
+              <a:pPr algn="ctr"/>
+              <a:r>
+                <a:rPr lang="en-US" altLang="ko-KR" dirty="0">
+                  <a:solidFill>
+                    <a:schemeClr val="tx1"/>
+                  </a:solidFill>
+                </a:rPr>
+                <a:t>1</a:t>
+              </a:r>
+              <a:endParaRPr lang="ko-KR" altLang="en-US" dirty="0">
+                <a:solidFill>
+                  <a:schemeClr val="tx1"/>
+                </a:solidFill>
+              </a:endParaRPr>
+            </a:p>
+          </p:txBody>
+        </p:sp>
+        <p:sp>
+          <p:nvSpPr>
+            <p:cNvPr id="12" name="타원 11">
+              <a:extLst>
+                <a:ext uri="{FF2B5EF4-FFF2-40B4-BE49-F238E27FC236}">
+                  <a16:creationId xmlns:a16="http://schemas.microsoft.com/office/drawing/2014/main" id="{CCF3818E-241F-EDC0-46FD-FB6311DE5C00}"/>
+                </a:ext>
+              </a:extLst>
+            </p:cNvPr>
+            <p:cNvSpPr>
+              <a:spLocks noChangeAspect="1"/>
+            </p:cNvSpPr>
+            <p:nvPr/>
+          </p:nvSpPr>
+          <p:spPr>
+            <a:xfrm>
+              <a:off x="2630002" y="1726004"/>
+              <a:ext cx="326138" cy="326138"/>
+            </a:xfrm>
+            <a:prstGeom prst="ellipse">
+              <a:avLst/>
+            </a:prstGeom>
+            <a:solidFill>
+              <a:schemeClr val="bg1">
+                <a:lumMod val="85000"/>
+              </a:schemeClr>
+            </a:solidFill>
+            <a:ln>
+              <a:solidFill>
+                <a:schemeClr val="accent1">
+                  <a:shade val="15000"/>
+                </a:schemeClr>
+              </a:solidFill>
+            </a:ln>
+          </p:spPr>
+          <p:style>
+            <a:lnRef idx="2">
+              <a:schemeClr val="accent1">
+                <a:shade val="15000"/>
+              </a:schemeClr>
+            </a:lnRef>
+            <a:fillRef idx="1">
+              <a:schemeClr val="accent1"/>
+            </a:fillRef>
+            <a:effectRef idx="0">
+              <a:schemeClr val="accent1"/>
+            </a:effectRef>
+            <a:fontRef idx="minor">
+              <a:schemeClr val="lt1"/>
+            </a:fontRef>
+          </p:style>
+          <p:txBody>
+            <a:bodyPr rtlCol="0" anchor="ctr"/>
+            <a:lstStyle/>
+            <a:p>
+              <a:pPr algn="ctr"/>
+              <a:r>
+                <a:rPr lang="en-US" altLang="ko-KR" dirty="0">
+                  <a:solidFill>
+                    <a:schemeClr val="tx1"/>
+                  </a:solidFill>
+                </a:rPr>
+                <a:t>2</a:t>
+              </a:r>
+              <a:endParaRPr lang="ko-KR" altLang="en-US" dirty="0">
+                <a:solidFill>
+                  <a:schemeClr val="tx1"/>
+                </a:solidFill>
+              </a:endParaRPr>
+            </a:p>
+          </p:txBody>
+        </p:sp>
+        <p:sp>
+          <p:nvSpPr>
+            <p:cNvPr id="13" name="타원 12">
+              <a:extLst>
+                <a:ext uri="{FF2B5EF4-FFF2-40B4-BE49-F238E27FC236}">
+                  <a16:creationId xmlns:a16="http://schemas.microsoft.com/office/drawing/2014/main" id="{AEFDD9EE-1070-B033-FA95-FA0AEE9B4475}"/>
+                </a:ext>
+              </a:extLst>
+            </p:cNvPr>
+            <p:cNvSpPr>
+              <a:spLocks noChangeAspect="1"/>
+            </p:cNvSpPr>
+            <p:nvPr/>
+          </p:nvSpPr>
+          <p:spPr>
+            <a:xfrm>
+              <a:off x="1413513" y="2301112"/>
+              <a:ext cx="326138" cy="326138"/>
+            </a:xfrm>
+            <a:prstGeom prst="ellipse">
+              <a:avLst/>
+            </a:prstGeom>
+            <a:solidFill>
+              <a:schemeClr val="bg1">
+                <a:lumMod val="85000"/>
+              </a:schemeClr>
+            </a:solidFill>
+            <a:ln>
+              <a:solidFill>
+                <a:schemeClr val="accent1">
+                  <a:shade val="15000"/>
+                </a:schemeClr>
+              </a:solidFill>
+            </a:ln>
+          </p:spPr>
+          <p:style>
+            <a:lnRef idx="2">
+              <a:schemeClr val="accent1">
+                <a:shade val="15000"/>
+              </a:schemeClr>
+            </a:lnRef>
+            <a:fillRef idx="1">
+              <a:schemeClr val="accent1"/>
+            </a:fillRef>
+            <a:effectRef idx="0">
+              <a:schemeClr val="accent1"/>
+            </a:effectRef>
+            <a:fontRef idx="minor">
+              <a:schemeClr val="lt1"/>
+            </a:fontRef>
+          </p:style>
+          <p:txBody>
+            <a:bodyPr rtlCol="0" anchor="ctr"/>
+            <a:lstStyle/>
+            <a:p>
+              <a:pPr algn="ctr"/>
+              <a:r>
+                <a:rPr lang="en-US" altLang="ko-KR" dirty="0">
+                  <a:solidFill>
+                    <a:schemeClr val="tx1"/>
+                  </a:solidFill>
+                </a:rPr>
+                <a:t>3</a:t>
+              </a:r>
+              <a:endParaRPr lang="ko-KR" altLang="en-US" dirty="0">
+                <a:solidFill>
+                  <a:schemeClr val="tx1"/>
+                </a:solidFill>
+              </a:endParaRPr>
+            </a:p>
+          </p:txBody>
+        </p:sp>
+        <p:sp>
+          <p:nvSpPr>
+            <p:cNvPr id="14" name="타원 13">
+              <a:extLst>
+                <a:ext uri="{FF2B5EF4-FFF2-40B4-BE49-F238E27FC236}">
+                  <a16:creationId xmlns:a16="http://schemas.microsoft.com/office/drawing/2014/main" id="{2F2BF05C-B447-1EB6-8A7A-CF82E1759B03}"/>
+                </a:ext>
+              </a:extLst>
+            </p:cNvPr>
+            <p:cNvSpPr>
+              <a:spLocks noChangeAspect="1"/>
+            </p:cNvSpPr>
+            <p:nvPr/>
+          </p:nvSpPr>
+          <p:spPr>
+            <a:xfrm>
+              <a:off x="4001129" y="2423672"/>
+              <a:ext cx="326138" cy="326138"/>
+            </a:xfrm>
+            <a:prstGeom prst="ellipse">
+              <a:avLst/>
+            </a:prstGeom>
+            <a:solidFill>
+              <a:schemeClr val="bg1">
+                <a:lumMod val="85000"/>
+              </a:schemeClr>
+            </a:solidFill>
+            <a:ln>
+              <a:solidFill>
+                <a:schemeClr val="accent1">
+                  <a:shade val="15000"/>
+                </a:schemeClr>
+              </a:solidFill>
+            </a:ln>
+          </p:spPr>
+          <p:style>
+            <a:lnRef idx="2">
+              <a:schemeClr val="accent1">
+                <a:shade val="15000"/>
+              </a:schemeClr>
+            </a:lnRef>
+            <a:fillRef idx="1">
+              <a:schemeClr val="accent1"/>
+            </a:fillRef>
+            <a:effectRef idx="0">
+              <a:schemeClr val="accent1"/>
+            </a:effectRef>
+            <a:fontRef idx="minor">
+              <a:schemeClr val="lt1"/>
+            </a:fontRef>
+          </p:style>
+          <p:txBody>
+            <a:bodyPr rtlCol="0" anchor="ctr"/>
+            <a:lstStyle/>
+            <a:p>
+              <a:pPr algn="ctr"/>
+              <a:r>
+                <a:rPr lang="en-US" altLang="ko-KR" dirty="0">
+                  <a:solidFill>
+                    <a:schemeClr val="tx1"/>
+                  </a:solidFill>
+                </a:rPr>
+                <a:t>4</a:t>
+              </a:r>
+              <a:endParaRPr lang="ko-KR" altLang="en-US" dirty="0">
+                <a:solidFill>
+                  <a:schemeClr val="tx1"/>
+                </a:solidFill>
+              </a:endParaRPr>
+            </a:p>
+          </p:txBody>
+        </p:sp>
+        <p:sp>
+          <p:nvSpPr>
+            <p:cNvPr id="17" name="타원 16">
+              <a:extLst>
+                <a:ext uri="{FF2B5EF4-FFF2-40B4-BE49-F238E27FC236}">
+                  <a16:creationId xmlns:a16="http://schemas.microsoft.com/office/drawing/2014/main" id="{F125F538-A5FE-130A-334D-BEFE56FF8C82}"/>
+                </a:ext>
+              </a:extLst>
+            </p:cNvPr>
+            <p:cNvSpPr>
+              <a:spLocks noChangeAspect="1"/>
+            </p:cNvSpPr>
+            <p:nvPr/>
+          </p:nvSpPr>
+          <p:spPr>
+            <a:xfrm>
+              <a:off x="2866921" y="4715421"/>
+              <a:ext cx="326138" cy="326138"/>
+            </a:xfrm>
+            <a:prstGeom prst="ellipse">
+              <a:avLst/>
+            </a:prstGeom>
+            <a:solidFill>
+              <a:schemeClr val="bg1">
+                <a:lumMod val="85000"/>
+              </a:schemeClr>
+            </a:solidFill>
+            <a:ln>
+              <a:solidFill>
+                <a:schemeClr val="accent1">
+                  <a:shade val="15000"/>
+                </a:schemeClr>
+              </a:solidFill>
+            </a:ln>
+          </p:spPr>
+          <p:style>
+            <a:lnRef idx="2">
+              <a:schemeClr val="accent1">
+                <a:shade val="15000"/>
+              </a:schemeClr>
+            </a:lnRef>
+            <a:fillRef idx="1">
+              <a:schemeClr val="accent1"/>
+            </a:fillRef>
+            <a:effectRef idx="0">
+              <a:schemeClr val="accent1"/>
+            </a:effectRef>
+            <a:fontRef idx="minor">
+              <a:schemeClr val="lt1"/>
+            </a:fontRef>
+          </p:style>
+          <p:txBody>
+            <a:bodyPr rtlCol="0" anchor="ctr"/>
+            <a:lstStyle/>
+            <a:p>
+              <a:pPr algn="ctr"/>
+              <a:r>
+                <a:rPr lang="en-US" altLang="ko-KR" dirty="0">
+                  <a:solidFill>
+                    <a:schemeClr val="tx1"/>
+                  </a:solidFill>
+                </a:rPr>
+                <a:t>5</a:t>
+              </a:r>
+              <a:endParaRPr lang="ko-KR" altLang="en-US" dirty="0">
+                <a:solidFill>
+                  <a:schemeClr val="tx1"/>
+                </a:solidFill>
+              </a:endParaRPr>
+            </a:p>
+          </p:txBody>
+        </p:sp>
+        <p:sp>
+          <p:nvSpPr>
+            <p:cNvPr id="18" name="화살표: 아래쪽 17">
+              <a:extLst>
+                <a:ext uri="{FF2B5EF4-FFF2-40B4-BE49-F238E27FC236}">
+                  <a16:creationId xmlns:a16="http://schemas.microsoft.com/office/drawing/2014/main" id="{75AE9B0F-0016-531C-FB38-2992A6114766}"/>
+                </a:ext>
+              </a:extLst>
+            </p:cNvPr>
+            <p:cNvSpPr/>
+            <p:nvPr/>
+          </p:nvSpPr>
+          <p:spPr>
+            <a:xfrm>
+              <a:off x="3216365" y="5108331"/>
+              <a:ext cx="145597" cy="360795"/>
+            </a:xfrm>
+            <a:prstGeom prst="downArrow">
+              <a:avLst/>
+            </a:prstGeom>
+            <a:noFill/>
+            <a:ln w="19050">
+              <a:solidFill>
+                <a:srgbClr val="C00000"/>
+              </a:solidFill>
+            </a:ln>
+          </p:spPr>
+          <p:style>
+            <a:lnRef idx="2">
+              <a:schemeClr val="accent1">
+                <a:shade val="15000"/>
+              </a:schemeClr>
+            </a:lnRef>
+            <a:fillRef idx="1">
+              <a:schemeClr val="accent1"/>
+            </a:fillRef>
+            <a:effectRef idx="0">
+              <a:schemeClr val="accent1"/>
+            </a:effectRef>
+            <a:fontRef idx="minor">
+              <a:schemeClr val="lt1"/>
+            </a:fontRef>
+          </p:style>
+          <p:txBody>
+            <a:bodyPr rtlCol="0" anchor="ctr"/>
+            <a:lstStyle/>
+            <a:p>
+              <a:pPr algn="ctr"/>
+              <a:endParaRPr lang="ko-KR" altLang="en-US"/>
+            </a:p>
+          </p:txBody>
+        </p:sp>
+      </p:grpSp>
     </p:spTree>
     <p:extLst>
       <p:ext uri="{BB962C8B-B14F-4D97-AF65-F5344CB8AC3E}">
@@ -9332,14 +11447,14 @@
           <p:nvPr>
             <p:extLst>
               <p:ext uri="{D42A27DB-BD31-4B8C-83A1-F6EECF244321}">
-                <p14:modId xmlns:p14="http://schemas.microsoft.com/office/powerpoint/2010/main" val="4015355249"/>
+                <p14:modId xmlns:p14="http://schemas.microsoft.com/office/powerpoint/2010/main" val="1401478855"/>
               </p:ext>
             </p:extLst>
           </p:nvPr>
         </p:nvGraphicFramePr>
         <p:xfrm>
-          <a:off x="1412875" y="1536976"/>
-          <a:ext cx="9366250" cy="2092960"/>
+          <a:off x="1409700" y="1864360"/>
+          <a:ext cx="9366250" cy="3129280"/>
         </p:xfrm>
         <a:graphic>
           <a:graphicData uri="http://schemas.openxmlformats.org/drawingml/2006/table">
@@ -9420,6 +11535,90 @@
                     <a:lstStyle/>
                     <a:p>
                       <a:pPr latinLnBrk="1"/>
+                      <a:r>
+                        <a:rPr lang="ko-KR" altLang="en-US" sz="1400" b="0" dirty="0">
+                          <a:solidFill>
+                            <a:schemeClr val="tx1"/>
+                          </a:solidFill>
+                        </a:rPr>
+                        <a:t>동양풍의 목재 건물로 붉은 색 기둥과 베이지색 벽에 검은 색 기와도 이루어진 지붕이 있다</a:t>
+                      </a:r>
+                      <a:r>
+                        <a:rPr lang="en-US" altLang="ko-KR" sz="1400" b="0" dirty="0">
+                          <a:solidFill>
+                            <a:schemeClr val="tx1"/>
+                          </a:solidFill>
+                        </a:rPr>
+                        <a:t>.</a:t>
+                      </a:r>
+                    </a:p>
+                    <a:p>
+                      <a:pPr latinLnBrk="1"/>
+                      <a:r>
+                        <a:rPr lang="ko-KR" altLang="en-US" sz="1400" b="0" dirty="0">
+                          <a:solidFill>
+                            <a:schemeClr val="tx1"/>
+                          </a:solidFill>
+                        </a:rPr>
+                        <a:t>기둥 위 층과 층을 구분하는 위치에 나무 기둥이 돌출 되어 있으며 돌출된 기둥에 붉은 실과 오행을 상징하는 색의 부적들이 걸려 있다</a:t>
+                      </a:r>
+                      <a:r>
+                        <a:rPr lang="en-US" altLang="ko-KR" sz="1400" b="0" dirty="0">
+                          <a:solidFill>
+                            <a:schemeClr val="tx1"/>
+                          </a:solidFill>
+                        </a:rPr>
+                        <a:t>.</a:t>
+                      </a:r>
+                    </a:p>
+                  </a:txBody>
+                  <a:tcPr>
+                    <a:lnL w="12700" cmpd="sng">
+                      <a:noFill/>
+                    </a:lnL>
+                    <a:lnR w="12700" cmpd="sng">
+                      <a:noFill/>
+                    </a:lnR>
+                    <a:lnT w="12700" cap="flat" cmpd="sng" algn="ctr">
+                      <a:solidFill>
+                        <a:schemeClr val="tx1"/>
+                      </a:solidFill>
+                      <a:prstDash val="solid"/>
+                      <a:round/>
+                      <a:headEnd type="none" w="med" len="med"/>
+                      <a:tailEnd type="none" w="med" len="med"/>
+                    </a:lnT>
+                    <a:lnB w="12700" cap="flat" cmpd="sng" algn="ctr">
+                      <a:noFill/>
+                      <a:prstDash val="solid"/>
+                      <a:round/>
+                      <a:headEnd type="none" w="med" len="med"/>
+                      <a:tailEnd type="none" w="med" len="med"/>
+                    </a:lnB>
+                    <a:lnTlToBr w="12700" cmpd="sng">
+                      <a:noFill/>
+                      <a:prstDash val="solid"/>
+                    </a:lnTlToBr>
+                    <a:lnBlToTr w="12700" cmpd="sng">
+                      <a:noFill/>
+                      <a:prstDash val="solid"/>
+                    </a:lnBlToTr>
+                    <a:noFill/>
+                  </a:tcPr>
+                </a:tc>
+                <a:extLst>
+                  <a:ext uri="{0D108BD9-81ED-4DB2-BD59-A6C34878D82A}">
+                    <a16:rowId xmlns:a16="http://schemas.microsoft.com/office/drawing/2014/main" val="3190496777"/>
+                  </a:ext>
+                </a:extLst>
+              </a:tr>
+              <a:tr h="370840">
+                <a:tc>
+                  <a:txBody>
+                    <a:bodyPr/>
+                    <a:lstStyle/>
+                    <a:p>
+                      <a:pPr latinLnBrk="1"/>
                       <a:endParaRPr lang="en-US" altLang="ko-KR" sz="1400" b="0" dirty="0">
                         <a:solidFill>
                           <a:schemeClr val="tx1"/>
@@ -9435,9 +11634,7 @@
                       <a:noFill/>
                     </a:lnR>
                     <a:lnT w="12700" cap="flat" cmpd="sng" algn="ctr">
-                      <a:solidFill>
-                        <a:schemeClr val="tx1"/>
-                      </a:solidFill>
+                      <a:noFill/>
                       <a:prstDash val="solid"/>
                       <a:round/>
                       <a:headEnd type="none" w="med" len="med"/>
@@ -9463,7 +11660,7 @@
                 </a:tc>
                 <a:extLst>
                   <a:ext uri="{0D108BD9-81ED-4DB2-BD59-A6C34878D82A}">
-                    <a16:rowId xmlns:a16="http://schemas.microsoft.com/office/drawing/2014/main" val="3190496777"/>
+                    <a16:rowId xmlns:a16="http://schemas.microsoft.com/office/drawing/2014/main" val="1629235679"/>
                   </a:ext>
                 </a:extLst>
               </a:tr>
@@ -9551,6 +11748,14 @@
                         <a:tabLst/>
                         <a:defRPr/>
                       </a:pPr>
+                      <a:r>
+                        <a:rPr lang="ko-KR" altLang="en-US" sz="1400" b="0" dirty="0">
+                          <a:solidFill>
+                            <a:schemeClr val="tx1"/>
+                          </a:solidFill>
+                        </a:rPr>
+                        <a:t>전체적으로 조금 어둡고 무거운 분위기</a:t>
+                      </a:r>
                       <a:endParaRPr lang="en-US" altLang="ko-KR" sz="1400" b="0" dirty="0">
                         <a:solidFill>
                           <a:schemeClr val="tx1"/>
@@ -9575,9 +11780,7 @@
                       <a:tailEnd type="none" w="med" len="med"/>
                     </a:lnT>
                     <a:lnB w="12700" cap="flat" cmpd="sng" algn="ctr">
-                      <a:solidFill>
-                        <a:schemeClr val="tx1"/>
-                      </a:solidFill>
+                      <a:noFill/>
                       <a:prstDash val="solid"/>
                       <a:round/>
                       <a:headEnd type="none" w="med" len="med"/>
@@ -9623,14 +11826,6 @@
                         <a:tabLst/>
                         <a:defRPr/>
                       </a:pPr>
-                      <a:r>
-                        <a:rPr lang="ko-KR" altLang="en-US" sz="1400" b="0" dirty="0">
-                          <a:solidFill>
-                            <a:schemeClr val="tx1"/>
-                          </a:solidFill>
-                        </a:rPr>
-                        <a:t>환경</a:t>
-                      </a:r>
                       <a:endParaRPr lang="en-US" altLang="ko-KR" sz="1400" b="0" dirty="0">
                         <a:solidFill>
                           <a:schemeClr val="tx1"/>
@@ -9646,9 +11841,83 @@
                       <a:noFill/>
                     </a:lnR>
                     <a:lnT w="12700" cap="flat" cmpd="sng" algn="ctr">
-                      <a:solidFill>
-                        <a:schemeClr val="tx1"/>
-                      </a:solidFill>
+                      <a:noFill/>
+                      <a:prstDash val="solid"/>
+                      <a:round/>
+                      <a:headEnd type="none" w="med" len="med"/>
+                      <a:tailEnd type="none" w="med" len="med"/>
+                    </a:lnT>
+                    <a:lnB w="12700" cap="flat" cmpd="sng" algn="ctr">
+                      <a:noFill/>
+                      <a:prstDash val="solid"/>
+                      <a:round/>
+                      <a:headEnd type="none" w="med" len="med"/>
+                      <a:tailEnd type="none" w="med" len="med"/>
+                    </a:lnB>
+                    <a:lnTlToBr w="12700" cmpd="sng">
+                      <a:noFill/>
+                      <a:prstDash val="solid"/>
+                    </a:lnTlToBr>
+                    <a:lnBlToTr w="12700" cmpd="sng">
+                      <a:noFill/>
+                      <a:prstDash val="solid"/>
+                    </a:lnBlToTr>
+                    <a:noFill/>
+                  </a:tcPr>
+                </a:tc>
+                <a:extLst>
+                  <a:ext uri="{0D108BD9-81ED-4DB2-BD59-A6C34878D82A}">
+                    <a16:rowId xmlns:a16="http://schemas.microsoft.com/office/drawing/2014/main" val="1659703941"/>
+                  </a:ext>
+                </a:extLst>
+              </a:tr>
+              <a:tr h="0">
+                <a:tc>
+                  <a:txBody>
+                    <a:bodyPr/>
+                    <a:lstStyle/>
+                    <a:p>
+                      <a:pPr marL="0" marR="0" lvl="0" indent="0" algn="l" defTabSz="914400" rtl="0" eaLnBrk="1" fontAlgn="auto" latinLnBrk="1" hangingPunct="1">
+                        <a:lnSpc>
+                          <a:spcPct val="100000"/>
+                        </a:lnSpc>
+                        <a:spcBef>
+                          <a:spcPts val="0"/>
+                        </a:spcBef>
+                        <a:spcAft>
+                          <a:spcPts val="0"/>
+                        </a:spcAft>
+                        <a:buClrTx/>
+                        <a:buSzTx/>
+                        <a:buFontTx/>
+                        <a:buNone/>
+                        <a:tabLst/>
+                        <a:defRPr/>
+                      </a:pPr>
+                      <a:r>
+                        <a:rPr lang="ko-KR" altLang="en-US" sz="1400" b="0" dirty="0">
+                          <a:solidFill>
+                            <a:schemeClr val="tx1"/>
+                          </a:solidFill>
+                        </a:rPr>
+                        <a:t>환경</a:t>
+                      </a:r>
+                      <a:endParaRPr lang="en-US" altLang="ko-KR" sz="1400" b="0" dirty="0">
+                        <a:solidFill>
+                          <a:schemeClr val="tx1"/>
+                        </a:solidFill>
+                      </a:endParaRPr>
+                    </a:p>
+                  </a:txBody>
+                  <a:tcPr>
+                    <a:lnL w="12700" cmpd="sng">
+                      <a:noFill/>
+                    </a:lnL>
+                    <a:lnR w="12700" cmpd="sng">
+                      <a:noFill/>
+                    </a:lnR>
+                    <a:lnT w="12700" cap="flat" cmpd="sng" algn="ctr">
+                      <a:noFill/>
                       <a:prstDash val="solid"/>
                       <a:round/>
                       <a:headEnd type="none" w="med" len="med"/>
@@ -9707,11 +11976,22 @@
                         <a:tabLst/>
                         <a:defRPr/>
                       </a:pPr>
-                      <a:endParaRPr lang="en-US" altLang="ko-KR" sz="1400" b="0" dirty="0">
-                        <a:solidFill>
-                          <a:schemeClr val="tx1"/>
-                        </a:solidFill>
-                      </a:endParaRPr>
+                      <a:r>
+                        <a:rPr lang="ko-KR" altLang="en-US" sz="1400" b="0" dirty="0">
+                          <a:solidFill>
+                            <a:schemeClr val="tx1"/>
+                          </a:solidFill>
+                        </a:rPr>
+                        <a:t>산속에 위치해 있으며 토벌단을 중심으로 근처 나무에는 붉은 실과 오행을 상징하는 색의 부적들이 걸려 있다</a:t>
+                      </a:r>
+                      <a:r>
+                        <a:rPr lang="en-US" altLang="ko-KR" sz="1400" b="0" dirty="0">
+                          <a:solidFill>
+                            <a:schemeClr val="tx1"/>
+                          </a:solidFill>
+                        </a:rPr>
+                        <a:t>.</a:t>
+                      </a:r>
                     </a:p>
                   </a:txBody>
                   <a:tcPr>

--- a/기획/방랑엽사전/맵 기획서 (토벌단 본부).pptx
+++ b/기획/방랑엽사전/맵 기획서 (토벌단 본부).pptx
@@ -5,15 +5,17 @@
     <p:sldMasterId id="2147483715" r:id="rId1"/>
   </p:sldMasterIdLst>
   <p:notesMasterIdLst>
-    <p:notesMasterId r:id="rId8"/>
+    <p:notesMasterId r:id="rId10"/>
   </p:notesMasterIdLst>
   <p:sldIdLst>
     <p:sldId id="258" r:id="rId2"/>
     <p:sldId id="266" r:id="rId3"/>
     <p:sldId id="267" r:id="rId4"/>
-    <p:sldId id="268" r:id="rId5"/>
-    <p:sldId id="269" r:id="rId6"/>
-    <p:sldId id="270" r:id="rId7"/>
+    <p:sldId id="269" r:id="rId5"/>
+    <p:sldId id="270" r:id="rId6"/>
+    <p:sldId id="272" r:id="rId7"/>
+    <p:sldId id="268" r:id="rId8"/>
+    <p:sldId id="271" r:id="rId9"/>
   </p:sldIdLst>
   <p:sldSz cx="12192000" cy="6858000"/>
   <p:notesSz cx="6858000" cy="9144000"/>
@@ -115,7 +117,7 @@
   <p:extLst>
     <p:ext uri="{EFAFB233-063F-42B5-8137-9DF3F51BA10A}">
       <p15:sldGuideLst xmlns:p15="http://schemas.microsoft.com/office/powerpoint/2012/main">
-        <p15:guide id="1" orient="horz" pos="2160" userDrawn="1">
+        <p15:guide id="1" orient="horz" pos="2137" userDrawn="1">
           <p15:clr>
             <a:srgbClr val="A4A3A4"/>
           </p15:clr>
@@ -7817,6 +7819,1650 @@
           </a:lstStyle>
           <a:p>
             <a:r>
+              <a:rPr lang="ko-KR" altLang="en-US" dirty="0"/>
+              <a:t>시나리오</a:t>
+            </a:r>
+          </a:p>
+        </p:txBody>
+      </p:sp>
+      <p:graphicFrame>
+        <p:nvGraphicFramePr>
+          <p:cNvPr id="3" name="표 2">
+            <a:extLst>
+              <a:ext uri="{FF2B5EF4-FFF2-40B4-BE49-F238E27FC236}">
+                <a16:creationId xmlns:a16="http://schemas.microsoft.com/office/drawing/2014/main" id="{2B03A9A3-AF35-7C5F-3F38-C8291B1AF16B}"/>
+              </a:ext>
+            </a:extLst>
+          </p:cNvPr>
+          <p:cNvGraphicFramePr>
+            <a:graphicFrameLocks noGrp="1"/>
+          </p:cNvGraphicFramePr>
+          <p:nvPr>
+            <p:extLst>
+              <p:ext uri="{D42A27DB-BD31-4B8C-83A1-F6EECF244321}">
+                <p14:modId xmlns:p14="http://schemas.microsoft.com/office/powerpoint/2010/main" val="3041127345"/>
+              </p:ext>
+            </p:extLst>
+          </p:nvPr>
+        </p:nvGraphicFramePr>
+        <p:xfrm>
+          <a:off x="1412875" y="1536976"/>
+          <a:ext cx="9366250" cy="4846320"/>
+        </p:xfrm>
+        <a:graphic>
+          <a:graphicData uri="http://schemas.openxmlformats.org/drawingml/2006/table">
+            <a:tbl>
+              <a:tblPr firstRow="1" bandRow="1">
+                <a:tableStyleId>{5C22544A-7EE6-4342-B048-85BDC9FD1C3A}</a:tableStyleId>
+              </a:tblPr>
+              <a:tblGrid>
+                <a:gridCol w="9366250">
+                  <a:extLst>
+                    <a:ext uri="{9D8B030D-6E8A-4147-A177-3AD203B41FA5}">
+                      <a16:colId xmlns:a16="http://schemas.microsoft.com/office/drawing/2014/main" val="855305220"/>
+                    </a:ext>
+                  </a:extLst>
+                </a:gridCol>
+              </a:tblGrid>
+              <a:tr h="0">
+                <a:tc>
+                  <a:txBody>
+                    <a:bodyPr/>
+                    <a:lstStyle/>
+                    <a:p>
+                      <a:pPr latinLnBrk="1"/>
+                      <a:r>
+                        <a:rPr lang="ko-KR" altLang="en-US" sz="1400" b="0" dirty="0">
+                          <a:solidFill>
+                            <a:schemeClr val="tx1"/>
+                          </a:solidFill>
+                        </a:rPr>
+                        <a:t>과거</a:t>
+                      </a:r>
+                    </a:p>
+                  </a:txBody>
+                  <a:tcPr>
+                    <a:lnL w="12700" cmpd="sng">
+                      <a:noFill/>
+                    </a:lnL>
+                    <a:lnR w="12700" cmpd="sng">
+                      <a:noFill/>
+                    </a:lnR>
+                    <a:lnT w="12700" cmpd="sng">
+                      <a:noFill/>
+                    </a:lnT>
+                    <a:lnB w="12700" cap="flat" cmpd="sng" algn="ctr">
+                      <a:solidFill>
+                        <a:schemeClr val="tx1"/>
+                      </a:solidFill>
+                      <a:prstDash val="solid"/>
+                      <a:round/>
+                      <a:headEnd type="none" w="med" len="med"/>
+                      <a:tailEnd type="none" w="med" len="med"/>
+                    </a:lnB>
+                    <a:lnTlToBr w="12700" cmpd="sng">
+                      <a:noFill/>
+                      <a:prstDash val="solid"/>
+                    </a:lnTlToBr>
+                    <a:lnBlToTr w="12700" cmpd="sng">
+                      <a:noFill/>
+                      <a:prstDash val="solid"/>
+                    </a:lnBlToTr>
+                    <a:solidFill>
+                      <a:schemeClr val="bg1">
+                        <a:lumMod val="95000"/>
+                      </a:schemeClr>
+                    </a:solidFill>
+                  </a:tcPr>
+                </a:tc>
+                <a:extLst>
+                  <a:ext uri="{0D108BD9-81ED-4DB2-BD59-A6C34878D82A}">
+                    <a16:rowId xmlns:a16="http://schemas.microsoft.com/office/drawing/2014/main" val="966420032"/>
+                  </a:ext>
+                </a:extLst>
+              </a:tr>
+              <a:tr h="370840">
+                <a:tc>
+                  <a:txBody>
+                    <a:bodyPr/>
+                    <a:lstStyle/>
+                    <a:p>
+                      <a:pPr latinLnBrk="1"/>
+                      <a:r>
+                        <a:rPr lang="ko-KR" altLang="en-US" sz="1400" b="0" dirty="0">
+                          <a:solidFill>
+                            <a:schemeClr val="tx1"/>
+                          </a:solidFill>
+                        </a:rPr>
+                        <a:t>달기와의 전쟁은 무림 세력에게 치명적이었다</a:t>
+                      </a:r>
+                      <a:r>
+                        <a:rPr lang="en-US" altLang="ko-KR" sz="1400" b="0" dirty="0">
+                          <a:solidFill>
+                            <a:schemeClr val="tx1"/>
+                          </a:solidFill>
+                        </a:rPr>
+                        <a:t>. </a:t>
+                      </a:r>
+                      <a:r>
+                        <a:rPr lang="ko-KR" altLang="en-US" sz="1400" b="0" dirty="0">
+                          <a:solidFill>
+                            <a:schemeClr val="tx1"/>
+                          </a:solidFill>
+                        </a:rPr>
+                        <a:t>무림 맹주와 천마를 포함한 각 세력의 주요 인물들의 죽음은 대다수의 세력에게 큰 피해를 입었다</a:t>
+                      </a:r>
+                      <a:r>
+                        <a:rPr lang="en-US" altLang="ko-KR" sz="1400" b="0" dirty="0">
+                          <a:solidFill>
+                            <a:schemeClr val="tx1"/>
+                          </a:solidFill>
+                        </a:rPr>
+                        <a:t>. </a:t>
+                      </a:r>
+                      <a:r>
+                        <a:rPr lang="ko-KR" altLang="en-US" sz="1400" b="0" dirty="0">
+                          <a:solidFill>
+                            <a:schemeClr val="tx1"/>
+                          </a:solidFill>
+                        </a:rPr>
+                        <a:t>무림은 복수를 다짐하며 동쪽에 멀리 대륙 끝에 있는 나라 </a:t>
+                      </a:r>
+                      <a:r>
+                        <a:rPr lang="en-US" altLang="ko-KR" sz="1400" b="0" dirty="0">
+                          <a:solidFill>
+                            <a:schemeClr val="tx1"/>
+                          </a:solidFill>
+                        </a:rPr>
+                        <a:t>‘</a:t>
+                      </a:r>
+                      <a:r>
+                        <a:rPr lang="ko-KR" altLang="en-US" sz="1400" b="0" dirty="0">
+                          <a:solidFill>
+                            <a:schemeClr val="tx1"/>
+                          </a:solidFill>
+                        </a:rPr>
+                        <a:t>동아</a:t>
+                      </a:r>
+                      <a:r>
+                        <a:rPr lang="en-US" altLang="ko-KR" sz="1400" b="0" dirty="0">
+                          <a:solidFill>
+                            <a:schemeClr val="tx1"/>
+                          </a:solidFill>
+                        </a:rPr>
+                        <a:t>’</a:t>
+                      </a:r>
+                      <a:r>
+                        <a:rPr lang="ko-KR" altLang="en-US" sz="1400" b="0" dirty="0">
+                          <a:solidFill>
+                            <a:schemeClr val="tx1"/>
+                          </a:solidFill>
+                        </a:rPr>
+                        <a:t>에 숨어</a:t>
+                      </a:r>
+                      <a:r>
+                        <a:rPr lang="en-US" altLang="ko-KR" sz="1400" b="0" dirty="0">
+                          <a:solidFill>
+                            <a:schemeClr val="tx1"/>
+                          </a:solidFill>
+                        </a:rPr>
+                        <a:t> </a:t>
+                      </a:r>
+                      <a:r>
+                        <a:rPr lang="ko-KR" altLang="en-US" sz="1400" b="0" dirty="0">
+                          <a:solidFill>
+                            <a:schemeClr val="tx1"/>
+                          </a:solidFill>
+                        </a:rPr>
+                        <a:t>달기와의 재전쟁을 위해 조용히 세력을 회복 하고 있었다</a:t>
+                      </a:r>
+                      <a:r>
+                        <a:rPr lang="en-US" altLang="ko-KR" sz="1400" b="0" dirty="0">
+                          <a:solidFill>
+                            <a:schemeClr val="tx1"/>
+                          </a:solidFill>
+                        </a:rPr>
+                        <a:t>.</a:t>
+                      </a:r>
+                    </a:p>
+                    <a:p>
+                      <a:pPr latinLnBrk="1"/>
+                      <a:endParaRPr lang="en-US" altLang="ko-KR" sz="1400" b="0" dirty="0">
+                        <a:solidFill>
+                          <a:schemeClr val="tx1"/>
+                        </a:solidFill>
+                      </a:endParaRPr>
+                    </a:p>
+                    <a:p>
+                      <a:pPr latinLnBrk="1"/>
+                      <a:r>
+                        <a:rPr lang="en-US" altLang="ko-KR" sz="1400" b="0" dirty="0">
+                          <a:solidFill>
+                            <a:schemeClr val="tx1"/>
+                          </a:solidFill>
+                        </a:rPr>
+                        <a:t>‘</a:t>
+                      </a:r>
+                      <a:r>
+                        <a:rPr lang="ko-KR" altLang="en-US" sz="1400" b="0" dirty="0">
+                          <a:solidFill>
+                            <a:schemeClr val="tx1"/>
+                          </a:solidFill>
+                        </a:rPr>
+                        <a:t>동아</a:t>
+                      </a:r>
+                      <a:r>
+                        <a:rPr lang="en-US" altLang="ko-KR" sz="1400" b="0" dirty="0">
+                          <a:solidFill>
+                            <a:schemeClr val="tx1"/>
+                          </a:solidFill>
+                        </a:rPr>
+                        <a:t>’</a:t>
+                      </a:r>
+                      <a:r>
+                        <a:rPr lang="ko-KR" altLang="en-US" sz="1400" b="0" dirty="0">
+                          <a:solidFill>
+                            <a:schemeClr val="tx1"/>
+                          </a:solidFill>
+                        </a:rPr>
+                        <a:t>는 중원에서 멀리 떨어져 있었고 오랜 옛날 부터 만은 </a:t>
+                      </a:r>
+                      <a:endParaRPr lang="en-US" altLang="ko-KR" sz="1400" b="0" dirty="0">
+                        <a:solidFill>
+                          <a:schemeClr val="tx1"/>
+                        </a:solidFill>
+                      </a:endParaRPr>
+                    </a:p>
+                    <a:p>
+                      <a:pPr latinLnBrk="1"/>
+                      <a:endParaRPr lang="en-US" altLang="ko-KR" sz="1400" b="0" dirty="0">
+                        <a:solidFill>
+                          <a:schemeClr val="tx1"/>
+                        </a:solidFill>
+                      </a:endParaRPr>
+                    </a:p>
+                    <a:p>
+                      <a:pPr latinLnBrk="1"/>
+                      <a:endParaRPr lang="en-US" altLang="ko-KR" sz="1400" b="0" dirty="0">
+                        <a:solidFill>
+                          <a:schemeClr val="tx1"/>
+                        </a:solidFill>
+                      </a:endParaRPr>
+                    </a:p>
+                    <a:p>
+                      <a:pPr latinLnBrk="1"/>
+                      <a:r>
+                        <a:rPr lang="en-US" altLang="ko-KR" sz="1400" b="0" dirty="0">
+                          <a:solidFill>
+                            <a:schemeClr val="tx1"/>
+                          </a:solidFill>
+                        </a:rPr>
+                        <a:t> </a:t>
+                      </a:r>
+                      <a:r>
+                        <a:rPr lang="ko-KR" altLang="en-US" sz="1400" b="0" dirty="0">
+                          <a:solidFill>
+                            <a:schemeClr val="tx1"/>
+                          </a:solidFill>
+                        </a:rPr>
+                        <a:t>그로부터 약 </a:t>
+                      </a:r>
+                      <a:r>
+                        <a:rPr lang="en-US" altLang="ko-KR" sz="1400" b="0" dirty="0">
+                          <a:solidFill>
+                            <a:schemeClr val="tx1"/>
+                          </a:solidFill>
+                        </a:rPr>
+                        <a:t>50</a:t>
+                      </a:r>
+                      <a:r>
+                        <a:rPr lang="ko-KR" altLang="en-US" sz="1400" b="0" dirty="0">
+                          <a:solidFill>
+                            <a:schemeClr val="tx1"/>
+                          </a:solidFill>
+                        </a:rPr>
+                        <a:t>년</a:t>
+                      </a:r>
+                      <a:r>
+                        <a:rPr lang="en-US" altLang="ko-KR" sz="1400" b="0" dirty="0">
+                          <a:solidFill>
+                            <a:schemeClr val="tx1"/>
+                          </a:solidFill>
+                        </a:rPr>
+                        <a:t>,</a:t>
+                      </a:r>
+                      <a:r>
+                        <a:rPr lang="ko-KR" altLang="en-US" sz="1400" b="0" dirty="0">
+                          <a:solidFill>
+                            <a:schemeClr val="tx1"/>
+                          </a:solidFill>
+                        </a:rPr>
+                        <a:t> 무림을 찾아낸 달기는 무림의 정파와 </a:t>
+                      </a:r>
+                      <a:r>
+                        <a:rPr lang="ko-KR" altLang="en-US" sz="1400" b="0" dirty="0" err="1">
+                          <a:solidFill>
+                            <a:schemeClr val="tx1"/>
+                          </a:solidFill>
+                        </a:rPr>
+                        <a:t>사파</a:t>
+                      </a:r>
+                      <a:r>
+                        <a:rPr lang="ko-KR" altLang="en-US" sz="1400" b="0" dirty="0">
+                          <a:solidFill>
+                            <a:schemeClr val="tx1"/>
+                          </a:solidFill>
+                        </a:rPr>
+                        <a:t> 사이에 전쟁을 일으켜 무림 세력을 크게 약화 시켰고</a:t>
+                      </a:r>
+                      <a:r>
+                        <a:rPr lang="en-US" altLang="ko-KR" sz="1400" b="0" dirty="0">
+                          <a:solidFill>
+                            <a:schemeClr val="tx1"/>
+                          </a:solidFill>
+                        </a:rPr>
+                        <a:t> </a:t>
+                      </a:r>
+                      <a:r>
+                        <a:rPr lang="ko-KR" altLang="en-US" sz="1400" b="0" dirty="0">
+                          <a:solidFill>
+                            <a:schemeClr val="tx1"/>
+                          </a:solidFill>
+                        </a:rPr>
+                        <a:t>지맥을 뒤틀어 </a:t>
+                      </a:r>
+                      <a:r>
+                        <a:rPr lang="en-US" altLang="ko-KR" sz="1400" b="0" dirty="0">
+                          <a:solidFill>
+                            <a:schemeClr val="tx1"/>
+                          </a:solidFill>
+                        </a:rPr>
+                        <a:t>‘</a:t>
+                      </a:r>
+                      <a:r>
+                        <a:rPr lang="ko-KR" altLang="en-US" sz="1400" b="0" dirty="0">
+                          <a:solidFill>
+                            <a:schemeClr val="tx1"/>
+                          </a:solidFill>
+                        </a:rPr>
+                        <a:t>동아</a:t>
+                      </a:r>
+                      <a:r>
+                        <a:rPr lang="en-US" altLang="ko-KR" sz="1400" b="0" dirty="0">
+                          <a:solidFill>
+                            <a:schemeClr val="tx1"/>
+                          </a:solidFill>
+                        </a:rPr>
+                        <a:t>’</a:t>
+                      </a:r>
+                      <a:r>
+                        <a:rPr lang="ko-KR" altLang="en-US" sz="1400" b="0" dirty="0">
+                          <a:solidFill>
+                            <a:schemeClr val="tx1"/>
+                          </a:solidFill>
+                        </a:rPr>
+                        <a:t>에 많은 괴물들을 발생시켜 재앙을 일으켜 남은 무림 세력들을 쓸어버리려 했다</a:t>
+                      </a:r>
+                      <a:r>
+                        <a:rPr lang="en-US" altLang="ko-KR" sz="1400" b="0" dirty="0">
+                          <a:solidFill>
+                            <a:schemeClr val="tx1"/>
+                          </a:solidFill>
+                        </a:rPr>
+                        <a:t>.</a:t>
+                      </a:r>
+                    </a:p>
+                    <a:p>
+                      <a:pPr latinLnBrk="1"/>
+                      <a:endParaRPr lang="en-US" altLang="ko-KR" sz="1400" b="0" dirty="0">
+                        <a:solidFill>
+                          <a:schemeClr val="tx1"/>
+                        </a:solidFill>
+                      </a:endParaRPr>
+                    </a:p>
+                    <a:p>
+                      <a:pPr latinLnBrk="1"/>
+                      <a:r>
+                        <a:rPr lang="ko-KR" altLang="en-US" sz="1400" b="0" dirty="0">
+                          <a:solidFill>
+                            <a:schemeClr val="tx1"/>
+                          </a:solidFill>
+                        </a:rPr>
+                        <a:t>뒤 늦게 전쟁의 원인을 알아낸 무림은 급하게 전쟁을 멈추고 괴물들과 싸웠지만 거의 괴멸 상태가 되었다</a:t>
+                      </a:r>
+                      <a:r>
+                        <a:rPr lang="en-US" altLang="ko-KR" sz="1400" b="0" dirty="0">
+                          <a:solidFill>
+                            <a:schemeClr val="tx1"/>
+                          </a:solidFill>
+                        </a:rPr>
+                        <a:t>.</a:t>
+                      </a:r>
+                    </a:p>
+                    <a:p>
+                      <a:pPr latinLnBrk="1"/>
+                      <a:endParaRPr lang="en-US" altLang="ko-KR" sz="1400" b="0" dirty="0">
+                        <a:solidFill>
+                          <a:schemeClr val="tx1"/>
+                        </a:solidFill>
+                      </a:endParaRPr>
+                    </a:p>
+                  </a:txBody>
+                  <a:tcPr>
+                    <a:lnL w="12700" cmpd="sng">
+                      <a:noFill/>
+                    </a:lnL>
+                    <a:lnR w="12700" cmpd="sng">
+                      <a:noFill/>
+                    </a:lnR>
+                    <a:lnT w="12700" cap="flat" cmpd="sng" algn="ctr">
+                      <a:solidFill>
+                        <a:schemeClr val="tx1"/>
+                      </a:solidFill>
+                      <a:prstDash val="solid"/>
+                      <a:round/>
+                      <a:headEnd type="none" w="med" len="med"/>
+                      <a:tailEnd type="none" w="med" len="med"/>
+                    </a:lnT>
+                    <a:lnB w="12700" cap="flat" cmpd="sng" algn="ctr">
+                      <a:noFill/>
+                      <a:prstDash val="solid"/>
+                      <a:round/>
+                      <a:headEnd type="none" w="med" len="med"/>
+                      <a:tailEnd type="none" w="med" len="med"/>
+                    </a:lnB>
+                    <a:lnTlToBr w="12700" cmpd="sng">
+                      <a:noFill/>
+                      <a:prstDash val="solid"/>
+                    </a:lnTlToBr>
+                    <a:lnBlToTr w="12700" cmpd="sng">
+                      <a:noFill/>
+                      <a:prstDash val="solid"/>
+                    </a:lnBlToTr>
+                    <a:noFill/>
+                  </a:tcPr>
+                </a:tc>
+                <a:extLst>
+                  <a:ext uri="{0D108BD9-81ED-4DB2-BD59-A6C34878D82A}">
+                    <a16:rowId xmlns:a16="http://schemas.microsoft.com/office/drawing/2014/main" val="3190496777"/>
+                  </a:ext>
+                </a:extLst>
+              </a:tr>
+              <a:tr h="0">
+                <a:tc>
+                  <a:txBody>
+                    <a:bodyPr/>
+                    <a:lstStyle/>
+                    <a:p>
+                      <a:pPr latinLnBrk="1"/>
+                      <a:r>
+                        <a:rPr lang="ko-KR" altLang="en-US" sz="1400" b="0" dirty="0">
+                          <a:solidFill>
+                            <a:schemeClr val="tx1"/>
+                          </a:solidFill>
+                        </a:rPr>
+                        <a:t>현재</a:t>
+                      </a:r>
+                    </a:p>
+                  </a:txBody>
+                  <a:tcPr>
+                    <a:lnL w="12700" cmpd="sng">
+                      <a:noFill/>
+                    </a:lnL>
+                    <a:lnR w="12700" cmpd="sng">
+                      <a:noFill/>
+                    </a:lnR>
+                    <a:lnT w="12700" cap="flat" cmpd="sng" algn="ctr">
+                      <a:noFill/>
+                      <a:prstDash val="solid"/>
+                      <a:round/>
+                      <a:headEnd type="none" w="med" len="med"/>
+                      <a:tailEnd type="none" w="med" len="med"/>
+                    </a:lnT>
+                    <a:lnB w="12700" cap="flat" cmpd="sng" algn="ctr">
+                      <a:solidFill>
+                        <a:schemeClr val="tx1"/>
+                      </a:solidFill>
+                      <a:prstDash val="solid"/>
+                      <a:round/>
+                      <a:headEnd type="none" w="med" len="med"/>
+                      <a:tailEnd type="none" w="med" len="med"/>
+                    </a:lnB>
+                    <a:lnTlToBr w="12700" cmpd="sng">
+                      <a:noFill/>
+                      <a:prstDash val="solid"/>
+                    </a:lnTlToBr>
+                    <a:lnBlToTr w="12700" cmpd="sng">
+                      <a:noFill/>
+                      <a:prstDash val="solid"/>
+                    </a:lnBlToTr>
+                    <a:solidFill>
+                      <a:schemeClr val="bg1">
+                        <a:lumMod val="95000"/>
+                      </a:schemeClr>
+                    </a:solidFill>
+                  </a:tcPr>
+                </a:tc>
+                <a:extLst>
+                  <a:ext uri="{0D108BD9-81ED-4DB2-BD59-A6C34878D82A}">
+                    <a16:rowId xmlns:a16="http://schemas.microsoft.com/office/drawing/2014/main" val="1882273058"/>
+                  </a:ext>
+                </a:extLst>
+              </a:tr>
+              <a:tr h="370840">
+                <a:tc>
+                  <a:txBody>
+                    <a:bodyPr/>
+                    <a:lstStyle/>
+                    <a:p>
+                      <a:pPr marL="0" marR="0" lvl="0" indent="0" algn="l" defTabSz="914400" rtl="0" eaLnBrk="1" fontAlgn="auto" latinLnBrk="1" hangingPunct="1">
+                        <a:lnSpc>
+                          <a:spcPct val="100000"/>
+                        </a:lnSpc>
+                        <a:spcBef>
+                          <a:spcPts val="0"/>
+                        </a:spcBef>
+                        <a:spcAft>
+                          <a:spcPts val="0"/>
+                        </a:spcAft>
+                        <a:buClrTx/>
+                        <a:buSzTx/>
+                        <a:buFontTx/>
+                        <a:buNone/>
+                        <a:tabLst/>
+                        <a:defRPr/>
+                      </a:pPr>
+                      <a:r>
+                        <a:rPr lang="ko-KR" altLang="en-US" sz="1400" b="0" dirty="0">
+                          <a:solidFill>
+                            <a:schemeClr val="tx1"/>
+                          </a:solidFill>
+                        </a:rPr>
+                        <a:t>다행히 괴물들을 모두 처치했지만 무림은 이미 너무 큰 피해를 입었다</a:t>
+                      </a:r>
+                      <a:r>
+                        <a:rPr lang="en-US" altLang="ko-KR" sz="1400" b="0" dirty="0">
+                          <a:solidFill>
+                            <a:schemeClr val="tx1"/>
+                          </a:solidFill>
+                        </a:rPr>
+                        <a:t>. </a:t>
+                      </a:r>
+                      <a:r>
+                        <a:rPr lang="ko-KR" altLang="en-US" sz="1400" b="0" dirty="0">
+                          <a:solidFill>
+                            <a:schemeClr val="tx1"/>
+                          </a:solidFill>
+                        </a:rPr>
+                        <a:t>얼마 후 나라의 군대는 근처 이웃 나라에서 일어난 반란으로 국경에 병력을 해야 했고 괴물을 토벌할 인원이 턱없이 부족했고 나라와 무림은 협력 하에 나라는 자신을 백성을 지키기 위해</a:t>
+                      </a:r>
+                      <a:r>
+                        <a:rPr lang="en-US" altLang="ko-KR" sz="1400" b="0" dirty="0">
+                          <a:solidFill>
+                            <a:schemeClr val="tx1"/>
+                          </a:solidFill>
+                        </a:rPr>
+                        <a:t>, </a:t>
+                      </a:r>
+                      <a:r>
+                        <a:rPr lang="ko-KR" altLang="en-US" sz="1400" b="0" dirty="0">
+                          <a:solidFill>
+                            <a:schemeClr val="tx1"/>
+                          </a:solidFill>
+                        </a:rPr>
+                        <a:t>무림은 전쟁 많은 인원들이 죽어 새로운 인재를 찾기 위해 창설된 토벌단은 나라의 도읍 북쪽 산 중턱에 본부를 두고 괴물들을 처리하기 위해 단원을 모집하고 있다</a:t>
+                      </a:r>
+                      <a:r>
+                        <a:rPr lang="en-US" altLang="ko-KR" sz="1400" b="0" dirty="0">
+                          <a:solidFill>
+                            <a:schemeClr val="tx1"/>
+                          </a:solidFill>
+                        </a:rPr>
+                        <a:t>.</a:t>
+                      </a:r>
+                    </a:p>
+                    <a:p>
+                      <a:pPr marL="0" marR="0" lvl="0" indent="0" algn="l" defTabSz="914400" rtl="0" eaLnBrk="1" fontAlgn="auto" latinLnBrk="1" hangingPunct="1">
+                        <a:lnSpc>
+                          <a:spcPct val="100000"/>
+                        </a:lnSpc>
+                        <a:spcBef>
+                          <a:spcPts val="0"/>
+                        </a:spcBef>
+                        <a:spcAft>
+                          <a:spcPts val="0"/>
+                        </a:spcAft>
+                        <a:buClrTx/>
+                        <a:buSzTx/>
+                        <a:buFontTx/>
+                        <a:buNone/>
+                        <a:tabLst/>
+                        <a:defRPr/>
+                      </a:pPr>
+                      <a:endParaRPr lang="en-US" altLang="ko-KR" sz="1400" b="0" dirty="0">
+                        <a:solidFill>
+                          <a:schemeClr val="tx1"/>
+                        </a:solidFill>
+                      </a:endParaRPr>
+                    </a:p>
+                    <a:p>
+                      <a:pPr marL="0" marR="0" lvl="0" indent="0" algn="l" defTabSz="914400" rtl="0" eaLnBrk="1" fontAlgn="auto" latinLnBrk="1" hangingPunct="1">
+                        <a:lnSpc>
+                          <a:spcPct val="100000"/>
+                        </a:lnSpc>
+                        <a:spcBef>
+                          <a:spcPts val="0"/>
+                        </a:spcBef>
+                        <a:spcAft>
+                          <a:spcPts val="0"/>
+                        </a:spcAft>
+                        <a:buClrTx/>
+                        <a:buSzTx/>
+                        <a:buFontTx/>
+                        <a:buNone/>
+                        <a:tabLst/>
+                        <a:defRPr/>
+                      </a:pPr>
+                      <a:r>
+                        <a:rPr lang="ko-KR" altLang="en-US" sz="1400" b="0" dirty="0">
+                          <a:solidFill>
+                            <a:schemeClr val="tx1"/>
+                          </a:solidFill>
+                        </a:rPr>
+                        <a:t>나라와 무림의 협력으로 만들어진 </a:t>
+                      </a:r>
+                      <a:r>
+                        <a:rPr lang="ko-KR" altLang="en-US" sz="1400" b="0" dirty="0" err="1">
+                          <a:solidFill>
+                            <a:schemeClr val="tx1"/>
+                          </a:solidFill>
+                        </a:rPr>
+                        <a:t>토벌단</a:t>
+                      </a:r>
+                      <a:r>
+                        <a:rPr lang="ko-KR" altLang="en-US" sz="1400" b="0" dirty="0">
+                          <a:solidFill>
+                            <a:schemeClr val="tx1"/>
+                          </a:solidFill>
+                        </a:rPr>
+                        <a:t> 본부에는 입단한 단원들이 훈련할 수 있는 훈련장과 쉴 수 있는 숙소</a:t>
+                      </a:r>
+                      <a:r>
+                        <a:rPr lang="en-US" altLang="ko-KR" sz="1400" b="0" dirty="0">
+                          <a:solidFill>
+                            <a:schemeClr val="tx1"/>
+                          </a:solidFill>
+                        </a:rPr>
+                        <a:t>, </a:t>
+                      </a:r>
+                      <a:r>
+                        <a:rPr lang="ko-KR" altLang="en-US" sz="1400" b="0" dirty="0">
+                          <a:solidFill>
+                            <a:schemeClr val="tx1"/>
+                          </a:solidFill>
+                        </a:rPr>
+                        <a:t>괴물 토벌을 위한 장비를 만들고 살수 있는 대장간과 창고 등의 위치해 있다</a:t>
+                      </a:r>
+                      <a:r>
+                        <a:rPr lang="en-US" altLang="ko-KR" sz="1400" b="0" dirty="0">
+                          <a:solidFill>
+                            <a:schemeClr val="tx1"/>
+                          </a:solidFill>
+                        </a:rPr>
+                        <a:t>.</a:t>
+                      </a:r>
+                    </a:p>
+                  </a:txBody>
+                  <a:tcPr>
+                    <a:lnL w="12700" cmpd="sng">
+                      <a:noFill/>
+                    </a:lnL>
+                    <a:lnR w="12700" cmpd="sng">
+                      <a:noFill/>
+                    </a:lnR>
+                    <a:lnT w="12700" cap="flat" cmpd="sng" algn="ctr">
+                      <a:solidFill>
+                        <a:schemeClr val="tx1"/>
+                      </a:solidFill>
+                      <a:prstDash val="solid"/>
+                      <a:round/>
+                      <a:headEnd type="none" w="med" len="med"/>
+                      <a:tailEnd type="none" w="med" len="med"/>
+                    </a:lnT>
+                    <a:lnB w="12700" cmpd="sng">
+                      <a:noFill/>
+                    </a:lnB>
+                    <a:lnTlToBr w="12700" cmpd="sng">
+                      <a:noFill/>
+                      <a:prstDash val="solid"/>
+                    </a:lnTlToBr>
+                    <a:lnBlToTr w="12700" cmpd="sng">
+                      <a:noFill/>
+                      <a:prstDash val="solid"/>
+                    </a:lnBlToTr>
+                    <a:noFill/>
+                  </a:tcPr>
+                </a:tc>
+                <a:extLst>
+                  <a:ext uri="{0D108BD9-81ED-4DB2-BD59-A6C34878D82A}">
+                    <a16:rowId xmlns:a16="http://schemas.microsoft.com/office/drawing/2014/main" val="3707234740"/>
+                  </a:ext>
+                </a:extLst>
+              </a:tr>
+            </a:tbl>
+          </a:graphicData>
+        </a:graphic>
+      </p:graphicFrame>
+    </p:spTree>
+    <p:extLst>
+      <p:ext uri="{BB962C8B-B14F-4D97-AF65-F5344CB8AC3E}">
+        <p14:creationId xmlns:p14="http://schemas.microsoft.com/office/powerpoint/2010/main" val="3494226214"/>
+      </p:ext>
+    </p:extLst>
+  </p:cSld>
+  <p:clrMapOvr>
+    <a:masterClrMapping/>
+  </p:clrMapOvr>
+</p:sld>
+</file>
+
+<file path=ppt/slides/slide5.xml><?xml version="1.0" encoding="utf-8"?>
+<p:sld xmlns:a="http://schemas.openxmlformats.org/drawingml/2006/main" xmlns:r="http://schemas.openxmlformats.org/officeDocument/2006/relationships" xmlns:p="http://schemas.openxmlformats.org/presentationml/2006/main">
+  <p:cSld>
+    <p:spTree>
+      <p:nvGrpSpPr>
+        <p:cNvPr id="1" name=""/>
+        <p:cNvGrpSpPr/>
+        <p:nvPr/>
+      </p:nvGrpSpPr>
+      <p:grpSpPr>
+        <a:xfrm>
+          <a:off x="0" y="0"/>
+          <a:ext cx="0" cy="0"/>
+          <a:chOff x="0" y="0"/>
+          <a:chExt cx="0" cy="0"/>
+        </a:xfrm>
+      </p:grpSpPr>
+      <p:sp>
+        <p:nvSpPr>
+          <p:cNvPr id="7" name="제목 1">
+            <a:extLst>
+              <a:ext uri="{FF2B5EF4-FFF2-40B4-BE49-F238E27FC236}">
+                <a16:creationId xmlns:a16="http://schemas.microsoft.com/office/drawing/2014/main" id="{77FA9A8E-E94C-4F99-8997-7C96A1AAEAC7}"/>
+              </a:ext>
+            </a:extLst>
+          </p:cNvPr>
+          <p:cNvSpPr txBox="1">
+            <a:spLocks/>
+          </p:cNvSpPr>
+          <p:nvPr/>
+        </p:nvSpPr>
+        <p:spPr>
+          <a:xfrm>
+            <a:off x="695325" y="292100"/>
+            <a:ext cx="10801350" cy="861695"/>
+          </a:xfrm>
+          <a:prstGeom prst="rect">
+            <a:avLst/>
+          </a:prstGeom>
+        </p:spPr>
+        <p:txBody>
+          <a:bodyPr vert="horz" lIns="91440" tIns="45720" rIns="91440" bIns="45720" rtlCol="0" anchor="ctr">
+            <a:normAutofit/>
+          </a:bodyPr>
+          <a:lstStyle>
+            <a:lvl1pPr algn="l" defTabSz="914400" rtl="0" eaLnBrk="1" latinLnBrk="1" hangingPunct="1">
+              <a:lnSpc>
+                <a:spcPct val="90000"/>
+              </a:lnSpc>
+              <a:spcBef>
+                <a:spcPct val="0"/>
+              </a:spcBef>
+              <a:buNone/>
+              <a:defRPr sz="4400" kern="1200">
+                <a:solidFill>
+                  <a:schemeClr val="tx1"/>
+                </a:solidFill>
+                <a:latin typeface="+mj-lt"/>
+                <a:ea typeface="+mj-ea"/>
+                <a:cs typeface="+mj-cs"/>
+              </a:defRPr>
+            </a:lvl1pPr>
+          </a:lstStyle>
+          <a:p>
+            <a:r>
+              <a:rPr lang="ko-KR" altLang="en-US" dirty="0"/>
+              <a:t>디자인 컨셉</a:t>
+            </a:r>
+          </a:p>
+        </p:txBody>
+      </p:sp>
+      <p:pic>
+        <p:nvPicPr>
+          <p:cNvPr id="19" name="그림 18">
+            <a:extLst>
+              <a:ext uri="{FF2B5EF4-FFF2-40B4-BE49-F238E27FC236}">
+                <a16:creationId xmlns:a16="http://schemas.microsoft.com/office/drawing/2014/main" id="{EF74CA12-A551-4524-9D1C-32197B6127E2}"/>
+              </a:ext>
+            </a:extLst>
+          </p:cNvPr>
+          <p:cNvPicPr>
+            <a:picLocks noChangeAspect="1"/>
+          </p:cNvPicPr>
+          <p:nvPr/>
+        </p:nvPicPr>
+        <p:blipFill rotWithShape="1">
+          <a:blip r:embed="rId2">
+            <a:extLst>
+              <a:ext uri="{28A0092B-C50C-407E-A947-70E740481C1C}">
+                <a14:useLocalDpi xmlns:a14="http://schemas.microsoft.com/office/drawing/2010/main" val="0"/>
+              </a:ext>
+            </a:extLst>
+          </a:blip>
+          <a:srcRect l="1112" t="7964" r="1157" b="4725"/>
+          <a:stretch/>
+        </p:blipFill>
+        <p:spPr>
+          <a:xfrm>
+            <a:off x="3959317" y="3429001"/>
+            <a:ext cx="7537357" cy="2644510"/>
+          </a:xfrm>
+          <a:prstGeom prst="rect">
+            <a:avLst/>
+          </a:prstGeom>
+        </p:spPr>
+      </p:pic>
+      <p:sp>
+        <p:nvSpPr>
+          <p:cNvPr id="23" name="TextBox 22">
+            <a:extLst>
+              <a:ext uri="{FF2B5EF4-FFF2-40B4-BE49-F238E27FC236}">
+                <a16:creationId xmlns:a16="http://schemas.microsoft.com/office/drawing/2014/main" id="{375AA319-43A1-4217-88BB-787CB464C197}"/>
+              </a:ext>
+            </a:extLst>
+          </p:cNvPr>
+          <p:cNvSpPr txBox="1"/>
+          <p:nvPr/>
+        </p:nvSpPr>
+        <p:spPr>
+          <a:xfrm>
+            <a:off x="3918611" y="2475941"/>
+            <a:ext cx="7528498" cy="923330"/>
+          </a:xfrm>
+          <a:prstGeom prst="rect">
+            <a:avLst/>
+          </a:prstGeom>
+          <a:noFill/>
+        </p:spPr>
+        <p:txBody>
+          <a:bodyPr wrap="square" rtlCol="0">
+            <a:spAutoFit/>
+          </a:bodyPr>
+          <a:lstStyle/>
+          <a:p>
+            <a:pPr latinLnBrk="1"/>
+            <a:r>
+              <a:rPr lang="ko-KR" altLang="en-US" sz="1800" b="0" dirty="0">
+                <a:solidFill>
+                  <a:schemeClr val="tx1"/>
+                </a:solidFill>
+              </a:rPr>
+              <a:t>동양풍의 목재 건물로 외벽에 있는 기둥에 붉은 실이 묶여 있고 붉은 실에 곳곳에 </a:t>
+            </a:r>
+            <a:r>
+              <a:rPr lang="ko-KR" altLang="en-US" sz="1800" b="0" dirty="0" err="1">
+                <a:solidFill>
+                  <a:schemeClr val="tx1"/>
+                </a:solidFill>
+              </a:rPr>
+              <a:t>오방색</a:t>
+            </a:r>
+            <a:r>
+              <a:rPr lang="en-US" altLang="ko-KR" sz="1800" b="0" dirty="0">
+                <a:solidFill>
+                  <a:schemeClr val="tx1"/>
+                </a:solidFill>
+              </a:rPr>
+              <a:t>(</a:t>
+            </a:r>
+            <a:r>
+              <a:rPr lang="ko-KR" altLang="en-US" sz="1800" b="0" dirty="0">
+                <a:solidFill>
+                  <a:schemeClr val="tx1"/>
+                </a:solidFill>
+              </a:rPr>
+              <a:t>적색</a:t>
+            </a:r>
+            <a:r>
+              <a:rPr lang="en-US" altLang="ko-KR" sz="1800" b="0" dirty="0">
+                <a:solidFill>
+                  <a:schemeClr val="tx1"/>
+                </a:solidFill>
+              </a:rPr>
+              <a:t>, </a:t>
+            </a:r>
+            <a:r>
+              <a:rPr lang="ko-KR" altLang="en-US" sz="1800" b="0" dirty="0">
+                <a:solidFill>
+                  <a:schemeClr val="tx1"/>
+                </a:solidFill>
+              </a:rPr>
+              <a:t>청색</a:t>
+            </a:r>
+            <a:r>
+              <a:rPr lang="en-US" altLang="ko-KR" sz="1800" b="0" dirty="0">
+                <a:solidFill>
+                  <a:schemeClr val="tx1"/>
+                </a:solidFill>
+              </a:rPr>
+              <a:t>, </a:t>
+            </a:r>
+            <a:r>
+              <a:rPr lang="ko-KR" altLang="en-US" sz="1800" b="0" dirty="0">
+                <a:solidFill>
+                  <a:schemeClr val="tx1"/>
+                </a:solidFill>
+              </a:rPr>
+              <a:t>황색</a:t>
+            </a:r>
+            <a:r>
+              <a:rPr lang="en-US" altLang="ko-KR" sz="1800" b="0" dirty="0">
+                <a:solidFill>
+                  <a:schemeClr val="tx1"/>
+                </a:solidFill>
+              </a:rPr>
+              <a:t>, </a:t>
+            </a:r>
+            <a:r>
+              <a:rPr lang="ko-KR" altLang="en-US" sz="1800" b="0" dirty="0">
+                <a:solidFill>
+                  <a:schemeClr val="tx1"/>
+                </a:solidFill>
+              </a:rPr>
+              <a:t>백색</a:t>
+            </a:r>
+            <a:r>
+              <a:rPr lang="en-US" altLang="ko-KR" sz="1800" b="0" dirty="0">
+                <a:solidFill>
+                  <a:schemeClr val="tx1"/>
+                </a:solidFill>
+              </a:rPr>
+              <a:t>, </a:t>
+            </a:r>
+            <a:r>
+              <a:rPr lang="ko-KR" altLang="en-US" sz="1800" b="0" dirty="0">
+                <a:solidFill>
+                  <a:schemeClr val="tx1"/>
+                </a:solidFill>
+              </a:rPr>
+              <a:t>흑색</a:t>
+            </a:r>
+            <a:r>
+              <a:rPr lang="en-US" altLang="ko-KR" sz="1800" b="0" dirty="0">
+                <a:solidFill>
+                  <a:schemeClr val="tx1"/>
+                </a:solidFill>
+              </a:rPr>
+              <a:t>)</a:t>
+            </a:r>
+            <a:r>
+              <a:rPr lang="ko-KR" altLang="en-US" dirty="0"/>
+              <a:t> 천</a:t>
+            </a:r>
+            <a:r>
+              <a:rPr lang="en-US" altLang="ko-KR" dirty="0"/>
+              <a:t>,</a:t>
+            </a:r>
+            <a:r>
+              <a:rPr lang="ko-KR" altLang="en-US" sz="1800" b="0" dirty="0">
+                <a:solidFill>
+                  <a:schemeClr val="tx1"/>
+                </a:solidFill>
+              </a:rPr>
+              <a:t> 부적</a:t>
+            </a:r>
+            <a:r>
+              <a:rPr lang="en-US" altLang="ko-KR" sz="1800" b="0" dirty="0">
+                <a:solidFill>
+                  <a:schemeClr val="tx1"/>
+                </a:solidFill>
+              </a:rPr>
+              <a:t>, </a:t>
+            </a:r>
+            <a:r>
+              <a:rPr lang="ko-KR" altLang="en-US" sz="1800" b="0" dirty="0">
+                <a:solidFill>
+                  <a:schemeClr val="tx1"/>
+                </a:solidFill>
+              </a:rPr>
+              <a:t>작은 방울들이 매달려 있다</a:t>
+            </a:r>
+            <a:r>
+              <a:rPr lang="en-US" altLang="ko-KR" sz="1800" b="0" dirty="0">
+                <a:solidFill>
+                  <a:schemeClr val="tx1"/>
+                </a:solidFill>
+              </a:rPr>
+              <a:t>.</a:t>
+            </a:r>
+          </a:p>
+        </p:txBody>
+      </p:sp>
+      <p:grpSp>
+        <p:nvGrpSpPr>
+          <p:cNvPr id="27" name="그룹 26">
+            <a:extLst>
+              <a:ext uri="{FF2B5EF4-FFF2-40B4-BE49-F238E27FC236}">
+                <a16:creationId xmlns:a16="http://schemas.microsoft.com/office/drawing/2014/main" id="{9A5671E7-F8FB-4CB3-B9B3-8EB283880531}"/>
+              </a:ext>
+            </a:extLst>
+          </p:cNvPr>
+          <p:cNvGrpSpPr/>
+          <p:nvPr/>
+        </p:nvGrpSpPr>
+        <p:grpSpPr>
+          <a:xfrm>
+            <a:off x="695325" y="1158875"/>
+            <a:ext cx="3223286" cy="4914636"/>
+            <a:chOff x="695325" y="1158875"/>
+            <a:chExt cx="3223286" cy="4914636"/>
+          </a:xfrm>
+        </p:grpSpPr>
+        <p:pic>
+          <p:nvPicPr>
+            <p:cNvPr id="14" name="그림 13">
+              <a:extLst>
+                <a:ext uri="{FF2B5EF4-FFF2-40B4-BE49-F238E27FC236}">
+                  <a16:creationId xmlns:a16="http://schemas.microsoft.com/office/drawing/2014/main" id="{A0D947D3-F89F-4F28-8F85-29FA357813F8}"/>
+                </a:ext>
+              </a:extLst>
+            </p:cNvPr>
+            <p:cNvPicPr>
+              <a:picLocks noChangeAspect="1"/>
+            </p:cNvPicPr>
+            <p:nvPr/>
+          </p:nvPicPr>
+          <p:blipFill>
+            <a:blip r:embed="rId3">
+              <a:extLst>
+                <a:ext uri="{28A0092B-C50C-407E-A947-70E740481C1C}">
+                  <a14:useLocalDpi xmlns:a14="http://schemas.microsoft.com/office/drawing/2010/main" val="0"/>
+                </a:ext>
+              </a:extLst>
+            </a:blip>
+            <a:stretch>
+              <a:fillRect/>
+            </a:stretch>
+          </p:blipFill>
+          <p:spPr>
+            <a:xfrm>
+              <a:off x="695325" y="1158875"/>
+              <a:ext cx="3223286" cy="2233613"/>
+            </a:xfrm>
+            <a:prstGeom prst="rect">
+              <a:avLst/>
+            </a:prstGeom>
+          </p:spPr>
+        </p:pic>
+        <p:pic>
+          <p:nvPicPr>
+            <p:cNvPr id="8" name="그림 7">
+              <a:extLst>
+                <a:ext uri="{FF2B5EF4-FFF2-40B4-BE49-F238E27FC236}">
+                  <a16:creationId xmlns:a16="http://schemas.microsoft.com/office/drawing/2014/main" id="{9A144B7F-323E-4806-AAAA-C6A633C8B9EC}"/>
+                </a:ext>
+              </a:extLst>
+            </p:cNvPr>
+            <p:cNvPicPr>
+              <a:picLocks noChangeAspect="1"/>
+            </p:cNvPicPr>
+            <p:nvPr/>
+          </p:nvPicPr>
+          <p:blipFill rotWithShape="1">
+            <a:blip r:embed="rId4">
+              <a:extLst>
+                <a:ext uri="{28A0092B-C50C-407E-A947-70E740481C1C}">
+                  <a14:useLocalDpi xmlns:a14="http://schemas.microsoft.com/office/drawing/2010/main" val="0"/>
+                </a:ext>
+              </a:extLst>
+            </a:blip>
+            <a:srcRect l="30981" r="17014"/>
+            <a:stretch/>
+          </p:blipFill>
+          <p:spPr>
+            <a:xfrm>
+              <a:off x="695325" y="3429000"/>
+              <a:ext cx="1964713" cy="2644510"/>
+            </a:xfrm>
+            <a:prstGeom prst="rect">
+              <a:avLst/>
+            </a:prstGeom>
+          </p:spPr>
+        </p:pic>
+        <p:pic>
+          <p:nvPicPr>
+            <p:cNvPr id="16" name="그림 15">
+              <a:extLst>
+                <a:ext uri="{FF2B5EF4-FFF2-40B4-BE49-F238E27FC236}">
+                  <a16:creationId xmlns:a16="http://schemas.microsoft.com/office/drawing/2014/main" id="{6725D3DD-0482-4683-BEA7-9C2C3FC06F10}"/>
+                </a:ext>
+              </a:extLst>
+            </p:cNvPr>
+            <p:cNvPicPr>
+              <a:picLocks noChangeAspect="1"/>
+            </p:cNvPicPr>
+            <p:nvPr/>
+          </p:nvPicPr>
+          <p:blipFill>
+            <a:blip r:embed="rId5">
+              <a:extLst>
+                <a:ext uri="{28A0092B-C50C-407E-A947-70E740481C1C}">
+                  <a14:useLocalDpi xmlns:a14="http://schemas.microsoft.com/office/drawing/2010/main" val="0"/>
+                </a:ext>
+              </a:extLst>
+            </a:blip>
+            <a:stretch>
+              <a:fillRect/>
+            </a:stretch>
+          </p:blipFill>
+          <p:spPr>
+            <a:xfrm>
+              <a:off x="2736398" y="5309047"/>
+              <a:ext cx="1182213" cy="764464"/>
+            </a:xfrm>
+            <a:prstGeom prst="rect">
+              <a:avLst/>
+            </a:prstGeom>
+          </p:spPr>
+        </p:pic>
+        <p:pic>
+          <p:nvPicPr>
+            <p:cNvPr id="25" name="그림 24">
+              <a:extLst>
+                <a:ext uri="{FF2B5EF4-FFF2-40B4-BE49-F238E27FC236}">
+                  <a16:creationId xmlns:a16="http://schemas.microsoft.com/office/drawing/2014/main" id="{76B1B2F5-99E2-495B-B6D8-0EF11CFB6EF0}"/>
+                </a:ext>
+              </a:extLst>
+            </p:cNvPr>
+            <p:cNvPicPr>
+              <a:picLocks noChangeAspect="1"/>
+            </p:cNvPicPr>
+            <p:nvPr/>
+          </p:nvPicPr>
+          <p:blipFill rotWithShape="1">
+            <a:blip r:embed="rId6" cstate="print">
+              <a:extLst>
+                <a:ext uri="{28A0092B-C50C-407E-A947-70E740481C1C}">
+                  <a14:useLocalDpi xmlns:a14="http://schemas.microsoft.com/office/drawing/2010/main" val="0"/>
+                </a:ext>
+              </a:extLst>
+            </a:blip>
+            <a:srcRect l="19661" r="19416" b="7354"/>
+            <a:stretch/>
+          </p:blipFill>
+          <p:spPr>
+            <a:xfrm>
+              <a:off x="2736398" y="3429000"/>
+              <a:ext cx="1182213" cy="1880047"/>
+            </a:xfrm>
+            <a:prstGeom prst="rect">
+              <a:avLst/>
+            </a:prstGeom>
+          </p:spPr>
+        </p:pic>
+      </p:grpSp>
+    </p:spTree>
+    <p:extLst>
+      <p:ext uri="{BB962C8B-B14F-4D97-AF65-F5344CB8AC3E}">
+        <p14:creationId xmlns:p14="http://schemas.microsoft.com/office/powerpoint/2010/main" val="3552190612"/>
+      </p:ext>
+    </p:extLst>
+  </p:cSld>
+  <p:clrMapOvr>
+    <a:masterClrMapping/>
+  </p:clrMapOvr>
+</p:sld>
+</file>
+
+<file path=ppt/slides/slide6.xml><?xml version="1.0" encoding="utf-8"?>
+<p:sld xmlns:a="http://schemas.openxmlformats.org/drawingml/2006/main" xmlns:r="http://schemas.openxmlformats.org/officeDocument/2006/relationships" xmlns:p="http://schemas.openxmlformats.org/presentationml/2006/main">
+  <p:cSld>
+    <p:spTree>
+      <p:nvGrpSpPr>
+        <p:cNvPr id="1" name=""/>
+        <p:cNvGrpSpPr/>
+        <p:nvPr/>
+      </p:nvGrpSpPr>
+      <p:grpSpPr>
+        <a:xfrm>
+          <a:off x="0" y="0"/>
+          <a:ext cx="0" cy="0"/>
+          <a:chOff x="0" y="0"/>
+          <a:chExt cx="0" cy="0"/>
+        </a:xfrm>
+      </p:grpSpPr>
+      <p:sp>
+        <p:nvSpPr>
+          <p:cNvPr id="7" name="제목 1">
+            <a:extLst>
+              <a:ext uri="{FF2B5EF4-FFF2-40B4-BE49-F238E27FC236}">
+                <a16:creationId xmlns:a16="http://schemas.microsoft.com/office/drawing/2014/main" id="{77FA9A8E-E94C-4F99-8997-7C96A1AAEAC7}"/>
+              </a:ext>
+            </a:extLst>
+          </p:cNvPr>
+          <p:cNvSpPr txBox="1">
+            <a:spLocks/>
+          </p:cNvSpPr>
+          <p:nvPr/>
+        </p:nvSpPr>
+        <p:spPr>
+          <a:xfrm>
+            <a:off x="695325" y="292100"/>
+            <a:ext cx="10801350" cy="861695"/>
+          </a:xfrm>
+          <a:prstGeom prst="rect">
+            <a:avLst/>
+          </a:prstGeom>
+        </p:spPr>
+        <p:txBody>
+          <a:bodyPr vert="horz" lIns="91440" tIns="45720" rIns="91440" bIns="45720" rtlCol="0" anchor="ctr">
+            <a:normAutofit/>
+          </a:bodyPr>
+          <a:lstStyle>
+            <a:lvl1pPr algn="l" defTabSz="914400" rtl="0" eaLnBrk="1" latinLnBrk="1" hangingPunct="1">
+              <a:lnSpc>
+                <a:spcPct val="90000"/>
+              </a:lnSpc>
+              <a:spcBef>
+                <a:spcPct val="0"/>
+              </a:spcBef>
+              <a:buNone/>
+              <a:defRPr sz="4400" kern="1200">
+                <a:solidFill>
+                  <a:schemeClr val="tx1"/>
+                </a:solidFill>
+                <a:latin typeface="+mj-lt"/>
+                <a:ea typeface="+mj-ea"/>
+                <a:cs typeface="+mj-cs"/>
+              </a:defRPr>
+            </a:lvl1pPr>
+          </a:lstStyle>
+          <a:p>
+            <a:r>
+              <a:rPr lang="ko-KR" altLang="en-US" dirty="0"/>
+              <a:t>환경 </a:t>
+            </a:r>
+            <a:r>
+              <a:rPr lang="en-US" altLang="ko-KR" dirty="0"/>
+              <a:t>&amp; </a:t>
+            </a:r>
+            <a:r>
+              <a:rPr lang="ko-KR" altLang="en-US" dirty="0"/>
+              <a:t>분위기 컨셉</a:t>
+            </a:r>
+          </a:p>
+        </p:txBody>
+      </p:sp>
+      <p:pic>
+        <p:nvPicPr>
+          <p:cNvPr id="5" name="그림 4">
+            <a:extLst>
+              <a:ext uri="{FF2B5EF4-FFF2-40B4-BE49-F238E27FC236}">
+                <a16:creationId xmlns:a16="http://schemas.microsoft.com/office/drawing/2014/main" id="{3FBF843A-D227-4A7E-94AE-C428AAC0937F}"/>
+              </a:ext>
+            </a:extLst>
+          </p:cNvPr>
+          <p:cNvPicPr>
+            <a:picLocks noChangeAspect="1"/>
+          </p:cNvPicPr>
+          <p:nvPr/>
+        </p:nvPicPr>
+        <p:blipFill>
+          <a:blip r:embed="rId2">
+            <a:extLst>
+              <a:ext uri="{28A0092B-C50C-407E-A947-70E740481C1C}">
+                <a14:useLocalDpi xmlns:a14="http://schemas.microsoft.com/office/drawing/2010/main" val="0"/>
+              </a:ext>
+            </a:extLst>
+          </a:blip>
+          <a:stretch>
+            <a:fillRect/>
+          </a:stretch>
+        </p:blipFill>
+        <p:spPr>
+          <a:xfrm>
+            <a:off x="3816594" y="1153795"/>
+            <a:ext cx="4558812" cy="3036494"/>
+          </a:xfrm>
+          <a:prstGeom prst="rect">
+            <a:avLst/>
+          </a:prstGeom>
+        </p:spPr>
+      </p:pic>
+      <p:sp>
+        <p:nvSpPr>
+          <p:cNvPr id="6" name="TextBox 5">
+            <a:extLst>
+              <a:ext uri="{FF2B5EF4-FFF2-40B4-BE49-F238E27FC236}">
+                <a16:creationId xmlns:a16="http://schemas.microsoft.com/office/drawing/2014/main" id="{38388153-1B69-4ED3-8509-C752FB699C58}"/>
+              </a:ext>
+            </a:extLst>
+          </p:cNvPr>
+          <p:cNvSpPr txBox="1"/>
+          <p:nvPr/>
+        </p:nvSpPr>
+        <p:spPr>
+          <a:xfrm>
+            <a:off x="695325" y="4291362"/>
+            <a:ext cx="10806112" cy="1846659"/>
+          </a:xfrm>
+          <a:prstGeom prst="rect">
+            <a:avLst/>
+          </a:prstGeom>
+          <a:noFill/>
+        </p:spPr>
+        <p:txBody>
+          <a:bodyPr wrap="square" rtlCol="0">
+            <a:spAutoFit/>
+          </a:bodyPr>
+          <a:lstStyle/>
+          <a:p>
+            <a:pPr marL="0" marR="0" lvl="0" indent="0" algn="l" defTabSz="914400" rtl="0" eaLnBrk="1" fontAlgn="auto" latinLnBrk="1" hangingPunct="1">
+              <a:lnSpc>
+                <a:spcPct val="100000"/>
+              </a:lnSpc>
+              <a:spcBef>
+                <a:spcPts val="0"/>
+              </a:spcBef>
+              <a:spcAft>
+                <a:spcPts val="0"/>
+              </a:spcAft>
+              <a:buClrTx/>
+              <a:buSzTx/>
+              <a:buFontTx/>
+              <a:buNone/>
+              <a:tabLst/>
+              <a:defRPr/>
+            </a:pPr>
+            <a:r>
+              <a:rPr lang="ko-KR" altLang="en-US" sz="1400" b="0" dirty="0">
+                <a:solidFill>
+                  <a:schemeClr val="tx1"/>
+                </a:solidFill>
+              </a:rPr>
+              <a:t>외부와 단절된 깊은 산속에 위치에 있어 겉으로 볼 때 전체적으로 조용하고 차분한 분위기를 띄운다</a:t>
+            </a:r>
+            <a:r>
+              <a:rPr lang="en-US" altLang="ko-KR" sz="1400" b="0" dirty="0">
+                <a:solidFill>
+                  <a:schemeClr val="tx1"/>
+                </a:solidFill>
+              </a:rPr>
+              <a:t>.</a:t>
+            </a:r>
+          </a:p>
+          <a:p>
+            <a:pPr marL="0" marR="0" lvl="0" indent="0" algn="l" defTabSz="914400" rtl="0" eaLnBrk="1" fontAlgn="auto" latinLnBrk="1" hangingPunct="1">
+              <a:lnSpc>
+                <a:spcPct val="100000"/>
+              </a:lnSpc>
+              <a:spcBef>
+                <a:spcPts val="0"/>
+              </a:spcBef>
+              <a:spcAft>
+                <a:spcPts val="0"/>
+              </a:spcAft>
+              <a:buClrTx/>
+              <a:buSzTx/>
+              <a:buFontTx/>
+              <a:buNone/>
+              <a:tabLst/>
+              <a:defRPr/>
+            </a:pPr>
+            <a:endParaRPr lang="en-US" altLang="ko-KR" sz="1400" b="0" dirty="0">
+              <a:solidFill>
+                <a:schemeClr val="tx1"/>
+              </a:solidFill>
+            </a:endParaRPr>
+          </a:p>
+          <a:p>
+            <a:pPr marL="0" marR="0" lvl="0" indent="0" algn="l" defTabSz="914400" rtl="0" eaLnBrk="1" fontAlgn="auto" latinLnBrk="1" hangingPunct="1">
+              <a:lnSpc>
+                <a:spcPct val="100000"/>
+              </a:lnSpc>
+              <a:spcBef>
+                <a:spcPts val="0"/>
+              </a:spcBef>
+              <a:spcAft>
+                <a:spcPts val="0"/>
+              </a:spcAft>
+              <a:buClrTx/>
+              <a:buSzTx/>
+              <a:buFontTx/>
+              <a:buNone/>
+              <a:tabLst/>
+              <a:defRPr/>
+            </a:pPr>
+            <a:r>
+              <a:rPr lang="ko-KR" altLang="en-US" sz="1400" b="0" dirty="0">
+                <a:solidFill>
+                  <a:schemeClr val="tx1"/>
+                </a:solidFill>
+              </a:rPr>
+              <a:t>토벌단은 다양한 세력들이 각자의 목적을 가지고 창설되었기 때문에 구성원들 또한 다양한 파벌에서 자신들 만의 목적을 가지고 있다</a:t>
+            </a:r>
+            <a:r>
+              <a:rPr lang="en-US" altLang="ko-KR" sz="1400" b="0" dirty="0">
+                <a:solidFill>
+                  <a:schemeClr val="tx1"/>
+                </a:solidFill>
+              </a:rPr>
+              <a:t>. </a:t>
+            </a:r>
+            <a:r>
+              <a:rPr lang="ko-KR" altLang="en-US" sz="1400" b="0" dirty="0">
+                <a:solidFill>
+                  <a:schemeClr val="tx1"/>
+                </a:solidFill>
+              </a:rPr>
+              <a:t>토벌단은 외부적으로 볼 때 괴물들로 부터 사람들을 보호한다는 목적을 가지고 움직이기 때문에 적대적인 관계에 있더라도 서로 간접적인 견제만 하며 침묵을 지키고 있다</a:t>
+            </a:r>
+            <a:r>
+              <a:rPr lang="en-US" altLang="ko-KR" sz="1400" b="0" dirty="0">
+                <a:solidFill>
+                  <a:schemeClr val="tx1"/>
+                </a:solidFill>
+              </a:rPr>
+              <a:t>.</a:t>
+            </a:r>
+          </a:p>
+          <a:p>
+            <a:pPr marL="0" marR="0" lvl="0" indent="0" algn="l" defTabSz="914400" rtl="0" eaLnBrk="1" fontAlgn="auto" latinLnBrk="1" hangingPunct="1">
+              <a:lnSpc>
+                <a:spcPct val="100000"/>
+              </a:lnSpc>
+              <a:spcBef>
+                <a:spcPts val="0"/>
+              </a:spcBef>
+              <a:spcAft>
+                <a:spcPts val="0"/>
+              </a:spcAft>
+              <a:buClrTx/>
+              <a:buSzTx/>
+              <a:buFontTx/>
+              <a:buNone/>
+              <a:tabLst/>
+              <a:defRPr/>
+            </a:pPr>
+            <a:endParaRPr lang="en-US" altLang="ko-KR" sz="1400" b="0" dirty="0">
+              <a:solidFill>
+                <a:schemeClr val="tx1"/>
+              </a:solidFill>
+            </a:endParaRPr>
+          </a:p>
+          <a:p>
+            <a:pPr marL="0" marR="0" lvl="0" indent="0" algn="l" defTabSz="914400" rtl="0" eaLnBrk="1" fontAlgn="auto" latinLnBrk="1" hangingPunct="1">
+              <a:lnSpc>
+                <a:spcPct val="100000"/>
+              </a:lnSpc>
+              <a:spcBef>
+                <a:spcPts val="0"/>
+              </a:spcBef>
+              <a:spcAft>
+                <a:spcPts val="0"/>
+              </a:spcAft>
+              <a:buClrTx/>
+              <a:buSzTx/>
+              <a:buFontTx/>
+              <a:buNone/>
+              <a:tabLst/>
+              <a:defRPr/>
+            </a:pPr>
+            <a:r>
+              <a:rPr lang="ko-KR" altLang="en-US" sz="1400" b="0" dirty="0">
+                <a:solidFill>
+                  <a:schemeClr val="tx1"/>
+                </a:solidFill>
+              </a:rPr>
+              <a:t>그렇기에 </a:t>
+            </a:r>
+            <a:r>
+              <a:rPr lang="ko-KR" altLang="en-US" sz="1400" b="0" dirty="0" err="1">
+                <a:solidFill>
+                  <a:schemeClr val="tx1"/>
+                </a:solidFill>
+              </a:rPr>
+              <a:t>토벌단</a:t>
+            </a:r>
+            <a:r>
+              <a:rPr lang="ko-KR" altLang="en-US" sz="1400" b="0" dirty="0">
+                <a:solidFill>
+                  <a:schemeClr val="tx1"/>
+                </a:solidFill>
+              </a:rPr>
+              <a:t> 내부는 괴물 토벌 활동에 관련된 일을 제외한 교류가 거의 없어 전체적으로 조용하고 삭막한 분위기를 띄운다</a:t>
+            </a:r>
+            <a:r>
+              <a:rPr lang="en-US" altLang="ko-KR" sz="1400" b="0" dirty="0">
+                <a:solidFill>
+                  <a:schemeClr val="tx1"/>
+                </a:solidFill>
+              </a:rPr>
+              <a:t>.</a:t>
+            </a:r>
+          </a:p>
+          <a:p>
+            <a:pPr marL="0" marR="0" lvl="0" indent="0" algn="l" defTabSz="914400" rtl="0" eaLnBrk="1" fontAlgn="auto" latinLnBrk="1" hangingPunct="1">
+              <a:lnSpc>
+                <a:spcPct val="100000"/>
+              </a:lnSpc>
+              <a:spcBef>
+                <a:spcPts val="0"/>
+              </a:spcBef>
+              <a:spcAft>
+                <a:spcPts val="0"/>
+              </a:spcAft>
+              <a:buClrTx/>
+              <a:buSzTx/>
+              <a:buFontTx/>
+              <a:buNone/>
+              <a:tabLst/>
+              <a:defRPr/>
+            </a:pPr>
+            <a:r>
+              <a:rPr lang="ko-KR" altLang="en-US" sz="1400" dirty="0"/>
+              <a:t>파벌이 없는 인원이 두각을 들어낼 경우 해당 인원을 서로의 파벌에 넣기 위해서 직접적인 견제를 한다</a:t>
+            </a:r>
+            <a:r>
+              <a:rPr lang="en-US" altLang="ko-KR" sz="1400" dirty="0"/>
+              <a:t>.</a:t>
+            </a:r>
+            <a:endParaRPr lang="en-US" altLang="ko-KR" sz="1600" b="0" dirty="0">
+              <a:solidFill>
+                <a:schemeClr val="tx1"/>
+              </a:solidFill>
+            </a:endParaRPr>
+          </a:p>
+        </p:txBody>
+      </p:sp>
+    </p:spTree>
+    <p:extLst>
+      <p:ext uri="{BB962C8B-B14F-4D97-AF65-F5344CB8AC3E}">
+        <p14:creationId xmlns:p14="http://schemas.microsoft.com/office/powerpoint/2010/main" val="517799928"/>
+      </p:ext>
+    </p:extLst>
+  </p:cSld>
+  <p:clrMapOvr>
+    <a:masterClrMapping/>
+  </p:clrMapOvr>
+</p:sld>
+</file>
+
+<file path=ppt/slides/slide7.xml><?xml version="1.0" encoding="utf-8"?>
+<p:sld xmlns:a="http://schemas.openxmlformats.org/drawingml/2006/main" xmlns:r="http://schemas.openxmlformats.org/officeDocument/2006/relationships" xmlns:p="http://schemas.openxmlformats.org/presentationml/2006/main">
+  <p:cSld>
+    <p:spTree>
+      <p:nvGrpSpPr>
+        <p:cNvPr id="1" name=""/>
+        <p:cNvGrpSpPr/>
+        <p:nvPr/>
+      </p:nvGrpSpPr>
+      <p:grpSpPr>
+        <a:xfrm>
+          <a:off x="0" y="0"/>
+          <a:ext cx="0" cy="0"/>
+          <a:chOff x="0" y="0"/>
+          <a:chExt cx="0" cy="0"/>
+        </a:xfrm>
+      </p:grpSpPr>
+      <p:sp>
+        <p:nvSpPr>
+          <p:cNvPr id="7" name="제목 1">
+            <a:extLst>
+              <a:ext uri="{FF2B5EF4-FFF2-40B4-BE49-F238E27FC236}">
+                <a16:creationId xmlns:a16="http://schemas.microsoft.com/office/drawing/2014/main" id="{77FA9A8E-E94C-4F99-8997-7C96A1AAEAC7}"/>
+              </a:ext>
+            </a:extLst>
+          </p:cNvPr>
+          <p:cNvSpPr txBox="1">
+            <a:spLocks/>
+          </p:cNvSpPr>
+          <p:nvPr/>
+        </p:nvSpPr>
+        <p:spPr>
+          <a:xfrm>
+            <a:off x="695325" y="292100"/>
+            <a:ext cx="10801350" cy="861695"/>
+          </a:xfrm>
+          <a:prstGeom prst="rect">
+            <a:avLst/>
+          </a:prstGeom>
+        </p:spPr>
+        <p:txBody>
+          <a:bodyPr vert="horz" lIns="91440" tIns="45720" rIns="91440" bIns="45720" rtlCol="0" anchor="ctr">
+            <a:normAutofit/>
+          </a:bodyPr>
+          <a:lstStyle>
+            <a:lvl1pPr algn="l" defTabSz="914400" rtl="0" eaLnBrk="1" latinLnBrk="1" hangingPunct="1">
+              <a:lnSpc>
+                <a:spcPct val="90000"/>
+              </a:lnSpc>
+              <a:spcBef>
+                <a:spcPct val="0"/>
+              </a:spcBef>
+              <a:buNone/>
+              <a:defRPr sz="4400" kern="1200">
+                <a:solidFill>
+                  <a:schemeClr val="tx1"/>
+                </a:solidFill>
+                <a:latin typeface="+mj-lt"/>
+                <a:ea typeface="+mj-ea"/>
+                <a:cs typeface="+mj-cs"/>
+              </a:defRPr>
+            </a:lvl1pPr>
+          </a:lstStyle>
+          <a:p>
+            <a:r>
               <a:rPr lang="ko-KR" altLang="en-US" dirty="0" err="1"/>
               <a:t>토벌단</a:t>
             </a:r>
@@ -10549,7 +12195,7 @@
 </p:sld>
 </file>
 
-<file path=ppt/slides/slide5.xml><?xml version="1.0" encoding="utf-8"?>
+<file path=ppt/slides/slide8.xml><?xml version="1.0" encoding="utf-8"?>
 <p:sld xmlns:a="http://schemas.openxmlformats.org/drawingml/2006/main" xmlns:r="http://schemas.openxmlformats.org/officeDocument/2006/relationships" xmlns:p="http://schemas.openxmlformats.org/presentationml/2006/main">
   <p:cSld>
     <p:spTree>
@@ -10614,18 +12260,22 @@
           </a:lstStyle>
           <a:p>
             <a:r>
+              <a:rPr lang="ko-KR" altLang="en-US" dirty="0" err="1"/>
+              <a:t>토벌단</a:t>
+            </a:r>
+            <a:r>
               <a:rPr lang="ko-KR" altLang="en-US" dirty="0"/>
-              <a:t>시나리오</a:t>
+              <a:t> 본부 건물 구조</a:t>
             </a:r>
           </a:p>
         </p:txBody>
       </p:sp>
       <p:graphicFrame>
         <p:nvGraphicFramePr>
-          <p:cNvPr id="3" name="표 2">
+          <p:cNvPr id="41" name="표 4">
             <a:extLst>
               <a:ext uri="{FF2B5EF4-FFF2-40B4-BE49-F238E27FC236}">
-                <a16:creationId xmlns:a16="http://schemas.microsoft.com/office/drawing/2014/main" id="{2B03A9A3-AF35-7C5F-3F38-C8291B1AF16B}"/>
+                <a16:creationId xmlns:a16="http://schemas.microsoft.com/office/drawing/2014/main" id="{44D5A5C4-5BF4-4634-8D30-3D96F1B1EA57}"/>
               </a:ext>
             </a:extLst>
           </p:cNvPr>
@@ -10635,14 +12285,14 @@
           <p:nvPr>
             <p:extLst>
               <p:ext uri="{D42A27DB-BD31-4B8C-83A1-F6EECF244321}">
-                <p14:modId xmlns:p14="http://schemas.microsoft.com/office/powerpoint/2010/main" val="3041127345"/>
+                <p14:modId xmlns:p14="http://schemas.microsoft.com/office/powerpoint/2010/main" val="3216495126"/>
               </p:ext>
             </p:extLst>
           </p:nvPr>
         </p:nvGraphicFramePr>
         <p:xfrm>
-          <a:off x="1412875" y="1536976"/>
-          <a:ext cx="9366250" cy="4846320"/>
+          <a:off x="6555646" y="1648808"/>
+          <a:ext cx="4886960" cy="4023360"/>
         </p:xfrm>
         <a:graphic>
           <a:graphicData uri="http://schemas.openxmlformats.org/drawingml/2006/table">
@@ -10651,15 +12301,87 @@
                 <a:tableStyleId>{5C22544A-7EE6-4342-B048-85BDC9FD1C3A}</a:tableStyleId>
               </a:tblPr>
               <a:tblGrid>
-                <a:gridCol w="9366250">
+                <a:gridCol w="320992">
                   <a:extLst>
                     <a:ext uri="{9D8B030D-6E8A-4147-A177-3AD203B41FA5}">
-                      <a16:colId xmlns:a16="http://schemas.microsoft.com/office/drawing/2014/main" val="855305220"/>
+                      <a16:colId xmlns:a16="http://schemas.microsoft.com/office/drawing/2014/main" val="2204258722"/>
+                    </a:ext>
+                  </a:extLst>
+                </a:gridCol>
+                <a:gridCol w="4565968">
+                  <a:extLst>
+                    <a:ext uri="{9D8B030D-6E8A-4147-A177-3AD203B41FA5}">
+                      <a16:colId xmlns:a16="http://schemas.microsoft.com/office/drawing/2014/main" val="3606984394"/>
                     </a:ext>
                   </a:extLst>
                 </a:gridCol>
               </a:tblGrid>
-              <a:tr h="0">
+              <a:tr h="185420">
+                <a:tc rowSpan="2">
+                  <a:txBody>
+                    <a:bodyPr/>
+                    <a:lstStyle/>
+                    <a:p>
+                      <a:pPr algn="ctr" latinLnBrk="1"/>
+                      <a:r>
+                        <a:rPr lang="en-US" altLang="ko-KR" sz="1200" b="0" dirty="0">
+                          <a:solidFill>
+                            <a:schemeClr val="tx1"/>
+                          </a:solidFill>
+                        </a:rPr>
+                        <a:t>1</a:t>
+                      </a:r>
+                      <a:endParaRPr lang="ko-KR" altLang="en-US" sz="1200" b="0" dirty="0">
+                        <a:solidFill>
+                          <a:schemeClr val="tx1"/>
+                        </a:solidFill>
+                      </a:endParaRPr>
+                    </a:p>
+                  </a:txBody>
+                  <a:tcPr anchor="ctr">
+                    <a:lnL w="12700" cap="flat" cmpd="sng" algn="ctr">
+                      <a:noFill/>
+                      <a:prstDash val="solid"/>
+                      <a:round/>
+                      <a:headEnd type="none" w="med" len="med"/>
+                      <a:tailEnd type="none" w="med" len="med"/>
+                    </a:lnL>
+                    <a:lnR w="12700" cap="flat" cmpd="sng" algn="ctr">
+                      <a:solidFill>
+                        <a:schemeClr val="tx1"/>
+                      </a:solidFill>
+                      <a:prstDash val="solid"/>
+                      <a:round/>
+                      <a:headEnd type="none" w="med" len="med"/>
+                      <a:tailEnd type="none" w="med" len="med"/>
+                    </a:lnR>
+                    <a:lnT w="12700" cap="flat" cmpd="sng" algn="ctr">
+                      <a:noFill/>
+                      <a:prstDash val="solid"/>
+                      <a:round/>
+                      <a:headEnd type="none" w="med" len="med"/>
+                      <a:tailEnd type="none" w="med" len="med"/>
+                    </a:lnT>
+                    <a:lnB w="12700" cap="flat" cmpd="sng" algn="ctr">
+                      <a:solidFill>
+                        <a:schemeClr val="tx1"/>
+                      </a:solidFill>
+                      <a:prstDash val="solid"/>
+                      <a:round/>
+                      <a:headEnd type="none" w="med" len="med"/>
+                      <a:tailEnd type="none" w="med" len="med"/>
+                    </a:lnB>
+                    <a:lnTlToBr w="12700" cmpd="sng">
+                      <a:noFill/>
+                      <a:prstDash val="solid"/>
+                    </a:lnTlToBr>
+                    <a:lnBlToTr w="12700" cmpd="sng">
+                      <a:noFill/>
+                      <a:prstDash val="solid"/>
+                    </a:lnBlToTr>
+                    <a:noFill/>
+                  </a:tcPr>
+                </a:tc>
                 <a:tc>
                   <a:txBody>
                     <a:bodyPr/>
@@ -10667,24 +12389,38 @@
                     <a:p>
                       <a:pPr latinLnBrk="1"/>
                       <a:r>
-                        <a:rPr lang="ko-KR" altLang="en-US" sz="1400" b="0" dirty="0">
+                        <a:rPr lang="ko-KR" altLang="en-US" sz="1200" b="0" dirty="0">
                           <a:solidFill>
                             <a:schemeClr val="tx1"/>
                           </a:solidFill>
                         </a:rPr>
-                        <a:t>과거</a:t>
+                        <a:t>음식점</a:t>
                       </a:r>
                     </a:p>
                   </a:txBody>
                   <a:tcPr>
-                    <a:lnL w="12700" cmpd="sng">
-                      <a:noFill/>
+                    <a:lnL w="12700" cap="flat" cmpd="sng" algn="ctr">
+                      <a:solidFill>
+                        <a:schemeClr val="tx1"/>
+                      </a:solidFill>
+                      <a:prstDash val="solid"/>
+                      <a:round/>
+                      <a:headEnd type="none" w="med" len="med"/>
+                      <a:tailEnd type="none" w="med" len="med"/>
                     </a:lnL>
-                    <a:lnR w="12700" cmpd="sng">
-                      <a:noFill/>
+                    <a:lnR w="12700" cap="flat" cmpd="sng" algn="ctr">
+                      <a:noFill/>
+                      <a:prstDash val="solid"/>
+                      <a:round/>
+                      <a:headEnd type="none" w="med" len="med"/>
+                      <a:tailEnd type="none" w="med" len="med"/>
                     </a:lnR>
-                    <a:lnT w="12700" cmpd="sng">
-                      <a:noFill/>
+                    <a:lnT w="12700" cap="flat" cmpd="sng" algn="ctr">
+                      <a:noFill/>
+                      <a:prstDash val="solid"/>
+                      <a:round/>
+                      <a:headEnd type="none" w="med" len="med"/>
+                      <a:tailEnd type="none" w="med" len="med"/>
                     </a:lnT>
                     <a:lnB w="12700" cap="flat" cmpd="sng" algn="ctr">
                       <a:solidFill>
@@ -10703,20 +12439,27 @@
                       <a:noFill/>
                       <a:prstDash val="solid"/>
                     </a:lnBlToTr>
-                    <a:solidFill>
-                      <a:schemeClr val="bg1">
-                        <a:lumMod val="95000"/>
-                      </a:schemeClr>
-                    </a:solidFill>
+                    <a:noFill/>
                   </a:tcPr>
                 </a:tc>
                 <a:extLst>
                   <a:ext uri="{0D108BD9-81ED-4DB2-BD59-A6C34878D82A}">
-                    <a16:rowId xmlns:a16="http://schemas.microsoft.com/office/drawing/2014/main" val="966420032"/>
+                    <a16:rowId xmlns:a16="http://schemas.microsoft.com/office/drawing/2014/main" val="3162711127"/>
                   </a:ext>
                 </a:extLst>
               </a:tr>
-              <a:tr h="370840">
+              <a:tr h="185420">
+                <a:tc vMerge="1">
+                  <a:txBody>
+                    <a:bodyPr/>
+                    <a:lstStyle/>
+                    <a:p>
+                      <a:pPr latinLnBrk="1"/>
+                      <a:endParaRPr lang="ko-KR" altLang="en-US"/>
+                    </a:p>
+                  </a:txBody>
+                  <a:tcPr/>
+                </a:tc>
                 <a:tc>
                   <a:txBody>
                     <a:bodyPr/>
@@ -10724,319 +12467,22 @@
                     <a:p>
                       <a:pPr latinLnBrk="1"/>
                       <a:r>
-                        <a:rPr lang="ko-KR" altLang="en-US" sz="1400" b="0" dirty="0">
+                        <a:rPr lang="ko-KR" altLang="en-US" sz="1200" b="0" dirty="0">
                           <a:solidFill>
                             <a:schemeClr val="tx1"/>
                           </a:solidFill>
                         </a:rPr>
-                        <a:t>달기와의 전쟁은 무림 세력에게 치명적이었다</a:t>
-                      </a:r>
-                      <a:r>
-                        <a:rPr lang="en-US" altLang="ko-KR" sz="1400" b="0" dirty="0">
+                        <a:t>체력과 지구력을 회복할 수 있는 소비 아이템을 구매할 수 있다</a:t>
+                      </a:r>
+                      <a:r>
+                        <a:rPr lang="en-US" altLang="ko-KR" sz="1200" b="0" dirty="0">
                           <a:solidFill>
                             <a:schemeClr val="tx1"/>
                           </a:solidFill>
                         </a:rPr>
-                        <a:t>. </a:t>
-                      </a:r>
-                      <a:r>
-                        <a:rPr lang="ko-KR" altLang="en-US" sz="1400" b="0" dirty="0">
-                          <a:solidFill>
-                            <a:schemeClr val="tx1"/>
-                          </a:solidFill>
-                        </a:rPr>
-                        <a:t>무림 맹주와 천마를 포함한 각 세력의 주요 인물들의 죽음은 대다수의 세력에게 큰 피해를 입었다</a:t>
-                      </a:r>
-                      <a:r>
-                        <a:rPr lang="en-US" altLang="ko-KR" sz="1400" b="0" dirty="0">
-                          <a:solidFill>
-                            <a:schemeClr val="tx1"/>
-                          </a:solidFill>
-                        </a:rPr>
-                        <a:t>. </a:t>
-                      </a:r>
-                      <a:r>
-                        <a:rPr lang="ko-KR" altLang="en-US" sz="1400" b="0" dirty="0">
-                          <a:solidFill>
-                            <a:schemeClr val="tx1"/>
-                          </a:solidFill>
-                        </a:rPr>
-                        <a:t>무림은 복수를 다짐하며 동쪽에 멀리 대륙 끝에 있는 나라 </a:t>
-                      </a:r>
-                      <a:r>
-                        <a:rPr lang="en-US" altLang="ko-KR" sz="1400" b="0" dirty="0">
-                          <a:solidFill>
-                            <a:schemeClr val="tx1"/>
-                          </a:solidFill>
-                        </a:rPr>
-                        <a:t>‘</a:t>
-                      </a:r>
-                      <a:r>
-                        <a:rPr lang="ko-KR" altLang="en-US" sz="1400" b="0" dirty="0">
-                          <a:solidFill>
-                            <a:schemeClr val="tx1"/>
-                          </a:solidFill>
-                        </a:rPr>
-                        <a:t>동아</a:t>
-                      </a:r>
-                      <a:r>
-                        <a:rPr lang="en-US" altLang="ko-KR" sz="1400" b="0" dirty="0">
-                          <a:solidFill>
-                            <a:schemeClr val="tx1"/>
-                          </a:solidFill>
-                        </a:rPr>
-                        <a:t>’</a:t>
-                      </a:r>
-                      <a:r>
-                        <a:rPr lang="ko-KR" altLang="en-US" sz="1400" b="0" dirty="0">
-                          <a:solidFill>
-                            <a:schemeClr val="tx1"/>
-                          </a:solidFill>
-                        </a:rPr>
-                        <a:t>에 숨어</a:t>
-                      </a:r>
-                      <a:r>
-                        <a:rPr lang="en-US" altLang="ko-KR" sz="1400" b="0" dirty="0">
-                          <a:solidFill>
-                            <a:schemeClr val="tx1"/>
-                          </a:solidFill>
-                        </a:rPr>
-                        <a:t> </a:t>
-                      </a:r>
-                      <a:r>
-                        <a:rPr lang="ko-KR" altLang="en-US" sz="1400" b="0" dirty="0">
-                          <a:solidFill>
-                            <a:schemeClr val="tx1"/>
-                          </a:solidFill>
-                        </a:rPr>
-                        <a:t>달기와의 재전쟁을 위해 조용히 세력을 회복 하고 있었다</a:t>
-                      </a:r>
-                      <a:r>
-                        <a:rPr lang="en-US" altLang="ko-KR" sz="1400" b="0" dirty="0">
-                          <a:solidFill>
-                            <a:schemeClr val="tx1"/>
-                          </a:solidFill>
-                        </a:rPr>
                         <a:t>.</a:t>
                       </a:r>
-                    </a:p>
-                    <a:p>
-                      <a:pPr latinLnBrk="1"/>
-                      <a:endParaRPr lang="en-US" altLang="ko-KR" sz="1400" b="0" dirty="0">
-                        <a:solidFill>
-                          <a:schemeClr val="tx1"/>
-                        </a:solidFill>
-                      </a:endParaRPr>
-                    </a:p>
-                    <a:p>
-                      <a:pPr latinLnBrk="1"/>
-                      <a:r>
-                        <a:rPr lang="en-US" altLang="ko-KR" sz="1400" b="0" dirty="0">
-                          <a:solidFill>
-                            <a:schemeClr val="tx1"/>
-                          </a:solidFill>
-                        </a:rPr>
-                        <a:t>‘</a:t>
-                      </a:r>
-                      <a:r>
-                        <a:rPr lang="ko-KR" altLang="en-US" sz="1400" b="0" dirty="0">
-                          <a:solidFill>
-                            <a:schemeClr val="tx1"/>
-                          </a:solidFill>
-                        </a:rPr>
-                        <a:t>동아</a:t>
-                      </a:r>
-                      <a:r>
-                        <a:rPr lang="en-US" altLang="ko-KR" sz="1400" b="0" dirty="0">
-                          <a:solidFill>
-                            <a:schemeClr val="tx1"/>
-                          </a:solidFill>
-                        </a:rPr>
-                        <a:t>’</a:t>
-                      </a:r>
-                      <a:r>
-                        <a:rPr lang="ko-KR" altLang="en-US" sz="1400" b="0" dirty="0">
-                          <a:solidFill>
-                            <a:schemeClr val="tx1"/>
-                          </a:solidFill>
-                        </a:rPr>
-                        <a:t>는 중원에서 멀리 떨어져 있었고 오랜 옛날 부터 만은 </a:t>
-                      </a:r>
-                      <a:endParaRPr lang="en-US" altLang="ko-KR" sz="1400" b="0" dirty="0">
-                        <a:solidFill>
-                          <a:schemeClr val="tx1"/>
-                        </a:solidFill>
-                      </a:endParaRPr>
-                    </a:p>
-                    <a:p>
-                      <a:pPr latinLnBrk="1"/>
-                      <a:endParaRPr lang="en-US" altLang="ko-KR" sz="1400" b="0" dirty="0">
-                        <a:solidFill>
-                          <a:schemeClr val="tx1"/>
-                        </a:solidFill>
-                      </a:endParaRPr>
-                    </a:p>
-                    <a:p>
-                      <a:pPr latinLnBrk="1"/>
-                      <a:endParaRPr lang="en-US" altLang="ko-KR" sz="1400" b="0" dirty="0">
-                        <a:solidFill>
-                          <a:schemeClr val="tx1"/>
-                        </a:solidFill>
-                      </a:endParaRPr>
-                    </a:p>
-                    <a:p>
-                      <a:pPr latinLnBrk="1"/>
-                      <a:r>
-                        <a:rPr lang="en-US" altLang="ko-KR" sz="1400" b="0" dirty="0">
-                          <a:solidFill>
-                            <a:schemeClr val="tx1"/>
-                          </a:solidFill>
-                        </a:rPr>
-                        <a:t> </a:t>
-                      </a:r>
-                      <a:r>
-                        <a:rPr lang="ko-KR" altLang="en-US" sz="1400" b="0" dirty="0">
-                          <a:solidFill>
-                            <a:schemeClr val="tx1"/>
-                          </a:solidFill>
-                        </a:rPr>
-                        <a:t>그로부터 약 </a:t>
-                      </a:r>
-                      <a:r>
-                        <a:rPr lang="en-US" altLang="ko-KR" sz="1400" b="0" dirty="0">
-                          <a:solidFill>
-                            <a:schemeClr val="tx1"/>
-                          </a:solidFill>
-                        </a:rPr>
-                        <a:t>50</a:t>
-                      </a:r>
-                      <a:r>
-                        <a:rPr lang="ko-KR" altLang="en-US" sz="1400" b="0" dirty="0">
-                          <a:solidFill>
-                            <a:schemeClr val="tx1"/>
-                          </a:solidFill>
-                        </a:rPr>
-                        <a:t>년</a:t>
-                      </a:r>
-                      <a:r>
-                        <a:rPr lang="en-US" altLang="ko-KR" sz="1400" b="0" dirty="0">
-                          <a:solidFill>
-                            <a:schemeClr val="tx1"/>
-                          </a:solidFill>
-                        </a:rPr>
-                        <a:t>,</a:t>
-                      </a:r>
-                      <a:r>
-                        <a:rPr lang="ko-KR" altLang="en-US" sz="1400" b="0" dirty="0">
-                          <a:solidFill>
-                            <a:schemeClr val="tx1"/>
-                          </a:solidFill>
-                        </a:rPr>
-                        <a:t> 무림을 찾아낸 달기는 무림의 정파와 </a:t>
-                      </a:r>
-                      <a:r>
-                        <a:rPr lang="ko-KR" altLang="en-US" sz="1400" b="0" dirty="0" err="1">
-                          <a:solidFill>
-                            <a:schemeClr val="tx1"/>
-                          </a:solidFill>
-                        </a:rPr>
-                        <a:t>사파</a:t>
-                      </a:r>
-                      <a:r>
-                        <a:rPr lang="ko-KR" altLang="en-US" sz="1400" b="0" dirty="0">
-                          <a:solidFill>
-                            <a:schemeClr val="tx1"/>
-                          </a:solidFill>
-                        </a:rPr>
-                        <a:t> 사이에 전쟁을 일으켜 무림 세력을 크게 약화 시켰고</a:t>
-                      </a:r>
-                      <a:r>
-                        <a:rPr lang="en-US" altLang="ko-KR" sz="1400" b="0" dirty="0">
-                          <a:solidFill>
-                            <a:schemeClr val="tx1"/>
-                          </a:solidFill>
-                        </a:rPr>
-                        <a:t> </a:t>
-                      </a:r>
-                      <a:r>
-                        <a:rPr lang="ko-KR" altLang="en-US" sz="1400" b="0" dirty="0">
-                          <a:solidFill>
-                            <a:schemeClr val="tx1"/>
-                          </a:solidFill>
-                        </a:rPr>
-                        <a:t>지맥을 뒤틀어 </a:t>
-                      </a:r>
-                      <a:r>
-                        <a:rPr lang="en-US" altLang="ko-KR" sz="1400" b="0" dirty="0">
-                          <a:solidFill>
-                            <a:schemeClr val="tx1"/>
-                          </a:solidFill>
-                        </a:rPr>
-                        <a:t>‘</a:t>
-                      </a:r>
-                      <a:r>
-                        <a:rPr lang="ko-KR" altLang="en-US" sz="1400" b="0" dirty="0">
-                          <a:solidFill>
-                            <a:schemeClr val="tx1"/>
-                          </a:solidFill>
-                        </a:rPr>
-                        <a:t>동아</a:t>
-                      </a:r>
-                      <a:r>
-                        <a:rPr lang="en-US" altLang="ko-KR" sz="1400" b="0" dirty="0">
-                          <a:solidFill>
-                            <a:schemeClr val="tx1"/>
-                          </a:solidFill>
-                        </a:rPr>
-                        <a:t>’</a:t>
-                      </a:r>
-                      <a:r>
-                        <a:rPr lang="ko-KR" altLang="en-US" sz="1400" b="0" dirty="0">
-                          <a:solidFill>
-                            <a:schemeClr val="tx1"/>
-                          </a:solidFill>
-                        </a:rPr>
-                        <a:t>에 많은 괴물들을 발생시켜 재앙을 일으켜 남은 무림 세력들을 쓸어버리려 했다</a:t>
-                      </a:r>
-                      <a:r>
-                        <a:rPr lang="en-US" altLang="ko-KR" sz="1400" b="0" dirty="0">
-                          <a:solidFill>
-                            <a:schemeClr val="tx1"/>
-                          </a:solidFill>
-                        </a:rPr>
-                        <a:t>.</a:t>
-                      </a:r>
-                    </a:p>
-                    <a:p>
-                      <a:pPr latinLnBrk="1"/>
-                      <a:endParaRPr lang="en-US" altLang="ko-KR" sz="1400" b="0" dirty="0">
-                        <a:solidFill>
-                          <a:schemeClr val="tx1"/>
-                        </a:solidFill>
-                      </a:endParaRPr>
-                    </a:p>
-                    <a:p>
-                      <a:pPr latinLnBrk="1"/>
-                      <a:r>
-                        <a:rPr lang="ko-KR" altLang="en-US" sz="1400" b="0" dirty="0">
-                          <a:solidFill>
-                            <a:schemeClr val="tx1"/>
-                          </a:solidFill>
-                        </a:rPr>
-                        <a:t>뒤 늦게 전쟁의 원인을 알아낸 무림은 급하게 전쟁을 멈추고 괴물들과 싸웠지만 거의 괴멸 상태가 되었다</a:t>
-                      </a:r>
-                      <a:r>
-                        <a:rPr lang="en-US" altLang="ko-KR" sz="1400" b="0" dirty="0">
-                          <a:solidFill>
-                            <a:schemeClr val="tx1"/>
-                          </a:solidFill>
-                        </a:rPr>
-                        <a:t>.</a:t>
-                      </a:r>
-                    </a:p>
-                    <a:p>
-                      <a:pPr latinLnBrk="1"/>
-                      <a:endParaRPr lang="en-US" altLang="ko-KR" sz="1400" b="0" dirty="0">
+                      <a:endParaRPr lang="ko-KR" altLang="en-US" sz="1200" b="0" dirty="0">
                         <a:solidFill>
                           <a:schemeClr val="tx1"/>
                         </a:solidFill>
@@ -11044,11 +12490,21 @@
                     </a:p>
                   </a:txBody>
                   <a:tcPr>
-                    <a:lnL w="12700" cmpd="sng">
-                      <a:noFill/>
+                    <a:lnL w="12700" cap="flat" cmpd="sng" algn="ctr">
+                      <a:solidFill>
+                        <a:schemeClr val="tx1"/>
+                      </a:solidFill>
+                      <a:prstDash val="solid"/>
+                      <a:round/>
+                      <a:headEnd type="none" w="med" len="med"/>
+                      <a:tailEnd type="none" w="med" len="med"/>
                     </a:lnL>
-                    <a:lnR w="12700" cmpd="sng">
-                      <a:noFill/>
+                    <a:lnR w="12700" cap="flat" cmpd="sng" algn="ctr">
+                      <a:noFill/>
+                      <a:prstDash val="solid"/>
+                      <a:round/>
+                      <a:headEnd type="none" w="med" len="med"/>
+                      <a:tailEnd type="none" w="med" len="med"/>
                     </a:lnR>
                     <a:lnT w="12700" cap="flat" cmpd="sng" algn="ctr">
                       <a:solidFill>
@@ -11060,7 +12516,9 @@
                       <a:tailEnd type="none" w="med" len="med"/>
                     </a:lnT>
                     <a:lnB w="12700" cap="flat" cmpd="sng" algn="ctr">
-                      <a:noFill/>
+                      <a:solidFill>
+                        <a:schemeClr val="tx1"/>
+                      </a:solidFill>
                       <a:prstDash val="solid"/>
                       <a:round/>
                       <a:headEnd type="none" w="med" len="med"/>
@@ -11079,11 +12537,78 @@
                 </a:tc>
                 <a:extLst>
                   <a:ext uri="{0D108BD9-81ED-4DB2-BD59-A6C34878D82A}">
-                    <a16:rowId xmlns:a16="http://schemas.microsoft.com/office/drawing/2014/main" val="3190496777"/>
+                    <a16:rowId xmlns:a16="http://schemas.microsoft.com/office/drawing/2014/main" val="1144466408"/>
                   </a:ext>
                 </a:extLst>
               </a:tr>
-              <a:tr h="0">
+              <a:tr h="185420">
+                <a:tc rowSpan="2">
+                  <a:txBody>
+                    <a:bodyPr/>
+                    <a:lstStyle/>
+                    <a:p>
+                      <a:pPr algn="ctr" latinLnBrk="1"/>
+                      <a:r>
+                        <a:rPr lang="en-US" altLang="ko-KR" sz="1200" b="0" dirty="0">
+                          <a:solidFill>
+                            <a:schemeClr val="tx1"/>
+                          </a:solidFill>
+                        </a:rPr>
+                        <a:t>2</a:t>
+                      </a:r>
+                      <a:endParaRPr lang="ko-KR" altLang="en-US" sz="1200" b="0" dirty="0">
+                        <a:solidFill>
+                          <a:schemeClr val="tx1"/>
+                        </a:solidFill>
+                      </a:endParaRPr>
+                    </a:p>
+                  </a:txBody>
+                  <a:tcPr anchor="ctr">
+                    <a:lnL w="12700" cap="flat" cmpd="sng" algn="ctr">
+                      <a:noFill/>
+                      <a:prstDash val="solid"/>
+                      <a:round/>
+                      <a:headEnd type="none" w="med" len="med"/>
+                      <a:tailEnd type="none" w="med" len="med"/>
+                    </a:lnL>
+                    <a:lnR w="12700" cap="flat" cmpd="sng" algn="ctr">
+                      <a:solidFill>
+                        <a:schemeClr val="tx1"/>
+                      </a:solidFill>
+                      <a:prstDash val="solid"/>
+                      <a:round/>
+                      <a:headEnd type="none" w="med" len="med"/>
+                      <a:tailEnd type="none" w="med" len="med"/>
+                    </a:lnR>
+                    <a:lnT w="12700" cap="flat" cmpd="sng" algn="ctr">
+                      <a:solidFill>
+                        <a:schemeClr val="tx1"/>
+                      </a:solidFill>
+                      <a:prstDash val="solid"/>
+                      <a:round/>
+                      <a:headEnd type="none" w="med" len="med"/>
+                      <a:tailEnd type="none" w="med" len="med"/>
+                    </a:lnT>
+                    <a:lnB w="12700" cap="flat" cmpd="sng" algn="ctr">
+                      <a:solidFill>
+                        <a:schemeClr val="tx1"/>
+                      </a:solidFill>
+                      <a:prstDash val="solid"/>
+                      <a:round/>
+                      <a:headEnd type="none" w="med" len="med"/>
+                      <a:tailEnd type="none" w="med" len="med"/>
+                    </a:lnB>
+                    <a:lnTlToBr w="12700" cmpd="sng">
+                      <a:noFill/>
+                      <a:prstDash val="solid"/>
+                    </a:lnTlToBr>
+                    <a:lnBlToTr w="12700" cmpd="sng">
+                      <a:noFill/>
+                      <a:prstDash val="solid"/>
+                    </a:lnBlToTr>
+                    <a:noFill/>
+                  </a:tcPr>
+                </a:tc>
                 <a:tc>
                   <a:txBody>
                     <a:bodyPr/>
@@ -11091,24 +12616,36 @@
                     <a:p>
                       <a:pPr latinLnBrk="1"/>
                       <a:r>
-                        <a:rPr lang="ko-KR" altLang="en-US" sz="1400" b="0" dirty="0">
+                        <a:rPr lang="ko-KR" altLang="en-US" sz="1200" b="0" dirty="0">
                           <a:solidFill>
                             <a:schemeClr val="tx1"/>
                           </a:solidFill>
                         </a:rPr>
-                        <a:t>현재</a:t>
+                        <a:t>임무 접수처</a:t>
                       </a:r>
                     </a:p>
                   </a:txBody>
                   <a:tcPr>
-                    <a:lnL w="12700" cmpd="sng">
-                      <a:noFill/>
+                    <a:lnL w="12700" cap="flat" cmpd="sng" algn="ctr">
+                      <a:solidFill>
+                        <a:schemeClr val="tx1"/>
+                      </a:solidFill>
+                      <a:prstDash val="solid"/>
+                      <a:round/>
+                      <a:headEnd type="none" w="med" len="med"/>
+                      <a:tailEnd type="none" w="med" len="med"/>
                     </a:lnL>
-                    <a:lnR w="12700" cmpd="sng">
-                      <a:noFill/>
+                    <a:lnR w="12700" cap="flat" cmpd="sng" algn="ctr">
+                      <a:noFill/>
+                      <a:prstDash val="solid"/>
+                      <a:round/>
+                      <a:headEnd type="none" w="med" len="med"/>
+                      <a:tailEnd type="none" w="med" len="med"/>
                     </a:lnR>
                     <a:lnT w="12700" cap="flat" cmpd="sng" algn="ctr">
-                      <a:noFill/>
+                      <a:solidFill>
+                        <a:schemeClr val="tx1"/>
+                      </a:solidFill>
                       <a:prstDash val="solid"/>
                       <a:round/>
                       <a:headEnd type="none" w="med" len="med"/>
@@ -11131,20 +12668,682 @@
                       <a:noFill/>
                       <a:prstDash val="solid"/>
                     </a:lnBlToTr>
-                    <a:solidFill>
-                      <a:schemeClr val="bg1">
-                        <a:lumMod val="95000"/>
-                      </a:schemeClr>
-                    </a:solidFill>
+                    <a:noFill/>
                   </a:tcPr>
                 </a:tc>
                 <a:extLst>
                   <a:ext uri="{0D108BD9-81ED-4DB2-BD59-A6C34878D82A}">
-                    <a16:rowId xmlns:a16="http://schemas.microsoft.com/office/drawing/2014/main" val="1882273058"/>
+                    <a16:rowId xmlns:a16="http://schemas.microsoft.com/office/drawing/2014/main" val="2525806370"/>
                   </a:ext>
                 </a:extLst>
               </a:tr>
-              <a:tr h="370840">
+              <a:tr h="185420">
+                <a:tc vMerge="1">
+                  <a:txBody>
+                    <a:bodyPr/>
+                    <a:lstStyle/>
+                    <a:p>
+                      <a:pPr latinLnBrk="1"/>
+                      <a:endParaRPr lang="ko-KR" altLang="en-US"/>
+                    </a:p>
+                  </a:txBody>
+                  <a:tcPr/>
+                </a:tc>
+                <a:tc>
+                  <a:txBody>
+                    <a:bodyPr/>
+                    <a:lstStyle/>
+                    <a:p>
+                      <a:pPr latinLnBrk="1"/>
+                      <a:r>
+                        <a:rPr lang="ko-KR" altLang="en-US" sz="1200" b="0" dirty="0">
+                          <a:solidFill>
+                            <a:schemeClr val="tx1"/>
+                          </a:solidFill>
+                        </a:rPr>
+                        <a:t>임무를 수락</a:t>
+                      </a:r>
+                      <a:r>
+                        <a:rPr lang="en-US" altLang="ko-KR" sz="1200" b="0" dirty="0">
+                          <a:solidFill>
+                            <a:schemeClr val="tx1"/>
+                          </a:solidFill>
+                        </a:rPr>
+                        <a:t>, </a:t>
+                      </a:r>
+                      <a:r>
+                        <a:rPr lang="ko-KR" altLang="en-US" sz="1200" b="0" dirty="0">
+                          <a:solidFill>
+                            <a:schemeClr val="tx1"/>
+                          </a:solidFill>
+                        </a:rPr>
+                        <a:t>완료할 수 있으며</a:t>
+                      </a:r>
+                      <a:r>
+                        <a:rPr lang="en-US" altLang="ko-KR" sz="1200" b="0" dirty="0">
+                          <a:solidFill>
+                            <a:schemeClr val="tx1"/>
+                          </a:solidFill>
+                        </a:rPr>
+                        <a:t> </a:t>
+                      </a:r>
+                      <a:r>
+                        <a:rPr lang="ko-KR" altLang="en-US" sz="1200" b="0" dirty="0">
+                          <a:solidFill>
+                            <a:schemeClr val="tx1"/>
+                          </a:solidFill>
+                        </a:rPr>
+                        <a:t>몬스터를 잡고 나온 아이템을 판매할 수도 있다</a:t>
+                      </a:r>
+                      <a:r>
+                        <a:rPr lang="en-US" altLang="ko-KR" sz="1200" b="0" dirty="0">
+                          <a:solidFill>
+                            <a:schemeClr val="tx1"/>
+                          </a:solidFill>
+                        </a:rPr>
+                        <a:t>.</a:t>
+                      </a:r>
+                      <a:endParaRPr lang="ko-KR" altLang="en-US" sz="1200" b="0" dirty="0">
+                        <a:solidFill>
+                          <a:schemeClr val="tx1"/>
+                        </a:solidFill>
+                      </a:endParaRPr>
+                    </a:p>
+                  </a:txBody>
+                  <a:tcPr>
+                    <a:lnL w="12700" cap="flat" cmpd="sng" algn="ctr">
+                      <a:solidFill>
+                        <a:schemeClr val="tx1"/>
+                      </a:solidFill>
+                      <a:prstDash val="solid"/>
+                      <a:round/>
+                      <a:headEnd type="none" w="med" len="med"/>
+                      <a:tailEnd type="none" w="med" len="med"/>
+                    </a:lnL>
+                    <a:lnR w="12700" cap="flat" cmpd="sng" algn="ctr">
+                      <a:noFill/>
+                      <a:prstDash val="solid"/>
+                      <a:round/>
+                      <a:headEnd type="none" w="med" len="med"/>
+                      <a:tailEnd type="none" w="med" len="med"/>
+                    </a:lnR>
+                    <a:lnT w="12700" cap="flat" cmpd="sng" algn="ctr">
+                      <a:solidFill>
+                        <a:schemeClr val="tx1"/>
+                      </a:solidFill>
+                      <a:prstDash val="solid"/>
+                      <a:round/>
+                      <a:headEnd type="none" w="med" len="med"/>
+                      <a:tailEnd type="none" w="med" len="med"/>
+                    </a:lnT>
+                    <a:lnB w="12700" cap="flat" cmpd="sng" algn="ctr">
+                      <a:solidFill>
+                        <a:schemeClr val="tx1"/>
+                      </a:solidFill>
+                      <a:prstDash val="solid"/>
+                      <a:round/>
+                      <a:headEnd type="none" w="med" len="med"/>
+                      <a:tailEnd type="none" w="med" len="med"/>
+                    </a:lnB>
+                    <a:lnTlToBr w="12700" cmpd="sng">
+                      <a:noFill/>
+                      <a:prstDash val="solid"/>
+                    </a:lnTlToBr>
+                    <a:lnBlToTr w="12700" cmpd="sng">
+                      <a:noFill/>
+                      <a:prstDash val="solid"/>
+                    </a:lnBlToTr>
+                    <a:noFill/>
+                  </a:tcPr>
+                </a:tc>
+                <a:extLst>
+                  <a:ext uri="{0D108BD9-81ED-4DB2-BD59-A6C34878D82A}">
+                    <a16:rowId xmlns:a16="http://schemas.microsoft.com/office/drawing/2014/main" val="1670713923"/>
+                  </a:ext>
+                </a:extLst>
+              </a:tr>
+              <a:tr h="185420">
+                <a:tc rowSpan="2">
+                  <a:txBody>
+                    <a:bodyPr/>
+                    <a:lstStyle/>
+                    <a:p>
+                      <a:pPr algn="ctr" latinLnBrk="1"/>
+                      <a:r>
+                        <a:rPr lang="en-US" altLang="ko-KR" sz="1200" b="0" dirty="0">
+                          <a:solidFill>
+                            <a:schemeClr val="tx1"/>
+                          </a:solidFill>
+                        </a:rPr>
+                        <a:t>3</a:t>
+                      </a:r>
+                      <a:endParaRPr lang="ko-KR" altLang="en-US" sz="1200" b="0" dirty="0">
+                        <a:solidFill>
+                          <a:schemeClr val="tx1"/>
+                        </a:solidFill>
+                      </a:endParaRPr>
+                    </a:p>
+                  </a:txBody>
+                  <a:tcPr anchor="ctr">
+                    <a:lnL w="12700" cap="flat" cmpd="sng" algn="ctr">
+                      <a:noFill/>
+                      <a:prstDash val="solid"/>
+                      <a:round/>
+                      <a:headEnd type="none" w="med" len="med"/>
+                      <a:tailEnd type="none" w="med" len="med"/>
+                    </a:lnL>
+                    <a:lnR w="12700" cap="flat" cmpd="sng" algn="ctr">
+                      <a:solidFill>
+                        <a:schemeClr val="tx1"/>
+                      </a:solidFill>
+                      <a:prstDash val="solid"/>
+                      <a:round/>
+                      <a:headEnd type="none" w="med" len="med"/>
+                      <a:tailEnd type="none" w="med" len="med"/>
+                    </a:lnR>
+                    <a:lnT w="12700" cap="flat" cmpd="sng" algn="ctr">
+                      <a:solidFill>
+                        <a:schemeClr val="tx1"/>
+                      </a:solidFill>
+                      <a:prstDash val="solid"/>
+                      <a:round/>
+                      <a:headEnd type="none" w="med" len="med"/>
+                      <a:tailEnd type="none" w="med" len="med"/>
+                    </a:lnT>
+                    <a:lnB w="12700" cap="flat" cmpd="sng" algn="ctr">
+                      <a:solidFill>
+                        <a:schemeClr val="tx1"/>
+                      </a:solidFill>
+                      <a:prstDash val="solid"/>
+                      <a:round/>
+                      <a:headEnd type="none" w="med" len="med"/>
+                      <a:tailEnd type="none" w="med" len="med"/>
+                    </a:lnB>
+                    <a:lnTlToBr w="12700" cmpd="sng">
+                      <a:noFill/>
+                      <a:prstDash val="solid"/>
+                    </a:lnTlToBr>
+                    <a:lnBlToTr w="12700" cmpd="sng">
+                      <a:noFill/>
+                      <a:prstDash val="solid"/>
+                    </a:lnBlToTr>
+                    <a:noFill/>
+                  </a:tcPr>
+                </a:tc>
+                <a:tc>
+                  <a:txBody>
+                    <a:bodyPr/>
+                    <a:lstStyle/>
+                    <a:p>
+                      <a:pPr latinLnBrk="1"/>
+                      <a:r>
+                        <a:rPr lang="ko-KR" altLang="en-US" sz="1200" b="0" dirty="0">
+                          <a:solidFill>
+                            <a:schemeClr val="tx1"/>
+                          </a:solidFill>
+                        </a:rPr>
+                        <a:t>임무 게시판</a:t>
+                      </a:r>
+                    </a:p>
+                  </a:txBody>
+                  <a:tcPr>
+                    <a:lnL w="12700" cap="flat" cmpd="sng" algn="ctr">
+                      <a:solidFill>
+                        <a:schemeClr val="tx1"/>
+                      </a:solidFill>
+                      <a:prstDash val="solid"/>
+                      <a:round/>
+                      <a:headEnd type="none" w="med" len="med"/>
+                      <a:tailEnd type="none" w="med" len="med"/>
+                    </a:lnL>
+                    <a:lnR w="12700" cap="flat" cmpd="sng" algn="ctr">
+                      <a:noFill/>
+                      <a:prstDash val="solid"/>
+                      <a:round/>
+                      <a:headEnd type="none" w="med" len="med"/>
+                      <a:tailEnd type="none" w="med" len="med"/>
+                    </a:lnR>
+                    <a:lnT w="12700" cap="flat" cmpd="sng" algn="ctr">
+                      <a:solidFill>
+                        <a:schemeClr val="tx1"/>
+                      </a:solidFill>
+                      <a:prstDash val="solid"/>
+                      <a:round/>
+                      <a:headEnd type="none" w="med" len="med"/>
+                      <a:tailEnd type="none" w="med" len="med"/>
+                    </a:lnT>
+                    <a:lnB w="12700" cap="flat" cmpd="sng" algn="ctr">
+                      <a:solidFill>
+                        <a:schemeClr val="tx1"/>
+                      </a:solidFill>
+                      <a:prstDash val="solid"/>
+                      <a:round/>
+                      <a:headEnd type="none" w="med" len="med"/>
+                      <a:tailEnd type="none" w="med" len="med"/>
+                    </a:lnB>
+                    <a:lnTlToBr w="12700" cmpd="sng">
+                      <a:noFill/>
+                      <a:prstDash val="solid"/>
+                    </a:lnTlToBr>
+                    <a:lnBlToTr w="12700" cmpd="sng">
+                      <a:noFill/>
+                      <a:prstDash val="solid"/>
+                    </a:lnBlToTr>
+                    <a:noFill/>
+                  </a:tcPr>
+                </a:tc>
+                <a:extLst>
+                  <a:ext uri="{0D108BD9-81ED-4DB2-BD59-A6C34878D82A}">
+                    <a16:rowId xmlns:a16="http://schemas.microsoft.com/office/drawing/2014/main" val="2395034878"/>
+                  </a:ext>
+                </a:extLst>
+              </a:tr>
+              <a:tr h="185420">
+                <a:tc vMerge="1">
+                  <a:txBody>
+                    <a:bodyPr/>
+                    <a:lstStyle/>
+                    <a:p>
+                      <a:pPr latinLnBrk="1"/>
+                      <a:endParaRPr lang="ko-KR" altLang="en-US"/>
+                    </a:p>
+                  </a:txBody>
+                  <a:tcPr/>
+                </a:tc>
+                <a:tc>
+                  <a:txBody>
+                    <a:bodyPr/>
+                    <a:lstStyle/>
+                    <a:p>
+                      <a:pPr latinLnBrk="1"/>
+                      <a:r>
+                        <a:rPr lang="ko-KR" altLang="en-US" sz="1200" b="0" dirty="0">
+                          <a:solidFill>
+                            <a:schemeClr val="tx1"/>
+                          </a:solidFill>
+                        </a:rPr>
+                        <a:t>현재 수락할 수 있는 임무들을 확인할 수 있다</a:t>
+                      </a:r>
+                      <a:r>
+                        <a:rPr lang="en-US" altLang="ko-KR" sz="1200" b="0" dirty="0">
+                          <a:solidFill>
+                            <a:schemeClr val="tx1"/>
+                          </a:solidFill>
+                        </a:rPr>
+                        <a:t>.</a:t>
+                      </a:r>
+                      <a:endParaRPr lang="ko-KR" altLang="en-US" sz="1200" b="0" dirty="0">
+                        <a:solidFill>
+                          <a:schemeClr val="tx1"/>
+                        </a:solidFill>
+                      </a:endParaRPr>
+                    </a:p>
+                  </a:txBody>
+                  <a:tcPr>
+                    <a:lnL w="12700" cap="flat" cmpd="sng" algn="ctr">
+                      <a:solidFill>
+                        <a:schemeClr val="tx1"/>
+                      </a:solidFill>
+                      <a:prstDash val="solid"/>
+                      <a:round/>
+                      <a:headEnd type="none" w="med" len="med"/>
+                      <a:tailEnd type="none" w="med" len="med"/>
+                    </a:lnL>
+                    <a:lnR w="12700" cap="flat" cmpd="sng" algn="ctr">
+                      <a:noFill/>
+                      <a:prstDash val="solid"/>
+                      <a:round/>
+                      <a:headEnd type="none" w="med" len="med"/>
+                      <a:tailEnd type="none" w="med" len="med"/>
+                    </a:lnR>
+                    <a:lnT w="12700" cap="flat" cmpd="sng" algn="ctr">
+                      <a:solidFill>
+                        <a:schemeClr val="tx1"/>
+                      </a:solidFill>
+                      <a:prstDash val="solid"/>
+                      <a:round/>
+                      <a:headEnd type="none" w="med" len="med"/>
+                      <a:tailEnd type="none" w="med" len="med"/>
+                    </a:lnT>
+                    <a:lnB w="12700" cap="flat" cmpd="sng" algn="ctr">
+                      <a:solidFill>
+                        <a:schemeClr val="tx1"/>
+                      </a:solidFill>
+                      <a:prstDash val="solid"/>
+                      <a:round/>
+                      <a:headEnd type="none" w="med" len="med"/>
+                      <a:tailEnd type="none" w="med" len="med"/>
+                    </a:lnB>
+                    <a:lnTlToBr w="12700" cmpd="sng">
+                      <a:noFill/>
+                      <a:prstDash val="solid"/>
+                    </a:lnTlToBr>
+                    <a:lnBlToTr w="12700" cmpd="sng">
+                      <a:noFill/>
+                      <a:prstDash val="solid"/>
+                    </a:lnBlToTr>
+                    <a:noFill/>
+                  </a:tcPr>
+                </a:tc>
+                <a:extLst>
+                  <a:ext uri="{0D108BD9-81ED-4DB2-BD59-A6C34878D82A}">
+                    <a16:rowId xmlns:a16="http://schemas.microsoft.com/office/drawing/2014/main" val="1161581210"/>
+                  </a:ext>
+                </a:extLst>
+              </a:tr>
+              <a:tr h="185420">
+                <a:tc rowSpan="2">
+                  <a:txBody>
+                    <a:bodyPr/>
+                    <a:lstStyle/>
+                    <a:p>
+                      <a:pPr algn="ctr" latinLnBrk="1"/>
+                      <a:r>
+                        <a:rPr lang="en-US" altLang="ko-KR" sz="1200" b="0" dirty="0">
+                          <a:solidFill>
+                            <a:schemeClr val="tx1"/>
+                          </a:solidFill>
+                        </a:rPr>
+                        <a:t>4</a:t>
+                      </a:r>
+                      <a:endParaRPr lang="ko-KR" altLang="en-US" sz="1200" b="0" dirty="0">
+                        <a:solidFill>
+                          <a:schemeClr val="tx1"/>
+                        </a:solidFill>
+                      </a:endParaRPr>
+                    </a:p>
+                  </a:txBody>
+                  <a:tcPr anchor="ctr">
+                    <a:lnL w="12700" cap="flat" cmpd="sng" algn="ctr">
+                      <a:noFill/>
+                      <a:prstDash val="solid"/>
+                      <a:round/>
+                      <a:headEnd type="none" w="med" len="med"/>
+                      <a:tailEnd type="none" w="med" len="med"/>
+                    </a:lnL>
+                    <a:lnR w="12700" cap="flat" cmpd="sng" algn="ctr">
+                      <a:solidFill>
+                        <a:schemeClr val="tx1"/>
+                      </a:solidFill>
+                      <a:prstDash val="solid"/>
+                      <a:round/>
+                      <a:headEnd type="none" w="med" len="med"/>
+                      <a:tailEnd type="none" w="med" len="med"/>
+                    </a:lnR>
+                    <a:lnT w="12700" cap="flat" cmpd="sng" algn="ctr">
+                      <a:solidFill>
+                        <a:schemeClr val="tx1"/>
+                      </a:solidFill>
+                      <a:prstDash val="solid"/>
+                      <a:round/>
+                      <a:headEnd type="none" w="med" len="med"/>
+                      <a:tailEnd type="none" w="med" len="med"/>
+                    </a:lnT>
+                    <a:lnB w="12700" cap="flat" cmpd="sng" algn="ctr">
+                      <a:solidFill>
+                        <a:schemeClr val="tx1"/>
+                      </a:solidFill>
+                      <a:prstDash val="solid"/>
+                      <a:round/>
+                      <a:headEnd type="none" w="med" len="med"/>
+                      <a:tailEnd type="none" w="med" len="med"/>
+                    </a:lnB>
+                    <a:lnTlToBr w="12700" cmpd="sng">
+                      <a:noFill/>
+                      <a:prstDash val="solid"/>
+                    </a:lnTlToBr>
+                    <a:lnBlToTr w="12700" cmpd="sng">
+                      <a:noFill/>
+                      <a:prstDash val="solid"/>
+                    </a:lnBlToTr>
+                    <a:noFill/>
+                  </a:tcPr>
+                </a:tc>
+                <a:tc>
+                  <a:txBody>
+                    <a:bodyPr/>
+                    <a:lstStyle/>
+                    <a:p>
+                      <a:pPr latinLnBrk="1"/>
+                      <a:r>
+                        <a:rPr lang="ko-KR" altLang="en-US" sz="1200" b="0" dirty="0">
+                          <a:solidFill>
+                            <a:schemeClr val="tx1"/>
+                          </a:solidFill>
+                        </a:rPr>
+                        <a:t>계단</a:t>
+                      </a:r>
+                    </a:p>
+                  </a:txBody>
+                  <a:tcPr>
+                    <a:lnL w="12700" cap="flat" cmpd="sng" algn="ctr">
+                      <a:solidFill>
+                        <a:schemeClr val="tx1"/>
+                      </a:solidFill>
+                      <a:prstDash val="solid"/>
+                      <a:round/>
+                      <a:headEnd type="none" w="med" len="med"/>
+                      <a:tailEnd type="none" w="med" len="med"/>
+                    </a:lnL>
+                    <a:lnR w="12700" cap="flat" cmpd="sng" algn="ctr">
+                      <a:noFill/>
+                      <a:prstDash val="solid"/>
+                      <a:round/>
+                      <a:headEnd type="none" w="med" len="med"/>
+                      <a:tailEnd type="none" w="med" len="med"/>
+                    </a:lnR>
+                    <a:lnT w="12700" cap="flat" cmpd="sng" algn="ctr">
+                      <a:solidFill>
+                        <a:schemeClr val="tx1"/>
+                      </a:solidFill>
+                      <a:prstDash val="solid"/>
+                      <a:round/>
+                      <a:headEnd type="none" w="med" len="med"/>
+                      <a:tailEnd type="none" w="med" len="med"/>
+                    </a:lnT>
+                    <a:lnB w="12700" cap="flat" cmpd="sng" algn="ctr">
+                      <a:solidFill>
+                        <a:schemeClr val="tx1"/>
+                      </a:solidFill>
+                      <a:prstDash val="solid"/>
+                      <a:round/>
+                      <a:headEnd type="none" w="med" len="med"/>
+                      <a:tailEnd type="none" w="med" len="med"/>
+                    </a:lnB>
+                    <a:lnTlToBr w="12700" cmpd="sng">
+                      <a:noFill/>
+                      <a:prstDash val="solid"/>
+                    </a:lnTlToBr>
+                    <a:lnBlToTr w="12700" cmpd="sng">
+                      <a:noFill/>
+                      <a:prstDash val="solid"/>
+                    </a:lnBlToTr>
+                    <a:noFill/>
+                  </a:tcPr>
+                </a:tc>
+                <a:extLst>
+                  <a:ext uri="{0D108BD9-81ED-4DB2-BD59-A6C34878D82A}">
+                    <a16:rowId xmlns:a16="http://schemas.microsoft.com/office/drawing/2014/main" val="696714952"/>
+                  </a:ext>
+                </a:extLst>
+              </a:tr>
+              <a:tr h="185420">
+                <a:tc vMerge="1">
+                  <a:txBody>
+                    <a:bodyPr/>
+                    <a:lstStyle/>
+                    <a:p>
+                      <a:pPr latinLnBrk="1"/>
+                      <a:endParaRPr lang="ko-KR" altLang="en-US"/>
+                    </a:p>
+                  </a:txBody>
+                  <a:tcPr/>
+                </a:tc>
+                <a:tc>
+                  <a:txBody>
+                    <a:bodyPr/>
+                    <a:lstStyle/>
+                    <a:p>
+                      <a:pPr latinLnBrk="1"/>
+                      <a:r>
+                        <a:rPr lang="ko-KR" altLang="en-US" sz="1200" b="0" dirty="0">
+                          <a:solidFill>
+                            <a:schemeClr val="tx1"/>
+                          </a:solidFill>
+                        </a:rPr>
+                        <a:t>각 층으로 이동할 수 있다</a:t>
+                      </a:r>
+                      <a:r>
+                        <a:rPr lang="en-US" altLang="ko-KR" sz="1200" b="0" dirty="0">
+                          <a:solidFill>
+                            <a:schemeClr val="tx1"/>
+                          </a:solidFill>
+                        </a:rPr>
+                        <a:t>.</a:t>
+                      </a:r>
+                      <a:endParaRPr lang="ko-KR" altLang="en-US" sz="1200" b="0" dirty="0">
+                        <a:solidFill>
+                          <a:schemeClr val="tx1"/>
+                        </a:solidFill>
+                      </a:endParaRPr>
+                    </a:p>
+                  </a:txBody>
+                  <a:tcPr>
+                    <a:lnL w="12700" cap="flat" cmpd="sng" algn="ctr">
+                      <a:solidFill>
+                        <a:schemeClr val="tx1"/>
+                      </a:solidFill>
+                      <a:prstDash val="solid"/>
+                      <a:round/>
+                      <a:headEnd type="none" w="med" len="med"/>
+                      <a:tailEnd type="none" w="med" len="med"/>
+                    </a:lnL>
+                    <a:lnR w="12700" cap="flat" cmpd="sng" algn="ctr">
+                      <a:noFill/>
+                      <a:prstDash val="solid"/>
+                      <a:round/>
+                      <a:headEnd type="none" w="med" len="med"/>
+                      <a:tailEnd type="none" w="med" len="med"/>
+                    </a:lnR>
+                    <a:lnT w="12700" cap="flat" cmpd="sng" algn="ctr">
+                      <a:solidFill>
+                        <a:schemeClr val="tx1"/>
+                      </a:solidFill>
+                      <a:prstDash val="solid"/>
+                      <a:round/>
+                      <a:headEnd type="none" w="med" len="med"/>
+                      <a:tailEnd type="none" w="med" len="med"/>
+                    </a:lnT>
+                    <a:lnB w="12700" cap="flat" cmpd="sng" algn="ctr">
+                      <a:solidFill>
+                        <a:schemeClr val="tx1"/>
+                      </a:solidFill>
+                      <a:prstDash val="solid"/>
+                      <a:round/>
+                      <a:headEnd type="none" w="med" len="med"/>
+                      <a:tailEnd type="none" w="med" len="med"/>
+                    </a:lnB>
+                    <a:lnTlToBr w="12700" cmpd="sng">
+                      <a:noFill/>
+                      <a:prstDash val="solid"/>
+                    </a:lnTlToBr>
+                    <a:lnBlToTr w="12700" cmpd="sng">
+                      <a:noFill/>
+                      <a:prstDash val="solid"/>
+                    </a:lnBlToTr>
+                    <a:noFill/>
+                  </a:tcPr>
+                </a:tc>
+                <a:extLst>
+                  <a:ext uri="{0D108BD9-81ED-4DB2-BD59-A6C34878D82A}">
+                    <a16:rowId xmlns:a16="http://schemas.microsoft.com/office/drawing/2014/main" val="514868578"/>
+                  </a:ext>
+                </a:extLst>
+              </a:tr>
+              <a:tr h="185420">
+                <a:tc rowSpan="2">
+                  <a:txBody>
+                    <a:bodyPr/>
+                    <a:lstStyle/>
+                    <a:p>
+                      <a:pPr marL="0" marR="0" lvl="0" indent="0" algn="ctr" defTabSz="914400" rtl="0" eaLnBrk="1" fontAlgn="auto" latinLnBrk="1" hangingPunct="1">
+                        <a:lnSpc>
+                          <a:spcPct val="100000"/>
+                        </a:lnSpc>
+                        <a:spcBef>
+                          <a:spcPts val="0"/>
+                        </a:spcBef>
+                        <a:spcAft>
+                          <a:spcPts val="0"/>
+                        </a:spcAft>
+                        <a:buClrTx/>
+                        <a:buSzTx/>
+                        <a:buFontTx/>
+                        <a:buNone/>
+                        <a:tabLst/>
+                        <a:defRPr/>
+                      </a:pPr>
+                      <a:r>
+                        <a:rPr lang="en-US" altLang="ko-KR" sz="1200" b="0" dirty="0">
+                          <a:solidFill>
+                            <a:schemeClr val="tx1"/>
+                          </a:solidFill>
+                        </a:rPr>
+                        <a:t>5</a:t>
+                      </a:r>
+                      <a:endParaRPr lang="ko-KR" altLang="en-US" sz="1200" b="0" dirty="0">
+                        <a:solidFill>
+                          <a:schemeClr val="tx1"/>
+                        </a:solidFill>
+                      </a:endParaRPr>
+                    </a:p>
+                  </a:txBody>
+                  <a:tcPr anchor="ctr">
+                    <a:lnL w="12700" cap="flat" cmpd="sng" algn="ctr">
+                      <a:noFill/>
+                      <a:prstDash val="solid"/>
+                      <a:round/>
+                      <a:headEnd type="none" w="med" len="med"/>
+                      <a:tailEnd type="none" w="med" len="med"/>
+                    </a:lnL>
+                    <a:lnR w="12700" cap="flat" cmpd="sng" algn="ctr">
+                      <a:solidFill>
+                        <a:schemeClr val="tx1"/>
+                      </a:solidFill>
+                      <a:prstDash val="solid"/>
+                      <a:round/>
+                      <a:headEnd type="none" w="med" len="med"/>
+                      <a:tailEnd type="none" w="med" len="med"/>
+                    </a:lnR>
+                    <a:lnT w="12700" cap="flat" cmpd="sng" algn="ctr">
+                      <a:solidFill>
+                        <a:schemeClr val="tx1"/>
+                      </a:solidFill>
+                      <a:prstDash val="solid"/>
+                      <a:round/>
+                      <a:headEnd type="none" w="med" len="med"/>
+                      <a:tailEnd type="none" w="med" len="med"/>
+                    </a:lnT>
+                    <a:lnB w="12700" cap="flat" cmpd="sng" algn="ctr">
+                      <a:solidFill>
+                        <a:schemeClr val="tx1"/>
+                      </a:solidFill>
+                      <a:prstDash val="solid"/>
+                      <a:round/>
+                      <a:headEnd type="none" w="med" len="med"/>
+                      <a:tailEnd type="none" w="med" len="med"/>
+                    </a:lnB>
+                    <a:lnTlToBr w="12700" cmpd="sng">
+                      <a:noFill/>
+                      <a:prstDash val="solid"/>
+                    </a:lnTlToBr>
+                    <a:lnBlToTr w="12700" cmpd="sng">
+                      <a:noFill/>
+                      <a:prstDash val="solid"/>
+                    </a:lnBlToTr>
+                    <a:noFill/>
+                  </a:tcPr>
+                </a:tc>
                 <a:tc>
                   <a:txBody>
                     <a:bodyPr/>
@@ -11168,152 +13367,31 @@
                         <a:defRPr/>
                       </a:pPr>
                       <a:r>
-                        <a:rPr lang="ko-KR" altLang="en-US" sz="1400" b="0" dirty="0">
+                        <a:rPr lang="ko-KR" altLang="en-US" sz="1200" b="0" dirty="0">
                           <a:solidFill>
                             <a:schemeClr val="tx1"/>
                           </a:solidFill>
                         </a:rPr>
-                        <a:t>다행히 괴물들을 모두 처치했지만 무림은 이미 너무 큰 피해를 입었다</a:t>
-                      </a:r>
-                      <a:r>
-                        <a:rPr lang="en-US" altLang="ko-KR" sz="1400" b="0" dirty="0">
-                          <a:solidFill>
-                            <a:schemeClr val="tx1"/>
-                          </a:solidFill>
-                        </a:rPr>
-                        <a:t>. </a:t>
-                      </a:r>
-                      <a:r>
-                        <a:rPr lang="ko-KR" altLang="en-US" sz="1400" b="0" dirty="0">
-                          <a:solidFill>
-                            <a:schemeClr val="tx1"/>
-                          </a:solidFill>
-                        </a:rPr>
-                        <a:t>얼마 후 나라의 군대는 근처 이웃 나라에서 일어난 반란으로 국경에 병력을 해야 했고 괴물을 토벌할 인원이 턱없이 부족했고 나라와 무림은 협력 하에 나라는 자신을 백성을 지키기 위해</a:t>
-                      </a:r>
-                      <a:r>
-                        <a:rPr lang="en-US" altLang="ko-KR" sz="1400" b="0" dirty="0">
-                          <a:solidFill>
-                            <a:schemeClr val="tx1"/>
-                          </a:solidFill>
-                        </a:rPr>
-                        <a:t>, </a:t>
-                      </a:r>
-                      <a:r>
-                        <a:rPr lang="ko-KR" altLang="en-US" sz="1400" b="0" dirty="0">
-                          <a:solidFill>
-                            <a:schemeClr val="tx1"/>
-                          </a:solidFill>
-                        </a:rPr>
-                        <a:t>무림은 전쟁 많은 인원들이 죽어 새로운 인재를 찾기 위해 창설된 토벌단은 나라의 도읍 북쪽 산 중턱에 본부를 두고 괴물들을 처리하기 위해 단원을 모집하고 있다</a:t>
-                      </a:r>
-                      <a:r>
-                        <a:rPr lang="en-US" altLang="ko-KR" sz="1400" b="0" dirty="0">
-                          <a:solidFill>
-                            <a:schemeClr val="tx1"/>
-                          </a:solidFill>
-                        </a:rPr>
-                        <a:t>.</a:t>
-                      </a:r>
-                    </a:p>
-                    <a:p>
-                      <a:pPr marL="0" marR="0" lvl="0" indent="0" algn="l" defTabSz="914400" rtl="0" eaLnBrk="1" fontAlgn="auto" latinLnBrk="1" hangingPunct="1">
-                        <a:lnSpc>
-                          <a:spcPct val="100000"/>
-                        </a:lnSpc>
-                        <a:spcBef>
-                          <a:spcPts val="0"/>
-                        </a:spcBef>
-                        <a:spcAft>
-                          <a:spcPts val="0"/>
-                        </a:spcAft>
-                        <a:buClrTx/>
-                        <a:buSzTx/>
-                        <a:buFontTx/>
-                        <a:buNone/>
-                        <a:tabLst/>
-                        <a:defRPr/>
-                      </a:pPr>
-                      <a:endParaRPr lang="en-US" altLang="ko-KR" sz="1400" b="0" dirty="0">
-                        <a:solidFill>
-                          <a:schemeClr val="tx1"/>
-                        </a:solidFill>
-                      </a:endParaRPr>
-                    </a:p>
-                    <a:p>
-                      <a:pPr marL="0" marR="0" lvl="0" indent="0" algn="l" defTabSz="914400" rtl="0" eaLnBrk="1" fontAlgn="auto" latinLnBrk="1" hangingPunct="1">
-                        <a:lnSpc>
-                          <a:spcPct val="100000"/>
-                        </a:lnSpc>
-                        <a:spcBef>
-                          <a:spcPts val="0"/>
-                        </a:spcBef>
-                        <a:spcAft>
-                          <a:spcPts val="0"/>
-                        </a:spcAft>
-                        <a:buClrTx/>
-                        <a:buSzTx/>
-                        <a:buFontTx/>
-                        <a:buNone/>
-                        <a:tabLst/>
-                        <a:defRPr/>
-                      </a:pPr>
-                      <a:r>
-                        <a:rPr lang="ko-KR" altLang="en-US" sz="1400" b="0" dirty="0">
-                          <a:solidFill>
-                            <a:schemeClr val="tx1"/>
-                          </a:solidFill>
-                        </a:rPr>
-                        <a:t>나라와 무림의 협력으로 만들어진 </a:t>
-                      </a:r>
-                      <a:r>
-                        <a:rPr lang="ko-KR" altLang="en-US" sz="1400" b="0" dirty="0" err="1">
-                          <a:solidFill>
-                            <a:schemeClr val="tx1"/>
-                          </a:solidFill>
-                        </a:rPr>
-                        <a:t>토벌단</a:t>
-                      </a:r>
-                      <a:r>
-                        <a:rPr lang="ko-KR" altLang="en-US" sz="1400" b="0" dirty="0">
-                          <a:solidFill>
-                            <a:schemeClr val="tx1"/>
-                          </a:solidFill>
-                        </a:rPr>
-                        <a:t> 본부에는 입단한 단원들이 훈련할 수 있는 훈련장과 쉴 수 있는 숙소</a:t>
-                      </a:r>
-                      <a:r>
-                        <a:rPr lang="en-US" altLang="ko-KR" sz="1400" b="0" dirty="0">
-                          <a:solidFill>
-                            <a:schemeClr val="tx1"/>
-                          </a:solidFill>
-                        </a:rPr>
-                        <a:t>, </a:t>
-                      </a:r>
-                      <a:r>
-                        <a:rPr lang="ko-KR" altLang="en-US" sz="1400" b="0" dirty="0">
-                          <a:solidFill>
-                            <a:schemeClr val="tx1"/>
-                          </a:solidFill>
-                        </a:rPr>
-                        <a:t>괴물 토벌을 위한 장비를 만들고 살수 있는 대장간과 창고 등의 위치해 있다</a:t>
-                      </a:r>
-                      <a:r>
-                        <a:rPr lang="en-US" altLang="ko-KR" sz="1400" b="0" dirty="0">
-                          <a:solidFill>
-                            <a:schemeClr val="tx1"/>
-                          </a:solidFill>
-                        </a:rPr>
-                        <a:t>.</a:t>
+                        <a:t>출입구</a:t>
                       </a:r>
                     </a:p>
                   </a:txBody>
                   <a:tcPr>
-                    <a:lnL w="12700" cmpd="sng">
-                      <a:noFill/>
+                    <a:lnL w="12700" cap="flat" cmpd="sng" algn="ctr">
+                      <a:solidFill>
+                        <a:schemeClr val="tx1"/>
+                      </a:solidFill>
+                      <a:prstDash val="solid"/>
+                      <a:round/>
+                      <a:headEnd type="none" w="med" len="med"/>
+                      <a:tailEnd type="none" w="med" len="med"/>
                     </a:lnL>
-                    <a:lnR w="12700" cmpd="sng">
-                      <a:noFill/>
+                    <a:lnR w="12700" cap="flat" cmpd="sng" algn="ctr">
+                      <a:noFill/>
+                      <a:prstDash val="solid"/>
+                      <a:round/>
+                      <a:headEnd type="none" w="med" len="med"/>
+                      <a:tailEnd type="none" w="med" len="med"/>
                     </a:lnR>
                     <a:lnT w="12700" cap="flat" cmpd="sng" algn="ctr">
                       <a:solidFill>
@@ -11324,8 +13402,14 @@
                       <a:headEnd type="none" w="med" len="med"/>
                       <a:tailEnd type="none" w="med" len="med"/>
                     </a:lnT>
-                    <a:lnB w="12700" cmpd="sng">
-                      <a:noFill/>
+                    <a:lnB w="12700" cap="flat" cmpd="sng" algn="ctr">
+                      <a:solidFill>
+                        <a:schemeClr val="tx1"/>
+                      </a:solidFill>
+                      <a:prstDash val="solid"/>
+                      <a:round/>
+                      <a:headEnd type="none" w="med" len="med"/>
+                      <a:tailEnd type="none" w="med" len="med"/>
                     </a:lnB>
                     <a:lnTlToBr w="12700" cmpd="sng">
                       <a:noFill/>
@@ -11340,392 +13424,22 @@
                 </a:tc>
                 <a:extLst>
                   <a:ext uri="{0D108BD9-81ED-4DB2-BD59-A6C34878D82A}">
-                    <a16:rowId xmlns:a16="http://schemas.microsoft.com/office/drawing/2014/main" val="3707234740"/>
+                    <a16:rowId xmlns:a16="http://schemas.microsoft.com/office/drawing/2014/main" val="3065422055"/>
                   </a:ext>
                 </a:extLst>
               </a:tr>
-            </a:tbl>
-          </a:graphicData>
-        </a:graphic>
-      </p:graphicFrame>
-    </p:spTree>
-    <p:extLst>
-      <p:ext uri="{BB962C8B-B14F-4D97-AF65-F5344CB8AC3E}">
-        <p14:creationId xmlns:p14="http://schemas.microsoft.com/office/powerpoint/2010/main" val="3494226214"/>
-      </p:ext>
-    </p:extLst>
-  </p:cSld>
-  <p:clrMapOvr>
-    <a:masterClrMapping/>
-  </p:clrMapOvr>
-</p:sld>
-</file>
-
-<file path=ppt/slides/slide6.xml><?xml version="1.0" encoding="utf-8"?>
-<p:sld xmlns:a="http://schemas.openxmlformats.org/drawingml/2006/main" xmlns:r="http://schemas.openxmlformats.org/officeDocument/2006/relationships" xmlns:p="http://schemas.openxmlformats.org/presentationml/2006/main">
-  <p:cSld>
-    <p:spTree>
-      <p:nvGrpSpPr>
-        <p:cNvPr id="1" name=""/>
-        <p:cNvGrpSpPr/>
-        <p:nvPr/>
-      </p:nvGrpSpPr>
-      <p:grpSpPr>
-        <a:xfrm>
-          <a:off x="0" y="0"/>
-          <a:ext cx="0" cy="0"/>
-          <a:chOff x="0" y="0"/>
-          <a:chExt cx="0" cy="0"/>
-        </a:xfrm>
-      </p:grpSpPr>
-      <p:sp>
-        <p:nvSpPr>
-          <p:cNvPr id="7" name="제목 1">
-            <a:extLst>
-              <a:ext uri="{FF2B5EF4-FFF2-40B4-BE49-F238E27FC236}">
-                <a16:creationId xmlns:a16="http://schemas.microsoft.com/office/drawing/2014/main" id="{77FA9A8E-E94C-4F99-8997-7C96A1AAEAC7}"/>
-              </a:ext>
-            </a:extLst>
-          </p:cNvPr>
-          <p:cNvSpPr txBox="1">
-            <a:spLocks/>
-          </p:cNvSpPr>
-          <p:nvPr/>
-        </p:nvSpPr>
-        <p:spPr>
-          <a:xfrm>
-            <a:off x="695325" y="292100"/>
-            <a:ext cx="10801350" cy="861695"/>
-          </a:xfrm>
-          <a:prstGeom prst="rect">
-            <a:avLst/>
-          </a:prstGeom>
-        </p:spPr>
-        <p:txBody>
-          <a:bodyPr vert="horz" lIns="91440" tIns="45720" rIns="91440" bIns="45720" rtlCol="0" anchor="ctr">
-            <a:normAutofit/>
-          </a:bodyPr>
-          <a:lstStyle>
-            <a:lvl1pPr algn="l" defTabSz="914400" rtl="0" eaLnBrk="1" latinLnBrk="1" hangingPunct="1">
-              <a:lnSpc>
-                <a:spcPct val="90000"/>
-              </a:lnSpc>
-              <a:spcBef>
-                <a:spcPct val="0"/>
-              </a:spcBef>
-              <a:buNone/>
-              <a:defRPr sz="4400" kern="1200">
-                <a:solidFill>
-                  <a:schemeClr val="tx1"/>
-                </a:solidFill>
-                <a:latin typeface="+mj-lt"/>
-                <a:ea typeface="+mj-ea"/>
-                <a:cs typeface="+mj-cs"/>
-              </a:defRPr>
-            </a:lvl1pPr>
-          </a:lstStyle>
-          <a:p>
-            <a:r>
-              <a:rPr lang="ko-KR" altLang="en-US" dirty="0"/>
-              <a:t>컨셉</a:t>
-            </a:r>
-          </a:p>
-        </p:txBody>
-      </p:sp>
-      <p:graphicFrame>
-        <p:nvGraphicFramePr>
-          <p:cNvPr id="3" name="표 2">
-            <a:extLst>
-              <a:ext uri="{FF2B5EF4-FFF2-40B4-BE49-F238E27FC236}">
-                <a16:creationId xmlns:a16="http://schemas.microsoft.com/office/drawing/2014/main" id="{2B03A9A3-AF35-7C5F-3F38-C8291B1AF16B}"/>
-              </a:ext>
-            </a:extLst>
-          </p:cNvPr>
-          <p:cNvGraphicFramePr>
-            <a:graphicFrameLocks noGrp="1"/>
-          </p:cNvGraphicFramePr>
-          <p:nvPr>
-            <p:extLst>
-              <p:ext uri="{D42A27DB-BD31-4B8C-83A1-F6EECF244321}">
-                <p14:modId xmlns:p14="http://schemas.microsoft.com/office/powerpoint/2010/main" val="1401478855"/>
-              </p:ext>
-            </p:extLst>
-          </p:nvPr>
-        </p:nvGraphicFramePr>
-        <p:xfrm>
-          <a:off x="1409700" y="1864360"/>
-          <a:ext cx="9366250" cy="3129280"/>
-        </p:xfrm>
-        <a:graphic>
-          <a:graphicData uri="http://schemas.openxmlformats.org/drawingml/2006/table">
-            <a:tbl>
-              <a:tblPr firstRow="1" bandRow="1">
-                <a:tableStyleId>{5C22544A-7EE6-4342-B048-85BDC9FD1C3A}</a:tableStyleId>
-              </a:tblPr>
-              <a:tblGrid>
-                <a:gridCol w="9366250">
-                  <a:extLst>
-                    <a:ext uri="{9D8B030D-6E8A-4147-A177-3AD203B41FA5}">
-                      <a16:colId xmlns:a16="http://schemas.microsoft.com/office/drawing/2014/main" val="855305220"/>
-                    </a:ext>
-                  </a:extLst>
-                </a:gridCol>
-              </a:tblGrid>
-              <a:tr h="0">
-                <a:tc>
+              <a:tr h="185420">
+                <a:tc vMerge="1">
                   <a:txBody>
                     <a:bodyPr/>
                     <a:lstStyle/>
                     <a:p>
                       <a:pPr latinLnBrk="1"/>
-                      <a:r>
-                        <a:rPr lang="ko-KR" altLang="en-US" sz="1400" b="0" dirty="0">
-                          <a:solidFill>
-                            <a:schemeClr val="tx1"/>
-                          </a:solidFill>
-                        </a:rPr>
-                        <a:t>디자인적 컨셉</a:t>
-                      </a:r>
+                      <a:endParaRPr lang="ko-KR" altLang="en-US"/>
                     </a:p>
                   </a:txBody>
-                  <a:tcPr>
-                    <a:lnL w="12700" cmpd="sng">
-                      <a:noFill/>
-                    </a:lnL>
-                    <a:lnR w="12700" cmpd="sng">
-                      <a:noFill/>
-                    </a:lnR>
-                    <a:lnT w="12700" cmpd="sng">
-                      <a:noFill/>
-                    </a:lnT>
-                    <a:lnB w="12700" cap="flat" cmpd="sng" algn="ctr">
-                      <a:solidFill>
-                        <a:schemeClr val="tx1"/>
-                      </a:solidFill>
-                      <a:prstDash val="solid"/>
-                      <a:round/>
-                      <a:headEnd type="none" w="med" len="med"/>
-                      <a:tailEnd type="none" w="med" len="med"/>
-                    </a:lnB>
-                    <a:lnTlToBr w="12700" cmpd="sng">
-                      <a:noFill/>
-                      <a:prstDash val="solid"/>
-                    </a:lnTlToBr>
-                    <a:lnBlToTr w="12700" cmpd="sng">
-                      <a:noFill/>
-                      <a:prstDash val="solid"/>
-                    </a:lnBlToTr>
-                    <a:solidFill>
-                      <a:schemeClr val="bg1">
-                        <a:lumMod val="95000"/>
-                      </a:schemeClr>
-                    </a:solidFill>
-                  </a:tcPr>
+                  <a:tcPr/>
                 </a:tc>
-                <a:extLst>
-                  <a:ext uri="{0D108BD9-81ED-4DB2-BD59-A6C34878D82A}">
-                    <a16:rowId xmlns:a16="http://schemas.microsoft.com/office/drawing/2014/main" val="966420032"/>
-                  </a:ext>
-                </a:extLst>
-              </a:tr>
-              <a:tr h="370840">
-                <a:tc>
-                  <a:txBody>
-                    <a:bodyPr/>
-                    <a:lstStyle/>
-                    <a:p>
-                      <a:pPr latinLnBrk="1"/>
-                      <a:r>
-                        <a:rPr lang="ko-KR" altLang="en-US" sz="1400" b="0" dirty="0">
-                          <a:solidFill>
-                            <a:schemeClr val="tx1"/>
-                          </a:solidFill>
-                        </a:rPr>
-                        <a:t>동양풍의 목재 건물로 붉은 색 기둥과 베이지색 벽에 검은 색 기와도 이루어진 지붕이 있다</a:t>
-                      </a:r>
-                      <a:r>
-                        <a:rPr lang="en-US" altLang="ko-KR" sz="1400" b="0" dirty="0">
-                          <a:solidFill>
-                            <a:schemeClr val="tx1"/>
-                          </a:solidFill>
-                        </a:rPr>
-                        <a:t>.</a:t>
-                      </a:r>
-                    </a:p>
-                    <a:p>
-                      <a:pPr latinLnBrk="1"/>
-                      <a:r>
-                        <a:rPr lang="ko-KR" altLang="en-US" sz="1400" b="0" dirty="0">
-                          <a:solidFill>
-                            <a:schemeClr val="tx1"/>
-                          </a:solidFill>
-                        </a:rPr>
-                        <a:t>기둥 위 층과 층을 구분하는 위치에 나무 기둥이 돌출 되어 있으며 돌출된 기둥에 붉은 실과 오행을 상징하는 색의 부적들이 걸려 있다</a:t>
-                      </a:r>
-                      <a:r>
-                        <a:rPr lang="en-US" altLang="ko-KR" sz="1400" b="0" dirty="0">
-                          <a:solidFill>
-                            <a:schemeClr val="tx1"/>
-                          </a:solidFill>
-                        </a:rPr>
-                        <a:t>.</a:t>
-                      </a:r>
-                    </a:p>
-                  </a:txBody>
-                  <a:tcPr>
-                    <a:lnL w="12700" cmpd="sng">
-                      <a:noFill/>
-                    </a:lnL>
-                    <a:lnR w="12700" cmpd="sng">
-                      <a:noFill/>
-                    </a:lnR>
-                    <a:lnT w="12700" cap="flat" cmpd="sng" algn="ctr">
-                      <a:solidFill>
-                        <a:schemeClr val="tx1"/>
-                      </a:solidFill>
-                      <a:prstDash val="solid"/>
-                      <a:round/>
-                      <a:headEnd type="none" w="med" len="med"/>
-                      <a:tailEnd type="none" w="med" len="med"/>
-                    </a:lnT>
-                    <a:lnB w="12700" cap="flat" cmpd="sng" algn="ctr">
-                      <a:noFill/>
-                      <a:prstDash val="solid"/>
-                      <a:round/>
-                      <a:headEnd type="none" w="med" len="med"/>
-                      <a:tailEnd type="none" w="med" len="med"/>
-                    </a:lnB>
-                    <a:lnTlToBr w="12700" cmpd="sng">
-                      <a:noFill/>
-                      <a:prstDash val="solid"/>
-                    </a:lnTlToBr>
-                    <a:lnBlToTr w="12700" cmpd="sng">
-                      <a:noFill/>
-                      <a:prstDash val="solid"/>
-                    </a:lnBlToTr>
-                    <a:noFill/>
-                  </a:tcPr>
-                </a:tc>
-                <a:extLst>
-                  <a:ext uri="{0D108BD9-81ED-4DB2-BD59-A6C34878D82A}">
-                    <a16:rowId xmlns:a16="http://schemas.microsoft.com/office/drawing/2014/main" val="3190496777"/>
-                  </a:ext>
-                </a:extLst>
-              </a:tr>
-              <a:tr h="370840">
-                <a:tc>
-                  <a:txBody>
-                    <a:bodyPr/>
-                    <a:lstStyle/>
-                    <a:p>
-                      <a:pPr latinLnBrk="1"/>
-                      <a:endParaRPr lang="en-US" altLang="ko-KR" sz="1400" b="0" dirty="0">
-                        <a:solidFill>
-                          <a:schemeClr val="tx1"/>
-                        </a:solidFill>
-                      </a:endParaRPr>
-                    </a:p>
-                  </a:txBody>
-                  <a:tcPr>
-                    <a:lnL w="12700" cmpd="sng">
-                      <a:noFill/>
-                    </a:lnL>
-                    <a:lnR w="12700" cmpd="sng">
-                      <a:noFill/>
-                    </a:lnR>
-                    <a:lnT w="12700" cap="flat" cmpd="sng" algn="ctr">
-                      <a:noFill/>
-                      <a:prstDash val="solid"/>
-                      <a:round/>
-                      <a:headEnd type="none" w="med" len="med"/>
-                      <a:tailEnd type="none" w="med" len="med"/>
-                    </a:lnT>
-                    <a:lnB w="12700" cap="flat" cmpd="sng" algn="ctr">
-                      <a:noFill/>
-                      <a:prstDash val="solid"/>
-                      <a:round/>
-                      <a:headEnd type="none" w="med" len="med"/>
-                      <a:tailEnd type="none" w="med" len="med"/>
-                    </a:lnB>
-                    <a:lnTlToBr w="12700" cmpd="sng">
-                      <a:noFill/>
-                      <a:prstDash val="solid"/>
-                    </a:lnTlToBr>
-                    <a:lnBlToTr w="12700" cmpd="sng">
-                      <a:noFill/>
-                      <a:prstDash val="solid"/>
-                    </a:lnBlToTr>
-                    <a:noFill/>
-                  </a:tcPr>
-                </a:tc>
-                <a:extLst>
-                  <a:ext uri="{0D108BD9-81ED-4DB2-BD59-A6C34878D82A}">
-                    <a16:rowId xmlns:a16="http://schemas.microsoft.com/office/drawing/2014/main" val="1629235679"/>
-                  </a:ext>
-                </a:extLst>
-              </a:tr>
-              <a:tr h="0">
-                <a:tc>
-                  <a:txBody>
-                    <a:bodyPr/>
-                    <a:lstStyle/>
-                    <a:p>
-                      <a:pPr latinLnBrk="1"/>
-                      <a:r>
-                        <a:rPr lang="ko-KR" altLang="en-US" sz="1400" b="0" dirty="0">
-                          <a:solidFill>
-                            <a:schemeClr val="tx1"/>
-                          </a:solidFill>
-                        </a:rPr>
-                        <a:t>분위기</a:t>
-                      </a:r>
-                    </a:p>
-                  </a:txBody>
-                  <a:tcPr>
-                    <a:lnL w="12700" cmpd="sng">
-                      <a:noFill/>
-                    </a:lnL>
-                    <a:lnR w="12700" cmpd="sng">
-                      <a:noFill/>
-                    </a:lnR>
-                    <a:lnT w="12700" cap="flat" cmpd="sng" algn="ctr">
-                      <a:noFill/>
-                      <a:prstDash val="solid"/>
-                      <a:round/>
-                      <a:headEnd type="none" w="med" len="med"/>
-                      <a:tailEnd type="none" w="med" len="med"/>
-                    </a:lnT>
-                    <a:lnB w="12700" cap="flat" cmpd="sng" algn="ctr">
-                      <a:solidFill>
-                        <a:schemeClr val="tx1"/>
-                      </a:solidFill>
-                      <a:prstDash val="solid"/>
-                      <a:round/>
-                      <a:headEnd type="none" w="med" len="med"/>
-                      <a:tailEnd type="none" w="med" len="med"/>
-                    </a:lnB>
-                    <a:lnTlToBr w="12700" cmpd="sng">
-                      <a:noFill/>
-                      <a:prstDash val="solid"/>
-                    </a:lnTlToBr>
-                    <a:lnBlToTr w="12700" cmpd="sng">
-                      <a:noFill/>
-                      <a:prstDash val="solid"/>
-                    </a:lnBlToTr>
-                    <a:solidFill>
-                      <a:schemeClr val="bg1">
-                        <a:lumMod val="95000"/>
-                      </a:schemeClr>
-                    </a:solidFill>
-                  </a:tcPr>
-                </a:tc>
-                <a:extLst>
-                  <a:ext uri="{0D108BD9-81ED-4DB2-BD59-A6C34878D82A}">
-                    <a16:rowId xmlns:a16="http://schemas.microsoft.com/office/drawing/2014/main" val="1882273058"/>
-                  </a:ext>
-                </a:extLst>
-              </a:tr>
-              <a:tr h="370840">
                 <a:tc>
                   <a:txBody>
                     <a:bodyPr/>
@@ -11749,14 +13463,22 @@
                         <a:defRPr/>
                       </a:pPr>
                       <a:r>
-                        <a:rPr lang="ko-KR" altLang="en-US" sz="1400" b="0" dirty="0">
+                        <a:rPr lang="ko-KR" altLang="en-US" sz="1200" b="0" dirty="0">
                           <a:solidFill>
                             <a:schemeClr val="tx1"/>
                           </a:solidFill>
                         </a:rPr>
-                        <a:t>전체적으로 조금 어둡고 무거운 분위기</a:t>
-                      </a:r>
-                      <a:endParaRPr lang="en-US" altLang="ko-KR" sz="1400" b="0" dirty="0">
+                        <a:t>본부 밖과 안으로 이동할 수 있는 출입구다</a:t>
+                      </a:r>
+                      <a:r>
+                        <a:rPr lang="en-US" altLang="ko-KR" sz="1200" b="0" dirty="0">
+                          <a:solidFill>
+                            <a:schemeClr val="tx1"/>
+                          </a:solidFill>
+                        </a:rPr>
+                        <a:t>.</a:t>
+                      </a:r>
+                      <a:endParaRPr lang="ko-KR" altLang="en-US" sz="1200" b="0" dirty="0">
                         <a:solidFill>
                           <a:schemeClr val="tx1"/>
                         </a:solidFill>
@@ -11764,11 +13486,21 @@
                     </a:p>
                   </a:txBody>
                   <a:tcPr>
-                    <a:lnL w="12700" cmpd="sng">
-                      <a:noFill/>
+                    <a:lnL w="12700" cap="flat" cmpd="sng" algn="ctr">
+                      <a:solidFill>
+                        <a:schemeClr val="tx1"/>
+                      </a:solidFill>
+                      <a:prstDash val="solid"/>
+                      <a:round/>
+                      <a:headEnd type="none" w="med" len="med"/>
+                      <a:tailEnd type="none" w="med" len="med"/>
                     </a:lnL>
-                    <a:lnR w="12700" cmpd="sng">
-                      <a:noFill/>
+                    <a:lnR w="12700" cap="flat" cmpd="sng" algn="ctr">
+                      <a:noFill/>
+                      <a:prstDash val="solid"/>
+                      <a:round/>
+                      <a:headEnd type="none" w="med" len="med"/>
+                      <a:tailEnd type="none" w="med" len="med"/>
                     </a:lnR>
                     <a:lnT w="12700" cap="flat" cmpd="sng" algn="ctr">
                       <a:solidFill>
@@ -11780,7 +13512,9 @@
                       <a:tailEnd type="none" w="med" len="med"/>
                     </a:lnT>
                     <a:lnB w="12700" cap="flat" cmpd="sng" algn="ctr">
-                      <a:noFill/>
+                      <a:solidFill>
+                        <a:schemeClr val="tx1"/>
+                      </a:solidFill>
                       <a:prstDash val="solid"/>
                       <a:round/>
                       <a:headEnd type="none" w="med" len="med"/>
@@ -11799,34 +13533,181 @@
                 </a:tc>
                 <a:extLst>
                   <a:ext uri="{0D108BD9-81ED-4DB2-BD59-A6C34878D82A}">
-                    <a16:rowId xmlns:a16="http://schemas.microsoft.com/office/drawing/2014/main" val="3707234740"/>
+                    <a16:rowId xmlns:a16="http://schemas.microsoft.com/office/drawing/2014/main" val="3441602002"/>
                   </a:ext>
                 </a:extLst>
               </a:tr>
-              <a:tr h="370840">
+              <a:tr h="185420">
+                <a:tc rowSpan="2">
+                  <a:txBody>
+                    <a:bodyPr/>
+                    <a:lstStyle/>
+                    <a:p>
+                      <a:pPr algn="ctr" latinLnBrk="1"/>
+                      <a:r>
+                        <a:rPr lang="en-US" altLang="ko-KR" sz="1200" b="0" dirty="0">
+                          <a:solidFill>
+                            <a:schemeClr val="tx1"/>
+                          </a:solidFill>
+                        </a:rPr>
+                        <a:t>6</a:t>
+                      </a:r>
+                      <a:endParaRPr lang="ko-KR" altLang="en-US" sz="1200" b="0" dirty="0">
+                        <a:solidFill>
+                          <a:schemeClr val="tx1"/>
+                        </a:solidFill>
+                      </a:endParaRPr>
+                    </a:p>
+                  </a:txBody>
+                  <a:tcPr anchor="ctr">
+                    <a:lnL w="12700" cap="flat" cmpd="sng" algn="ctr">
+                      <a:noFill/>
+                      <a:prstDash val="solid"/>
+                      <a:round/>
+                      <a:headEnd type="none" w="med" len="med"/>
+                      <a:tailEnd type="none" w="med" len="med"/>
+                    </a:lnL>
+                    <a:lnR w="12700" cap="flat" cmpd="sng" algn="ctr">
+                      <a:solidFill>
+                        <a:schemeClr val="tx1"/>
+                      </a:solidFill>
+                      <a:prstDash val="solid"/>
+                      <a:round/>
+                      <a:headEnd type="none" w="med" len="med"/>
+                      <a:tailEnd type="none" w="med" len="med"/>
+                    </a:lnR>
+                    <a:lnT w="12700" cap="flat" cmpd="sng" algn="ctr">
+                      <a:solidFill>
+                        <a:schemeClr val="tx1"/>
+                      </a:solidFill>
+                      <a:prstDash val="solid"/>
+                      <a:round/>
+                      <a:headEnd type="none" w="med" len="med"/>
+                      <a:tailEnd type="none" w="med" len="med"/>
+                    </a:lnT>
+                    <a:lnB w="12700" cap="flat" cmpd="sng" algn="ctr">
+                      <a:solidFill>
+                        <a:schemeClr val="tx1"/>
+                      </a:solidFill>
+                      <a:prstDash val="solid"/>
+                      <a:round/>
+                      <a:headEnd type="none" w="med" len="med"/>
+                      <a:tailEnd type="none" w="med" len="med"/>
+                    </a:lnB>
+                    <a:lnTlToBr w="12700" cmpd="sng">
+                      <a:noFill/>
+                      <a:prstDash val="solid"/>
+                    </a:lnTlToBr>
+                    <a:lnBlToTr w="12700" cmpd="sng">
+                      <a:noFill/>
+                      <a:prstDash val="solid"/>
+                    </a:lnBlToTr>
+                    <a:noFill/>
+                  </a:tcPr>
+                </a:tc>
                 <a:tc>
                   <a:txBody>
                     <a:bodyPr/>
                     <a:lstStyle/>
                     <a:p>
-                      <a:pPr marL="0" marR="0" lvl="0" indent="0" algn="l" defTabSz="914400" rtl="0" eaLnBrk="1" fontAlgn="auto" latinLnBrk="1" hangingPunct="1">
-                        <a:lnSpc>
-                          <a:spcPct val="100000"/>
-                        </a:lnSpc>
-                        <a:spcBef>
-                          <a:spcPts val="0"/>
-                        </a:spcBef>
-                        <a:spcAft>
-                          <a:spcPts val="0"/>
-                        </a:spcAft>
-                        <a:buClrTx/>
-                        <a:buSzTx/>
-                        <a:buFontTx/>
-                        <a:buNone/>
-                        <a:tabLst/>
-                        <a:defRPr/>
-                      </a:pPr>
-                      <a:endParaRPr lang="en-US" altLang="ko-KR" sz="1400" b="0" dirty="0">
+                      <a:pPr latinLnBrk="1"/>
+                      <a:r>
+                        <a:rPr lang="ko-KR" altLang="en-US" sz="1200" b="0" dirty="0">
+                          <a:solidFill>
+                            <a:schemeClr val="tx1"/>
+                          </a:solidFill>
+                        </a:rPr>
+                        <a:t>단장실</a:t>
+                      </a:r>
+                    </a:p>
+                  </a:txBody>
+                  <a:tcPr>
+                    <a:lnL w="12700" cap="flat" cmpd="sng" algn="ctr">
+                      <a:solidFill>
+                        <a:schemeClr val="tx1"/>
+                      </a:solidFill>
+                      <a:prstDash val="solid"/>
+                      <a:round/>
+                      <a:headEnd type="none" w="med" len="med"/>
+                      <a:tailEnd type="none" w="med" len="med"/>
+                    </a:lnL>
+                    <a:lnR w="12700" cap="flat" cmpd="sng" algn="ctr">
+                      <a:noFill/>
+                      <a:prstDash val="solid"/>
+                      <a:round/>
+                      <a:headEnd type="none" w="med" len="med"/>
+                      <a:tailEnd type="none" w="med" len="med"/>
+                    </a:lnR>
+                    <a:lnT w="12700" cap="flat" cmpd="sng" algn="ctr">
+                      <a:solidFill>
+                        <a:schemeClr val="tx1"/>
+                      </a:solidFill>
+                      <a:prstDash val="solid"/>
+                      <a:round/>
+                      <a:headEnd type="none" w="med" len="med"/>
+                      <a:tailEnd type="none" w="med" len="med"/>
+                    </a:lnT>
+                    <a:lnB w="12700" cap="flat" cmpd="sng" algn="ctr">
+                      <a:solidFill>
+                        <a:schemeClr val="tx1"/>
+                      </a:solidFill>
+                      <a:prstDash val="solid"/>
+                      <a:round/>
+                      <a:headEnd type="none" w="med" len="med"/>
+                      <a:tailEnd type="none" w="med" len="med"/>
+                    </a:lnB>
+                    <a:lnTlToBr w="12700" cmpd="sng">
+                      <a:noFill/>
+                      <a:prstDash val="solid"/>
+                    </a:lnTlToBr>
+                    <a:lnBlToTr w="12700" cmpd="sng">
+                      <a:noFill/>
+                      <a:prstDash val="solid"/>
+                    </a:lnBlToTr>
+                    <a:noFill/>
+                  </a:tcPr>
+                </a:tc>
+                <a:extLst>
+                  <a:ext uri="{0D108BD9-81ED-4DB2-BD59-A6C34878D82A}">
+                    <a16:rowId xmlns:a16="http://schemas.microsoft.com/office/drawing/2014/main" val="880177940"/>
+                  </a:ext>
+                </a:extLst>
+              </a:tr>
+              <a:tr h="185420">
+                <a:tc vMerge="1">
+                  <a:txBody>
+                    <a:bodyPr/>
+                    <a:lstStyle/>
+                    <a:p>
+                      <a:pPr latinLnBrk="1"/>
+                      <a:endParaRPr lang="ko-KR" altLang="en-US"/>
+                    </a:p>
+                  </a:txBody>
+                  <a:tcPr/>
+                </a:tc>
+                <a:tc>
+                  <a:txBody>
+                    <a:bodyPr/>
+                    <a:lstStyle/>
+                    <a:p>
+                      <a:pPr latinLnBrk="1"/>
+                      <a:r>
+                        <a:rPr lang="ko-KR" altLang="en-US" sz="1200" b="0" dirty="0">
+                          <a:solidFill>
+                            <a:schemeClr val="tx1"/>
+                          </a:solidFill>
+                        </a:rPr>
+                        <a:t>토벌단장이 있는 곳이다</a:t>
+                      </a:r>
+                      <a:r>
+                        <a:rPr lang="en-US" altLang="ko-KR" sz="1200" b="0" dirty="0">
+                          <a:solidFill>
+                            <a:schemeClr val="tx1"/>
+                          </a:solidFill>
+                        </a:rPr>
+                        <a:t>.</a:t>
+                      </a:r>
+                      <a:endParaRPr lang="ko-KR" altLang="en-US" sz="1200" b="0" dirty="0">
                         <a:solidFill>
                           <a:schemeClr val="tx1"/>
                         </a:solidFill>
@@ -11834,21 +13715,35 @@
                     </a:p>
                   </a:txBody>
                   <a:tcPr>
-                    <a:lnL w="12700" cmpd="sng">
-                      <a:noFill/>
+                    <a:lnL w="12700" cap="flat" cmpd="sng" algn="ctr">
+                      <a:solidFill>
+                        <a:schemeClr val="tx1"/>
+                      </a:solidFill>
+                      <a:prstDash val="solid"/>
+                      <a:round/>
+                      <a:headEnd type="none" w="med" len="med"/>
+                      <a:tailEnd type="none" w="med" len="med"/>
                     </a:lnL>
-                    <a:lnR w="12700" cmpd="sng">
-                      <a:noFill/>
+                    <a:lnR w="12700" cap="flat" cmpd="sng" algn="ctr">
+                      <a:noFill/>
+                      <a:prstDash val="solid"/>
+                      <a:round/>
+                      <a:headEnd type="none" w="med" len="med"/>
+                      <a:tailEnd type="none" w="med" len="med"/>
                     </a:lnR>
                     <a:lnT w="12700" cap="flat" cmpd="sng" algn="ctr">
-                      <a:noFill/>
+                      <a:solidFill>
+                        <a:schemeClr val="tx1"/>
+                      </a:solidFill>
                       <a:prstDash val="solid"/>
                       <a:round/>
                       <a:headEnd type="none" w="med" len="med"/>
                       <a:tailEnd type="none" w="med" len="med"/>
                     </a:lnT>
                     <a:lnB w="12700" cap="flat" cmpd="sng" algn="ctr">
-                      <a:noFill/>
+                      <a:solidFill>
+                        <a:schemeClr val="tx1"/>
+                      </a:solidFill>
                       <a:prstDash val="solid"/>
                       <a:round/>
                       <a:headEnd type="none" w="med" len="med"/>
@@ -11867,42 +13762,91 @@
                 </a:tc>
                 <a:extLst>
                   <a:ext uri="{0D108BD9-81ED-4DB2-BD59-A6C34878D82A}">
-                    <a16:rowId xmlns:a16="http://schemas.microsoft.com/office/drawing/2014/main" val="1659703941"/>
+                    <a16:rowId xmlns:a16="http://schemas.microsoft.com/office/drawing/2014/main" val="1138745443"/>
                   </a:ext>
                 </a:extLst>
               </a:tr>
-              <a:tr h="0">
+              <a:tr h="185420">
+                <a:tc rowSpan="2">
+                  <a:txBody>
+                    <a:bodyPr/>
+                    <a:lstStyle/>
+                    <a:p>
+                      <a:pPr algn="ctr" latinLnBrk="1"/>
+                      <a:r>
+                        <a:rPr lang="en-US" altLang="ko-KR" sz="1200" b="0" dirty="0">
+                          <a:solidFill>
+                            <a:schemeClr val="tx1"/>
+                          </a:solidFill>
+                        </a:rPr>
+                        <a:t>7</a:t>
+                      </a:r>
+                      <a:endParaRPr lang="ko-KR" altLang="en-US" sz="1200" b="0" dirty="0">
+                        <a:solidFill>
+                          <a:schemeClr val="tx1"/>
+                        </a:solidFill>
+                      </a:endParaRPr>
+                    </a:p>
+                  </a:txBody>
+                  <a:tcPr anchor="ctr">
+                    <a:lnL w="12700" cap="flat" cmpd="sng" algn="ctr">
+                      <a:noFill/>
+                      <a:prstDash val="solid"/>
+                      <a:round/>
+                      <a:headEnd type="none" w="med" len="med"/>
+                      <a:tailEnd type="none" w="med" len="med"/>
+                    </a:lnL>
+                    <a:lnR w="12700" cap="flat" cmpd="sng" algn="ctr">
+                      <a:solidFill>
+                        <a:schemeClr val="tx1"/>
+                      </a:solidFill>
+                      <a:prstDash val="solid"/>
+                      <a:round/>
+                      <a:headEnd type="none" w="med" len="med"/>
+                      <a:tailEnd type="none" w="med" len="med"/>
+                    </a:lnR>
+                    <a:lnT w="12700" cap="flat" cmpd="sng" algn="ctr">
+                      <a:solidFill>
+                        <a:schemeClr val="tx1"/>
+                      </a:solidFill>
+                      <a:prstDash val="solid"/>
+                      <a:round/>
+                      <a:headEnd type="none" w="med" len="med"/>
+                      <a:tailEnd type="none" w="med" len="med"/>
+                    </a:lnT>
+                    <a:lnB w="12700" cap="flat" cmpd="sng" algn="ctr">
+                      <a:noFill/>
+                      <a:prstDash val="solid"/>
+                      <a:round/>
+                      <a:headEnd type="none" w="med" len="med"/>
+                      <a:tailEnd type="none" w="med" len="med"/>
+                    </a:lnB>
+                    <a:lnTlToBr w="12700" cmpd="sng">
+                      <a:noFill/>
+                      <a:prstDash val="solid"/>
+                    </a:lnTlToBr>
+                    <a:lnBlToTr w="12700" cmpd="sng">
+                      <a:noFill/>
+                      <a:prstDash val="solid"/>
+                    </a:lnBlToTr>
+                    <a:noFill/>
+                  </a:tcPr>
+                </a:tc>
                 <a:tc>
                   <a:txBody>
                     <a:bodyPr/>
                     <a:lstStyle/>
                     <a:p>
-                      <a:pPr marL="0" marR="0" lvl="0" indent="0" algn="l" defTabSz="914400" rtl="0" eaLnBrk="1" fontAlgn="auto" latinLnBrk="1" hangingPunct="1">
-                        <a:lnSpc>
-                          <a:spcPct val="100000"/>
-                        </a:lnSpc>
-                        <a:spcBef>
-                          <a:spcPts val="0"/>
-                        </a:spcBef>
-                        <a:spcAft>
-                          <a:spcPts val="0"/>
-                        </a:spcAft>
-                        <a:buClrTx/>
-                        <a:buSzTx/>
-                        <a:buFontTx/>
-                        <a:buNone/>
-                        <a:tabLst/>
-                        <a:defRPr/>
-                      </a:pPr>
-                      <a:r>
-                        <a:rPr lang="ko-KR" altLang="en-US" sz="1400" b="0" dirty="0">
+                      <a:pPr latinLnBrk="1"/>
+                      <a:r>
+                        <a:rPr lang="ko-KR" altLang="en-US" sz="1200" b="0" dirty="0" err="1">
                           <a:solidFill>
                             <a:schemeClr val="tx1"/>
                           </a:solidFill>
                         </a:rPr>
-                        <a:t>환경</a:t>
-                      </a:r>
-                      <a:endParaRPr lang="en-US" altLang="ko-KR" sz="1400" b="0" dirty="0">
+                        <a:t>응대실</a:t>
+                      </a:r>
+                      <a:endParaRPr lang="ko-KR" altLang="en-US" sz="1200" b="0" dirty="0">
                         <a:solidFill>
                           <a:schemeClr val="tx1"/>
                         </a:solidFill>
@@ -11910,14 +13854,26 @@
                     </a:p>
                   </a:txBody>
                   <a:tcPr>
-                    <a:lnL w="12700" cmpd="sng">
-                      <a:noFill/>
+                    <a:lnL w="12700" cap="flat" cmpd="sng" algn="ctr">
+                      <a:solidFill>
+                        <a:schemeClr val="tx1"/>
+                      </a:solidFill>
+                      <a:prstDash val="solid"/>
+                      <a:round/>
+                      <a:headEnd type="none" w="med" len="med"/>
+                      <a:tailEnd type="none" w="med" len="med"/>
                     </a:lnL>
-                    <a:lnR w="12700" cmpd="sng">
-                      <a:noFill/>
+                    <a:lnR w="12700" cap="flat" cmpd="sng" algn="ctr">
+                      <a:noFill/>
+                      <a:prstDash val="solid"/>
+                      <a:round/>
+                      <a:headEnd type="none" w="med" len="med"/>
+                      <a:tailEnd type="none" w="med" len="med"/>
                     </a:lnR>
                     <a:lnT w="12700" cap="flat" cmpd="sng" algn="ctr">
-                      <a:noFill/>
+                      <a:solidFill>
+                        <a:schemeClr val="tx1"/>
+                      </a:solidFill>
                       <a:prstDash val="solid"/>
                       <a:round/>
                       <a:headEnd type="none" w="med" len="med"/>
@@ -11931,87 +13887,6 @@
                       <a:round/>
                       <a:headEnd type="none" w="med" len="med"/>
                       <a:tailEnd type="none" w="med" len="med"/>
-                    </a:lnB>
-                    <a:lnTlToBr w="12700" cmpd="sng">
-                      <a:noFill/>
-                      <a:prstDash val="solid"/>
-                    </a:lnTlToBr>
-                    <a:lnBlToTr w="12700" cmpd="sng">
-                      <a:noFill/>
-                      <a:prstDash val="solid"/>
-                    </a:lnBlToTr>
-                    <a:solidFill>
-                      <a:schemeClr val="bg1">
-                        <a:lumMod val="95000"/>
-                      </a:schemeClr>
-                    </a:solidFill>
-                  </a:tcPr>
-                </a:tc>
-                <a:extLst>
-                  <a:ext uri="{0D108BD9-81ED-4DB2-BD59-A6C34878D82A}">
-                    <a16:rowId xmlns:a16="http://schemas.microsoft.com/office/drawing/2014/main" val="3093104824"/>
-                  </a:ext>
-                </a:extLst>
-              </a:tr>
-              <a:tr h="370840">
-                <a:tc>
-                  <a:txBody>
-                    <a:bodyPr/>
-                    <a:lstStyle/>
-                    <a:p>
-                      <a:pPr marL="0" marR="0" lvl="0" indent="0" algn="l" defTabSz="914400" rtl="0" eaLnBrk="1" fontAlgn="auto" latinLnBrk="1" hangingPunct="1">
-                        <a:lnSpc>
-                          <a:spcPct val="100000"/>
-                        </a:lnSpc>
-                        <a:spcBef>
-                          <a:spcPts val="0"/>
-                        </a:spcBef>
-                        <a:spcAft>
-                          <a:spcPts val="0"/>
-                        </a:spcAft>
-                        <a:buClrTx/>
-                        <a:buSzTx/>
-                        <a:buFontTx/>
-                        <a:buNone/>
-                        <a:tabLst/>
-                        <a:defRPr/>
-                      </a:pPr>
-                      <a:r>
-                        <a:rPr lang="ko-KR" altLang="en-US" sz="1400" b="0" dirty="0">
-                          <a:solidFill>
-                            <a:schemeClr val="tx1"/>
-                          </a:solidFill>
-                        </a:rPr>
-                        <a:t>산속에 위치해 있으며 토벌단을 중심으로 근처 나무에는 붉은 실과 오행을 상징하는 색의 부적들이 걸려 있다</a:t>
-                      </a:r>
-                      <a:r>
-                        <a:rPr lang="en-US" altLang="ko-KR" sz="1400" b="0" dirty="0">
-                          <a:solidFill>
-                            <a:schemeClr val="tx1"/>
-                          </a:solidFill>
-                        </a:rPr>
-                        <a:t>.</a:t>
-                      </a:r>
-                    </a:p>
-                  </a:txBody>
-                  <a:tcPr>
-                    <a:lnL w="12700" cmpd="sng">
-                      <a:noFill/>
-                    </a:lnL>
-                    <a:lnR w="12700" cmpd="sng">
-                      <a:noFill/>
-                    </a:lnR>
-                    <a:lnT w="12700" cap="flat" cmpd="sng" algn="ctr">
-                      <a:solidFill>
-                        <a:schemeClr val="tx1"/>
-                      </a:solidFill>
-                      <a:prstDash val="solid"/>
-                      <a:round/>
-                      <a:headEnd type="none" w="med" len="med"/>
-                      <a:tailEnd type="none" w="med" len="med"/>
-                    </a:lnT>
-                    <a:lnB w="12700" cmpd="sng">
-                      <a:noFill/>
                     </a:lnB>
                     <a:lnTlToBr w="12700" cmpd="sng">
                       <a:noFill/>
@@ -12026,7 +13901,98 @@
                 </a:tc>
                 <a:extLst>
                   <a:ext uri="{0D108BD9-81ED-4DB2-BD59-A6C34878D82A}">
-                    <a16:rowId xmlns:a16="http://schemas.microsoft.com/office/drawing/2014/main" val="4196947498"/>
+                    <a16:rowId xmlns:a16="http://schemas.microsoft.com/office/drawing/2014/main" val="2729854979"/>
+                  </a:ext>
+                </a:extLst>
+              </a:tr>
+              <a:tr h="185420">
+                <a:tc vMerge="1">
+                  <a:txBody>
+                    <a:bodyPr/>
+                    <a:lstStyle/>
+                    <a:p>
+                      <a:pPr latinLnBrk="1"/>
+                      <a:endParaRPr lang="ko-KR" altLang="en-US"/>
+                    </a:p>
+                  </a:txBody>
+                  <a:tcPr/>
+                </a:tc>
+                <a:tc>
+                  <a:txBody>
+                    <a:bodyPr/>
+                    <a:lstStyle/>
+                    <a:p>
+                      <a:pPr latinLnBrk="1"/>
+                      <a:r>
+                        <a:rPr lang="ko-KR" altLang="en-US" sz="1200" b="0" dirty="0">
+                          <a:solidFill>
+                            <a:schemeClr val="tx1"/>
+                          </a:solidFill>
+                        </a:rPr>
+                        <a:t>외부 인원의 응대 시 사용하는 곳이다</a:t>
+                      </a:r>
+                      <a:r>
+                        <a:rPr lang="en-US" altLang="ko-KR" sz="1200" b="0" dirty="0">
+                          <a:solidFill>
+                            <a:schemeClr val="tx1"/>
+                          </a:solidFill>
+                        </a:rPr>
+                        <a:t>.</a:t>
+                      </a:r>
+                      <a:endParaRPr lang="ko-KR" altLang="en-US" sz="1200" b="0" dirty="0">
+                        <a:solidFill>
+                          <a:schemeClr val="tx1"/>
+                        </a:solidFill>
+                      </a:endParaRPr>
+                    </a:p>
+                  </a:txBody>
+                  <a:tcPr>
+                    <a:lnL w="12700" cap="flat" cmpd="sng" algn="ctr">
+                      <a:solidFill>
+                        <a:schemeClr val="tx1"/>
+                      </a:solidFill>
+                      <a:prstDash val="solid"/>
+                      <a:round/>
+                      <a:headEnd type="none" w="med" len="med"/>
+                      <a:tailEnd type="none" w="med" len="med"/>
+                    </a:lnL>
+                    <a:lnR w="12700" cap="flat" cmpd="sng" algn="ctr">
+                      <a:noFill/>
+                      <a:prstDash val="solid"/>
+                      <a:round/>
+                      <a:headEnd type="none" w="med" len="med"/>
+                      <a:tailEnd type="none" w="med" len="med"/>
+                    </a:lnR>
+                    <a:lnT w="12700" cap="flat" cmpd="sng" algn="ctr">
+                      <a:solidFill>
+                        <a:schemeClr val="tx1"/>
+                      </a:solidFill>
+                      <a:prstDash val="solid"/>
+                      <a:round/>
+                      <a:headEnd type="none" w="med" len="med"/>
+                      <a:tailEnd type="none" w="med" len="med"/>
+                    </a:lnT>
+                    <a:lnB w="12700" cap="flat" cmpd="sng" algn="ctr">
+                      <a:noFill/>
+                      <a:prstDash val="solid"/>
+                      <a:round/>
+                      <a:headEnd type="none" w="med" len="med"/>
+                      <a:tailEnd type="none" w="med" len="med"/>
+                    </a:lnB>
+                    <a:lnTlToBr w="12700" cmpd="sng">
+                      <a:noFill/>
+                      <a:prstDash val="solid"/>
+                    </a:lnTlToBr>
+                    <a:lnBlToTr w="12700" cmpd="sng">
+                      <a:noFill/>
+                      <a:prstDash val="solid"/>
+                    </a:lnBlToTr>
+                    <a:noFill/>
+                  </a:tcPr>
+                </a:tc>
+                <a:extLst>
+                  <a:ext uri="{0D108BD9-81ED-4DB2-BD59-A6C34878D82A}">
+                    <a16:rowId xmlns:a16="http://schemas.microsoft.com/office/drawing/2014/main" val="1201640322"/>
                   </a:ext>
                 </a:extLst>
               </a:tr>
@@ -12034,10 +14000,1456 @@
           </a:graphicData>
         </a:graphic>
       </p:graphicFrame>
+      <p:grpSp>
+        <p:nvGrpSpPr>
+          <p:cNvPr id="5" name="그룹 4">
+            <a:extLst>
+              <a:ext uri="{FF2B5EF4-FFF2-40B4-BE49-F238E27FC236}">
+                <a16:creationId xmlns:a16="http://schemas.microsoft.com/office/drawing/2014/main" id="{946B57D9-F206-4B9D-A1C7-C40455CD22EA}"/>
+              </a:ext>
+            </a:extLst>
+          </p:cNvPr>
+          <p:cNvGrpSpPr/>
+          <p:nvPr/>
+        </p:nvGrpSpPr>
+        <p:grpSpPr>
+          <a:xfrm>
+            <a:off x="626112" y="1799264"/>
+            <a:ext cx="5435282" cy="4125629"/>
+            <a:chOff x="626112" y="1799264"/>
+            <a:chExt cx="5435282" cy="4125629"/>
+          </a:xfrm>
+        </p:grpSpPr>
+        <p:grpSp>
+          <p:nvGrpSpPr>
+            <p:cNvPr id="2" name="그룹 1">
+              <a:extLst>
+                <a:ext uri="{FF2B5EF4-FFF2-40B4-BE49-F238E27FC236}">
+                  <a16:creationId xmlns:a16="http://schemas.microsoft.com/office/drawing/2014/main" id="{658517BC-C992-46C5-958E-55627C440EDB}"/>
+                </a:ext>
+              </a:extLst>
+            </p:cNvPr>
+            <p:cNvGrpSpPr/>
+            <p:nvPr/>
+          </p:nvGrpSpPr>
+          <p:grpSpPr>
+            <a:xfrm>
+              <a:off x="626112" y="1799264"/>
+              <a:ext cx="5435282" cy="4116782"/>
+              <a:chOff x="626112" y="1063926"/>
+              <a:chExt cx="5435282" cy="4116782"/>
+            </a:xfrm>
+          </p:grpSpPr>
+          <p:pic>
+            <p:nvPicPr>
+              <p:cNvPr id="1028" name="Picture 4">
+                <a:extLst>
+                  <a:ext uri="{FF2B5EF4-FFF2-40B4-BE49-F238E27FC236}">
+                    <a16:creationId xmlns:a16="http://schemas.microsoft.com/office/drawing/2014/main" id="{ED6954F5-1FAE-4B3E-81D4-BC9A44A9020D}"/>
+                  </a:ext>
+                </a:extLst>
+              </p:cNvPr>
+              <p:cNvPicPr>
+                <a:picLocks noChangeAspect="1" noChangeArrowheads="1"/>
+              </p:cNvPicPr>
+              <p:nvPr/>
+            </p:nvPicPr>
+            <p:blipFill>
+              <a:blip r:embed="rId2" cstate="print">
+                <a:extLst>
+                  <a:ext uri="{28A0092B-C50C-407E-A947-70E740481C1C}">
+                    <a14:useLocalDpi xmlns:a14="http://schemas.microsoft.com/office/drawing/2010/main" val="0"/>
+                  </a:ext>
+                </a:extLst>
+              </a:blip>
+              <a:srcRect/>
+              <a:stretch>
+                <a:fillRect/>
+              </a:stretch>
+            </p:blipFill>
+            <p:spPr bwMode="auto">
+              <a:xfrm>
+                <a:off x="690563" y="1153795"/>
+                <a:ext cx="5370830" cy="4009328"/>
+              </a:xfrm>
+              <a:prstGeom prst="rect">
+                <a:avLst/>
+              </a:prstGeom>
+              <a:noFill/>
+              <a:extLst>
+                <a:ext uri="{909E8E84-426E-40DD-AFC4-6F175D3DCCD1}">
+                  <a14:hiddenFill xmlns:a14="http://schemas.microsoft.com/office/drawing/2010/main">
+                    <a:solidFill>
+                      <a:srgbClr val="FFFFFF"/>
+                    </a:solidFill>
+                  </a14:hiddenFill>
+                </a:ext>
+              </a:extLst>
+            </p:spPr>
+          </p:pic>
+          <p:sp>
+            <p:nvSpPr>
+              <p:cNvPr id="19" name="직사각형 18">
+                <a:extLst>
+                  <a:ext uri="{FF2B5EF4-FFF2-40B4-BE49-F238E27FC236}">
+                    <a16:creationId xmlns:a16="http://schemas.microsoft.com/office/drawing/2014/main" id="{D747B0F2-2A63-4DA5-A096-04ACCA2B6B74}"/>
+                  </a:ext>
+                </a:extLst>
+              </p:cNvPr>
+              <p:cNvSpPr/>
+              <p:nvPr/>
+            </p:nvSpPr>
+            <p:spPr>
+              <a:xfrm>
+                <a:off x="695325" y="1153795"/>
+                <a:ext cx="1151060" cy="622251"/>
+              </a:xfrm>
+              <a:prstGeom prst="rect">
+                <a:avLst/>
+              </a:prstGeom>
+              <a:noFill/>
+              <a:ln w="19050">
+                <a:solidFill>
+                  <a:srgbClr val="C00000"/>
+                </a:solidFill>
+              </a:ln>
+            </p:spPr>
+            <p:style>
+              <a:lnRef idx="2">
+                <a:schemeClr val="accent1">
+                  <a:shade val="15000"/>
+                </a:schemeClr>
+              </a:lnRef>
+              <a:fillRef idx="1">
+                <a:schemeClr val="accent1"/>
+              </a:fillRef>
+              <a:effectRef idx="0">
+                <a:schemeClr val="accent1"/>
+              </a:effectRef>
+              <a:fontRef idx="minor">
+                <a:schemeClr val="lt1"/>
+              </a:fontRef>
+            </p:style>
+            <p:txBody>
+              <a:bodyPr rtlCol="0" anchor="ctr"/>
+              <a:lstStyle/>
+              <a:p>
+                <a:pPr algn="ctr"/>
+                <a:endParaRPr lang="ko-KR" altLang="en-US"/>
+              </a:p>
+            </p:txBody>
+          </p:sp>
+          <p:sp>
+            <p:nvSpPr>
+              <p:cNvPr id="21" name="직사각형 20">
+                <a:extLst>
+                  <a:ext uri="{FF2B5EF4-FFF2-40B4-BE49-F238E27FC236}">
+                    <a16:creationId xmlns:a16="http://schemas.microsoft.com/office/drawing/2014/main" id="{97AE8A13-EE6E-4271-9131-A8A380632ADA}"/>
+                  </a:ext>
+                </a:extLst>
+              </p:cNvPr>
+              <p:cNvSpPr/>
+              <p:nvPr/>
+            </p:nvSpPr>
+            <p:spPr>
+              <a:xfrm>
+                <a:off x="2058132" y="1158875"/>
+                <a:ext cx="1151060" cy="622251"/>
+              </a:xfrm>
+              <a:prstGeom prst="rect">
+                <a:avLst/>
+              </a:prstGeom>
+              <a:noFill/>
+              <a:ln w="19050">
+                <a:solidFill>
+                  <a:srgbClr val="C00000"/>
+                </a:solidFill>
+              </a:ln>
+            </p:spPr>
+            <p:style>
+              <a:lnRef idx="2">
+                <a:schemeClr val="accent1">
+                  <a:shade val="15000"/>
+                </a:schemeClr>
+              </a:lnRef>
+              <a:fillRef idx="1">
+                <a:schemeClr val="accent1"/>
+              </a:fillRef>
+              <a:effectRef idx="0">
+                <a:schemeClr val="accent1"/>
+              </a:effectRef>
+              <a:fontRef idx="minor">
+                <a:schemeClr val="lt1"/>
+              </a:fontRef>
+            </p:style>
+            <p:txBody>
+              <a:bodyPr rtlCol="0" anchor="ctr"/>
+              <a:lstStyle/>
+              <a:p>
+                <a:pPr algn="ctr"/>
+                <a:endParaRPr lang="ko-KR" altLang="en-US"/>
+              </a:p>
+            </p:txBody>
+          </p:sp>
+          <p:sp>
+            <p:nvSpPr>
+              <p:cNvPr id="22" name="직사각형 21">
+                <a:extLst>
+                  <a:ext uri="{FF2B5EF4-FFF2-40B4-BE49-F238E27FC236}">
+                    <a16:creationId xmlns:a16="http://schemas.microsoft.com/office/drawing/2014/main" id="{5A9264AF-3FF1-439B-910C-35CA6985B916}"/>
+                  </a:ext>
+                </a:extLst>
+              </p:cNvPr>
+              <p:cNvSpPr/>
+              <p:nvPr/>
+            </p:nvSpPr>
+            <p:spPr>
+              <a:xfrm>
+                <a:off x="2058131" y="2338755"/>
+                <a:ext cx="368545" cy="720969"/>
+              </a:xfrm>
+              <a:prstGeom prst="rect">
+                <a:avLst/>
+              </a:prstGeom>
+              <a:noFill/>
+              <a:ln w="19050">
+                <a:solidFill>
+                  <a:srgbClr val="C00000"/>
+                </a:solidFill>
+              </a:ln>
+            </p:spPr>
+            <p:style>
+              <a:lnRef idx="2">
+                <a:schemeClr val="accent1">
+                  <a:shade val="15000"/>
+                </a:schemeClr>
+              </a:lnRef>
+              <a:fillRef idx="1">
+                <a:schemeClr val="accent1"/>
+              </a:fillRef>
+              <a:effectRef idx="0">
+                <a:schemeClr val="accent1"/>
+              </a:effectRef>
+              <a:fontRef idx="minor">
+                <a:schemeClr val="lt1"/>
+              </a:fontRef>
+            </p:style>
+            <p:txBody>
+              <a:bodyPr rtlCol="0" anchor="ctr"/>
+              <a:lstStyle/>
+              <a:p>
+                <a:pPr algn="ctr"/>
+                <a:endParaRPr lang="ko-KR" altLang="en-US"/>
+              </a:p>
+            </p:txBody>
+          </p:sp>
+          <p:sp>
+            <p:nvSpPr>
+              <p:cNvPr id="23" name="직사각형 22">
+                <a:extLst>
+                  <a:ext uri="{FF2B5EF4-FFF2-40B4-BE49-F238E27FC236}">
+                    <a16:creationId xmlns:a16="http://schemas.microsoft.com/office/drawing/2014/main" id="{9D4E7E15-500C-488D-A485-8473A1183471}"/>
+                  </a:ext>
+                </a:extLst>
+              </p:cNvPr>
+              <p:cNvSpPr/>
+              <p:nvPr/>
+            </p:nvSpPr>
+            <p:spPr>
+              <a:xfrm>
+                <a:off x="2058132" y="4450946"/>
+                <a:ext cx="676276" cy="720969"/>
+              </a:xfrm>
+              <a:prstGeom prst="rect">
+                <a:avLst/>
+              </a:prstGeom>
+              <a:noFill/>
+              <a:ln w="19050">
+                <a:solidFill>
+                  <a:srgbClr val="C00000"/>
+                </a:solidFill>
+              </a:ln>
+            </p:spPr>
+            <p:style>
+              <a:lnRef idx="2">
+                <a:schemeClr val="accent1">
+                  <a:shade val="15000"/>
+                </a:schemeClr>
+              </a:lnRef>
+              <a:fillRef idx="1">
+                <a:schemeClr val="accent1"/>
+              </a:fillRef>
+              <a:effectRef idx="0">
+                <a:schemeClr val="accent1"/>
+              </a:effectRef>
+              <a:fontRef idx="minor">
+                <a:schemeClr val="lt1"/>
+              </a:fontRef>
+            </p:style>
+            <p:txBody>
+              <a:bodyPr rtlCol="0" anchor="ctr"/>
+              <a:lstStyle/>
+              <a:p>
+                <a:pPr algn="ctr"/>
+                <a:endParaRPr lang="ko-KR" altLang="en-US"/>
+              </a:p>
+            </p:txBody>
+          </p:sp>
+          <p:sp>
+            <p:nvSpPr>
+              <p:cNvPr id="25" name="직사각형 24">
+                <a:extLst>
+                  <a:ext uri="{FF2B5EF4-FFF2-40B4-BE49-F238E27FC236}">
+                    <a16:creationId xmlns:a16="http://schemas.microsoft.com/office/drawing/2014/main" id="{2366E8C4-1397-4C9B-BED3-1834A3FA7AB4}"/>
+                  </a:ext>
+                </a:extLst>
+              </p:cNvPr>
+              <p:cNvSpPr/>
+              <p:nvPr/>
+            </p:nvSpPr>
+            <p:spPr>
+              <a:xfrm>
+                <a:off x="4172937" y="4459739"/>
+                <a:ext cx="368545" cy="720969"/>
+              </a:xfrm>
+              <a:prstGeom prst="rect">
+                <a:avLst/>
+              </a:prstGeom>
+              <a:noFill/>
+              <a:ln w="19050">
+                <a:solidFill>
+                  <a:srgbClr val="C00000"/>
+                </a:solidFill>
+              </a:ln>
+            </p:spPr>
+            <p:style>
+              <a:lnRef idx="2">
+                <a:schemeClr val="accent1">
+                  <a:shade val="15000"/>
+                </a:schemeClr>
+              </a:lnRef>
+              <a:fillRef idx="1">
+                <a:schemeClr val="accent1"/>
+              </a:fillRef>
+              <a:effectRef idx="0">
+                <a:schemeClr val="accent1"/>
+              </a:effectRef>
+              <a:fontRef idx="minor">
+                <a:schemeClr val="lt1"/>
+              </a:fontRef>
+            </p:style>
+            <p:txBody>
+              <a:bodyPr rtlCol="0" anchor="ctr"/>
+              <a:lstStyle/>
+              <a:p>
+                <a:pPr algn="ctr"/>
+                <a:endParaRPr lang="ko-KR" altLang="en-US"/>
+              </a:p>
+            </p:txBody>
+          </p:sp>
+          <p:sp>
+            <p:nvSpPr>
+              <p:cNvPr id="26" name="직사각형 25">
+                <a:extLst>
+                  <a:ext uri="{FF2B5EF4-FFF2-40B4-BE49-F238E27FC236}">
+                    <a16:creationId xmlns:a16="http://schemas.microsoft.com/office/drawing/2014/main" id="{03D3C966-192B-44C8-945F-A0AF19E87AB7}"/>
+                  </a:ext>
+                </a:extLst>
+              </p:cNvPr>
+              <p:cNvSpPr/>
+              <p:nvPr/>
+            </p:nvSpPr>
+            <p:spPr>
+              <a:xfrm>
+                <a:off x="5061988" y="4301428"/>
+                <a:ext cx="999406" cy="861695"/>
+              </a:xfrm>
+              <a:prstGeom prst="rect">
+                <a:avLst/>
+              </a:prstGeom>
+              <a:noFill/>
+              <a:ln w="19050">
+                <a:solidFill>
+                  <a:srgbClr val="C00000"/>
+                </a:solidFill>
+              </a:ln>
+            </p:spPr>
+            <p:style>
+              <a:lnRef idx="2">
+                <a:schemeClr val="accent1">
+                  <a:shade val="15000"/>
+                </a:schemeClr>
+              </a:lnRef>
+              <a:fillRef idx="1">
+                <a:schemeClr val="accent1"/>
+              </a:fillRef>
+              <a:effectRef idx="0">
+                <a:schemeClr val="accent1"/>
+              </a:effectRef>
+              <a:fontRef idx="minor">
+                <a:schemeClr val="lt1"/>
+              </a:fontRef>
+            </p:style>
+            <p:txBody>
+              <a:bodyPr rtlCol="0" anchor="ctr"/>
+              <a:lstStyle/>
+              <a:p>
+                <a:pPr algn="ctr"/>
+                <a:endParaRPr lang="ko-KR" altLang="en-US"/>
+              </a:p>
+            </p:txBody>
+          </p:sp>
+          <p:sp>
+            <p:nvSpPr>
+              <p:cNvPr id="27" name="직사각형 26">
+                <a:extLst>
+                  <a:ext uri="{FF2B5EF4-FFF2-40B4-BE49-F238E27FC236}">
+                    <a16:creationId xmlns:a16="http://schemas.microsoft.com/office/drawing/2014/main" id="{25CFD288-8DC2-40EB-BE97-1C4A92A41310}"/>
+                  </a:ext>
+                </a:extLst>
+              </p:cNvPr>
+              <p:cNvSpPr/>
+              <p:nvPr/>
+            </p:nvSpPr>
+            <p:spPr>
+              <a:xfrm>
+                <a:off x="4178616" y="3263937"/>
+                <a:ext cx="1882778" cy="569510"/>
+              </a:xfrm>
+              <a:prstGeom prst="rect">
+                <a:avLst/>
+              </a:prstGeom>
+              <a:noFill/>
+              <a:ln w="19050">
+                <a:solidFill>
+                  <a:srgbClr val="C00000"/>
+                </a:solidFill>
+              </a:ln>
+            </p:spPr>
+            <p:style>
+              <a:lnRef idx="2">
+                <a:schemeClr val="accent1">
+                  <a:shade val="15000"/>
+                </a:schemeClr>
+              </a:lnRef>
+              <a:fillRef idx="1">
+                <a:schemeClr val="accent1"/>
+              </a:fillRef>
+              <a:effectRef idx="0">
+                <a:schemeClr val="accent1"/>
+              </a:effectRef>
+              <a:fontRef idx="minor">
+                <a:schemeClr val="lt1"/>
+              </a:fontRef>
+            </p:style>
+            <p:txBody>
+              <a:bodyPr rtlCol="0" anchor="ctr"/>
+              <a:lstStyle/>
+              <a:p>
+                <a:pPr algn="ctr"/>
+                <a:endParaRPr lang="ko-KR" altLang="en-US"/>
+              </a:p>
+            </p:txBody>
+          </p:sp>
+          <p:sp>
+            <p:nvSpPr>
+              <p:cNvPr id="30" name="직사각형 29">
+                <a:extLst>
+                  <a:ext uri="{FF2B5EF4-FFF2-40B4-BE49-F238E27FC236}">
+                    <a16:creationId xmlns:a16="http://schemas.microsoft.com/office/drawing/2014/main" id="{B933D67B-BC18-416E-BC49-1CEC2C5D1D2F}"/>
+                  </a:ext>
+                </a:extLst>
+              </p:cNvPr>
+              <p:cNvSpPr/>
+              <p:nvPr/>
+            </p:nvSpPr>
+            <p:spPr>
+              <a:xfrm>
+                <a:off x="2896398" y="2816520"/>
+                <a:ext cx="207286" cy="217261"/>
+              </a:xfrm>
+              <a:prstGeom prst="rect">
+                <a:avLst/>
+              </a:prstGeom>
+              <a:noFill/>
+              <a:ln w="19050">
+                <a:solidFill>
+                  <a:srgbClr val="C00000"/>
+                </a:solidFill>
+              </a:ln>
+            </p:spPr>
+            <p:style>
+              <a:lnRef idx="2">
+                <a:schemeClr val="accent1">
+                  <a:shade val="15000"/>
+                </a:schemeClr>
+              </a:lnRef>
+              <a:fillRef idx="1">
+                <a:schemeClr val="accent1"/>
+              </a:fillRef>
+              <a:effectRef idx="0">
+                <a:schemeClr val="accent1"/>
+              </a:effectRef>
+              <a:fontRef idx="minor">
+                <a:schemeClr val="lt1"/>
+              </a:fontRef>
+            </p:style>
+            <p:txBody>
+              <a:bodyPr rtlCol="0" anchor="ctr"/>
+              <a:lstStyle/>
+              <a:p>
+                <a:pPr algn="ctr"/>
+                <a:endParaRPr lang="ko-KR" altLang="en-US"/>
+              </a:p>
+            </p:txBody>
+          </p:sp>
+          <p:sp>
+            <p:nvSpPr>
+              <p:cNvPr id="31" name="직사각형 30">
+                <a:extLst>
+                  <a:ext uri="{FF2B5EF4-FFF2-40B4-BE49-F238E27FC236}">
+                    <a16:creationId xmlns:a16="http://schemas.microsoft.com/office/drawing/2014/main" id="{132FAF87-5151-48EB-99CC-69403C45FA5B}"/>
+                  </a:ext>
+                </a:extLst>
+              </p:cNvPr>
+              <p:cNvSpPr/>
+              <p:nvPr/>
+            </p:nvSpPr>
+            <p:spPr>
+              <a:xfrm>
+                <a:off x="3731667" y="1991604"/>
+                <a:ext cx="207286" cy="217261"/>
+              </a:xfrm>
+              <a:prstGeom prst="rect">
+                <a:avLst/>
+              </a:prstGeom>
+              <a:noFill/>
+              <a:ln w="19050">
+                <a:solidFill>
+                  <a:srgbClr val="C00000"/>
+                </a:solidFill>
+              </a:ln>
+            </p:spPr>
+            <p:style>
+              <a:lnRef idx="2">
+                <a:schemeClr val="accent1">
+                  <a:shade val="15000"/>
+                </a:schemeClr>
+              </a:lnRef>
+              <a:fillRef idx="1">
+                <a:schemeClr val="accent1"/>
+              </a:fillRef>
+              <a:effectRef idx="0">
+                <a:schemeClr val="accent1"/>
+              </a:effectRef>
+              <a:fontRef idx="minor">
+                <a:schemeClr val="lt1"/>
+              </a:fontRef>
+            </p:style>
+            <p:txBody>
+              <a:bodyPr rtlCol="0" anchor="ctr"/>
+              <a:lstStyle/>
+              <a:p>
+                <a:pPr algn="ctr"/>
+                <a:endParaRPr lang="ko-KR" altLang="en-US"/>
+              </a:p>
+            </p:txBody>
+          </p:sp>
+          <p:sp>
+            <p:nvSpPr>
+              <p:cNvPr id="32" name="타원 31">
+                <a:extLst>
+                  <a:ext uri="{FF2B5EF4-FFF2-40B4-BE49-F238E27FC236}">
+                    <a16:creationId xmlns:a16="http://schemas.microsoft.com/office/drawing/2014/main" id="{E27E35CF-9EB9-4BD6-A638-4289CE4A59C1}"/>
+                  </a:ext>
+                </a:extLst>
+              </p:cNvPr>
+              <p:cNvSpPr>
+                <a:spLocks noChangeAspect="1"/>
+              </p:cNvSpPr>
+              <p:nvPr/>
+            </p:nvSpPr>
+            <p:spPr>
+              <a:xfrm>
+                <a:off x="626112" y="1063926"/>
+                <a:ext cx="179737" cy="179737"/>
+              </a:xfrm>
+              <a:prstGeom prst="ellipse">
+                <a:avLst/>
+              </a:prstGeom>
+              <a:solidFill>
+                <a:schemeClr val="bg1">
+                  <a:lumMod val="85000"/>
+                </a:schemeClr>
+              </a:solidFill>
+              <a:ln>
+                <a:solidFill>
+                  <a:schemeClr val="accent1">
+                    <a:shade val="15000"/>
+                  </a:schemeClr>
+                </a:solidFill>
+              </a:ln>
+            </p:spPr>
+            <p:style>
+              <a:lnRef idx="2">
+                <a:schemeClr val="accent1">
+                  <a:shade val="15000"/>
+                </a:schemeClr>
+              </a:lnRef>
+              <a:fillRef idx="1">
+                <a:schemeClr val="accent1"/>
+              </a:fillRef>
+              <a:effectRef idx="0">
+                <a:schemeClr val="accent1"/>
+              </a:effectRef>
+              <a:fontRef idx="minor">
+                <a:schemeClr val="lt1"/>
+              </a:fontRef>
+            </p:style>
+            <p:txBody>
+              <a:bodyPr rtlCol="0" anchor="ctr"/>
+              <a:lstStyle/>
+              <a:p>
+                <a:pPr algn="ctr"/>
+                <a:r>
+                  <a:rPr lang="en-US" altLang="ko-KR" sz="1100" dirty="0">
+                    <a:solidFill>
+                      <a:schemeClr val="tx1"/>
+                    </a:solidFill>
+                  </a:rPr>
+                  <a:t>1</a:t>
+                </a:r>
+                <a:endParaRPr lang="ko-KR" altLang="en-US" sz="1100" dirty="0">
+                  <a:solidFill>
+                    <a:schemeClr val="tx1"/>
+                  </a:solidFill>
+                </a:endParaRPr>
+              </a:p>
+            </p:txBody>
+          </p:sp>
+          <p:sp>
+            <p:nvSpPr>
+              <p:cNvPr id="33" name="타원 32">
+                <a:extLst>
+                  <a:ext uri="{FF2B5EF4-FFF2-40B4-BE49-F238E27FC236}">
+                    <a16:creationId xmlns:a16="http://schemas.microsoft.com/office/drawing/2014/main" id="{2DFD74D7-6FFE-44C2-A298-FB0FA0C92AD6}"/>
+                  </a:ext>
+                </a:extLst>
+              </p:cNvPr>
+              <p:cNvSpPr>
+                <a:spLocks noChangeAspect="1"/>
+              </p:cNvSpPr>
+              <p:nvPr/>
+            </p:nvSpPr>
+            <p:spPr>
+              <a:xfrm>
+                <a:off x="1962344" y="1063926"/>
+                <a:ext cx="179737" cy="179737"/>
+              </a:xfrm>
+              <a:prstGeom prst="ellipse">
+                <a:avLst/>
+              </a:prstGeom>
+              <a:solidFill>
+                <a:schemeClr val="bg1">
+                  <a:lumMod val="85000"/>
+                </a:schemeClr>
+              </a:solidFill>
+              <a:ln>
+                <a:solidFill>
+                  <a:schemeClr val="accent1">
+                    <a:shade val="15000"/>
+                  </a:schemeClr>
+                </a:solidFill>
+              </a:ln>
+            </p:spPr>
+            <p:style>
+              <a:lnRef idx="2">
+                <a:schemeClr val="accent1">
+                  <a:shade val="15000"/>
+                </a:schemeClr>
+              </a:lnRef>
+              <a:fillRef idx="1">
+                <a:schemeClr val="accent1"/>
+              </a:fillRef>
+              <a:effectRef idx="0">
+                <a:schemeClr val="accent1"/>
+              </a:effectRef>
+              <a:fontRef idx="minor">
+                <a:schemeClr val="lt1"/>
+              </a:fontRef>
+            </p:style>
+            <p:txBody>
+              <a:bodyPr rtlCol="0" anchor="ctr"/>
+              <a:lstStyle/>
+              <a:p>
+                <a:pPr algn="ctr"/>
+                <a:r>
+                  <a:rPr lang="en-US" altLang="ko-KR" sz="1100" dirty="0">
+                    <a:solidFill>
+                      <a:schemeClr val="tx1"/>
+                    </a:solidFill>
+                  </a:rPr>
+                  <a:t>2</a:t>
+                </a:r>
+                <a:endParaRPr lang="ko-KR" altLang="en-US" sz="1100" dirty="0">
+                  <a:solidFill>
+                    <a:schemeClr val="tx1"/>
+                  </a:solidFill>
+                </a:endParaRPr>
+              </a:p>
+            </p:txBody>
+          </p:sp>
+          <p:sp>
+            <p:nvSpPr>
+              <p:cNvPr id="35" name="타원 34">
+                <a:extLst>
+                  <a:ext uri="{FF2B5EF4-FFF2-40B4-BE49-F238E27FC236}">
+                    <a16:creationId xmlns:a16="http://schemas.microsoft.com/office/drawing/2014/main" id="{B9CCEE49-4C60-4236-9786-32525CE4A903}"/>
+                  </a:ext>
+                </a:extLst>
+              </p:cNvPr>
+              <p:cNvSpPr>
+                <a:spLocks noChangeAspect="1"/>
+              </p:cNvSpPr>
+              <p:nvPr/>
+            </p:nvSpPr>
+            <p:spPr>
+              <a:xfrm>
+                <a:off x="1957280" y="2248886"/>
+                <a:ext cx="179737" cy="179737"/>
+              </a:xfrm>
+              <a:prstGeom prst="ellipse">
+                <a:avLst/>
+              </a:prstGeom>
+              <a:solidFill>
+                <a:schemeClr val="bg1">
+                  <a:lumMod val="85000"/>
+                </a:schemeClr>
+              </a:solidFill>
+              <a:ln>
+                <a:solidFill>
+                  <a:schemeClr val="accent1">
+                    <a:shade val="15000"/>
+                  </a:schemeClr>
+                </a:solidFill>
+              </a:ln>
+            </p:spPr>
+            <p:style>
+              <a:lnRef idx="2">
+                <a:schemeClr val="accent1">
+                  <a:shade val="15000"/>
+                </a:schemeClr>
+              </a:lnRef>
+              <a:fillRef idx="1">
+                <a:schemeClr val="accent1"/>
+              </a:fillRef>
+              <a:effectRef idx="0">
+                <a:schemeClr val="accent1"/>
+              </a:effectRef>
+              <a:fontRef idx="minor">
+                <a:schemeClr val="lt1"/>
+              </a:fontRef>
+            </p:style>
+            <p:txBody>
+              <a:bodyPr rtlCol="0" anchor="ctr"/>
+              <a:lstStyle/>
+              <a:p>
+                <a:pPr algn="ctr"/>
+                <a:r>
+                  <a:rPr lang="en-US" altLang="ko-KR" sz="1100" dirty="0">
+                    <a:solidFill>
+                      <a:schemeClr val="tx1"/>
+                    </a:solidFill>
+                  </a:rPr>
+                  <a:t>4</a:t>
+                </a:r>
+                <a:endParaRPr lang="ko-KR" altLang="en-US" sz="1100" dirty="0">
+                  <a:solidFill>
+                    <a:schemeClr val="tx1"/>
+                  </a:solidFill>
+                </a:endParaRPr>
+              </a:p>
+            </p:txBody>
+          </p:sp>
+          <p:sp>
+            <p:nvSpPr>
+              <p:cNvPr id="36" name="타원 35">
+                <a:extLst>
+                  <a:ext uri="{FF2B5EF4-FFF2-40B4-BE49-F238E27FC236}">
+                    <a16:creationId xmlns:a16="http://schemas.microsoft.com/office/drawing/2014/main" id="{565FFE0B-F2E6-4E6E-927F-A90F46ADC295}"/>
+                  </a:ext>
+                </a:extLst>
+              </p:cNvPr>
+              <p:cNvSpPr>
+                <a:spLocks noChangeAspect="1"/>
+              </p:cNvSpPr>
+              <p:nvPr/>
+            </p:nvSpPr>
+            <p:spPr>
+              <a:xfrm>
+                <a:off x="2806528" y="2721776"/>
+                <a:ext cx="179737" cy="179737"/>
+              </a:xfrm>
+              <a:prstGeom prst="ellipse">
+                <a:avLst/>
+              </a:prstGeom>
+              <a:solidFill>
+                <a:schemeClr val="bg1">
+                  <a:lumMod val="85000"/>
+                </a:schemeClr>
+              </a:solidFill>
+              <a:ln>
+                <a:solidFill>
+                  <a:schemeClr val="accent1">
+                    <a:shade val="15000"/>
+                  </a:schemeClr>
+                </a:solidFill>
+              </a:ln>
+            </p:spPr>
+            <p:style>
+              <a:lnRef idx="2">
+                <a:schemeClr val="accent1">
+                  <a:shade val="15000"/>
+                </a:schemeClr>
+              </a:lnRef>
+              <a:fillRef idx="1">
+                <a:schemeClr val="accent1"/>
+              </a:fillRef>
+              <a:effectRef idx="0">
+                <a:schemeClr val="accent1"/>
+              </a:effectRef>
+              <a:fontRef idx="minor">
+                <a:schemeClr val="lt1"/>
+              </a:fontRef>
+            </p:style>
+            <p:txBody>
+              <a:bodyPr rtlCol="0" anchor="ctr"/>
+              <a:lstStyle/>
+              <a:p>
+                <a:pPr algn="ctr"/>
+                <a:r>
+                  <a:rPr lang="en-US" altLang="ko-KR" sz="1100" dirty="0">
+                    <a:solidFill>
+                      <a:schemeClr val="tx1"/>
+                    </a:solidFill>
+                  </a:rPr>
+                  <a:t>5</a:t>
+                </a:r>
+                <a:endParaRPr lang="ko-KR" altLang="en-US" sz="1100" dirty="0">
+                  <a:solidFill>
+                    <a:schemeClr val="tx1"/>
+                  </a:solidFill>
+                </a:endParaRPr>
+              </a:p>
+            </p:txBody>
+          </p:sp>
+          <p:sp>
+            <p:nvSpPr>
+              <p:cNvPr id="37" name="타원 36">
+                <a:extLst>
+                  <a:ext uri="{FF2B5EF4-FFF2-40B4-BE49-F238E27FC236}">
+                    <a16:creationId xmlns:a16="http://schemas.microsoft.com/office/drawing/2014/main" id="{C888B764-531C-49A1-9C25-5842914C121B}"/>
+                  </a:ext>
+                </a:extLst>
+              </p:cNvPr>
+              <p:cNvSpPr>
+                <a:spLocks noChangeAspect="1"/>
+              </p:cNvSpPr>
+              <p:nvPr/>
+            </p:nvSpPr>
+            <p:spPr>
+              <a:xfrm>
+                <a:off x="1968263" y="4361077"/>
+                <a:ext cx="179737" cy="179737"/>
+              </a:xfrm>
+              <a:prstGeom prst="ellipse">
+                <a:avLst/>
+              </a:prstGeom>
+              <a:solidFill>
+                <a:schemeClr val="bg1">
+                  <a:lumMod val="85000"/>
+                </a:schemeClr>
+              </a:solidFill>
+              <a:ln>
+                <a:solidFill>
+                  <a:schemeClr val="accent1">
+                    <a:shade val="15000"/>
+                  </a:schemeClr>
+                </a:solidFill>
+              </a:ln>
+            </p:spPr>
+            <p:style>
+              <a:lnRef idx="2">
+                <a:schemeClr val="accent1">
+                  <a:shade val="15000"/>
+                </a:schemeClr>
+              </a:lnRef>
+              <a:fillRef idx="1">
+                <a:schemeClr val="accent1"/>
+              </a:fillRef>
+              <a:effectRef idx="0">
+                <a:schemeClr val="accent1"/>
+              </a:effectRef>
+              <a:fontRef idx="minor">
+                <a:schemeClr val="lt1"/>
+              </a:fontRef>
+            </p:style>
+            <p:txBody>
+              <a:bodyPr rtlCol="0" anchor="ctr"/>
+              <a:lstStyle/>
+              <a:p>
+                <a:pPr algn="ctr"/>
+                <a:r>
+                  <a:rPr lang="en-US" altLang="ko-KR" sz="1100" dirty="0">
+                    <a:solidFill>
+                      <a:schemeClr val="tx1"/>
+                    </a:solidFill>
+                  </a:rPr>
+                  <a:t>4</a:t>
+                </a:r>
+                <a:endParaRPr lang="ko-KR" altLang="en-US" sz="1100" dirty="0">
+                  <a:solidFill>
+                    <a:schemeClr val="tx1"/>
+                  </a:solidFill>
+                </a:endParaRPr>
+              </a:p>
+            </p:txBody>
+          </p:sp>
+          <p:sp>
+            <p:nvSpPr>
+              <p:cNvPr id="38" name="타원 37">
+                <a:extLst>
+                  <a:ext uri="{FF2B5EF4-FFF2-40B4-BE49-F238E27FC236}">
+                    <a16:creationId xmlns:a16="http://schemas.microsoft.com/office/drawing/2014/main" id="{899AC816-FB55-4E10-9C30-D5014A368DA5}"/>
+                  </a:ext>
+                </a:extLst>
+              </p:cNvPr>
+              <p:cNvSpPr>
+                <a:spLocks noChangeAspect="1"/>
+              </p:cNvSpPr>
+              <p:nvPr/>
+            </p:nvSpPr>
+            <p:spPr>
+              <a:xfrm>
+                <a:off x="4090070" y="4369870"/>
+                <a:ext cx="179737" cy="179737"/>
+              </a:xfrm>
+              <a:prstGeom prst="ellipse">
+                <a:avLst/>
+              </a:prstGeom>
+              <a:solidFill>
+                <a:schemeClr val="bg1">
+                  <a:lumMod val="85000"/>
+                </a:schemeClr>
+              </a:solidFill>
+              <a:ln>
+                <a:solidFill>
+                  <a:schemeClr val="accent1">
+                    <a:shade val="15000"/>
+                  </a:schemeClr>
+                </a:solidFill>
+              </a:ln>
+            </p:spPr>
+            <p:style>
+              <a:lnRef idx="2">
+                <a:schemeClr val="accent1">
+                  <a:shade val="15000"/>
+                </a:schemeClr>
+              </a:lnRef>
+              <a:fillRef idx="1">
+                <a:schemeClr val="accent1"/>
+              </a:fillRef>
+              <a:effectRef idx="0">
+                <a:schemeClr val="accent1"/>
+              </a:effectRef>
+              <a:fontRef idx="minor">
+                <a:schemeClr val="lt1"/>
+              </a:fontRef>
+            </p:style>
+            <p:txBody>
+              <a:bodyPr rtlCol="0" anchor="ctr"/>
+              <a:lstStyle/>
+              <a:p>
+                <a:pPr algn="ctr"/>
+                <a:r>
+                  <a:rPr lang="en-US" altLang="ko-KR" sz="1100" dirty="0">
+                    <a:solidFill>
+                      <a:schemeClr val="tx1"/>
+                    </a:solidFill>
+                  </a:rPr>
+                  <a:t>4</a:t>
+                </a:r>
+                <a:endParaRPr lang="ko-KR" altLang="en-US" sz="1100" dirty="0">
+                  <a:solidFill>
+                    <a:schemeClr val="tx1"/>
+                  </a:solidFill>
+                </a:endParaRPr>
+              </a:p>
+            </p:txBody>
+          </p:sp>
+          <p:sp>
+            <p:nvSpPr>
+              <p:cNvPr id="39" name="타원 38">
+                <a:extLst>
+                  <a:ext uri="{FF2B5EF4-FFF2-40B4-BE49-F238E27FC236}">
+                    <a16:creationId xmlns:a16="http://schemas.microsoft.com/office/drawing/2014/main" id="{93878F01-993F-4D37-A8A3-9AEF0FAA153B}"/>
+                  </a:ext>
+                </a:extLst>
+              </p:cNvPr>
+              <p:cNvSpPr>
+                <a:spLocks noChangeAspect="1"/>
+              </p:cNvSpPr>
+              <p:nvPr/>
+            </p:nvSpPr>
+            <p:spPr>
+              <a:xfrm>
+                <a:off x="4090070" y="3174068"/>
+                <a:ext cx="179737" cy="179737"/>
+              </a:xfrm>
+              <a:prstGeom prst="ellipse">
+                <a:avLst/>
+              </a:prstGeom>
+              <a:solidFill>
+                <a:schemeClr val="bg1">
+                  <a:lumMod val="85000"/>
+                </a:schemeClr>
+              </a:solidFill>
+              <a:ln>
+                <a:solidFill>
+                  <a:schemeClr val="accent1">
+                    <a:shade val="15000"/>
+                  </a:schemeClr>
+                </a:solidFill>
+              </a:ln>
+            </p:spPr>
+            <p:style>
+              <a:lnRef idx="2">
+                <a:schemeClr val="accent1">
+                  <a:shade val="15000"/>
+                </a:schemeClr>
+              </a:lnRef>
+              <a:fillRef idx="1">
+                <a:schemeClr val="accent1"/>
+              </a:fillRef>
+              <a:effectRef idx="0">
+                <a:schemeClr val="accent1"/>
+              </a:effectRef>
+              <a:fontRef idx="minor">
+                <a:schemeClr val="lt1"/>
+              </a:fontRef>
+            </p:style>
+            <p:txBody>
+              <a:bodyPr rtlCol="0" anchor="ctr"/>
+              <a:lstStyle/>
+              <a:p>
+                <a:pPr algn="ctr"/>
+                <a:r>
+                  <a:rPr lang="en-US" altLang="ko-KR" sz="1100" dirty="0">
+                    <a:solidFill>
+                      <a:schemeClr val="tx1"/>
+                    </a:solidFill>
+                  </a:rPr>
+                  <a:t>6</a:t>
+                </a:r>
+                <a:endParaRPr lang="ko-KR" altLang="en-US" sz="1100" dirty="0">
+                  <a:solidFill>
+                    <a:schemeClr val="tx1"/>
+                  </a:solidFill>
+                </a:endParaRPr>
+              </a:p>
+            </p:txBody>
+          </p:sp>
+          <p:sp>
+            <p:nvSpPr>
+              <p:cNvPr id="40" name="타원 39">
+                <a:extLst>
+                  <a:ext uri="{FF2B5EF4-FFF2-40B4-BE49-F238E27FC236}">
+                    <a16:creationId xmlns:a16="http://schemas.microsoft.com/office/drawing/2014/main" id="{5AA6624B-CD91-44EA-BFBC-3212F22A73B4}"/>
+                  </a:ext>
+                </a:extLst>
+              </p:cNvPr>
+              <p:cNvSpPr>
+                <a:spLocks noChangeAspect="1"/>
+              </p:cNvSpPr>
+              <p:nvPr/>
+            </p:nvSpPr>
+            <p:spPr>
+              <a:xfrm>
+                <a:off x="4972119" y="4210169"/>
+                <a:ext cx="179737" cy="179737"/>
+              </a:xfrm>
+              <a:prstGeom prst="ellipse">
+                <a:avLst/>
+              </a:prstGeom>
+              <a:solidFill>
+                <a:schemeClr val="bg1">
+                  <a:lumMod val="85000"/>
+                </a:schemeClr>
+              </a:solidFill>
+              <a:ln>
+                <a:solidFill>
+                  <a:schemeClr val="accent1">
+                    <a:shade val="15000"/>
+                  </a:schemeClr>
+                </a:solidFill>
+              </a:ln>
+            </p:spPr>
+            <p:style>
+              <a:lnRef idx="2">
+                <a:schemeClr val="accent1">
+                  <a:shade val="15000"/>
+                </a:schemeClr>
+              </a:lnRef>
+              <a:fillRef idx="1">
+                <a:schemeClr val="accent1"/>
+              </a:fillRef>
+              <a:effectRef idx="0">
+                <a:schemeClr val="accent1"/>
+              </a:effectRef>
+              <a:fontRef idx="minor">
+                <a:schemeClr val="lt1"/>
+              </a:fontRef>
+            </p:style>
+            <p:txBody>
+              <a:bodyPr rtlCol="0" anchor="ctr"/>
+              <a:lstStyle/>
+              <a:p>
+                <a:pPr algn="ctr"/>
+                <a:r>
+                  <a:rPr lang="en-US" altLang="ko-KR" sz="1100" dirty="0">
+                    <a:solidFill>
+                      <a:schemeClr val="tx1"/>
+                    </a:solidFill>
+                  </a:rPr>
+                  <a:t>7</a:t>
+                </a:r>
+                <a:endParaRPr lang="ko-KR" altLang="en-US" sz="1100" dirty="0">
+                  <a:solidFill>
+                    <a:schemeClr val="tx1"/>
+                  </a:solidFill>
+                </a:endParaRPr>
+              </a:p>
+            </p:txBody>
+          </p:sp>
+          <p:sp>
+            <p:nvSpPr>
+              <p:cNvPr id="44" name="직사각형 43">
+                <a:extLst>
+                  <a:ext uri="{FF2B5EF4-FFF2-40B4-BE49-F238E27FC236}">
+                    <a16:creationId xmlns:a16="http://schemas.microsoft.com/office/drawing/2014/main" id="{6398D956-6099-414B-B926-EFBD714BC542}"/>
+                  </a:ext>
+                </a:extLst>
+              </p:cNvPr>
+              <p:cNvSpPr/>
+              <p:nvPr/>
+            </p:nvSpPr>
+            <p:spPr>
+              <a:xfrm>
+                <a:off x="3708662" y="1158875"/>
+                <a:ext cx="230291" cy="815144"/>
+              </a:xfrm>
+              <a:prstGeom prst="rect">
+                <a:avLst/>
+              </a:prstGeom>
+              <a:noFill/>
+              <a:ln w="19050">
+                <a:solidFill>
+                  <a:srgbClr val="C00000"/>
+                </a:solidFill>
+              </a:ln>
+            </p:spPr>
+            <p:style>
+              <a:lnRef idx="2">
+                <a:schemeClr val="accent1">
+                  <a:shade val="15000"/>
+                </a:schemeClr>
+              </a:lnRef>
+              <a:fillRef idx="1">
+                <a:schemeClr val="accent1"/>
+              </a:fillRef>
+              <a:effectRef idx="0">
+                <a:schemeClr val="accent1"/>
+              </a:effectRef>
+              <a:fontRef idx="minor">
+                <a:schemeClr val="lt1"/>
+              </a:fontRef>
+            </p:style>
+            <p:txBody>
+              <a:bodyPr rtlCol="0" anchor="ctr"/>
+              <a:lstStyle/>
+              <a:p>
+                <a:pPr algn="ctr"/>
+                <a:endParaRPr lang="ko-KR" altLang="en-US"/>
+              </a:p>
+            </p:txBody>
+          </p:sp>
+          <p:sp>
+            <p:nvSpPr>
+              <p:cNvPr id="34" name="타원 33">
+                <a:extLst>
+                  <a:ext uri="{FF2B5EF4-FFF2-40B4-BE49-F238E27FC236}">
+                    <a16:creationId xmlns:a16="http://schemas.microsoft.com/office/drawing/2014/main" id="{1274A0AC-27E0-4E85-BF01-B7795A33564C}"/>
+                  </a:ext>
+                </a:extLst>
+              </p:cNvPr>
+              <p:cNvSpPr>
+                <a:spLocks noChangeAspect="1"/>
+              </p:cNvSpPr>
+              <p:nvPr/>
+            </p:nvSpPr>
+            <p:spPr>
+              <a:xfrm>
+                <a:off x="3641797" y="1892943"/>
+                <a:ext cx="179737" cy="179737"/>
+              </a:xfrm>
+              <a:prstGeom prst="ellipse">
+                <a:avLst/>
+              </a:prstGeom>
+              <a:solidFill>
+                <a:schemeClr val="bg1">
+                  <a:lumMod val="85000"/>
+                </a:schemeClr>
+              </a:solidFill>
+              <a:ln>
+                <a:solidFill>
+                  <a:schemeClr val="accent1">
+                    <a:shade val="15000"/>
+                  </a:schemeClr>
+                </a:solidFill>
+              </a:ln>
+            </p:spPr>
+            <p:style>
+              <a:lnRef idx="2">
+                <a:schemeClr val="accent1">
+                  <a:shade val="15000"/>
+                </a:schemeClr>
+              </a:lnRef>
+              <a:fillRef idx="1">
+                <a:schemeClr val="accent1"/>
+              </a:fillRef>
+              <a:effectRef idx="0">
+                <a:schemeClr val="accent1"/>
+              </a:effectRef>
+              <a:fontRef idx="minor">
+                <a:schemeClr val="lt1"/>
+              </a:fontRef>
+            </p:style>
+            <p:txBody>
+              <a:bodyPr rtlCol="0" anchor="ctr"/>
+              <a:lstStyle/>
+              <a:p>
+                <a:pPr algn="ctr"/>
+                <a:r>
+                  <a:rPr lang="en-US" altLang="ko-KR" sz="1100" dirty="0">
+                    <a:solidFill>
+                      <a:schemeClr val="tx1"/>
+                    </a:solidFill>
+                  </a:rPr>
+                  <a:t>5</a:t>
+                </a:r>
+                <a:endParaRPr lang="ko-KR" altLang="en-US" sz="1100" dirty="0">
+                  <a:solidFill>
+                    <a:schemeClr val="tx1"/>
+                  </a:solidFill>
+                </a:endParaRPr>
+              </a:p>
+            </p:txBody>
+          </p:sp>
+          <p:sp>
+            <p:nvSpPr>
+              <p:cNvPr id="45" name="타원 44">
+                <a:extLst>
+                  <a:ext uri="{FF2B5EF4-FFF2-40B4-BE49-F238E27FC236}">
+                    <a16:creationId xmlns:a16="http://schemas.microsoft.com/office/drawing/2014/main" id="{55EAC525-2887-4F92-81CB-4FA2D7A7AD69}"/>
+                  </a:ext>
+                </a:extLst>
+              </p:cNvPr>
+              <p:cNvSpPr>
+                <a:spLocks noChangeAspect="1"/>
+              </p:cNvSpPr>
+              <p:nvPr/>
+            </p:nvSpPr>
+            <p:spPr>
+              <a:xfrm>
+                <a:off x="3641797" y="1084430"/>
+                <a:ext cx="179737" cy="179737"/>
+              </a:xfrm>
+              <a:prstGeom prst="ellipse">
+                <a:avLst/>
+              </a:prstGeom>
+              <a:solidFill>
+                <a:schemeClr val="bg1">
+                  <a:lumMod val="85000"/>
+                </a:schemeClr>
+              </a:solidFill>
+              <a:ln>
+                <a:solidFill>
+                  <a:schemeClr val="accent1">
+                    <a:shade val="15000"/>
+                  </a:schemeClr>
+                </a:solidFill>
+              </a:ln>
+            </p:spPr>
+            <p:style>
+              <a:lnRef idx="2">
+                <a:schemeClr val="accent1">
+                  <a:shade val="15000"/>
+                </a:schemeClr>
+              </a:lnRef>
+              <a:fillRef idx="1">
+                <a:schemeClr val="accent1"/>
+              </a:fillRef>
+              <a:effectRef idx="0">
+                <a:schemeClr val="accent1"/>
+              </a:effectRef>
+              <a:fontRef idx="minor">
+                <a:schemeClr val="lt1"/>
+              </a:fontRef>
+            </p:style>
+            <p:txBody>
+              <a:bodyPr rtlCol="0" anchor="ctr"/>
+              <a:lstStyle/>
+              <a:p>
+                <a:pPr algn="ctr"/>
+                <a:r>
+                  <a:rPr lang="en-US" altLang="ko-KR" sz="1100" dirty="0">
+                    <a:solidFill>
+                      <a:schemeClr val="tx1"/>
+                    </a:solidFill>
+                  </a:rPr>
+                  <a:t>3</a:t>
+                </a:r>
+                <a:endParaRPr lang="ko-KR" altLang="en-US" sz="1100" dirty="0">
+                  <a:solidFill>
+                    <a:schemeClr val="tx1"/>
+                  </a:solidFill>
+                </a:endParaRPr>
+              </a:p>
+            </p:txBody>
+          </p:sp>
+        </p:grpSp>
+        <p:sp>
+          <p:nvSpPr>
+            <p:cNvPr id="4" name="TextBox 3">
+              <a:extLst>
+                <a:ext uri="{FF2B5EF4-FFF2-40B4-BE49-F238E27FC236}">
+                  <a16:creationId xmlns:a16="http://schemas.microsoft.com/office/drawing/2014/main" id="{00D63B36-5E2B-4884-B114-67EBCD2A3D1F}"/>
+                </a:ext>
+              </a:extLst>
+            </p:cNvPr>
+            <p:cNvSpPr txBox="1"/>
+            <p:nvPr/>
+          </p:nvSpPr>
+          <p:spPr>
+            <a:xfrm>
+              <a:off x="695325" y="3429000"/>
+              <a:ext cx="784773" cy="369332"/>
+            </a:xfrm>
+            <a:prstGeom prst="rect">
+              <a:avLst/>
+            </a:prstGeom>
+            <a:noFill/>
+          </p:spPr>
+          <p:txBody>
+            <a:bodyPr wrap="square" rtlCol="0">
+              <a:spAutoFit/>
+            </a:bodyPr>
+            <a:lstStyle/>
+            <a:p>
+              <a:r>
+                <a:rPr lang="en-US" altLang="ko-KR" dirty="0"/>
+                <a:t>1</a:t>
+              </a:r>
+              <a:r>
+                <a:rPr lang="ko-KR" altLang="en-US" dirty="0"/>
+                <a:t>층</a:t>
+              </a:r>
+            </a:p>
+          </p:txBody>
+        </p:sp>
+        <p:sp>
+          <p:nvSpPr>
+            <p:cNvPr id="46" name="TextBox 45">
+              <a:extLst>
+                <a:ext uri="{FF2B5EF4-FFF2-40B4-BE49-F238E27FC236}">
+                  <a16:creationId xmlns:a16="http://schemas.microsoft.com/office/drawing/2014/main" id="{D42123F6-C3AA-4590-B996-27BF86E9E837}"/>
+                </a:ext>
+              </a:extLst>
+            </p:cNvPr>
+            <p:cNvSpPr txBox="1"/>
+            <p:nvPr/>
+          </p:nvSpPr>
+          <p:spPr>
+            <a:xfrm>
+              <a:off x="695325" y="5555561"/>
+              <a:ext cx="784773" cy="369332"/>
+            </a:xfrm>
+            <a:prstGeom prst="rect">
+              <a:avLst/>
+            </a:prstGeom>
+            <a:noFill/>
+          </p:spPr>
+          <p:txBody>
+            <a:bodyPr wrap="square" rtlCol="0">
+              <a:spAutoFit/>
+            </a:bodyPr>
+            <a:lstStyle/>
+            <a:p>
+              <a:r>
+                <a:rPr lang="en-US" altLang="ko-KR" dirty="0"/>
+                <a:t>2</a:t>
+              </a:r>
+              <a:r>
+                <a:rPr lang="ko-KR" altLang="en-US" dirty="0"/>
+                <a:t>층</a:t>
+              </a:r>
+            </a:p>
+          </p:txBody>
+        </p:sp>
+        <p:sp>
+          <p:nvSpPr>
+            <p:cNvPr id="48" name="TextBox 47">
+              <a:extLst>
+                <a:ext uri="{FF2B5EF4-FFF2-40B4-BE49-F238E27FC236}">
+                  <a16:creationId xmlns:a16="http://schemas.microsoft.com/office/drawing/2014/main" id="{5DDD5F72-BFA5-432B-8D57-4ED0FB010F0F}"/>
+                </a:ext>
+              </a:extLst>
+            </p:cNvPr>
+            <p:cNvSpPr txBox="1"/>
+            <p:nvPr/>
+          </p:nvSpPr>
+          <p:spPr>
+            <a:xfrm>
+              <a:off x="4146471" y="3429000"/>
+              <a:ext cx="784773" cy="369332"/>
+            </a:xfrm>
+            <a:prstGeom prst="rect">
+              <a:avLst/>
+            </a:prstGeom>
+            <a:noFill/>
+          </p:spPr>
+          <p:txBody>
+            <a:bodyPr wrap="square" rtlCol="0">
+              <a:spAutoFit/>
+            </a:bodyPr>
+            <a:lstStyle/>
+            <a:p>
+              <a:r>
+                <a:rPr lang="en-US" altLang="ko-KR" dirty="0"/>
+                <a:t>3</a:t>
+              </a:r>
+              <a:r>
+                <a:rPr lang="ko-KR" altLang="en-US" dirty="0"/>
+                <a:t>층</a:t>
+              </a:r>
+            </a:p>
+          </p:txBody>
+        </p:sp>
+      </p:grpSp>
     </p:spTree>
     <p:extLst>
       <p:ext uri="{BB962C8B-B14F-4D97-AF65-F5344CB8AC3E}">
-        <p14:creationId xmlns:p14="http://schemas.microsoft.com/office/powerpoint/2010/main" val="3552190612"/>
+        <p14:creationId xmlns:p14="http://schemas.microsoft.com/office/powerpoint/2010/main" val="1462294543"/>
       </p:ext>
     </p:extLst>
   </p:cSld>

--- a/기획/방랑엽사전/맵 기획서 (토벌단 본부).pptx
+++ b/기획/방랑엽사전/맵 기획서 (토벌단 본부).pptx
@@ -240,7 +240,7 @@
           <a:p>
             <a:fld id="{C8649E71-8129-4905-BAC0-51D65A0C1379}" type="datetimeFigureOut">
               <a:rPr lang="ko-KR" altLang="en-US" smtClean="0"/>
-              <a:t>2024-03-18</a:t>
+              <a:t>2024-03-19</a:t>
             </a:fld>
             <a:endParaRPr lang="ko-KR" altLang="en-US"/>
           </a:p>
@@ -738,7 +738,7 @@
           <a:p>
             <a:fld id="{523D6941-6B33-4834-BC65-A333846D27E6}" type="datetimeFigureOut">
               <a:rPr lang="ko-KR" altLang="en-US" smtClean="0"/>
-              <a:t>2024-03-18</a:t>
+              <a:t>2024-03-19</a:t>
             </a:fld>
             <a:endParaRPr lang="ko-KR" altLang="en-US"/>
           </a:p>
@@ -936,7 +936,7 @@
           <a:p>
             <a:fld id="{523D6941-6B33-4834-BC65-A333846D27E6}" type="datetimeFigureOut">
               <a:rPr lang="ko-KR" altLang="en-US" smtClean="0"/>
-              <a:t>2024-03-18</a:t>
+              <a:t>2024-03-19</a:t>
             </a:fld>
             <a:endParaRPr lang="ko-KR" altLang="en-US"/>
           </a:p>
@@ -1144,7 +1144,7 @@
           <a:p>
             <a:fld id="{523D6941-6B33-4834-BC65-A333846D27E6}" type="datetimeFigureOut">
               <a:rPr lang="ko-KR" altLang="en-US" smtClean="0"/>
-              <a:t>2024-03-18</a:t>
+              <a:t>2024-03-19</a:t>
             </a:fld>
             <a:endParaRPr lang="ko-KR" altLang="en-US"/>
           </a:p>
@@ -1357,7 +1357,7 @@
           <a:p>
             <a:fld id="{523D6941-6B33-4834-BC65-A333846D27E6}" type="datetimeFigureOut">
               <a:rPr lang="ko-KR" altLang="en-US" smtClean="0"/>
-              <a:t>2024-03-18</a:t>
+              <a:t>2024-03-19</a:t>
             </a:fld>
             <a:endParaRPr lang="ko-KR" altLang="en-US"/>
           </a:p>
@@ -1642,7 +1642,7 @@
           <a:p>
             <a:fld id="{523D6941-6B33-4834-BC65-A333846D27E6}" type="datetimeFigureOut">
               <a:rPr lang="ko-KR" altLang="en-US" smtClean="0"/>
-              <a:t>2024-03-18</a:t>
+              <a:t>2024-03-19</a:t>
             </a:fld>
             <a:endParaRPr lang="ko-KR" altLang="en-US"/>
           </a:p>
@@ -1907,7 +1907,7 @@
           <a:p>
             <a:fld id="{523D6941-6B33-4834-BC65-A333846D27E6}" type="datetimeFigureOut">
               <a:rPr lang="ko-KR" altLang="en-US" smtClean="0"/>
-              <a:t>2024-03-18</a:t>
+              <a:t>2024-03-19</a:t>
             </a:fld>
             <a:endParaRPr lang="ko-KR" altLang="en-US"/>
           </a:p>
@@ -2319,7 +2319,7 @@
           <a:p>
             <a:fld id="{523D6941-6B33-4834-BC65-A333846D27E6}" type="datetimeFigureOut">
               <a:rPr lang="ko-KR" altLang="en-US" smtClean="0"/>
-              <a:t>2024-03-18</a:t>
+              <a:t>2024-03-19</a:t>
             </a:fld>
             <a:endParaRPr lang="ko-KR" altLang="en-US"/>
           </a:p>
@@ -2460,7 +2460,7 @@
           <a:p>
             <a:fld id="{523D6941-6B33-4834-BC65-A333846D27E6}" type="datetimeFigureOut">
               <a:rPr lang="ko-KR" altLang="en-US" smtClean="0"/>
-              <a:t>2024-03-18</a:t>
+              <a:t>2024-03-19</a:t>
             </a:fld>
             <a:endParaRPr lang="ko-KR" altLang="en-US"/>
           </a:p>
@@ -2573,7 +2573,7 @@
           <a:p>
             <a:fld id="{523D6941-6B33-4834-BC65-A333846D27E6}" type="datetimeFigureOut">
               <a:rPr lang="ko-KR" altLang="en-US" smtClean="0"/>
-              <a:t>2024-03-18</a:t>
+              <a:t>2024-03-19</a:t>
             </a:fld>
             <a:endParaRPr lang="ko-KR" altLang="en-US"/>
           </a:p>
@@ -2884,7 +2884,7 @@
           <a:p>
             <a:fld id="{523D6941-6B33-4834-BC65-A333846D27E6}" type="datetimeFigureOut">
               <a:rPr lang="ko-KR" altLang="en-US" smtClean="0"/>
-              <a:t>2024-03-18</a:t>
+              <a:t>2024-03-19</a:t>
             </a:fld>
             <a:endParaRPr lang="ko-KR" altLang="en-US"/>
           </a:p>
@@ -3172,7 +3172,7 @@
           <a:p>
             <a:fld id="{523D6941-6B33-4834-BC65-A333846D27E6}" type="datetimeFigureOut">
               <a:rPr lang="ko-KR" altLang="en-US" smtClean="0"/>
-              <a:t>2024-03-18</a:t>
+              <a:t>2024-03-19</a:t>
             </a:fld>
             <a:endParaRPr lang="ko-KR" altLang="en-US"/>
           </a:p>
@@ -3413,7 +3413,7 @@
           <a:p>
             <a:fld id="{523D6941-6B33-4834-BC65-A333846D27E6}" type="datetimeFigureOut">
               <a:rPr lang="ko-KR" altLang="en-US" smtClean="0"/>
-              <a:t>2024-03-18</a:t>
+              <a:t>2024-03-19</a:t>
             </a:fld>
             <a:endParaRPr lang="ko-KR" altLang="en-US"/>
           </a:p>
@@ -8686,8 +8686,8 @@
         </p:nvSpPr>
         <p:spPr>
           <a:xfrm>
-            <a:off x="3918611" y="2475941"/>
-            <a:ext cx="7528498" cy="923330"/>
+            <a:off x="3918611" y="1814016"/>
+            <a:ext cx="6857339" cy="923330"/>
           </a:xfrm>
           <a:prstGeom prst="rect">
             <a:avLst/>
@@ -9132,7 +9132,7 @@
         <p:spPr>
           <a:xfrm>
             <a:off x="3816594" y="1153795"/>
-            <a:ext cx="4558812" cy="3036494"/>
+            <a:ext cx="4558812" cy="2791188"/>
           </a:xfrm>
           <a:prstGeom prst="rect">
             <a:avLst/>
@@ -9153,8 +9153,8 @@
         </p:nvSpPr>
         <p:spPr>
           <a:xfrm>
-            <a:off x="695325" y="4291362"/>
-            <a:ext cx="10806112" cy="1846659"/>
+            <a:off x="690563" y="4003979"/>
+            <a:ext cx="10806112" cy="2246769"/>
           </a:xfrm>
           <a:prstGeom prst="rect">
             <a:avLst/>
@@ -9265,7 +9265,7 @@
                   <a:schemeClr val="tx1"/>
                 </a:solidFill>
               </a:rPr>
-              <a:t>토벌단은 외부적으로 볼 때 괴물들로 부터 사람들을 보호한다는 목적을 가지고 움직이기 때문에 적대적인 관계에 있더라도 서로 간접적인 견제만 하며 침묵을 지키고 있다</a:t>
+              <a:t>토벌단은 대외적으로 괴물들로 부터 사람들을 보호한다는 목적을 가진 집단이다</a:t>
             </a:r>
             <a:r>
               <a:rPr lang="en-US" altLang="ko-KR" sz="1400" b="0" dirty="0">
@@ -9273,7 +9273,7 @@
                   <a:schemeClr val="tx1"/>
                 </a:solidFill>
               </a:rPr>
-              <a:t>.</a:t>
+              <a:t>. </a:t>
             </a:r>
           </a:p>
           <a:p>
@@ -9299,6 +9299,122 @@
                 <a:schemeClr val="tx1"/>
               </a:solidFill>
             </a:endParaRPr>
+          </a:p>
+          <a:p>
+            <a:pPr marL="0" marR="0" lvl="0" indent="0" algn="l" defTabSz="914400" rtl="0" eaLnBrk="1" fontAlgn="auto" latinLnBrk="1" hangingPunct="1">
+              <a:lnSpc>
+                <a:spcPct val="100000"/>
+              </a:lnSpc>
+              <a:spcBef>
+                <a:spcPts val="0"/>
+              </a:spcBef>
+              <a:spcAft>
+                <a:spcPts val="0"/>
+              </a:spcAft>
+              <a:buClrTx/>
+              <a:buSzTx/>
+              <a:buFontTx/>
+              <a:buNone/>
+              <a:tabLst/>
+              <a:defRPr/>
+            </a:pPr>
+            <a:r>
+              <a:rPr lang="ko-KR" altLang="en-US" sz="1400" b="0" dirty="0">
+                <a:solidFill>
+                  <a:schemeClr val="tx1"/>
+                </a:solidFill>
+              </a:rPr>
+              <a:t>하지만 </a:t>
+            </a:r>
+            <a:r>
+              <a:rPr lang="ko-KR" altLang="en-US" sz="1400" b="0" dirty="0" err="1">
+                <a:solidFill>
+                  <a:schemeClr val="tx1"/>
+                </a:solidFill>
+              </a:rPr>
+              <a:t>토벌단</a:t>
+            </a:r>
+            <a:r>
+              <a:rPr lang="ko-KR" altLang="en-US" sz="1400" b="0" dirty="0">
+                <a:solidFill>
+                  <a:schemeClr val="tx1"/>
+                </a:solidFill>
+              </a:rPr>
+              <a:t> 구성원들은 약 </a:t>
+            </a:r>
+            <a:r>
+              <a:rPr lang="en-US" altLang="ko-KR" sz="1400" b="0" dirty="0">
+                <a:solidFill>
+                  <a:schemeClr val="tx1"/>
+                </a:solidFill>
+              </a:rPr>
+              <a:t>1</a:t>
+            </a:r>
+            <a:r>
+              <a:rPr lang="ko-KR" altLang="en-US" sz="1400" b="0" dirty="0">
+                <a:solidFill>
+                  <a:schemeClr val="tx1"/>
+                </a:solidFill>
+              </a:rPr>
+              <a:t>년 전에 일어난 정사 대전으로 줄어든 인원의 보충을 위한 재목을 </a:t>
+            </a:r>
+            <a:r>
+              <a:rPr lang="ko-KR" altLang="en-US" sz="1400" dirty="0"/>
+              <a:t>찾으려는 무림 세력의 사람들과 대재앙으로 가족</a:t>
+            </a:r>
+            <a:r>
+              <a:rPr lang="en-US" altLang="ko-KR" sz="1400" dirty="0"/>
+              <a:t>, </a:t>
+            </a:r>
+            <a:r>
+              <a:rPr lang="ko-KR" altLang="en-US" sz="1400" dirty="0"/>
+              <a:t>친구를 잃고 복수를 다짐한 사람들</a:t>
+            </a:r>
+            <a:r>
+              <a:rPr lang="en-US" altLang="ko-KR" sz="1400" dirty="0"/>
+              <a:t> </a:t>
+            </a:r>
+            <a:r>
+              <a:rPr lang="ko-KR" altLang="en-US" sz="1400" dirty="0"/>
+              <a:t>그리고 단순히 돈을 위해 들어온 다양한 사람들이 모여 있으며</a:t>
+            </a:r>
+            <a:r>
+              <a:rPr lang="en-US" altLang="ko-KR" sz="1400" dirty="0"/>
+              <a:t>, </a:t>
+            </a:r>
+            <a:r>
+              <a:rPr lang="ko-KR" altLang="en-US" sz="1400" dirty="0"/>
+              <a:t>괴물들을 토벌하기 위해 언제나 죽을 위험을 감수하고 임무를 나가기 때문에 임무 중 사망하는 인원 또한 많다</a:t>
+            </a:r>
+            <a:r>
+              <a:rPr lang="en-US" altLang="ko-KR" sz="1400" dirty="0"/>
+              <a:t>. </a:t>
+            </a:r>
+            <a:endParaRPr lang="en-US" altLang="ko-KR" sz="1400" b="0" dirty="0">
+              <a:solidFill>
+                <a:schemeClr val="tx1"/>
+              </a:solidFill>
+            </a:endParaRPr>
+          </a:p>
+          <a:p>
+            <a:pPr marL="0" marR="0" lvl="0" indent="0" algn="l" defTabSz="914400" rtl="0" eaLnBrk="1" fontAlgn="auto" latinLnBrk="1" hangingPunct="1">
+              <a:lnSpc>
+                <a:spcPct val="100000"/>
+              </a:lnSpc>
+              <a:spcBef>
+                <a:spcPts val="0"/>
+              </a:spcBef>
+              <a:spcAft>
+                <a:spcPts val="0"/>
+              </a:spcAft>
+              <a:buClrTx/>
+              <a:buSzTx/>
+              <a:buFontTx/>
+              <a:buNone/>
+              <a:tabLst/>
+              <a:defRPr/>
+            </a:pPr>
+            <a:endParaRPr lang="en-US" altLang="ko-KR" sz="1400" dirty="0"/>
           </a:p>
           <a:p>
             <a:pPr marL="0" marR="0" lvl="0" indent="0" algn="l" defTabSz="914400" rtl="0" eaLnBrk="1" fontAlgn="auto" latinLnBrk="1" hangingPunct="1">
@@ -9350,38 +9466,6 @@
               </a:rPr>
               <a:t>.</a:t>
             </a:r>
-          </a:p>
-          <a:p>
-            <a:pPr marL="0" marR="0" lvl="0" indent="0" algn="l" defTabSz="914400" rtl="0" eaLnBrk="1" fontAlgn="auto" latinLnBrk="1" hangingPunct="1">
-              <a:lnSpc>
-                <a:spcPct val="100000"/>
-              </a:lnSpc>
-              <a:spcBef>
-                <a:spcPts val="0"/>
-              </a:spcBef>
-              <a:spcAft>
-                <a:spcPts val="0"/>
-              </a:spcAft>
-              <a:buClrTx/>
-              <a:buSzTx/>
-              <a:buFontTx/>
-              <a:buNone/>
-              <a:tabLst/>
-              <a:defRPr/>
-            </a:pPr>
-            <a:r>
-              <a:rPr lang="ko-KR" altLang="en-US" sz="1400" dirty="0"/>
-              <a:t>파벌이 없는 인원이 두각을 들어낼 경우 해당 인원을 서로의 파벌에 넣기 위해서 직접적인 견제를 한다</a:t>
-            </a:r>
-            <a:r>
-              <a:rPr lang="en-US" altLang="ko-KR" sz="1400" dirty="0"/>
-              <a:t>.</a:t>
-            </a:r>
-            <a:endParaRPr lang="en-US" altLang="ko-KR" sz="1600" b="0" dirty="0">
-              <a:solidFill>
-                <a:schemeClr val="tx1"/>
-              </a:solidFill>
-            </a:endParaRPr>
           </a:p>
         </p:txBody>
       </p:sp>
@@ -12285,7 +12369,7 @@
           <p:nvPr>
             <p:extLst>
               <p:ext uri="{D42A27DB-BD31-4B8C-83A1-F6EECF244321}">
-                <p14:modId xmlns:p14="http://schemas.microsoft.com/office/powerpoint/2010/main" val="3216495126"/>
+                <p14:modId xmlns:p14="http://schemas.microsoft.com/office/powerpoint/2010/main" val="887181771"/>
               </p:ext>
             </p:extLst>
           </p:nvPr>
@@ -12389,13 +12473,18 @@
                     <a:p>
                       <a:pPr latinLnBrk="1"/>
                       <a:r>
-                        <a:rPr lang="ko-KR" altLang="en-US" sz="1200" b="0" dirty="0">
+                        <a:rPr lang="ko-KR" altLang="en-US" sz="1200" b="0" dirty="0" err="1">
                           <a:solidFill>
                             <a:schemeClr val="tx1"/>
                           </a:solidFill>
                         </a:rPr>
-                        <a:t>음식점</a:t>
-                      </a:r>
+                        <a:t>객잔</a:t>
+                      </a:r>
+                      <a:endParaRPr lang="ko-KR" altLang="en-US" sz="1200" b="0" dirty="0">
+                        <a:solidFill>
+                          <a:schemeClr val="tx1"/>
+                        </a:solidFill>
+                      </a:endParaRPr>
                     </a:p>
                   </a:txBody>
                   <a:tcPr>

--- a/기획/방랑엽사전/맵 기획서 (토벌단 본부).pptx
+++ b/기획/방랑엽사전/맵 기획서 (토벌단 본부).pptx
@@ -7840,14 +7840,14 @@
           <p:nvPr>
             <p:extLst>
               <p:ext uri="{D42A27DB-BD31-4B8C-83A1-F6EECF244321}">
-                <p14:modId xmlns:p14="http://schemas.microsoft.com/office/powerpoint/2010/main" val="3041127345"/>
+                <p14:modId xmlns:p14="http://schemas.microsoft.com/office/powerpoint/2010/main" val="2003118082"/>
               </p:ext>
             </p:extLst>
           </p:nvPr>
         </p:nvGraphicFramePr>
         <p:xfrm>
           <a:off x="1412875" y="1536976"/>
-          <a:ext cx="9366250" cy="4846320"/>
+          <a:ext cx="9366250" cy="3992880"/>
         </p:xfrm>
         <a:graphic>
           <a:graphicData uri="http://schemas.openxmlformats.org/drawingml/2006/table">
@@ -8036,11 +8036,83 @@
                     <a:p>
                       <a:pPr latinLnBrk="1"/>
                       <a:r>
+                        <a:rPr lang="ko-KR" altLang="en-US" sz="1400" b="0" dirty="0">
+                          <a:solidFill>
+                            <a:schemeClr val="tx1"/>
+                          </a:solidFill>
+                        </a:rPr>
+                        <a:t>그로부터 약 </a:t>
+                      </a:r>
+                      <a:r>
                         <a:rPr lang="en-US" altLang="ko-KR" sz="1400" b="0" dirty="0">
                           <a:solidFill>
                             <a:schemeClr val="tx1"/>
                           </a:solidFill>
                         </a:rPr>
+                        <a:t>50</a:t>
+                      </a:r>
+                      <a:r>
+                        <a:rPr lang="ko-KR" altLang="en-US" sz="1400" b="0" dirty="0">
+                          <a:solidFill>
+                            <a:schemeClr val="tx1"/>
+                          </a:solidFill>
+                        </a:rPr>
+                        <a:t>년</a:t>
+                      </a:r>
+                      <a:r>
+                        <a:rPr lang="en-US" altLang="ko-KR" sz="1400" b="0" dirty="0">
+                          <a:solidFill>
+                            <a:schemeClr val="tx1"/>
+                          </a:solidFill>
+                        </a:rPr>
+                        <a:t>,</a:t>
+                      </a:r>
+                      <a:r>
+                        <a:rPr lang="ko-KR" altLang="en-US" sz="1400" b="0" dirty="0">
+                          <a:solidFill>
+                            <a:schemeClr val="tx1"/>
+                          </a:solidFill>
+                        </a:rPr>
+                        <a:t> 무림을 찾아낸 달기는 무림의 정파와 </a:t>
+                      </a:r>
+                      <a:r>
+                        <a:rPr lang="ko-KR" altLang="en-US" sz="1400" b="0" dirty="0" err="1">
+                          <a:solidFill>
+                            <a:schemeClr val="tx1"/>
+                          </a:solidFill>
+                        </a:rPr>
+                        <a:t>사파</a:t>
+                      </a:r>
+                      <a:r>
+                        <a:rPr lang="ko-KR" altLang="en-US" sz="1400" b="0" dirty="0">
+                          <a:solidFill>
+                            <a:schemeClr val="tx1"/>
+                          </a:solidFill>
+                        </a:rPr>
+                        <a:t> 사이에 전쟁을 일으켜 무림 세력을 크게 약화 시켰고</a:t>
+                      </a:r>
+                      <a:r>
+                        <a:rPr lang="en-US" altLang="ko-KR" sz="1400" b="0" dirty="0">
+                          <a:solidFill>
+                            <a:schemeClr val="tx1"/>
+                          </a:solidFill>
+                        </a:rPr>
+                        <a:t> </a:t>
+                      </a:r>
+                      <a:r>
+                        <a:rPr lang="ko-KR" altLang="en-US" sz="1400" b="0" dirty="0">
+                          <a:solidFill>
+                            <a:schemeClr val="tx1"/>
+                          </a:solidFill>
+                        </a:rPr>
+                        <a:t>지맥을 뒤틀어 </a:t>
+                      </a:r>
+                      <a:r>
+                        <a:rPr lang="en-US" altLang="ko-KR" sz="1400" b="0" dirty="0">
+                          <a:solidFill>
+                            <a:schemeClr val="tx1"/>
+                          </a:solidFill>
+                        </a:rPr>
                         <a:t>‘</a:t>
                       </a:r>
                       <a:r>
@@ -8065,13 +8137,16 @@
                             <a:schemeClr val="tx1"/>
                           </a:solidFill>
                         </a:rPr>
-                        <a:t>는 중원에서 멀리 떨어져 있었고 오랜 옛날 부터 만은 </a:t>
-                      </a:r>
-                      <a:endParaRPr lang="en-US" altLang="ko-KR" sz="1400" b="0" dirty="0">
-                        <a:solidFill>
-                          <a:schemeClr val="tx1"/>
-                        </a:solidFill>
-                      </a:endParaRPr>
+                        <a:t>에 많은 괴물들을 발생시켜 재앙을 일으켜 남은 무림 세력들을 쓸어버리려 했다</a:t>
+                      </a:r>
+                      <a:r>
+                        <a:rPr lang="en-US" altLang="ko-KR" sz="1400" b="0" dirty="0">
+                          <a:solidFill>
+                            <a:schemeClr val="tx1"/>
+                          </a:solidFill>
+                        </a:rPr>
+                        <a:t>.</a:t>
+                      </a:r>
                     </a:p>
                     <a:p>
                       <a:pPr latinLnBrk="1"/>
@@ -8083,169 +8158,22 @@
                     </a:p>
                     <a:p>
                       <a:pPr latinLnBrk="1"/>
-                      <a:endParaRPr lang="en-US" altLang="ko-KR" sz="1400" b="0" dirty="0">
-                        <a:solidFill>
-                          <a:schemeClr val="tx1"/>
-                        </a:solidFill>
-                      </a:endParaRPr>
-                    </a:p>
-                    <a:p>
-                      <a:pPr latinLnBrk="1"/>
+                      <a:r>
+                        <a:rPr lang="ko-KR" altLang="en-US" sz="1400" b="0" dirty="0">
+                          <a:solidFill>
+                            <a:schemeClr val="tx1"/>
+                          </a:solidFill>
+                        </a:rPr>
+                        <a:t>뒤 늦게 전쟁의 원인을 알아낸 무림은 급하게 전쟁을 멈추고 괴물들과 싸웠지만 거의 괴멸 상태가 되었다</a:t>
+                      </a:r>
                       <a:r>
                         <a:rPr lang="en-US" altLang="ko-KR" sz="1400" b="0" dirty="0">
                           <a:solidFill>
                             <a:schemeClr val="tx1"/>
                           </a:solidFill>
                         </a:rPr>
-                        <a:t> </a:t>
-                      </a:r>
-                      <a:r>
-                        <a:rPr lang="ko-KR" altLang="en-US" sz="1400" b="0" dirty="0">
-                          <a:solidFill>
-                            <a:schemeClr val="tx1"/>
-                          </a:solidFill>
-                        </a:rPr>
-                        <a:t>그로부터 약 </a:t>
-                      </a:r>
-                      <a:r>
-                        <a:rPr lang="en-US" altLang="ko-KR" sz="1400" b="0" dirty="0">
-                          <a:solidFill>
-                            <a:schemeClr val="tx1"/>
-                          </a:solidFill>
-                        </a:rPr>
-                        <a:t>50</a:t>
-                      </a:r>
-                      <a:r>
-                        <a:rPr lang="ko-KR" altLang="en-US" sz="1400" b="0" dirty="0">
-                          <a:solidFill>
-                            <a:schemeClr val="tx1"/>
-                          </a:solidFill>
-                        </a:rPr>
-                        <a:t>년</a:t>
-                      </a:r>
-                      <a:r>
-                        <a:rPr lang="en-US" altLang="ko-KR" sz="1400" b="0" dirty="0">
-                          <a:solidFill>
-                            <a:schemeClr val="tx1"/>
-                          </a:solidFill>
-                        </a:rPr>
-                        <a:t>,</a:t>
-                      </a:r>
-                      <a:r>
-                        <a:rPr lang="ko-KR" altLang="en-US" sz="1400" b="0" dirty="0">
-                          <a:solidFill>
-                            <a:schemeClr val="tx1"/>
-                          </a:solidFill>
-                        </a:rPr>
-                        <a:t> 무림을 찾아낸 달기는 무림의 정파와 </a:t>
-                      </a:r>
-                      <a:r>
-                        <a:rPr lang="ko-KR" altLang="en-US" sz="1400" b="0" dirty="0" err="1">
-                          <a:solidFill>
-                            <a:schemeClr val="tx1"/>
-                          </a:solidFill>
-                        </a:rPr>
-                        <a:t>사파</a:t>
-                      </a:r>
-                      <a:r>
-                        <a:rPr lang="ko-KR" altLang="en-US" sz="1400" b="0" dirty="0">
-                          <a:solidFill>
-                            <a:schemeClr val="tx1"/>
-                          </a:solidFill>
-                        </a:rPr>
-                        <a:t> 사이에 전쟁을 일으켜 무림 세력을 크게 약화 시켰고</a:t>
-                      </a:r>
-                      <a:r>
-                        <a:rPr lang="en-US" altLang="ko-KR" sz="1400" b="0" dirty="0">
-                          <a:solidFill>
-                            <a:schemeClr val="tx1"/>
-                          </a:solidFill>
-                        </a:rPr>
-                        <a:t> </a:t>
-                      </a:r>
-                      <a:r>
-                        <a:rPr lang="ko-KR" altLang="en-US" sz="1400" b="0" dirty="0">
-                          <a:solidFill>
-                            <a:schemeClr val="tx1"/>
-                          </a:solidFill>
-                        </a:rPr>
-                        <a:t>지맥을 뒤틀어 </a:t>
-                      </a:r>
-                      <a:r>
-                        <a:rPr lang="en-US" altLang="ko-KR" sz="1400" b="0" dirty="0">
-                          <a:solidFill>
-                            <a:schemeClr val="tx1"/>
-                          </a:solidFill>
-                        </a:rPr>
-                        <a:t>‘</a:t>
-                      </a:r>
-                      <a:r>
-                        <a:rPr lang="ko-KR" altLang="en-US" sz="1400" b="0" dirty="0">
-                          <a:solidFill>
-                            <a:schemeClr val="tx1"/>
-                          </a:solidFill>
-                        </a:rPr>
-                        <a:t>동아</a:t>
-                      </a:r>
-                      <a:r>
-                        <a:rPr lang="en-US" altLang="ko-KR" sz="1400" b="0" dirty="0">
-                          <a:solidFill>
-                            <a:schemeClr val="tx1"/>
-                          </a:solidFill>
-                        </a:rPr>
-                        <a:t>’</a:t>
-                      </a:r>
-                      <a:r>
-                        <a:rPr lang="ko-KR" altLang="en-US" sz="1400" b="0" dirty="0">
-                          <a:solidFill>
-                            <a:schemeClr val="tx1"/>
-                          </a:solidFill>
-                        </a:rPr>
-                        <a:t>에 많은 괴물들을 발생시켜 재앙을 일으켜 남은 무림 세력들을 쓸어버리려 했다</a:t>
-                      </a:r>
-                      <a:r>
-                        <a:rPr lang="en-US" altLang="ko-KR" sz="1400" b="0" dirty="0">
-                          <a:solidFill>
-                            <a:schemeClr val="tx1"/>
-                          </a:solidFill>
-                        </a:rPr>
                         <a:t>.</a:t>
                       </a:r>
-                    </a:p>
-                    <a:p>
-                      <a:pPr latinLnBrk="1"/>
-                      <a:endParaRPr lang="en-US" altLang="ko-KR" sz="1400" b="0" dirty="0">
-                        <a:solidFill>
-                          <a:schemeClr val="tx1"/>
-                        </a:solidFill>
-                      </a:endParaRPr>
-                    </a:p>
-                    <a:p>
-                      <a:pPr latinLnBrk="1"/>
-                      <a:r>
-                        <a:rPr lang="ko-KR" altLang="en-US" sz="1400" b="0" dirty="0">
-                          <a:solidFill>
-                            <a:schemeClr val="tx1"/>
-                          </a:solidFill>
-                        </a:rPr>
-                        <a:t>뒤 늦게 전쟁의 원인을 알아낸 무림은 급하게 전쟁을 멈추고 괴물들과 싸웠지만 거의 괴멸 상태가 되었다</a:t>
-                      </a:r>
-                      <a:r>
-                        <a:rPr lang="en-US" altLang="ko-KR" sz="1400" b="0" dirty="0">
-                          <a:solidFill>
-                            <a:schemeClr val="tx1"/>
-                          </a:solidFill>
-                        </a:rPr>
-                        <a:t>.</a:t>
-                      </a:r>
-                    </a:p>
-                    <a:p>
-                      <a:pPr latinLnBrk="1"/>
-                      <a:endParaRPr lang="en-US" altLang="ko-KR" sz="1400" b="0" dirty="0">
-                        <a:solidFill>
-                          <a:schemeClr val="tx1"/>
-                        </a:solidFill>
-                      </a:endParaRPr>
                     </a:p>
                   </a:txBody>
                   <a:tcPr>
@@ -8495,6 +8423,25 @@
                         </a:rPr>
                         <a:t>, </a:t>
                       </a:r>
+                    </a:p>
+                    <a:p>
+                      <a:pPr marL="0" marR="0" lvl="0" indent="0" algn="l" defTabSz="914400" rtl="0" eaLnBrk="1" fontAlgn="auto" latinLnBrk="1" hangingPunct="1">
+                        <a:lnSpc>
+                          <a:spcPct val="100000"/>
+                        </a:lnSpc>
+                        <a:spcBef>
+                          <a:spcPts val="0"/>
+                        </a:spcBef>
+                        <a:spcAft>
+                          <a:spcPts val="0"/>
+                        </a:spcAft>
+                        <a:buClrTx/>
+                        <a:buSzTx/>
+                        <a:buFontTx/>
+                        <a:buNone/>
+                        <a:tabLst/>
+                        <a:defRPr/>
+                      </a:pPr>
                       <a:r>
                         <a:rPr lang="ko-KR" altLang="en-US" sz="1400" b="0" dirty="0">
                           <a:solidFill>
@@ -8637,41 +8584,6 @@
           </a:p>
         </p:txBody>
       </p:sp>
-      <p:pic>
-        <p:nvPicPr>
-          <p:cNvPr id="19" name="그림 18">
-            <a:extLst>
-              <a:ext uri="{FF2B5EF4-FFF2-40B4-BE49-F238E27FC236}">
-                <a16:creationId xmlns:a16="http://schemas.microsoft.com/office/drawing/2014/main" id="{EF74CA12-A551-4524-9D1C-32197B6127E2}"/>
-              </a:ext>
-            </a:extLst>
-          </p:cNvPr>
-          <p:cNvPicPr>
-            <a:picLocks noChangeAspect="1"/>
-          </p:cNvPicPr>
-          <p:nvPr/>
-        </p:nvPicPr>
-        <p:blipFill rotWithShape="1">
-          <a:blip r:embed="rId2">
-            <a:extLst>
-              <a:ext uri="{28A0092B-C50C-407E-A947-70E740481C1C}">
-                <a14:useLocalDpi xmlns:a14="http://schemas.microsoft.com/office/drawing/2010/main" val="0"/>
-              </a:ext>
-            </a:extLst>
-          </a:blip>
-          <a:srcRect l="1112" t="7964" r="1157" b="4725"/>
-          <a:stretch/>
-        </p:blipFill>
-        <p:spPr>
-          <a:xfrm>
-            <a:off x="3959317" y="3429001"/>
-            <a:ext cx="7537357" cy="2644510"/>
-          </a:xfrm>
-          <a:prstGeom prst="rect">
-            <a:avLst/>
-          </a:prstGeom>
-        </p:spPr>
-      </p:pic>
       <p:sp>
         <p:nvSpPr>
           <p:cNvPr id="23" name="TextBox 22">
@@ -8687,7 +8599,7 @@
         <p:spPr>
           <a:xfrm>
             <a:off x="3918611" y="1814016"/>
-            <a:ext cx="6857339" cy="923330"/>
+            <a:ext cx="6857339" cy="1477328"/>
           </a:xfrm>
           <a:prstGeom prst="rect">
             <a:avLst/>
@@ -8707,7 +8619,39 @@
                   <a:schemeClr val="tx1"/>
                 </a:solidFill>
               </a:rPr>
-              <a:t>동양풍의 목재 건물로 외벽에 있는 기둥에 붉은 실이 묶여 있고 붉은 실에 곳곳에 </a:t>
+              <a:t>동양풍의 </a:t>
+            </a:r>
+            <a:r>
+              <a:rPr lang="en-US" altLang="ko-KR" sz="1800" b="0" dirty="0">
+                <a:solidFill>
+                  <a:schemeClr val="tx1"/>
+                </a:solidFill>
+              </a:rPr>
+              <a:t>3</a:t>
+            </a:r>
+            <a:r>
+              <a:rPr lang="ko-KR" altLang="en-US" dirty="0"/>
+              <a:t>층으로 되어 있는 목재 건물로 </a:t>
+            </a:r>
+            <a:endParaRPr lang="en-US" altLang="ko-KR" sz="1800" b="0" dirty="0">
+              <a:solidFill>
+                <a:schemeClr val="tx1"/>
+              </a:solidFill>
+            </a:endParaRPr>
+          </a:p>
+          <a:p>
+            <a:pPr latinLnBrk="1"/>
+            <a:endParaRPr lang="en-US" altLang="ko-KR" dirty="0"/>
+          </a:p>
+          <a:p>
+            <a:pPr latinLnBrk="1"/>
+            <a:r>
+              <a:rPr lang="ko-KR" altLang="en-US" sz="1800" b="0" dirty="0">
+                <a:solidFill>
+                  <a:schemeClr val="tx1"/>
+                </a:solidFill>
+              </a:rPr>
+              <a:t>외벽에 있는 기둥에 붉은 실이 묶여 있고 붉은 실에 곳곳에 </a:t>
             </a:r>
             <a:r>
               <a:rPr lang="ko-KR" altLang="en-US" sz="1800" b="0" dirty="0" err="1">
@@ -8848,169 +8792,152 @@
           </a:p>
         </p:txBody>
       </p:sp>
-      <p:grpSp>
-        <p:nvGrpSpPr>
-          <p:cNvPr id="27" name="그룹 26">
+      <p:pic>
+        <p:nvPicPr>
+          <p:cNvPr id="14" name="그림 13">
             <a:extLst>
               <a:ext uri="{FF2B5EF4-FFF2-40B4-BE49-F238E27FC236}">
-                <a16:creationId xmlns:a16="http://schemas.microsoft.com/office/drawing/2014/main" id="{9A5671E7-F8FB-4CB3-B9B3-8EB283880531}"/>
+                <a16:creationId xmlns:a16="http://schemas.microsoft.com/office/drawing/2014/main" id="{A0D947D3-F89F-4F28-8F85-29FA357813F8}"/>
               </a:ext>
             </a:extLst>
           </p:cNvPr>
-          <p:cNvGrpSpPr/>
+          <p:cNvPicPr>
+            <a:picLocks noChangeAspect="1"/>
+          </p:cNvPicPr>
           <p:nvPr/>
-        </p:nvGrpSpPr>
-        <p:grpSpPr>
+        </p:nvPicPr>
+        <p:blipFill>
+          <a:blip r:embed="rId2">
+            <a:extLst>
+              <a:ext uri="{28A0092B-C50C-407E-A947-70E740481C1C}">
+                <a14:useLocalDpi xmlns:a14="http://schemas.microsoft.com/office/drawing/2010/main" val="0"/>
+              </a:ext>
+            </a:extLst>
+          </a:blip>
+          <a:stretch>
+            <a:fillRect/>
+          </a:stretch>
+        </p:blipFill>
+        <p:spPr>
           <a:xfrm>
             <a:off x="695325" y="1158875"/>
-            <a:ext cx="3223286" cy="4914636"/>
-            <a:chOff x="695325" y="1158875"/>
-            <a:chExt cx="3223286" cy="4914636"/>
+            <a:ext cx="3223286" cy="2233613"/>
           </a:xfrm>
-        </p:grpSpPr>
-        <p:pic>
-          <p:nvPicPr>
-            <p:cNvPr id="14" name="그림 13">
-              <a:extLst>
-                <a:ext uri="{FF2B5EF4-FFF2-40B4-BE49-F238E27FC236}">
-                  <a16:creationId xmlns:a16="http://schemas.microsoft.com/office/drawing/2014/main" id="{A0D947D3-F89F-4F28-8F85-29FA357813F8}"/>
-                </a:ext>
-              </a:extLst>
-            </p:cNvPr>
-            <p:cNvPicPr>
-              <a:picLocks noChangeAspect="1"/>
-            </p:cNvPicPr>
-            <p:nvPr/>
-          </p:nvPicPr>
-          <p:blipFill>
-            <a:blip r:embed="rId3">
-              <a:extLst>
-                <a:ext uri="{28A0092B-C50C-407E-A947-70E740481C1C}">
-                  <a14:useLocalDpi xmlns:a14="http://schemas.microsoft.com/office/drawing/2010/main" val="0"/>
-                </a:ext>
-              </a:extLst>
-            </a:blip>
-            <a:stretch>
-              <a:fillRect/>
-            </a:stretch>
-          </p:blipFill>
-          <p:spPr>
-            <a:xfrm>
-              <a:off x="695325" y="1158875"/>
-              <a:ext cx="3223286" cy="2233613"/>
-            </a:xfrm>
-            <a:prstGeom prst="rect">
-              <a:avLst/>
-            </a:prstGeom>
-          </p:spPr>
-        </p:pic>
-        <p:pic>
-          <p:nvPicPr>
-            <p:cNvPr id="8" name="그림 7">
-              <a:extLst>
-                <a:ext uri="{FF2B5EF4-FFF2-40B4-BE49-F238E27FC236}">
-                  <a16:creationId xmlns:a16="http://schemas.microsoft.com/office/drawing/2014/main" id="{9A144B7F-323E-4806-AAAA-C6A633C8B9EC}"/>
-                </a:ext>
-              </a:extLst>
-            </p:cNvPr>
-            <p:cNvPicPr>
-              <a:picLocks noChangeAspect="1"/>
-            </p:cNvPicPr>
-            <p:nvPr/>
-          </p:nvPicPr>
-          <p:blipFill rotWithShape="1">
-            <a:blip r:embed="rId4">
-              <a:extLst>
-                <a:ext uri="{28A0092B-C50C-407E-A947-70E740481C1C}">
-                  <a14:useLocalDpi xmlns:a14="http://schemas.microsoft.com/office/drawing/2010/main" val="0"/>
-                </a:ext>
-              </a:extLst>
-            </a:blip>
-            <a:srcRect l="30981" r="17014"/>
-            <a:stretch/>
-          </p:blipFill>
-          <p:spPr>
-            <a:xfrm>
-              <a:off x="695325" y="3429000"/>
-              <a:ext cx="1964713" cy="2644510"/>
-            </a:xfrm>
-            <a:prstGeom prst="rect">
-              <a:avLst/>
-            </a:prstGeom>
-          </p:spPr>
-        </p:pic>
-        <p:pic>
-          <p:nvPicPr>
-            <p:cNvPr id="16" name="그림 15">
-              <a:extLst>
-                <a:ext uri="{FF2B5EF4-FFF2-40B4-BE49-F238E27FC236}">
-                  <a16:creationId xmlns:a16="http://schemas.microsoft.com/office/drawing/2014/main" id="{6725D3DD-0482-4683-BEA7-9C2C3FC06F10}"/>
-                </a:ext>
-              </a:extLst>
-            </p:cNvPr>
-            <p:cNvPicPr>
-              <a:picLocks noChangeAspect="1"/>
-            </p:cNvPicPr>
-            <p:nvPr/>
-          </p:nvPicPr>
-          <p:blipFill>
-            <a:blip r:embed="rId5">
-              <a:extLst>
-                <a:ext uri="{28A0092B-C50C-407E-A947-70E740481C1C}">
-                  <a14:useLocalDpi xmlns:a14="http://schemas.microsoft.com/office/drawing/2010/main" val="0"/>
-                </a:ext>
-              </a:extLst>
-            </a:blip>
-            <a:stretch>
-              <a:fillRect/>
-            </a:stretch>
-          </p:blipFill>
-          <p:spPr>
-            <a:xfrm>
-              <a:off x="2736398" y="5309047"/>
-              <a:ext cx="1182213" cy="764464"/>
-            </a:xfrm>
-            <a:prstGeom prst="rect">
-              <a:avLst/>
-            </a:prstGeom>
-          </p:spPr>
-        </p:pic>
-        <p:pic>
-          <p:nvPicPr>
-            <p:cNvPr id="25" name="그림 24">
-              <a:extLst>
-                <a:ext uri="{FF2B5EF4-FFF2-40B4-BE49-F238E27FC236}">
-                  <a16:creationId xmlns:a16="http://schemas.microsoft.com/office/drawing/2014/main" id="{76B1B2F5-99E2-495B-B6D8-0EF11CFB6EF0}"/>
-                </a:ext>
-              </a:extLst>
-            </p:cNvPr>
-            <p:cNvPicPr>
-              <a:picLocks noChangeAspect="1"/>
-            </p:cNvPicPr>
-            <p:nvPr/>
-          </p:nvPicPr>
-          <p:blipFill rotWithShape="1">
-            <a:blip r:embed="rId6" cstate="print">
-              <a:extLst>
-                <a:ext uri="{28A0092B-C50C-407E-A947-70E740481C1C}">
-                  <a14:useLocalDpi xmlns:a14="http://schemas.microsoft.com/office/drawing/2010/main" val="0"/>
-                </a:ext>
-              </a:extLst>
-            </a:blip>
-            <a:srcRect l="19661" r="19416" b="7354"/>
-            <a:stretch/>
-          </p:blipFill>
-          <p:spPr>
-            <a:xfrm>
-              <a:off x="2736398" y="3429000"/>
-              <a:ext cx="1182213" cy="1880047"/>
-            </a:xfrm>
-            <a:prstGeom prst="rect">
-              <a:avLst/>
-            </a:prstGeom>
-          </p:spPr>
-        </p:pic>
-      </p:grpSp>
+          <a:prstGeom prst="rect">
+            <a:avLst/>
+          </a:prstGeom>
+        </p:spPr>
+      </p:pic>
+      <p:sp>
+        <p:nvSpPr>
+          <p:cNvPr id="2" name="직사각형 1">
+            <a:extLst>
+              <a:ext uri="{FF2B5EF4-FFF2-40B4-BE49-F238E27FC236}">
+                <a16:creationId xmlns:a16="http://schemas.microsoft.com/office/drawing/2014/main" id="{39366C45-C99C-4313-8C7C-815D9B2AF7C7}"/>
+              </a:ext>
+            </a:extLst>
+          </p:cNvPr>
+          <p:cNvSpPr/>
+          <p:nvPr/>
+        </p:nvSpPr>
+        <p:spPr>
+          <a:xfrm>
+            <a:off x="3050932" y="4431324"/>
+            <a:ext cx="290146" cy="1019908"/>
+          </a:xfrm>
+          <a:prstGeom prst="rect">
+            <a:avLst/>
+          </a:prstGeom>
+          <a:solidFill>
+            <a:schemeClr val="accent4">
+              <a:lumMod val="60000"/>
+              <a:lumOff val="40000"/>
+            </a:schemeClr>
+          </a:solidFill>
+          <a:ln>
+            <a:noFill/>
+          </a:ln>
+        </p:spPr>
+        <p:style>
+          <a:lnRef idx="2">
+            <a:schemeClr val="accent1">
+              <a:shade val="50000"/>
+            </a:schemeClr>
+          </a:lnRef>
+          <a:fillRef idx="1">
+            <a:schemeClr val="accent1"/>
+          </a:fillRef>
+          <a:effectRef idx="0">
+            <a:schemeClr val="accent1"/>
+          </a:effectRef>
+          <a:fontRef idx="minor">
+            <a:schemeClr val="lt1"/>
+          </a:fontRef>
+        </p:style>
+        <p:txBody>
+          <a:bodyPr rtlCol="0" anchor="ctr"/>
+          <a:lstStyle/>
+          <a:p>
+            <a:pPr algn="ctr"/>
+            <a:r>
+              <a:rPr lang="ko-KR" altLang="en-US" b="1" dirty="0">
+                <a:solidFill>
+                  <a:srgbClr val="FF0000"/>
+                </a:solidFill>
+              </a:rPr>
+              <a:t>┌</a:t>
+            </a:r>
+            <a:endParaRPr lang="en-US" altLang="ko-KR" b="1" dirty="0">
+              <a:solidFill>
+                <a:srgbClr val="FF0000"/>
+              </a:solidFill>
+            </a:endParaRPr>
+          </a:p>
+          <a:p>
+            <a:pPr algn="ctr"/>
+            <a:r>
+              <a:rPr lang="ko-KR" altLang="en-US" b="1" dirty="0">
+                <a:solidFill>
+                  <a:srgbClr val="FF0000"/>
+                </a:solidFill>
+              </a:rPr>
+              <a:t>韓</a:t>
+            </a:r>
+            <a:endParaRPr lang="en-US" altLang="ko-KR" b="1" dirty="0">
+              <a:solidFill>
+                <a:srgbClr val="FF0000"/>
+              </a:solidFill>
+            </a:endParaRPr>
+          </a:p>
+          <a:p>
+            <a:pPr algn="ctr"/>
+            <a:r>
+              <a:rPr lang="ko-KR" altLang="en-US" b="1" dirty="0">
+                <a:solidFill>
+                  <a:srgbClr val="FF0000"/>
+                </a:solidFill>
+              </a:rPr>
+              <a:t>字</a:t>
+            </a:r>
+            <a:endParaRPr lang="en-US" altLang="ko-KR" b="1" dirty="0">
+              <a:solidFill>
+                <a:srgbClr val="FF0000"/>
+              </a:solidFill>
+            </a:endParaRPr>
+          </a:p>
+          <a:p>
+            <a:pPr algn="ctr"/>
+            <a:r>
+              <a:rPr lang="ko-KR" altLang="en-US" b="1" dirty="0">
+                <a:solidFill>
+                  <a:srgbClr val="FF0000"/>
+                </a:solidFill>
+              </a:rPr>
+              <a:t>┘</a:t>
+            </a:r>
+          </a:p>
+        </p:txBody>
+      </p:sp>
     </p:spTree>
     <p:extLst>
       <p:ext uri="{BB962C8B-B14F-4D97-AF65-F5344CB8AC3E}">
